--- a/main-labs/switching/one-bridge/0110-kathara-lab_one-bridge.pptx
+++ b/main-labs/switching/one-bridge/0110-kathara-lab_one-bridge.pptx
@@ -5,32 +5,31 @@
     <p:sldMasterId id="2147483785" r:id="rId1"/>
   </p:sldMasterIdLst>
   <p:notesMasterIdLst>
-    <p:notesMasterId r:id="rId22"/>
+    <p:notesMasterId r:id="rId21"/>
   </p:notesMasterIdLst>
   <p:handoutMasterIdLst>
-    <p:handoutMasterId r:id="rId23"/>
+    <p:handoutMasterId r:id="rId22"/>
   </p:handoutMasterIdLst>
   <p:sldIdLst>
     <p:sldId id="353" r:id="rId2"/>
     <p:sldId id="392" r:id="rId3"/>
     <p:sldId id="343" r:id="rId4"/>
     <p:sldId id="399" r:id="rId5"/>
-    <p:sldId id="402" r:id="rId6"/>
-    <p:sldId id="401" r:id="rId7"/>
-    <p:sldId id="403" r:id="rId8"/>
-    <p:sldId id="409" r:id="rId9"/>
-    <p:sldId id="404" r:id="rId10"/>
-    <p:sldId id="405" r:id="rId11"/>
-    <p:sldId id="406" r:id="rId12"/>
-    <p:sldId id="407" r:id="rId13"/>
-    <p:sldId id="408" r:id="rId14"/>
-    <p:sldId id="410" r:id="rId15"/>
-    <p:sldId id="411" r:id="rId16"/>
-    <p:sldId id="415" r:id="rId17"/>
-    <p:sldId id="412" r:id="rId18"/>
-    <p:sldId id="413" r:id="rId19"/>
-    <p:sldId id="414" r:id="rId20"/>
-    <p:sldId id="416" r:id="rId21"/>
+    <p:sldId id="401" r:id="rId6"/>
+    <p:sldId id="403" r:id="rId7"/>
+    <p:sldId id="409" r:id="rId8"/>
+    <p:sldId id="404" r:id="rId9"/>
+    <p:sldId id="405" r:id="rId10"/>
+    <p:sldId id="406" r:id="rId11"/>
+    <p:sldId id="407" r:id="rId12"/>
+    <p:sldId id="408" r:id="rId13"/>
+    <p:sldId id="410" r:id="rId14"/>
+    <p:sldId id="411" r:id="rId15"/>
+    <p:sldId id="415" r:id="rId16"/>
+    <p:sldId id="412" r:id="rId17"/>
+    <p:sldId id="413" r:id="rId18"/>
+    <p:sldId id="414" r:id="rId19"/>
+    <p:sldId id="416" r:id="rId20"/>
   </p:sldIdLst>
   <p:sldSz cx="12192000" cy="6858000"/>
   <p:notesSz cx="6858000" cy="9144000"/>
@@ -189,1524 +188,6 @@
 
 <file path=ppt/changesInfos/changesInfo1.xml><?xml version="1.0" encoding="utf-8"?>
 <pc:chgInfo xmlns:a="http://schemas.openxmlformats.org/drawingml/2006/main" xmlns:r="http://schemas.openxmlformats.org/officeDocument/2006/relationships" xmlns:ac="http://schemas.microsoft.com/office/drawing/2013/main/command" xmlns:pc="http://schemas.microsoft.com/office/powerpoint/2013/main/command">
-  <pc:docChgLst>
-    <pc:chgData name="Lorenzo Ariemma" userId="359e4d9b-18ad-408c-9e1b-373fb95ff396" providerId="ADAL" clId="{0B7C2297-B20D-6F4D-A9F0-DB2ECE2A8EC1}"/>
-    <pc:docChg chg="undo custSel modSld">
-      <pc:chgData name="Lorenzo Ariemma" userId="359e4d9b-18ad-408c-9e1b-373fb95ff396" providerId="ADAL" clId="{0B7C2297-B20D-6F4D-A9F0-DB2ECE2A8EC1}" dt="2023-10-24T14:31:14.413" v="88" actId="1076"/>
-      <pc:docMkLst>
-        <pc:docMk/>
-      </pc:docMkLst>
-      <pc:sldChg chg="addSp delSp modSp mod">
-        <pc:chgData name="Lorenzo Ariemma" userId="359e4d9b-18ad-408c-9e1b-373fb95ff396" providerId="ADAL" clId="{0B7C2297-B20D-6F4D-A9F0-DB2ECE2A8EC1}" dt="2023-10-24T14:31:14.413" v="88" actId="1076"/>
-        <pc:sldMkLst>
-          <pc:docMk/>
-          <pc:sldMk cId="0" sldId="343"/>
-        </pc:sldMkLst>
-        <pc:spChg chg="mod">
-          <ac:chgData name="Lorenzo Ariemma" userId="359e4d9b-18ad-408c-9e1b-373fb95ff396" providerId="ADAL" clId="{0B7C2297-B20D-6F4D-A9F0-DB2ECE2A8EC1}" dt="2023-10-24T14:26:08.322" v="2" actId="1076"/>
-          <ac:spMkLst>
-            <pc:docMk/>
-            <pc:sldMk cId="0" sldId="343"/>
-            <ac:spMk id="11" creationId="{BCC83BAD-8A10-A85A-B17E-62BE79BD3784}"/>
-          </ac:spMkLst>
-        </pc:spChg>
-        <pc:spChg chg="mod">
-          <ac:chgData name="Lorenzo Ariemma" userId="359e4d9b-18ad-408c-9e1b-373fb95ff396" providerId="ADAL" clId="{0B7C2297-B20D-6F4D-A9F0-DB2ECE2A8EC1}" dt="2023-10-24T14:26:08.322" v="2" actId="1076"/>
-          <ac:spMkLst>
-            <pc:docMk/>
-            <pc:sldMk cId="0" sldId="343"/>
-            <ac:spMk id="12" creationId="{1BAC95F1-C25A-9A1F-4439-6ED0CBE9D818}"/>
-          </ac:spMkLst>
-        </pc:spChg>
-        <pc:spChg chg="mod">
-          <ac:chgData name="Lorenzo Ariemma" userId="359e4d9b-18ad-408c-9e1b-373fb95ff396" providerId="ADAL" clId="{0B7C2297-B20D-6F4D-A9F0-DB2ECE2A8EC1}" dt="2023-10-24T14:26:08.322" v="2" actId="1076"/>
-          <ac:spMkLst>
-            <pc:docMk/>
-            <pc:sldMk cId="0" sldId="343"/>
-            <ac:spMk id="13" creationId="{C9F7D454-E233-CD12-7E95-C5AFB17C3DDF}"/>
-          </ac:spMkLst>
-        </pc:spChg>
-        <pc:spChg chg="mod">
-          <ac:chgData name="Lorenzo Ariemma" userId="359e4d9b-18ad-408c-9e1b-373fb95ff396" providerId="ADAL" clId="{0B7C2297-B20D-6F4D-A9F0-DB2ECE2A8EC1}" dt="2023-10-24T14:26:08.322" v="2" actId="1076"/>
-          <ac:spMkLst>
-            <pc:docMk/>
-            <pc:sldMk cId="0" sldId="343"/>
-            <ac:spMk id="14" creationId="{C07218CE-3507-2730-AF81-7381B46D6E75}"/>
-          </ac:spMkLst>
-        </pc:spChg>
-        <pc:spChg chg="mod">
-          <ac:chgData name="Lorenzo Ariemma" userId="359e4d9b-18ad-408c-9e1b-373fb95ff396" providerId="ADAL" clId="{0B7C2297-B20D-6F4D-A9F0-DB2ECE2A8EC1}" dt="2023-10-24T14:26:08.322" v="2" actId="1076"/>
-          <ac:spMkLst>
-            <pc:docMk/>
-            <pc:sldMk cId="0" sldId="343"/>
-            <ac:spMk id="15" creationId="{E890CA98-8171-E74B-9A66-F9CA8346FA20}"/>
-          </ac:spMkLst>
-        </pc:spChg>
-        <pc:spChg chg="mod">
-          <ac:chgData name="Lorenzo Ariemma" userId="359e4d9b-18ad-408c-9e1b-373fb95ff396" providerId="ADAL" clId="{0B7C2297-B20D-6F4D-A9F0-DB2ECE2A8EC1}" dt="2023-10-24T14:26:08.322" v="2" actId="1076"/>
-          <ac:spMkLst>
-            <pc:docMk/>
-            <pc:sldMk cId="0" sldId="343"/>
-            <ac:spMk id="16" creationId="{C212B480-91CF-C67F-A7EC-877DB8E980AA}"/>
-          </ac:spMkLst>
-        </pc:spChg>
-        <pc:spChg chg="mod">
-          <ac:chgData name="Lorenzo Ariemma" userId="359e4d9b-18ad-408c-9e1b-373fb95ff396" providerId="ADAL" clId="{0B7C2297-B20D-6F4D-A9F0-DB2ECE2A8EC1}" dt="2023-10-24T14:26:08.322" v="2" actId="1076"/>
-          <ac:spMkLst>
-            <pc:docMk/>
-            <pc:sldMk cId="0" sldId="343"/>
-            <ac:spMk id="18" creationId="{5D23D520-32AF-02B7-C820-28122CE8FC84}"/>
-          </ac:spMkLst>
-        </pc:spChg>
-        <pc:spChg chg="mod">
-          <ac:chgData name="Lorenzo Ariemma" userId="359e4d9b-18ad-408c-9e1b-373fb95ff396" providerId="ADAL" clId="{0B7C2297-B20D-6F4D-A9F0-DB2ECE2A8EC1}" dt="2023-10-24T14:26:08.322" v="2" actId="1076"/>
-          <ac:spMkLst>
-            <pc:docMk/>
-            <pc:sldMk cId="0" sldId="343"/>
-            <ac:spMk id="22" creationId="{AAFA6359-BB45-8FC7-723C-EB2F1E4C0D6D}"/>
-          </ac:spMkLst>
-        </pc:spChg>
-        <pc:spChg chg="mod">
-          <ac:chgData name="Lorenzo Ariemma" userId="359e4d9b-18ad-408c-9e1b-373fb95ff396" providerId="ADAL" clId="{0B7C2297-B20D-6F4D-A9F0-DB2ECE2A8EC1}" dt="2023-10-24T14:26:08.322" v="2" actId="1076"/>
-          <ac:spMkLst>
-            <pc:docMk/>
-            <pc:sldMk cId="0" sldId="343"/>
-            <ac:spMk id="23" creationId="{CEADAFFE-9FBD-C3A6-67D0-459E1FA0F1AE}"/>
-          </ac:spMkLst>
-        </pc:spChg>
-        <pc:spChg chg="mod">
-          <ac:chgData name="Lorenzo Ariemma" userId="359e4d9b-18ad-408c-9e1b-373fb95ff396" providerId="ADAL" clId="{0B7C2297-B20D-6F4D-A9F0-DB2ECE2A8EC1}" dt="2023-10-24T14:26:08.322" v="2" actId="1076"/>
-          <ac:spMkLst>
-            <pc:docMk/>
-            <pc:sldMk cId="0" sldId="343"/>
-            <ac:spMk id="24" creationId="{32EE085C-0253-3193-465D-3857015E844F}"/>
-          </ac:spMkLst>
-        </pc:spChg>
-        <pc:spChg chg="mod">
-          <ac:chgData name="Lorenzo Ariemma" userId="359e4d9b-18ad-408c-9e1b-373fb95ff396" providerId="ADAL" clId="{0B7C2297-B20D-6F4D-A9F0-DB2ECE2A8EC1}" dt="2023-10-24T14:26:08.322" v="2" actId="1076"/>
-          <ac:spMkLst>
-            <pc:docMk/>
-            <pc:sldMk cId="0" sldId="343"/>
-            <ac:spMk id="25" creationId="{EA477EDC-89A2-65E2-613D-6444CADE9D44}"/>
-          </ac:spMkLst>
-        </pc:spChg>
-        <pc:spChg chg="mod">
-          <ac:chgData name="Lorenzo Ariemma" userId="359e4d9b-18ad-408c-9e1b-373fb95ff396" providerId="ADAL" clId="{0B7C2297-B20D-6F4D-A9F0-DB2ECE2A8EC1}" dt="2023-10-24T14:26:08.322" v="2" actId="1076"/>
-          <ac:spMkLst>
-            <pc:docMk/>
-            <pc:sldMk cId="0" sldId="343"/>
-            <ac:spMk id="26" creationId="{E6A39013-E5FA-984E-6F13-3F6A518D87B0}"/>
-          </ac:spMkLst>
-        </pc:spChg>
-        <pc:spChg chg="mod">
-          <ac:chgData name="Lorenzo Ariemma" userId="359e4d9b-18ad-408c-9e1b-373fb95ff396" providerId="ADAL" clId="{0B7C2297-B20D-6F4D-A9F0-DB2ECE2A8EC1}" dt="2023-10-24T14:26:08.322" v="2" actId="1076"/>
-          <ac:spMkLst>
-            <pc:docMk/>
-            <pc:sldMk cId="0" sldId="343"/>
-            <ac:spMk id="27" creationId="{71029043-6912-0E93-1A2B-E90719FF375B}"/>
-          </ac:spMkLst>
-        </pc:spChg>
-        <pc:spChg chg="mod">
-          <ac:chgData name="Lorenzo Ariemma" userId="359e4d9b-18ad-408c-9e1b-373fb95ff396" providerId="ADAL" clId="{0B7C2297-B20D-6F4D-A9F0-DB2ECE2A8EC1}" dt="2023-10-24T14:26:08.322" v="2" actId="1076"/>
-          <ac:spMkLst>
-            <pc:docMk/>
-            <pc:sldMk cId="0" sldId="343"/>
-            <ac:spMk id="28" creationId="{892500DD-35CB-6486-3A49-67A1A0BC5733}"/>
-          </ac:spMkLst>
-        </pc:spChg>
-        <pc:spChg chg="mod">
-          <ac:chgData name="Lorenzo Ariemma" userId="359e4d9b-18ad-408c-9e1b-373fb95ff396" providerId="ADAL" clId="{0B7C2297-B20D-6F4D-A9F0-DB2ECE2A8EC1}" dt="2023-10-24T14:26:08.322" v="2" actId="1076"/>
-          <ac:spMkLst>
-            <pc:docMk/>
-            <pc:sldMk cId="0" sldId="343"/>
-            <ac:spMk id="29" creationId="{87E13D18-5C49-81ED-DD30-4C8329062A2F}"/>
-          </ac:spMkLst>
-        </pc:spChg>
-        <pc:spChg chg="mod">
-          <ac:chgData name="Lorenzo Ariemma" userId="359e4d9b-18ad-408c-9e1b-373fb95ff396" providerId="ADAL" clId="{0B7C2297-B20D-6F4D-A9F0-DB2ECE2A8EC1}" dt="2023-10-24T14:26:08.322" v="2" actId="1076"/>
-          <ac:spMkLst>
-            <pc:docMk/>
-            <pc:sldMk cId="0" sldId="343"/>
-            <ac:spMk id="30" creationId="{CF856A5D-86B8-C035-8BC5-D5EA63DE0696}"/>
-          </ac:spMkLst>
-        </pc:spChg>
-        <pc:spChg chg="mod">
-          <ac:chgData name="Lorenzo Ariemma" userId="359e4d9b-18ad-408c-9e1b-373fb95ff396" providerId="ADAL" clId="{0B7C2297-B20D-6F4D-A9F0-DB2ECE2A8EC1}" dt="2023-10-24T14:26:08.322" v="2" actId="1076"/>
-          <ac:spMkLst>
-            <pc:docMk/>
-            <pc:sldMk cId="0" sldId="343"/>
-            <ac:spMk id="31" creationId="{AC68A8E8-840B-25C2-5B5A-BAC1BAA3E89D}"/>
-          </ac:spMkLst>
-        </pc:spChg>
-        <pc:spChg chg="mod">
-          <ac:chgData name="Lorenzo Ariemma" userId="359e4d9b-18ad-408c-9e1b-373fb95ff396" providerId="ADAL" clId="{0B7C2297-B20D-6F4D-A9F0-DB2ECE2A8EC1}" dt="2023-10-24T14:26:08.322" v="2" actId="1076"/>
-          <ac:spMkLst>
-            <pc:docMk/>
-            <pc:sldMk cId="0" sldId="343"/>
-            <ac:spMk id="32" creationId="{0708AC1A-B73B-0313-831D-A1F9BDBCD3F6}"/>
-          </ac:spMkLst>
-        </pc:spChg>
-        <pc:spChg chg="mod">
-          <ac:chgData name="Lorenzo Ariemma" userId="359e4d9b-18ad-408c-9e1b-373fb95ff396" providerId="ADAL" clId="{0B7C2297-B20D-6F4D-A9F0-DB2ECE2A8EC1}" dt="2023-10-24T14:26:08.322" v="2" actId="1076"/>
-          <ac:spMkLst>
-            <pc:docMk/>
-            <pc:sldMk cId="0" sldId="343"/>
-            <ac:spMk id="33" creationId="{C34D93ED-2460-F135-7863-673AB0BAD169}"/>
-          </ac:spMkLst>
-        </pc:spChg>
-        <pc:spChg chg="mod">
-          <ac:chgData name="Lorenzo Ariemma" userId="359e4d9b-18ad-408c-9e1b-373fb95ff396" providerId="ADAL" clId="{0B7C2297-B20D-6F4D-A9F0-DB2ECE2A8EC1}" dt="2023-10-24T14:26:08.322" v="2" actId="1076"/>
-          <ac:spMkLst>
-            <pc:docMk/>
-            <pc:sldMk cId="0" sldId="343"/>
-            <ac:spMk id="34" creationId="{5C35BE07-72BE-5901-2A2F-11444590A6AC}"/>
-          </ac:spMkLst>
-        </pc:spChg>
-        <pc:spChg chg="mod">
-          <ac:chgData name="Lorenzo Ariemma" userId="359e4d9b-18ad-408c-9e1b-373fb95ff396" providerId="ADAL" clId="{0B7C2297-B20D-6F4D-A9F0-DB2ECE2A8EC1}" dt="2023-10-24T14:26:08.322" v="2" actId="1076"/>
-          <ac:spMkLst>
-            <pc:docMk/>
-            <pc:sldMk cId="0" sldId="343"/>
-            <ac:spMk id="35" creationId="{BCF2590A-B4D5-5453-B003-4AEE1399BC4D}"/>
-          </ac:spMkLst>
-        </pc:spChg>
-        <pc:spChg chg="mod">
-          <ac:chgData name="Lorenzo Ariemma" userId="359e4d9b-18ad-408c-9e1b-373fb95ff396" providerId="ADAL" clId="{0B7C2297-B20D-6F4D-A9F0-DB2ECE2A8EC1}" dt="2023-10-24T14:26:08.322" v="2" actId="1076"/>
-          <ac:spMkLst>
-            <pc:docMk/>
-            <pc:sldMk cId="0" sldId="343"/>
-            <ac:spMk id="36" creationId="{04EC8394-4409-350A-57C9-160B708F4EC8}"/>
-          </ac:spMkLst>
-        </pc:spChg>
-        <pc:spChg chg="mod">
-          <ac:chgData name="Lorenzo Ariemma" userId="359e4d9b-18ad-408c-9e1b-373fb95ff396" providerId="ADAL" clId="{0B7C2297-B20D-6F4D-A9F0-DB2ECE2A8EC1}" dt="2023-10-24T14:26:08.322" v="2" actId="1076"/>
-          <ac:spMkLst>
-            <pc:docMk/>
-            <pc:sldMk cId="0" sldId="343"/>
-            <ac:spMk id="37" creationId="{8AB9D897-EC9C-A0EE-995D-A878759AA655}"/>
-          </ac:spMkLst>
-        </pc:spChg>
-        <pc:spChg chg="mod">
-          <ac:chgData name="Lorenzo Ariemma" userId="359e4d9b-18ad-408c-9e1b-373fb95ff396" providerId="ADAL" clId="{0B7C2297-B20D-6F4D-A9F0-DB2ECE2A8EC1}" dt="2023-10-24T14:26:08.322" v="2" actId="1076"/>
-          <ac:spMkLst>
-            <pc:docMk/>
-            <pc:sldMk cId="0" sldId="343"/>
-            <ac:spMk id="38" creationId="{259A3971-112D-D457-B182-7F2448DE8782}"/>
-          </ac:spMkLst>
-        </pc:spChg>
-        <pc:spChg chg="mod">
-          <ac:chgData name="Lorenzo Ariemma" userId="359e4d9b-18ad-408c-9e1b-373fb95ff396" providerId="ADAL" clId="{0B7C2297-B20D-6F4D-A9F0-DB2ECE2A8EC1}" dt="2023-10-24T14:26:08.322" v="2" actId="1076"/>
-          <ac:spMkLst>
-            <pc:docMk/>
-            <pc:sldMk cId="0" sldId="343"/>
-            <ac:spMk id="39" creationId="{9E774FBF-B370-36A2-CBA2-1613928361BC}"/>
-          </ac:spMkLst>
-        </pc:spChg>
-        <pc:spChg chg="mod">
-          <ac:chgData name="Lorenzo Ariemma" userId="359e4d9b-18ad-408c-9e1b-373fb95ff396" providerId="ADAL" clId="{0B7C2297-B20D-6F4D-A9F0-DB2ECE2A8EC1}" dt="2023-10-24T14:26:08.322" v="2" actId="1076"/>
-          <ac:spMkLst>
-            <pc:docMk/>
-            <pc:sldMk cId="0" sldId="343"/>
-            <ac:spMk id="40" creationId="{171B96DF-2410-46A5-7FA1-F1E79AEB304F}"/>
-          </ac:spMkLst>
-        </pc:spChg>
-        <pc:spChg chg="mod">
-          <ac:chgData name="Lorenzo Ariemma" userId="359e4d9b-18ad-408c-9e1b-373fb95ff396" providerId="ADAL" clId="{0B7C2297-B20D-6F4D-A9F0-DB2ECE2A8EC1}" dt="2023-10-24T14:26:08.322" v="2" actId="1076"/>
-          <ac:spMkLst>
-            <pc:docMk/>
-            <pc:sldMk cId="0" sldId="343"/>
-            <ac:spMk id="41" creationId="{3AB8CE9B-9E68-95D2-6D80-2E1B67ADD6EF}"/>
-          </ac:spMkLst>
-        </pc:spChg>
-        <pc:spChg chg="mod">
-          <ac:chgData name="Lorenzo Ariemma" userId="359e4d9b-18ad-408c-9e1b-373fb95ff396" providerId="ADAL" clId="{0B7C2297-B20D-6F4D-A9F0-DB2ECE2A8EC1}" dt="2023-10-24T14:26:08.322" v="2" actId="1076"/>
-          <ac:spMkLst>
-            <pc:docMk/>
-            <pc:sldMk cId="0" sldId="343"/>
-            <ac:spMk id="42" creationId="{AABB4750-6853-3E7A-5F9D-D1D7D49508A3}"/>
-          </ac:spMkLst>
-        </pc:spChg>
-        <pc:spChg chg="mod">
-          <ac:chgData name="Lorenzo Ariemma" userId="359e4d9b-18ad-408c-9e1b-373fb95ff396" providerId="ADAL" clId="{0B7C2297-B20D-6F4D-A9F0-DB2ECE2A8EC1}" dt="2023-10-24T14:26:08.322" v="2" actId="1076"/>
-          <ac:spMkLst>
-            <pc:docMk/>
-            <pc:sldMk cId="0" sldId="343"/>
-            <ac:spMk id="43" creationId="{5BE5CDF2-5DF2-77B5-2925-E9D33ECDC7DD}"/>
-          </ac:spMkLst>
-        </pc:spChg>
-        <pc:spChg chg="mod">
-          <ac:chgData name="Lorenzo Ariemma" userId="359e4d9b-18ad-408c-9e1b-373fb95ff396" providerId="ADAL" clId="{0B7C2297-B20D-6F4D-A9F0-DB2ECE2A8EC1}" dt="2023-10-24T14:26:08.322" v="2" actId="1076"/>
-          <ac:spMkLst>
-            <pc:docMk/>
-            <pc:sldMk cId="0" sldId="343"/>
-            <ac:spMk id="44" creationId="{C16DF709-5CC1-761A-08A4-5FA226B61BA2}"/>
-          </ac:spMkLst>
-        </pc:spChg>
-        <pc:spChg chg="mod">
-          <ac:chgData name="Lorenzo Ariemma" userId="359e4d9b-18ad-408c-9e1b-373fb95ff396" providerId="ADAL" clId="{0B7C2297-B20D-6F4D-A9F0-DB2ECE2A8EC1}" dt="2023-10-24T14:27:00.631" v="12" actId="1076"/>
-          <ac:spMkLst>
-            <pc:docMk/>
-            <pc:sldMk cId="0" sldId="343"/>
-            <ac:spMk id="49" creationId="{919013FE-F3F7-1327-1EE2-3D84B68131E2}"/>
-          </ac:spMkLst>
-        </pc:spChg>
-        <pc:spChg chg="mod">
-          <ac:chgData name="Lorenzo Ariemma" userId="359e4d9b-18ad-408c-9e1b-373fb95ff396" providerId="ADAL" clId="{0B7C2297-B20D-6F4D-A9F0-DB2ECE2A8EC1}" dt="2023-10-24T14:27:00.631" v="12" actId="1076"/>
-          <ac:spMkLst>
-            <pc:docMk/>
-            <pc:sldMk cId="0" sldId="343"/>
-            <ac:spMk id="50" creationId="{E8008287-47F4-4B81-C68D-8D7D4CDF887A}"/>
-          </ac:spMkLst>
-        </pc:spChg>
-        <pc:spChg chg="mod">
-          <ac:chgData name="Lorenzo Ariemma" userId="359e4d9b-18ad-408c-9e1b-373fb95ff396" providerId="ADAL" clId="{0B7C2297-B20D-6F4D-A9F0-DB2ECE2A8EC1}" dt="2023-10-24T14:27:00.631" v="12" actId="1076"/>
-          <ac:spMkLst>
-            <pc:docMk/>
-            <pc:sldMk cId="0" sldId="343"/>
-            <ac:spMk id="51" creationId="{F854939E-25EE-7CEE-CC42-B5AF4EC7CEC4}"/>
-          </ac:spMkLst>
-        </pc:spChg>
-        <pc:spChg chg="mod">
-          <ac:chgData name="Lorenzo Ariemma" userId="359e4d9b-18ad-408c-9e1b-373fb95ff396" providerId="ADAL" clId="{0B7C2297-B20D-6F4D-A9F0-DB2ECE2A8EC1}" dt="2023-10-24T14:27:00.631" v="12" actId="1076"/>
-          <ac:spMkLst>
-            <pc:docMk/>
-            <pc:sldMk cId="0" sldId="343"/>
-            <ac:spMk id="52" creationId="{145F511E-ADE4-AEF6-E2A0-420AA02EC899}"/>
-          </ac:spMkLst>
-        </pc:spChg>
-        <pc:spChg chg="mod">
-          <ac:chgData name="Lorenzo Ariemma" userId="359e4d9b-18ad-408c-9e1b-373fb95ff396" providerId="ADAL" clId="{0B7C2297-B20D-6F4D-A9F0-DB2ECE2A8EC1}" dt="2023-10-24T14:27:00.631" v="12" actId="1076"/>
-          <ac:spMkLst>
-            <pc:docMk/>
-            <pc:sldMk cId="0" sldId="343"/>
-            <ac:spMk id="53" creationId="{7851D22F-2271-9C8B-187D-C00A96845154}"/>
-          </ac:spMkLst>
-        </pc:spChg>
-        <pc:spChg chg="mod">
-          <ac:chgData name="Lorenzo Ariemma" userId="359e4d9b-18ad-408c-9e1b-373fb95ff396" providerId="ADAL" clId="{0B7C2297-B20D-6F4D-A9F0-DB2ECE2A8EC1}" dt="2023-10-24T14:27:00.631" v="12" actId="1076"/>
-          <ac:spMkLst>
-            <pc:docMk/>
-            <pc:sldMk cId="0" sldId="343"/>
-            <ac:spMk id="54" creationId="{A7E61087-8377-9D09-E992-C20F59301B4E}"/>
-          </ac:spMkLst>
-        </pc:spChg>
-        <pc:spChg chg="mod">
-          <ac:chgData name="Lorenzo Ariemma" userId="359e4d9b-18ad-408c-9e1b-373fb95ff396" providerId="ADAL" clId="{0B7C2297-B20D-6F4D-A9F0-DB2ECE2A8EC1}" dt="2023-10-24T14:27:00.631" v="12" actId="1076"/>
-          <ac:spMkLst>
-            <pc:docMk/>
-            <pc:sldMk cId="0" sldId="343"/>
-            <ac:spMk id="55" creationId="{FFC15782-CA99-1AFB-601F-A6365191C658}"/>
-          </ac:spMkLst>
-        </pc:spChg>
-        <pc:spChg chg="mod">
-          <ac:chgData name="Lorenzo Ariemma" userId="359e4d9b-18ad-408c-9e1b-373fb95ff396" providerId="ADAL" clId="{0B7C2297-B20D-6F4D-A9F0-DB2ECE2A8EC1}" dt="2023-10-24T14:27:00.631" v="12" actId="1076"/>
-          <ac:spMkLst>
-            <pc:docMk/>
-            <pc:sldMk cId="0" sldId="343"/>
-            <ac:spMk id="56" creationId="{D6936A77-69D7-A977-26B4-61FD4F0A9EB9}"/>
-          </ac:spMkLst>
-        </pc:spChg>
-        <pc:spChg chg="mod">
-          <ac:chgData name="Lorenzo Ariemma" userId="359e4d9b-18ad-408c-9e1b-373fb95ff396" providerId="ADAL" clId="{0B7C2297-B20D-6F4D-A9F0-DB2ECE2A8EC1}" dt="2023-10-24T14:27:00.631" v="12" actId="1076"/>
-          <ac:spMkLst>
-            <pc:docMk/>
-            <pc:sldMk cId="0" sldId="343"/>
-            <ac:spMk id="57" creationId="{1383E119-EABE-8D8B-633E-E1FCBFA3A0EF}"/>
-          </ac:spMkLst>
-        </pc:spChg>
-        <pc:spChg chg="mod">
-          <ac:chgData name="Lorenzo Ariemma" userId="359e4d9b-18ad-408c-9e1b-373fb95ff396" providerId="ADAL" clId="{0B7C2297-B20D-6F4D-A9F0-DB2ECE2A8EC1}" dt="2023-10-24T14:27:02.581" v="14" actId="20577"/>
-          <ac:spMkLst>
-            <pc:docMk/>
-            <pc:sldMk cId="0" sldId="343"/>
-            <ac:spMk id="58" creationId="{AED0299C-28A9-2392-0745-91E5EA2E9911}"/>
-          </ac:spMkLst>
-        </pc:spChg>
-        <pc:spChg chg="mod">
-          <ac:chgData name="Lorenzo Ariemma" userId="359e4d9b-18ad-408c-9e1b-373fb95ff396" providerId="ADAL" clId="{0B7C2297-B20D-6F4D-A9F0-DB2ECE2A8EC1}" dt="2023-10-24T14:27:00.631" v="12" actId="1076"/>
-          <ac:spMkLst>
-            <pc:docMk/>
-            <pc:sldMk cId="0" sldId="343"/>
-            <ac:spMk id="59" creationId="{78F54580-264C-1627-DD58-7F476540C7E5}"/>
-          </ac:spMkLst>
-        </pc:spChg>
-        <pc:spChg chg="mod">
-          <ac:chgData name="Lorenzo Ariemma" userId="359e4d9b-18ad-408c-9e1b-373fb95ff396" providerId="ADAL" clId="{0B7C2297-B20D-6F4D-A9F0-DB2ECE2A8EC1}" dt="2023-10-24T14:27:00.631" v="12" actId="1076"/>
-          <ac:spMkLst>
-            <pc:docMk/>
-            <pc:sldMk cId="0" sldId="343"/>
-            <ac:spMk id="60" creationId="{F3A634A1-E25D-0D98-0DA9-99962D8C89B8}"/>
-          </ac:spMkLst>
-        </pc:spChg>
-        <pc:spChg chg="mod">
-          <ac:chgData name="Lorenzo Ariemma" userId="359e4d9b-18ad-408c-9e1b-373fb95ff396" providerId="ADAL" clId="{0B7C2297-B20D-6F4D-A9F0-DB2ECE2A8EC1}" dt="2023-10-24T14:27:00.631" v="12" actId="1076"/>
-          <ac:spMkLst>
-            <pc:docMk/>
-            <pc:sldMk cId="0" sldId="343"/>
-            <ac:spMk id="61" creationId="{FA1357F1-0B60-AA16-26D8-88A5EC08E3D3}"/>
-          </ac:spMkLst>
-        </pc:spChg>
-        <pc:spChg chg="mod">
-          <ac:chgData name="Lorenzo Ariemma" userId="359e4d9b-18ad-408c-9e1b-373fb95ff396" providerId="ADAL" clId="{0B7C2297-B20D-6F4D-A9F0-DB2ECE2A8EC1}" dt="2023-10-24T14:27:00.631" v="12" actId="1076"/>
-          <ac:spMkLst>
-            <pc:docMk/>
-            <pc:sldMk cId="0" sldId="343"/>
-            <ac:spMk id="62" creationId="{D4295772-ED0E-9CAF-A938-A260CF128E78}"/>
-          </ac:spMkLst>
-        </pc:spChg>
-        <pc:spChg chg="mod">
-          <ac:chgData name="Lorenzo Ariemma" userId="359e4d9b-18ad-408c-9e1b-373fb95ff396" providerId="ADAL" clId="{0B7C2297-B20D-6F4D-A9F0-DB2ECE2A8EC1}" dt="2023-10-24T14:27:00.631" v="12" actId="1076"/>
-          <ac:spMkLst>
-            <pc:docMk/>
-            <pc:sldMk cId="0" sldId="343"/>
-            <ac:spMk id="63" creationId="{69A7F710-7680-B39B-738C-ED8FE61C77C4}"/>
-          </ac:spMkLst>
-        </pc:spChg>
-        <pc:spChg chg="mod">
-          <ac:chgData name="Lorenzo Ariemma" userId="359e4d9b-18ad-408c-9e1b-373fb95ff396" providerId="ADAL" clId="{0B7C2297-B20D-6F4D-A9F0-DB2ECE2A8EC1}" dt="2023-10-24T14:27:00.631" v="12" actId="1076"/>
-          <ac:spMkLst>
-            <pc:docMk/>
-            <pc:sldMk cId="0" sldId="343"/>
-            <ac:spMk id="18432" creationId="{247829AD-087E-6E10-FAD0-D2448450A755}"/>
-          </ac:spMkLst>
-        </pc:spChg>
-        <pc:spChg chg="mod">
-          <ac:chgData name="Lorenzo Ariemma" userId="359e4d9b-18ad-408c-9e1b-373fb95ff396" providerId="ADAL" clId="{0B7C2297-B20D-6F4D-A9F0-DB2ECE2A8EC1}" dt="2023-10-24T14:27:00.631" v="12" actId="1076"/>
-          <ac:spMkLst>
-            <pc:docMk/>
-            <pc:sldMk cId="0" sldId="343"/>
-            <ac:spMk id="18433" creationId="{7EA99623-C37B-DB5F-5C58-4D4D442EF23E}"/>
-          </ac:spMkLst>
-        </pc:spChg>
-        <pc:spChg chg="mod">
-          <ac:chgData name="Lorenzo Ariemma" userId="359e4d9b-18ad-408c-9e1b-373fb95ff396" providerId="ADAL" clId="{0B7C2297-B20D-6F4D-A9F0-DB2ECE2A8EC1}" dt="2023-10-24T14:27:00.631" v="12" actId="1076"/>
-          <ac:spMkLst>
-            <pc:docMk/>
-            <pc:sldMk cId="0" sldId="343"/>
-            <ac:spMk id="18434" creationId="{A15D6652-7C48-2309-13C0-D8A9F8A29ABA}"/>
-          </ac:spMkLst>
-        </pc:spChg>
-        <pc:spChg chg="del">
-          <ac:chgData name="Lorenzo Ariemma" userId="359e4d9b-18ad-408c-9e1b-373fb95ff396" providerId="ADAL" clId="{0B7C2297-B20D-6F4D-A9F0-DB2ECE2A8EC1}" dt="2023-10-24T14:26:51.519" v="10" actId="478"/>
-          <ac:spMkLst>
-            <pc:docMk/>
-            <pc:sldMk cId="0" sldId="343"/>
-            <ac:spMk id="18436" creationId="{0CDC7AED-200C-A4F8-6A5D-5E4FF59D46EB}"/>
-          </ac:spMkLst>
-        </pc:spChg>
-        <pc:spChg chg="mod">
-          <ac:chgData name="Lorenzo Ariemma" userId="359e4d9b-18ad-408c-9e1b-373fb95ff396" providerId="ADAL" clId="{0B7C2297-B20D-6F4D-A9F0-DB2ECE2A8EC1}" dt="2023-10-24T14:27:00.631" v="12" actId="1076"/>
-          <ac:spMkLst>
-            <pc:docMk/>
-            <pc:sldMk cId="0" sldId="343"/>
-            <ac:spMk id="18437" creationId="{39723272-50BE-E3AA-052B-BDADB94EE424}"/>
-          </ac:spMkLst>
-        </pc:spChg>
-        <pc:spChg chg="mod">
-          <ac:chgData name="Lorenzo Ariemma" userId="359e4d9b-18ad-408c-9e1b-373fb95ff396" providerId="ADAL" clId="{0B7C2297-B20D-6F4D-A9F0-DB2ECE2A8EC1}" dt="2023-10-24T14:27:00.631" v="12" actId="1076"/>
-          <ac:spMkLst>
-            <pc:docMk/>
-            <pc:sldMk cId="0" sldId="343"/>
-            <ac:spMk id="18438" creationId="{2673A54F-8FFE-ED0F-61DF-761D520F63A3}"/>
-          </ac:spMkLst>
-        </pc:spChg>
-        <pc:spChg chg="del">
-          <ac:chgData name="Lorenzo Ariemma" userId="359e4d9b-18ad-408c-9e1b-373fb95ff396" providerId="ADAL" clId="{0B7C2297-B20D-6F4D-A9F0-DB2ECE2A8EC1}" dt="2023-10-24T14:26:06.016" v="1" actId="478"/>
-          <ac:spMkLst>
-            <pc:docMk/>
-            <pc:sldMk cId="0" sldId="343"/>
-            <ac:spMk id="18440" creationId="{48A2809E-8A89-DB9A-8662-752BB6DBDE43}"/>
-          </ac:spMkLst>
-        </pc:spChg>
-        <pc:spChg chg="del">
-          <ac:chgData name="Lorenzo Ariemma" userId="359e4d9b-18ad-408c-9e1b-373fb95ff396" providerId="ADAL" clId="{0B7C2297-B20D-6F4D-A9F0-DB2ECE2A8EC1}" dt="2023-10-24T14:26:49.625" v="8" actId="478"/>
-          <ac:spMkLst>
-            <pc:docMk/>
-            <pc:sldMk cId="0" sldId="343"/>
-            <ac:spMk id="18441" creationId="{15A71BFB-6D4F-B268-674D-9CBB05F3342C}"/>
-          </ac:spMkLst>
-        </pc:spChg>
-        <pc:spChg chg="del">
-          <ac:chgData name="Lorenzo Ariemma" userId="359e4d9b-18ad-408c-9e1b-373fb95ff396" providerId="ADAL" clId="{0B7C2297-B20D-6F4D-A9F0-DB2ECE2A8EC1}" dt="2023-10-24T14:26:50.739" v="9" actId="478"/>
-          <ac:spMkLst>
-            <pc:docMk/>
-            <pc:sldMk cId="0" sldId="343"/>
-            <ac:spMk id="18442" creationId="{366AE003-B052-5EDF-33C8-F830EB328D50}"/>
-          </ac:spMkLst>
-        </pc:spChg>
-        <pc:spChg chg="mod">
-          <ac:chgData name="Lorenzo Ariemma" userId="359e4d9b-18ad-408c-9e1b-373fb95ff396" providerId="ADAL" clId="{0B7C2297-B20D-6F4D-A9F0-DB2ECE2A8EC1}" dt="2023-10-24T14:27:00.631" v="12" actId="1076"/>
-          <ac:spMkLst>
-            <pc:docMk/>
-            <pc:sldMk cId="0" sldId="343"/>
-            <ac:spMk id="18443" creationId="{2C42F7F0-1956-FE6D-1388-0AF4B9A1C387}"/>
-          </ac:spMkLst>
-        </pc:spChg>
-        <pc:spChg chg="mod">
-          <ac:chgData name="Lorenzo Ariemma" userId="359e4d9b-18ad-408c-9e1b-373fb95ff396" providerId="ADAL" clId="{0B7C2297-B20D-6F4D-A9F0-DB2ECE2A8EC1}" dt="2023-10-24T14:27:00.631" v="12" actId="1076"/>
-          <ac:spMkLst>
-            <pc:docMk/>
-            <pc:sldMk cId="0" sldId="343"/>
-            <ac:spMk id="18444" creationId="{21395434-FFC4-060B-763A-DE909539F216}"/>
-          </ac:spMkLst>
-        </pc:spChg>
-        <pc:spChg chg="mod">
-          <ac:chgData name="Lorenzo Ariemma" userId="359e4d9b-18ad-408c-9e1b-373fb95ff396" providerId="ADAL" clId="{0B7C2297-B20D-6F4D-A9F0-DB2ECE2A8EC1}" dt="2023-10-24T14:29:43.626" v="64" actId="1076"/>
-          <ac:spMkLst>
-            <pc:docMk/>
-            <pc:sldMk cId="0" sldId="343"/>
-            <ac:spMk id="18445" creationId="{80274F87-6D63-E397-4F22-E1E9148B24FD}"/>
-          </ac:spMkLst>
-        </pc:spChg>
-        <pc:spChg chg="mod">
-          <ac:chgData name="Lorenzo Ariemma" userId="359e4d9b-18ad-408c-9e1b-373fb95ff396" providerId="ADAL" clId="{0B7C2297-B20D-6F4D-A9F0-DB2ECE2A8EC1}" dt="2023-10-24T14:27:00.631" v="12" actId="1076"/>
-          <ac:spMkLst>
-            <pc:docMk/>
-            <pc:sldMk cId="0" sldId="343"/>
-            <ac:spMk id="18447" creationId="{7E113765-0B6A-BCD4-72BA-D4D1AAE8A9F1}"/>
-          </ac:spMkLst>
-        </pc:spChg>
-        <pc:spChg chg="mod">
-          <ac:chgData name="Lorenzo Ariemma" userId="359e4d9b-18ad-408c-9e1b-373fb95ff396" providerId="ADAL" clId="{0B7C2297-B20D-6F4D-A9F0-DB2ECE2A8EC1}" dt="2023-10-24T14:30:43.874" v="80" actId="1076"/>
-          <ac:spMkLst>
-            <pc:docMk/>
-            <pc:sldMk cId="0" sldId="343"/>
-            <ac:spMk id="18448" creationId="{B54196C1-113C-45B1-D72F-25B3F162CD20}"/>
-          </ac:spMkLst>
-        </pc:spChg>
-        <pc:spChg chg="mod">
-          <ac:chgData name="Lorenzo Ariemma" userId="359e4d9b-18ad-408c-9e1b-373fb95ff396" providerId="ADAL" clId="{0B7C2297-B20D-6F4D-A9F0-DB2ECE2A8EC1}" dt="2023-10-24T14:30:00.344" v="71" actId="207"/>
-          <ac:spMkLst>
-            <pc:docMk/>
-            <pc:sldMk cId="0" sldId="343"/>
-            <ac:spMk id="18453" creationId="{FDA573EE-B52F-BA87-BD38-A8EDF6324F96}"/>
-          </ac:spMkLst>
-        </pc:spChg>
-        <pc:spChg chg="mod">
-          <ac:chgData name="Lorenzo Ariemma" userId="359e4d9b-18ad-408c-9e1b-373fb95ff396" providerId="ADAL" clId="{0B7C2297-B20D-6F4D-A9F0-DB2ECE2A8EC1}" dt="2023-10-24T14:30:10.241" v="72" actId="108"/>
-          <ac:spMkLst>
-            <pc:docMk/>
-            <pc:sldMk cId="0" sldId="343"/>
-            <ac:spMk id="18454" creationId="{424D80E9-723C-6C9D-0597-FD9510B8F9BF}"/>
-          </ac:spMkLst>
-        </pc:spChg>
-        <pc:spChg chg="mod">
-          <ac:chgData name="Lorenzo Ariemma" userId="359e4d9b-18ad-408c-9e1b-373fb95ff396" providerId="ADAL" clId="{0B7C2297-B20D-6F4D-A9F0-DB2ECE2A8EC1}" dt="2023-10-24T14:31:05.350" v="86" actId="1076"/>
-          <ac:spMkLst>
-            <pc:docMk/>
-            <pc:sldMk cId="0" sldId="343"/>
-            <ac:spMk id="18455" creationId="{7B47AB31-3A4C-CE68-7CF4-FFAD66823414}"/>
-          </ac:spMkLst>
-        </pc:spChg>
-        <pc:spChg chg="mod">
-          <ac:chgData name="Lorenzo Ariemma" userId="359e4d9b-18ad-408c-9e1b-373fb95ff396" providerId="ADAL" clId="{0B7C2297-B20D-6F4D-A9F0-DB2ECE2A8EC1}" dt="2023-10-24T14:30:13.323" v="73" actId="108"/>
-          <ac:spMkLst>
-            <pc:docMk/>
-            <pc:sldMk cId="0" sldId="343"/>
-            <ac:spMk id="18456" creationId="{6DD11943-D604-8E33-638B-16D80FE374E5}"/>
-          </ac:spMkLst>
-        </pc:spChg>
-        <pc:spChg chg="mod">
-          <ac:chgData name="Lorenzo Ariemma" userId="359e4d9b-18ad-408c-9e1b-373fb95ff396" providerId="ADAL" clId="{0B7C2297-B20D-6F4D-A9F0-DB2ECE2A8EC1}" dt="2023-10-24T14:27:00.631" v="12" actId="1076"/>
-          <ac:spMkLst>
-            <pc:docMk/>
-            <pc:sldMk cId="0" sldId="343"/>
-            <ac:spMk id="18457" creationId="{82880C0B-24FD-8A27-41B9-FC0BD610C741}"/>
-          </ac:spMkLst>
-        </pc:spChg>
-        <pc:spChg chg="mod">
-          <ac:chgData name="Lorenzo Ariemma" userId="359e4d9b-18ad-408c-9e1b-373fb95ff396" providerId="ADAL" clId="{0B7C2297-B20D-6F4D-A9F0-DB2ECE2A8EC1}" dt="2023-10-24T14:27:00.631" v="12" actId="1076"/>
-          <ac:spMkLst>
-            <pc:docMk/>
-            <pc:sldMk cId="0" sldId="343"/>
-            <ac:spMk id="18458" creationId="{6CD8FE4A-3CBE-0162-9F32-2541995A4277}"/>
-          </ac:spMkLst>
-        </pc:spChg>
-        <pc:spChg chg="mod">
-          <ac:chgData name="Lorenzo Ariemma" userId="359e4d9b-18ad-408c-9e1b-373fb95ff396" providerId="ADAL" clId="{0B7C2297-B20D-6F4D-A9F0-DB2ECE2A8EC1}" dt="2023-10-24T14:27:00.631" v="12" actId="1076"/>
-          <ac:spMkLst>
-            <pc:docMk/>
-            <pc:sldMk cId="0" sldId="343"/>
-            <ac:spMk id="18459" creationId="{7BF00EC5-C9F9-FFAD-32A7-94AC539517EB}"/>
-          </ac:spMkLst>
-        </pc:spChg>
-        <pc:spChg chg="mod">
-          <ac:chgData name="Lorenzo Ariemma" userId="359e4d9b-18ad-408c-9e1b-373fb95ff396" providerId="ADAL" clId="{0B7C2297-B20D-6F4D-A9F0-DB2ECE2A8EC1}" dt="2023-10-24T14:27:00.631" v="12" actId="1076"/>
-          <ac:spMkLst>
-            <pc:docMk/>
-            <pc:sldMk cId="0" sldId="343"/>
-            <ac:spMk id="18460" creationId="{81FC3F43-12F1-2976-BF18-74245A3BE53D}"/>
-          </ac:spMkLst>
-        </pc:spChg>
-        <pc:spChg chg="mod">
-          <ac:chgData name="Lorenzo Ariemma" userId="359e4d9b-18ad-408c-9e1b-373fb95ff396" providerId="ADAL" clId="{0B7C2297-B20D-6F4D-A9F0-DB2ECE2A8EC1}" dt="2023-10-24T14:27:00.631" v="12" actId="1076"/>
-          <ac:spMkLst>
-            <pc:docMk/>
-            <pc:sldMk cId="0" sldId="343"/>
-            <ac:spMk id="18461" creationId="{A391E5D8-9325-236E-D614-727BF4422DD3}"/>
-          </ac:spMkLst>
-        </pc:spChg>
-        <pc:spChg chg="mod">
-          <ac:chgData name="Lorenzo Ariemma" userId="359e4d9b-18ad-408c-9e1b-373fb95ff396" providerId="ADAL" clId="{0B7C2297-B20D-6F4D-A9F0-DB2ECE2A8EC1}" dt="2023-10-24T14:27:00.631" v="12" actId="1076"/>
-          <ac:spMkLst>
-            <pc:docMk/>
-            <pc:sldMk cId="0" sldId="343"/>
-            <ac:spMk id="18462" creationId="{E44EBE85-84F6-8688-2FF3-0E39914A5996}"/>
-          </ac:spMkLst>
-        </pc:spChg>
-        <pc:spChg chg="mod">
-          <ac:chgData name="Lorenzo Ariemma" userId="359e4d9b-18ad-408c-9e1b-373fb95ff396" providerId="ADAL" clId="{0B7C2297-B20D-6F4D-A9F0-DB2ECE2A8EC1}" dt="2023-10-24T14:27:00.631" v="12" actId="1076"/>
-          <ac:spMkLst>
-            <pc:docMk/>
-            <pc:sldMk cId="0" sldId="343"/>
-            <ac:spMk id="18463" creationId="{D45B8C93-617E-1356-CE82-A167A7395545}"/>
-          </ac:spMkLst>
-        </pc:spChg>
-        <pc:spChg chg="mod">
-          <ac:chgData name="Lorenzo Ariemma" userId="359e4d9b-18ad-408c-9e1b-373fb95ff396" providerId="ADAL" clId="{0B7C2297-B20D-6F4D-A9F0-DB2ECE2A8EC1}" dt="2023-10-24T14:27:08.147" v="16" actId="1076"/>
-          <ac:spMkLst>
-            <pc:docMk/>
-            <pc:sldMk cId="0" sldId="343"/>
-            <ac:spMk id="18468" creationId="{764D1D2B-10C5-ECC9-F536-684A98B708C5}"/>
-          </ac:spMkLst>
-        </pc:spChg>
-        <pc:spChg chg="mod">
-          <ac:chgData name="Lorenzo Ariemma" userId="359e4d9b-18ad-408c-9e1b-373fb95ff396" providerId="ADAL" clId="{0B7C2297-B20D-6F4D-A9F0-DB2ECE2A8EC1}" dt="2023-10-24T14:27:08.147" v="16" actId="1076"/>
-          <ac:spMkLst>
-            <pc:docMk/>
-            <pc:sldMk cId="0" sldId="343"/>
-            <ac:spMk id="18469" creationId="{D6EC9397-E8EC-1CFF-0B2E-E56FBBA50D7A}"/>
-          </ac:spMkLst>
-        </pc:spChg>
-        <pc:spChg chg="mod">
-          <ac:chgData name="Lorenzo Ariemma" userId="359e4d9b-18ad-408c-9e1b-373fb95ff396" providerId="ADAL" clId="{0B7C2297-B20D-6F4D-A9F0-DB2ECE2A8EC1}" dt="2023-10-24T14:27:08.147" v="16" actId="1076"/>
-          <ac:spMkLst>
-            <pc:docMk/>
-            <pc:sldMk cId="0" sldId="343"/>
-            <ac:spMk id="18470" creationId="{B44E6B43-B382-FA32-C34C-2DC33004A0BD}"/>
-          </ac:spMkLst>
-        </pc:spChg>
-        <pc:spChg chg="mod">
-          <ac:chgData name="Lorenzo Ariemma" userId="359e4d9b-18ad-408c-9e1b-373fb95ff396" providerId="ADAL" clId="{0B7C2297-B20D-6F4D-A9F0-DB2ECE2A8EC1}" dt="2023-10-24T14:27:08.147" v="16" actId="1076"/>
-          <ac:spMkLst>
-            <pc:docMk/>
-            <pc:sldMk cId="0" sldId="343"/>
-            <ac:spMk id="18471" creationId="{8FE85299-3352-D6A2-17C0-ADC13BB05914}"/>
-          </ac:spMkLst>
-        </pc:spChg>
-        <pc:spChg chg="mod">
-          <ac:chgData name="Lorenzo Ariemma" userId="359e4d9b-18ad-408c-9e1b-373fb95ff396" providerId="ADAL" clId="{0B7C2297-B20D-6F4D-A9F0-DB2ECE2A8EC1}" dt="2023-10-24T14:27:08.147" v="16" actId="1076"/>
-          <ac:spMkLst>
-            <pc:docMk/>
-            <pc:sldMk cId="0" sldId="343"/>
-            <ac:spMk id="18472" creationId="{417E759B-28BA-CBE0-60F1-26722860724A}"/>
-          </ac:spMkLst>
-        </pc:spChg>
-        <pc:spChg chg="mod">
-          <ac:chgData name="Lorenzo Ariemma" userId="359e4d9b-18ad-408c-9e1b-373fb95ff396" providerId="ADAL" clId="{0B7C2297-B20D-6F4D-A9F0-DB2ECE2A8EC1}" dt="2023-10-24T14:27:08.147" v="16" actId="1076"/>
-          <ac:spMkLst>
-            <pc:docMk/>
-            <pc:sldMk cId="0" sldId="343"/>
-            <ac:spMk id="18473" creationId="{73C9B477-3A91-4B4D-7460-635D1B1E3DDD}"/>
-          </ac:spMkLst>
-        </pc:spChg>
-        <pc:spChg chg="mod">
-          <ac:chgData name="Lorenzo Ariemma" userId="359e4d9b-18ad-408c-9e1b-373fb95ff396" providerId="ADAL" clId="{0B7C2297-B20D-6F4D-A9F0-DB2ECE2A8EC1}" dt="2023-10-24T14:27:08.147" v="16" actId="1076"/>
-          <ac:spMkLst>
-            <pc:docMk/>
-            <pc:sldMk cId="0" sldId="343"/>
-            <ac:spMk id="18474" creationId="{966D439E-E702-A92E-745A-14293565BFC1}"/>
-          </ac:spMkLst>
-        </pc:spChg>
-        <pc:spChg chg="mod">
-          <ac:chgData name="Lorenzo Ariemma" userId="359e4d9b-18ad-408c-9e1b-373fb95ff396" providerId="ADAL" clId="{0B7C2297-B20D-6F4D-A9F0-DB2ECE2A8EC1}" dt="2023-10-24T14:27:08.147" v="16" actId="1076"/>
-          <ac:spMkLst>
-            <pc:docMk/>
-            <pc:sldMk cId="0" sldId="343"/>
-            <ac:spMk id="18475" creationId="{7FF25088-941D-3288-E191-F705C04B4F45}"/>
-          </ac:spMkLst>
-        </pc:spChg>
-        <pc:spChg chg="mod">
-          <ac:chgData name="Lorenzo Ariemma" userId="359e4d9b-18ad-408c-9e1b-373fb95ff396" providerId="ADAL" clId="{0B7C2297-B20D-6F4D-A9F0-DB2ECE2A8EC1}" dt="2023-10-24T14:27:08.147" v="16" actId="1076"/>
-          <ac:spMkLst>
-            <pc:docMk/>
-            <pc:sldMk cId="0" sldId="343"/>
-            <ac:spMk id="18476" creationId="{6052EE69-BB92-95A4-5017-E0EC1BF89C3B}"/>
-          </ac:spMkLst>
-        </pc:spChg>
-        <pc:spChg chg="mod">
-          <ac:chgData name="Lorenzo Ariemma" userId="359e4d9b-18ad-408c-9e1b-373fb95ff396" providerId="ADAL" clId="{0B7C2297-B20D-6F4D-A9F0-DB2ECE2A8EC1}" dt="2023-10-24T14:27:20.947" v="22" actId="20577"/>
-          <ac:spMkLst>
-            <pc:docMk/>
-            <pc:sldMk cId="0" sldId="343"/>
-            <ac:spMk id="18477" creationId="{AFB5BA25-B709-BE04-30C7-534D5E37A0B8}"/>
-          </ac:spMkLst>
-        </pc:spChg>
-        <pc:spChg chg="mod">
-          <ac:chgData name="Lorenzo Ariemma" userId="359e4d9b-18ad-408c-9e1b-373fb95ff396" providerId="ADAL" clId="{0B7C2297-B20D-6F4D-A9F0-DB2ECE2A8EC1}" dt="2023-10-24T14:27:08.147" v="16" actId="1076"/>
-          <ac:spMkLst>
-            <pc:docMk/>
-            <pc:sldMk cId="0" sldId="343"/>
-            <ac:spMk id="18478" creationId="{6985F185-E3AE-8D23-9F09-37B5995EA2DD}"/>
-          </ac:spMkLst>
-        </pc:spChg>
-        <pc:spChg chg="mod">
-          <ac:chgData name="Lorenzo Ariemma" userId="359e4d9b-18ad-408c-9e1b-373fb95ff396" providerId="ADAL" clId="{0B7C2297-B20D-6F4D-A9F0-DB2ECE2A8EC1}" dt="2023-10-24T14:27:08.147" v="16" actId="1076"/>
-          <ac:spMkLst>
-            <pc:docMk/>
-            <pc:sldMk cId="0" sldId="343"/>
-            <ac:spMk id="18479" creationId="{A7E094AA-9EDE-4F7F-5B1E-E1B5A5D9C328}"/>
-          </ac:spMkLst>
-        </pc:spChg>
-        <pc:spChg chg="mod">
-          <ac:chgData name="Lorenzo Ariemma" userId="359e4d9b-18ad-408c-9e1b-373fb95ff396" providerId="ADAL" clId="{0B7C2297-B20D-6F4D-A9F0-DB2ECE2A8EC1}" dt="2023-10-24T14:27:08.147" v="16" actId="1076"/>
-          <ac:spMkLst>
-            <pc:docMk/>
-            <pc:sldMk cId="0" sldId="343"/>
-            <ac:spMk id="18480" creationId="{59097B13-290E-D3C1-0CAD-1AC6C46E4C49}"/>
-          </ac:spMkLst>
-        </pc:spChg>
-        <pc:spChg chg="mod">
-          <ac:chgData name="Lorenzo Ariemma" userId="359e4d9b-18ad-408c-9e1b-373fb95ff396" providerId="ADAL" clId="{0B7C2297-B20D-6F4D-A9F0-DB2ECE2A8EC1}" dt="2023-10-24T14:27:08.147" v="16" actId="1076"/>
-          <ac:spMkLst>
-            <pc:docMk/>
-            <pc:sldMk cId="0" sldId="343"/>
-            <ac:spMk id="18481" creationId="{312230B8-1EED-DB10-410F-CED5B123FEED}"/>
-          </ac:spMkLst>
-        </pc:spChg>
-        <pc:spChg chg="mod">
-          <ac:chgData name="Lorenzo Ariemma" userId="359e4d9b-18ad-408c-9e1b-373fb95ff396" providerId="ADAL" clId="{0B7C2297-B20D-6F4D-A9F0-DB2ECE2A8EC1}" dt="2023-10-24T14:27:08.147" v="16" actId="1076"/>
-          <ac:spMkLst>
-            <pc:docMk/>
-            <pc:sldMk cId="0" sldId="343"/>
-            <ac:spMk id="18482" creationId="{4B9C27AA-B8DE-D642-D8DF-1E04A0CBF607}"/>
-          </ac:spMkLst>
-        </pc:spChg>
-        <pc:spChg chg="mod">
-          <ac:chgData name="Lorenzo Ariemma" userId="359e4d9b-18ad-408c-9e1b-373fb95ff396" providerId="ADAL" clId="{0B7C2297-B20D-6F4D-A9F0-DB2ECE2A8EC1}" dt="2023-10-24T14:27:08.147" v="16" actId="1076"/>
-          <ac:spMkLst>
-            <pc:docMk/>
-            <pc:sldMk cId="0" sldId="343"/>
-            <ac:spMk id="18483" creationId="{33D6412D-6E41-AC07-622D-22C7D2165E4D}"/>
-          </ac:spMkLst>
-        </pc:spChg>
-        <pc:spChg chg="mod">
-          <ac:chgData name="Lorenzo Ariemma" userId="359e4d9b-18ad-408c-9e1b-373fb95ff396" providerId="ADAL" clId="{0B7C2297-B20D-6F4D-A9F0-DB2ECE2A8EC1}" dt="2023-10-24T14:27:08.147" v="16" actId="1076"/>
-          <ac:spMkLst>
-            <pc:docMk/>
-            <pc:sldMk cId="0" sldId="343"/>
-            <ac:spMk id="18484" creationId="{5DAFC858-6A77-1649-8ECB-6EDB2035632C}"/>
-          </ac:spMkLst>
-        </pc:spChg>
-        <pc:spChg chg="mod">
-          <ac:chgData name="Lorenzo Ariemma" userId="359e4d9b-18ad-408c-9e1b-373fb95ff396" providerId="ADAL" clId="{0B7C2297-B20D-6F4D-A9F0-DB2ECE2A8EC1}" dt="2023-10-24T14:27:08.147" v="16" actId="1076"/>
-          <ac:spMkLst>
-            <pc:docMk/>
-            <pc:sldMk cId="0" sldId="343"/>
-            <ac:spMk id="18485" creationId="{85DD605D-F364-E8F8-5BF8-2E882CBC20E9}"/>
-          </ac:spMkLst>
-        </pc:spChg>
-        <pc:spChg chg="mod">
-          <ac:chgData name="Lorenzo Ariemma" userId="359e4d9b-18ad-408c-9e1b-373fb95ff396" providerId="ADAL" clId="{0B7C2297-B20D-6F4D-A9F0-DB2ECE2A8EC1}" dt="2023-10-24T14:27:08.147" v="16" actId="1076"/>
-          <ac:spMkLst>
-            <pc:docMk/>
-            <pc:sldMk cId="0" sldId="343"/>
-            <ac:spMk id="18486" creationId="{D62EEF2C-E737-6125-D298-84062A8CEBD2}"/>
-          </ac:spMkLst>
-        </pc:spChg>
-        <pc:spChg chg="mod">
-          <ac:chgData name="Lorenzo Ariemma" userId="359e4d9b-18ad-408c-9e1b-373fb95ff396" providerId="ADAL" clId="{0B7C2297-B20D-6F4D-A9F0-DB2ECE2A8EC1}" dt="2023-10-24T14:27:08.147" v="16" actId="1076"/>
-          <ac:spMkLst>
-            <pc:docMk/>
-            <pc:sldMk cId="0" sldId="343"/>
-            <ac:spMk id="18487" creationId="{C75A3888-795A-59B2-AE6F-2E80FBF4E220}"/>
-          </ac:spMkLst>
-        </pc:spChg>
-        <pc:spChg chg="mod">
-          <ac:chgData name="Lorenzo Ariemma" userId="359e4d9b-18ad-408c-9e1b-373fb95ff396" providerId="ADAL" clId="{0B7C2297-B20D-6F4D-A9F0-DB2ECE2A8EC1}" dt="2023-10-24T14:27:08.147" v="16" actId="1076"/>
-          <ac:spMkLst>
-            <pc:docMk/>
-            <pc:sldMk cId="0" sldId="343"/>
-            <ac:spMk id="18488" creationId="{F423B356-5E2D-5FF4-2207-8ABCB1CCAB01}"/>
-          </ac:spMkLst>
-        </pc:spChg>
-        <pc:spChg chg="mod">
-          <ac:chgData name="Lorenzo Ariemma" userId="359e4d9b-18ad-408c-9e1b-373fb95ff396" providerId="ADAL" clId="{0B7C2297-B20D-6F4D-A9F0-DB2ECE2A8EC1}" dt="2023-10-24T14:27:08.147" v="16" actId="1076"/>
-          <ac:spMkLst>
-            <pc:docMk/>
-            <pc:sldMk cId="0" sldId="343"/>
-            <ac:spMk id="18489" creationId="{94F19BBC-4D51-5C81-1BB6-8DAFB3DDC872}"/>
-          </ac:spMkLst>
-        </pc:spChg>
-        <pc:spChg chg="mod">
-          <ac:chgData name="Lorenzo Ariemma" userId="359e4d9b-18ad-408c-9e1b-373fb95ff396" providerId="ADAL" clId="{0B7C2297-B20D-6F4D-A9F0-DB2ECE2A8EC1}" dt="2023-10-24T14:27:08.147" v="16" actId="1076"/>
-          <ac:spMkLst>
-            <pc:docMk/>
-            <pc:sldMk cId="0" sldId="343"/>
-            <ac:spMk id="18490" creationId="{D3A339F7-BB98-AE54-DC24-91DB29873515}"/>
-          </ac:spMkLst>
-        </pc:spChg>
-        <pc:spChg chg="mod">
-          <ac:chgData name="Lorenzo Ariemma" userId="359e4d9b-18ad-408c-9e1b-373fb95ff396" providerId="ADAL" clId="{0B7C2297-B20D-6F4D-A9F0-DB2ECE2A8EC1}" dt="2023-10-24T14:27:08.147" v="16" actId="1076"/>
-          <ac:spMkLst>
-            <pc:docMk/>
-            <pc:sldMk cId="0" sldId="343"/>
-            <ac:spMk id="18491" creationId="{64E50BC4-AEAE-08F6-B014-DD92B50893D4}"/>
-          </ac:spMkLst>
-        </pc:spChg>
-        <pc:spChg chg="mod">
-          <ac:chgData name="Lorenzo Ariemma" userId="359e4d9b-18ad-408c-9e1b-373fb95ff396" providerId="ADAL" clId="{0B7C2297-B20D-6F4D-A9F0-DB2ECE2A8EC1}" dt="2023-10-24T14:27:08.147" v="16" actId="1076"/>
-          <ac:spMkLst>
-            <pc:docMk/>
-            <pc:sldMk cId="0" sldId="343"/>
-            <ac:spMk id="18492" creationId="{C0697239-CBCF-B349-1FBF-A2EA093B7590}"/>
-          </ac:spMkLst>
-        </pc:spChg>
-        <pc:spChg chg="mod">
-          <ac:chgData name="Lorenzo Ariemma" userId="359e4d9b-18ad-408c-9e1b-373fb95ff396" providerId="ADAL" clId="{0B7C2297-B20D-6F4D-A9F0-DB2ECE2A8EC1}" dt="2023-10-24T14:27:08.147" v="16" actId="1076"/>
-          <ac:spMkLst>
-            <pc:docMk/>
-            <pc:sldMk cId="0" sldId="343"/>
-            <ac:spMk id="18493" creationId="{8D569734-07A7-B7BF-669A-23C5DEF2E1FE}"/>
-          </ac:spMkLst>
-        </pc:spChg>
-        <pc:spChg chg="mod">
-          <ac:chgData name="Lorenzo Ariemma" userId="359e4d9b-18ad-408c-9e1b-373fb95ff396" providerId="ADAL" clId="{0B7C2297-B20D-6F4D-A9F0-DB2ECE2A8EC1}" dt="2023-10-24T14:27:08.147" v="16" actId="1076"/>
-          <ac:spMkLst>
-            <pc:docMk/>
-            <pc:sldMk cId="0" sldId="343"/>
-            <ac:spMk id="18494" creationId="{96C4C2EF-F60F-4C34-842F-FB964B991585}"/>
-          </ac:spMkLst>
-        </pc:spChg>
-        <pc:spChg chg="mod">
-          <ac:chgData name="Lorenzo Ariemma" userId="359e4d9b-18ad-408c-9e1b-373fb95ff396" providerId="ADAL" clId="{0B7C2297-B20D-6F4D-A9F0-DB2ECE2A8EC1}" dt="2023-10-24T14:27:08.147" v="16" actId="1076"/>
-          <ac:spMkLst>
-            <pc:docMk/>
-            <pc:sldMk cId="0" sldId="343"/>
-            <ac:spMk id="18495" creationId="{F5B3E2C6-6267-67BF-B4DB-18C7527AE688}"/>
-          </ac:spMkLst>
-        </pc:spChg>
-        <pc:spChg chg="mod">
-          <ac:chgData name="Lorenzo Ariemma" userId="359e4d9b-18ad-408c-9e1b-373fb95ff396" providerId="ADAL" clId="{0B7C2297-B20D-6F4D-A9F0-DB2ECE2A8EC1}" dt="2023-10-24T14:27:08.147" v="16" actId="1076"/>
-          <ac:spMkLst>
-            <pc:docMk/>
-            <pc:sldMk cId="0" sldId="343"/>
-            <ac:spMk id="18496" creationId="{F1F10794-7F0A-55A6-9B45-6DA16F9CD576}"/>
-          </ac:spMkLst>
-        </pc:spChg>
-        <pc:spChg chg="mod">
-          <ac:chgData name="Lorenzo Ariemma" userId="359e4d9b-18ad-408c-9e1b-373fb95ff396" providerId="ADAL" clId="{0B7C2297-B20D-6F4D-A9F0-DB2ECE2A8EC1}" dt="2023-10-24T14:27:08.147" v="16" actId="1076"/>
-          <ac:spMkLst>
-            <pc:docMk/>
-            <pc:sldMk cId="0" sldId="343"/>
-            <ac:spMk id="18497" creationId="{E9E4419F-DC00-54EB-55C8-4F18E5349B3D}"/>
-          </ac:spMkLst>
-        </pc:spChg>
-        <pc:spChg chg="mod">
-          <ac:chgData name="Lorenzo Ariemma" userId="359e4d9b-18ad-408c-9e1b-373fb95ff396" providerId="ADAL" clId="{0B7C2297-B20D-6F4D-A9F0-DB2ECE2A8EC1}" dt="2023-10-24T14:27:18.783" v="20" actId="1076"/>
-          <ac:spMkLst>
-            <pc:docMk/>
-            <pc:sldMk cId="0" sldId="343"/>
-            <ac:spMk id="18502" creationId="{AC31546A-CC7C-95FE-2D34-4E16A072B489}"/>
-          </ac:spMkLst>
-        </pc:spChg>
-        <pc:spChg chg="mod">
-          <ac:chgData name="Lorenzo Ariemma" userId="359e4d9b-18ad-408c-9e1b-373fb95ff396" providerId="ADAL" clId="{0B7C2297-B20D-6F4D-A9F0-DB2ECE2A8EC1}" dt="2023-10-24T14:27:18.783" v="20" actId="1076"/>
-          <ac:spMkLst>
-            <pc:docMk/>
-            <pc:sldMk cId="0" sldId="343"/>
-            <ac:spMk id="18503" creationId="{0E65884B-C254-FD61-64BF-5924FEABB9F2}"/>
-          </ac:spMkLst>
-        </pc:spChg>
-        <pc:spChg chg="mod">
-          <ac:chgData name="Lorenzo Ariemma" userId="359e4d9b-18ad-408c-9e1b-373fb95ff396" providerId="ADAL" clId="{0B7C2297-B20D-6F4D-A9F0-DB2ECE2A8EC1}" dt="2023-10-24T14:27:18.783" v="20" actId="1076"/>
-          <ac:spMkLst>
-            <pc:docMk/>
-            <pc:sldMk cId="0" sldId="343"/>
-            <ac:spMk id="18504" creationId="{7161385C-6F4C-25EA-140F-FF9D3CD876A7}"/>
-          </ac:spMkLst>
-        </pc:spChg>
-        <pc:spChg chg="mod">
-          <ac:chgData name="Lorenzo Ariemma" userId="359e4d9b-18ad-408c-9e1b-373fb95ff396" providerId="ADAL" clId="{0B7C2297-B20D-6F4D-A9F0-DB2ECE2A8EC1}" dt="2023-10-24T14:27:18.783" v="20" actId="1076"/>
-          <ac:spMkLst>
-            <pc:docMk/>
-            <pc:sldMk cId="0" sldId="343"/>
-            <ac:spMk id="18505" creationId="{058055B5-E00D-7C15-496E-76F846CF6D56}"/>
-          </ac:spMkLst>
-        </pc:spChg>
-        <pc:spChg chg="mod">
-          <ac:chgData name="Lorenzo Ariemma" userId="359e4d9b-18ad-408c-9e1b-373fb95ff396" providerId="ADAL" clId="{0B7C2297-B20D-6F4D-A9F0-DB2ECE2A8EC1}" dt="2023-10-24T14:27:18.783" v="20" actId="1076"/>
-          <ac:spMkLst>
-            <pc:docMk/>
-            <pc:sldMk cId="0" sldId="343"/>
-            <ac:spMk id="18506" creationId="{84EEBAD4-F712-A8AF-70F5-3A53860752A5}"/>
-          </ac:spMkLst>
-        </pc:spChg>
-        <pc:spChg chg="mod">
-          <ac:chgData name="Lorenzo Ariemma" userId="359e4d9b-18ad-408c-9e1b-373fb95ff396" providerId="ADAL" clId="{0B7C2297-B20D-6F4D-A9F0-DB2ECE2A8EC1}" dt="2023-10-24T14:27:18.783" v="20" actId="1076"/>
-          <ac:spMkLst>
-            <pc:docMk/>
-            <pc:sldMk cId="0" sldId="343"/>
-            <ac:spMk id="18507" creationId="{C28AC303-E68A-10C9-A245-69DCF49D245D}"/>
-          </ac:spMkLst>
-        </pc:spChg>
-        <pc:spChg chg="mod">
-          <ac:chgData name="Lorenzo Ariemma" userId="359e4d9b-18ad-408c-9e1b-373fb95ff396" providerId="ADAL" clId="{0B7C2297-B20D-6F4D-A9F0-DB2ECE2A8EC1}" dt="2023-10-24T14:27:18.783" v="20" actId="1076"/>
-          <ac:spMkLst>
-            <pc:docMk/>
-            <pc:sldMk cId="0" sldId="343"/>
-            <ac:spMk id="18508" creationId="{90B5C70D-11BE-EB83-BCA2-0878A68CB1F1}"/>
-          </ac:spMkLst>
-        </pc:spChg>
-        <pc:spChg chg="mod">
-          <ac:chgData name="Lorenzo Ariemma" userId="359e4d9b-18ad-408c-9e1b-373fb95ff396" providerId="ADAL" clId="{0B7C2297-B20D-6F4D-A9F0-DB2ECE2A8EC1}" dt="2023-10-24T14:27:18.783" v="20" actId="1076"/>
-          <ac:spMkLst>
-            <pc:docMk/>
-            <pc:sldMk cId="0" sldId="343"/>
-            <ac:spMk id="18509" creationId="{D360157B-F6AB-D00B-A25F-4C290E81FB1E}"/>
-          </ac:spMkLst>
-        </pc:spChg>
-        <pc:spChg chg="mod">
-          <ac:chgData name="Lorenzo Ariemma" userId="359e4d9b-18ad-408c-9e1b-373fb95ff396" providerId="ADAL" clId="{0B7C2297-B20D-6F4D-A9F0-DB2ECE2A8EC1}" dt="2023-10-24T14:27:18.783" v="20" actId="1076"/>
-          <ac:spMkLst>
-            <pc:docMk/>
-            <pc:sldMk cId="0" sldId="343"/>
-            <ac:spMk id="18510" creationId="{382FDFE1-6F79-E1E9-354F-FCFD2EF14D6F}"/>
-          </ac:spMkLst>
-        </pc:spChg>
-        <pc:spChg chg="mod">
-          <ac:chgData name="Lorenzo Ariemma" userId="359e4d9b-18ad-408c-9e1b-373fb95ff396" providerId="ADAL" clId="{0B7C2297-B20D-6F4D-A9F0-DB2ECE2A8EC1}" dt="2023-10-24T14:27:18.783" v="20" actId="1076"/>
-          <ac:spMkLst>
-            <pc:docMk/>
-            <pc:sldMk cId="0" sldId="343"/>
-            <ac:spMk id="18511" creationId="{16E7CF4E-F367-AC62-9B1F-2AFCCEA603EC}"/>
-          </ac:spMkLst>
-        </pc:spChg>
-        <pc:spChg chg="mod">
-          <ac:chgData name="Lorenzo Ariemma" userId="359e4d9b-18ad-408c-9e1b-373fb95ff396" providerId="ADAL" clId="{0B7C2297-B20D-6F4D-A9F0-DB2ECE2A8EC1}" dt="2023-10-24T14:27:18.783" v="20" actId="1076"/>
-          <ac:spMkLst>
-            <pc:docMk/>
-            <pc:sldMk cId="0" sldId="343"/>
-            <ac:spMk id="18512" creationId="{42940899-17F6-66C3-C704-BB19BC789316}"/>
-          </ac:spMkLst>
-        </pc:spChg>
-        <pc:spChg chg="mod">
-          <ac:chgData name="Lorenzo Ariemma" userId="359e4d9b-18ad-408c-9e1b-373fb95ff396" providerId="ADAL" clId="{0B7C2297-B20D-6F4D-A9F0-DB2ECE2A8EC1}" dt="2023-10-24T14:27:18.783" v="20" actId="1076"/>
-          <ac:spMkLst>
-            <pc:docMk/>
-            <pc:sldMk cId="0" sldId="343"/>
-            <ac:spMk id="18513" creationId="{822187FE-6A56-3405-8403-2D067801B4D5}"/>
-          </ac:spMkLst>
-        </pc:spChg>
-        <pc:spChg chg="mod">
-          <ac:chgData name="Lorenzo Ariemma" userId="359e4d9b-18ad-408c-9e1b-373fb95ff396" providerId="ADAL" clId="{0B7C2297-B20D-6F4D-A9F0-DB2ECE2A8EC1}" dt="2023-10-24T14:27:18.783" v="20" actId="1076"/>
-          <ac:spMkLst>
-            <pc:docMk/>
-            <pc:sldMk cId="0" sldId="343"/>
-            <ac:spMk id="18514" creationId="{685AC9DE-1DF5-27A5-E1A5-63C131527E83}"/>
-          </ac:spMkLst>
-        </pc:spChg>
-        <pc:spChg chg="mod">
-          <ac:chgData name="Lorenzo Ariemma" userId="359e4d9b-18ad-408c-9e1b-373fb95ff396" providerId="ADAL" clId="{0B7C2297-B20D-6F4D-A9F0-DB2ECE2A8EC1}" dt="2023-10-24T14:27:18.783" v="20" actId="1076"/>
-          <ac:spMkLst>
-            <pc:docMk/>
-            <pc:sldMk cId="0" sldId="343"/>
-            <ac:spMk id="18515" creationId="{8D3F68E8-8D72-E6C8-E4B2-A3EAE9C8091A}"/>
-          </ac:spMkLst>
-        </pc:spChg>
-        <pc:spChg chg="mod">
-          <ac:chgData name="Lorenzo Ariemma" userId="359e4d9b-18ad-408c-9e1b-373fb95ff396" providerId="ADAL" clId="{0B7C2297-B20D-6F4D-A9F0-DB2ECE2A8EC1}" dt="2023-10-24T14:27:18.783" v="20" actId="1076"/>
-          <ac:spMkLst>
-            <pc:docMk/>
-            <pc:sldMk cId="0" sldId="343"/>
-            <ac:spMk id="18516" creationId="{9B0D03AF-1602-ADEC-6474-0A9C97ACAB37}"/>
-          </ac:spMkLst>
-        </pc:spChg>
-        <pc:spChg chg="mod">
-          <ac:chgData name="Lorenzo Ariemma" userId="359e4d9b-18ad-408c-9e1b-373fb95ff396" providerId="ADAL" clId="{0B7C2297-B20D-6F4D-A9F0-DB2ECE2A8EC1}" dt="2023-10-24T14:27:18.783" v="20" actId="1076"/>
-          <ac:spMkLst>
-            <pc:docMk/>
-            <pc:sldMk cId="0" sldId="343"/>
-            <ac:spMk id="18517" creationId="{2C47DF5B-8E2F-D701-2E51-A92F135F5437}"/>
-          </ac:spMkLst>
-        </pc:spChg>
-        <pc:spChg chg="mod">
-          <ac:chgData name="Lorenzo Ariemma" userId="359e4d9b-18ad-408c-9e1b-373fb95ff396" providerId="ADAL" clId="{0B7C2297-B20D-6F4D-A9F0-DB2ECE2A8EC1}" dt="2023-10-24T14:27:18.783" v="20" actId="1076"/>
-          <ac:spMkLst>
-            <pc:docMk/>
-            <pc:sldMk cId="0" sldId="343"/>
-            <ac:spMk id="18518" creationId="{F8CE0F23-6527-5779-98FE-55601F006BF0}"/>
-          </ac:spMkLst>
-        </pc:spChg>
-        <pc:spChg chg="mod">
-          <ac:chgData name="Lorenzo Ariemma" userId="359e4d9b-18ad-408c-9e1b-373fb95ff396" providerId="ADAL" clId="{0B7C2297-B20D-6F4D-A9F0-DB2ECE2A8EC1}" dt="2023-10-24T14:27:18.783" v="20" actId="1076"/>
-          <ac:spMkLst>
-            <pc:docMk/>
-            <pc:sldMk cId="0" sldId="343"/>
-            <ac:spMk id="18519" creationId="{8E4AE8CC-E4EB-E2C4-BEA5-54201C39F199}"/>
-          </ac:spMkLst>
-        </pc:spChg>
-        <pc:spChg chg="mod">
-          <ac:chgData name="Lorenzo Ariemma" userId="359e4d9b-18ad-408c-9e1b-373fb95ff396" providerId="ADAL" clId="{0B7C2297-B20D-6F4D-A9F0-DB2ECE2A8EC1}" dt="2023-10-24T14:27:18.783" v="20" actId="1076"/>
-          <ac:spMkLst>
-            <pc:docMk/>
-            <pc:sldMk cId="0" sldId="343"/>
-            <ac:spMk id="18520" creationId="{8D86FCF2-7EC5-35A6-4A4E-43D61EC0ADB3}"/>
-          </ac:spMkLst>
-        </pc:spChg>
-        <pc:spChg chg="mod">
-          <ac:chgData name="Lorenzo Ariemma" userId="359e4d9b-18ad-408c-9e1b-373fb95ff396" providerId="ADAL" clId="{0B7C2297-B20D-6F4D-A9F0-DB2ECE2A8EC1}" dt="2023-10-24T14:27:18.783" v="20" actId="1076"/>
-          <ac:spMkLst>
-            <pc:docMk/>
-            <pc:sldMk cId="0" sldId="343"/>
-            <ac:spMk id="18521" creationId="{B8EDB986-68BC-9654-8167-B34A6541A3EB}"/>
-          </ac:spMkLst>
-        </pc:spChg>
-        <pc:spChg chg="mod">
-          <ac:chgData name="Lorenzo Ariemma" userId="359e4d9b-18ad-408c-9e1b-373fb95ff396" providerId="ADAL" clId="{0B7C2297-B20D-6F4D-A9F0-DB2ECE2A8EC1}" dt="2023-10-24T14:27:18.783" v="20" actId="1076"/>
-          <ac:spMkLst>
-            <pc:docMk/>
-            <pc:sldMk cId="0" sldId="343"/>
-            <ac:spMk id="18522" creationId="{0831A83C-F358-3590-C543-D6E299CAA857}"/>
-          </ac:spMkLst>
-        </pc:spChg>
-        <pc:spChg chg="mod">
-          <ac:chgData name="Lorenzo Ariemma" userId="359e4d9b-18ad-408c-9e1b-373fb95ff396" providerId="ADAL" clId="{0B7C2297-B20D-6F4D-A9F0-DB2ECE2A8EC1}" dt="2023-10-24T14:27:18.783" v="20" actId="1076"/>
-          <ac:spMkLst>
-            <pc:docMk/>
-            <pc:sldMk cId="0" sldId="343"/>
-            <ac:spMk id="18523" creationId="{5B38B956-A97A-9D5B-F2E7-4C64FB118AC3}"/>
-          </ac:spMkLst>
-        </pc:spChg>
-        <pc:spChg chg="mod">
-          <ac:chgData name="Lorenzo Ariemma" userId="359e4d9b-18ad-408c-9e1b-373fb95ff396" providerId="ADAL" clId="{0B7C2297-B20D-6F4D-A9F0-DB2ECE2A8EC1}" dt="2023-10-24T14:27:18.783" v="20" actId="1076"/>
-          <ac:spMkLst>
-            <pc:docMk/>
-            <pc:sldMk cId="0" sldId="343"/>
-            <ac:spMk id="18524" creationId="{1ADF2D30-ED29-0BA3-5E0F-9A39525C1A0D}"/>
-          </ac:spMkLst>
-        </pc:spChg>
-        <pc:spChg chg="mod">
-          <ac:chgData name="Lorenzo Ariemma" userId="359e4d9b-18ad-408c-9e1b-373fb95ff396" providerId="ADAL" clId="{0B7C2297-B20D-6F4D-A9F0-DB2ECE2A8EC1}" dt="2023-10-24T14:27:18.783" v="20" actId="1076"/>
-          <ac:spMkLst>
-            <pc:docMk/>
-            <pc:sldMk cId="0" sldId="343"/>
-            <ac:spMk id="18525" creationId="{7E0FE7B6-3F46-04BF-E2B0-1895A7E0343B}"/>
-          </ac:spMkLst>
-        </pc:spChg>
-        <pc:spChg chg="mod">
-          <ac:chgData name="Lorenzo Ariemma" userId="359e4d9b-18ad-408c-9e1b-373fb95ff396" providerId="ADAL" clId="{0B7C2297-B20D-6F4D-A9F0-DB2ECE2A8EC1}" dt="2023-10-24T14:27:18.783" v="20" actId="1076"/>
-          <ac:spMkLst>
-            <pc:docMk/>
-            <pc:sldMk cId="0" sldId="343"/>
-            <ac:spMk id="18526" creationId="{C0368DA9-C869-0DF7-9754-9235F7E8B49C}"/>
-          </ac:spMkLst>
-        </pc:spChg>
-        <pc:spChg chg="mod">
-          <ac:chgData name="Lorenzo Ariemma" userId="359e4d9b-18ad-408c-9e1b-373fb95ff396" providerId="ADAL" clId="{0B7C2297-B20D-6F4D-A9F0-DB2ECE2A8EC1}" dt="2023-10-24T14:27:18.783" v="20" actId="1076"/>
-          <ac:spMkLst>
-            <pc:docMk/>
-            <pc:sldMk cId="0" sldId="343"/>
-            <ac:spMk id="18527" creationId="{5E21C459-EA17-67A0-6DB8-B779167EEDB3}"/>
-          </ac:spMkLst>
-        </pc:spChg>
-        <pc:spChg chg="mod">
-          <ac:chgData name="Lorenzo Ariemma" userId="359e4d9b-18ad-408c-9e1b-373fb95ff396" providerId="ADAL" clId="{0B7C2297-B20D-6F4D-A9F0-DB2ECE2A8EC1}" dt="2023-10-24T14:27:18.783" v="20" actId="1076"/>
-          <ac:spMkLst>
-            <pc:docMk/>
-            <pc:sldMk cId="0" sldId="343"/>
-            <ac:spMk id="18528" creationId="{8E7BD266-6487-5E3B-317F-804246825DD3}"/>
-          </ac:spMkLst>
-        </pc:spChg>
-        <pc:spChg chg="mod">
-          <ac:chgData name="Lorenzo Ariemma" userId="359e4d9b-18ad-408c-9e1b-373fb95ff396" providerId="ADAL" clId="{0B7C2297-B20D-6F4D-A9F0-DB2ECE2A8EC1}" dt="2023-10-24T14:27:18.783" v="20" actId="1076"/>
-          <ac:spMkLst>
-            <pc:docMk/>
-            <pc:sldMk cId="0" sldId="343"/>
-            <ac:spMk id="18529" creationId="{0C0C4648-2EFA-FFF8-F282-6010384A754F}"/>
-          </ac:spMkLst>
-        </pc:spChg>
-        <pc:spChg chg="mod">
-          <ac:chgData name="Lorenzo Ariemma" userId="359e4d9b-18ad-408c-9e1b-373fb95ff396" providerId="ADAL" clId="{0B7C2297-B20D-6F4D-A9F0-DB2ECE2A8EC1}" dt="2023-10-24T14:27:18.783" v="20" actId="1076"/>
-          <ac:spMkLst>
-            <pc:docMk/>
-            <pc:sldMk cId="0" sldId="343"/>
-            <ac:spMk id="18530" creationId="{2B2F3C74-C1C1-4029-3A02-FD6D8B786B6D}"/>
-          </ac:spMkLst>
-        </pc:spChg>
-        <pc:spChg chg="mod">
-          <ac:chgData name="Lorenzo Ariemma" userId="359e4d9b-18ad-408c-9e1b-373fb95ff396" providerId="ADAL" clId="{0B7C2297-B20D-6F4D-A9F0-DB2ECE2A8EC1}" dt="2023-10-24T14:27:18.783" v="20" actId="1076"/>
-          <ac:spMkLst>
-            <pc:docMk/>
-            <pc:sldMk cId="0" sldId="343"/>
-            <ac:spMk id="18531" creationId="{872F243B-0FB3-5973-DB2E-1A015378E16B}"/>
-          </ac:spMkLst>
-        </pc:spChg>
-        <pc:spChg chg="add mod">
-          <ac:chgData name="Lorenzo Ariemma" userId="359e4d9b-18ad-408c-9e1b-373fb95ff396" providerId="ADAL" clId="{0B7C2297-B20D-6F4D-A9F0-DB2ECE2A8EC1}" dt="2023-10-24T14:27:37.044" v="24" actId="1076"/>
-          <ac:spMkLst>
-            <pc:docMk/>
-            <pc:sldMk cId="0" sldId="343"/>
-            <ac:spMk id="18532" creationId="{36985AB5-A595-5A59-E872-B9D2AFEA5FDE}"/>
-          </ac:spMkLst>
-        </pc:spChg>
-        <pc:spChg chg="add mod">
-          <ac:chgData name="Lorenzo Ariemma" userId="359e4d9b-18ad-408c-9e1b-373fb95ff396" providerId="ADAL" clId="{0B7C2297-B20D-6F4D-A9F0-DB2ECE2A8EC1}" dt="2023-10-24T14:27:48.169" v="28" actId="20577"/>
-          <ac:spMkLst>
-            <pc:docMk/>
-            <pc:sldMk cId="0" sldId="343"/>
-            <ac:spMk id="18533" creationId="{40069469-FF15-FBF1-1F0B-A0CEC7064617}"/>
-          </ac:spMkLst>
-        </pc:spChg>
-        <pc:spChg chg="add mod">
-          <ac:chgData name="Lorenzo Ariemma" userId="359e4d9b-18ad-408c-9e1b-373fb95ff396" providerId="ADAL" clId="{0B7C2297-B20D-6F4D-A9F0-DB2ECE2A8EC1}" dt="2023-10-24T14:31:14.413" v="88" actId="1076"/>
-          <ac:spMkLst>
-            <pc:docMk/>
-            <pc:sldMk cId="0" sldId="343"/>
-            <ac:spMk id="18534" creationId="{D268B4A2-A867-9F9C-561B-2F8610005139}"/>
-          </ac:spMkLst>
-        </pc:spChg>
-        <pc:spChg chg="add mod">
-          <ac:chgData name="Lorenzo Ariemma" userId="359e4d9b-18ad-408c-9e1b-373fb95ff396" providerId="ADAL" clId="{0B7C2297-B20D-6F4D-A9F0-DB2ECE2A8EC1}" dt="2023-10-24T14:28:08.001" v="36" actId="20577"/>
-          <ac:spMkLst>
-            <pc:docMk/>
-            <pc:sldMk cId="0" sldId="343"/>
-            <ac:spMk id="18535" creationId="{8D437A41-F08B-5BB6-F71D-3001EC7EDAD2}"/>
-          </ac:spMkLst>
-        </pc:spChg>
-        <pc:spChg chg="add mod">
-          <ac:chgData name="Lorenzo Ariemma" userId="359e4d9b-18ad-408c-9e1b-373fb95ff396" providerId="ADAL" clId="{0B7C2297-B20D-6F4D-A9F0-DB2ECE2A8EC1}" dt="2023-10-24T14:29:19.545" v="57" actId="20577"/>
-          <ac:spMkLst>
-            <pc:docMk/>
-            <pc:sldMk cId="0" sldId="343"/>
-            <ac:spMk id="18536" creationId="{5FE0BA7A-0592-632F-5161-F429A7EA3754}"/>
-          </ac:spMkLst>
-        </pc:spChg>
-        <pc:spChg chg="add mod">
-          <ac:chgData name="Lorenzo Ariemma" userId="359e4d9b-18ad-408c-9e1b-373fb95ff396" providerId="ADAL" clId="{0B7C2297-B20D-6F4D-A9F0-DB2ECE2A8EC1}" dt="2023-10-24T14:31:10.018" v="87" actId="1076"/>
-          <ac:spMkLst>
-            <pc:docMk/>
-            <pc:sldMk cId="0" sldId="343"/>
-            <ac:spMk id="18539" creationId="{B9B292B3-9AF4-7774-3432-1D6FD6C260F7}"/>
-          </ac:spMkLst>
-        </pc:spChg>
-        <pc:spChg chg="add mod">
-          <ac:chgData name="Lorenzo Ariemma" userId="359e4d9b-18ad-408c-9e1b-373fb95ff396" providerId="ADAL" clId="{0B7C2297-B20D-6F4D-A9F0-DB2ECE2A8EC1}" dt="2023-10-24T14:29:37.002" v="63" actId="20577"/>
-          <ac:spMkLst>
-            <pc:docMk/>
-            <pc:sldMk cId="0" sldId="343"/>
-            <ac:spMk id="18540" creationId="{48A6EE93-43DB-714B-8222-BE317D6BBCF7}"/>
-          </ac:spMkLst>
-        </pc:spChg>
-        <pc:spChg chg="add mod">
-          <ac:chgData name="Lorenzo Ariemma" userId="359e4d9b-18ad-408c-9e1b-373fb95ff396" providerId="ADAL" clId="{0B7C2297-B20D-6F4D-A9F0-DB2ECE2A8EC1}" dt="2023-10-24T14:29:53.229" v="70" actId="20577"/>
-          <ac:spMkLst>
-            <pc:docMk/>
-            <pc:sldMk cId="0" sldId="343"/>
-            <ac:spMk id="18542" creationId="{AAB377B2-A980-D0D1-2160-D1B576F1F080}"/>
-          </ac:spMkLst>
-        </pc:spChg>
-        <pc:grpChg chg="add mod">
-          <ac:chgData name="Lorenzo Ariemma" userId="359e4d9b-18ad-408c-9e1b-373fb95ff396" providerId="ADAL" clId="{0B7C2297-B20D-6F4D-A9F0-DB2ECE2A8EC1}" dt="2023-10-24T14:26:08.322" v="2" actId="1076"/>
-          <ac:grpSpMkLst>
-            <pc:docMk/>
-            <pc:sldMk cId="0" sldId="343"/>
-            <ac:grpSpMk id="5" creationId="{22D4F49C-868B-B274-132F-C819E3E346EF}"/>
-          </ac:grpSpMkLst>
-        </pc:grpChg>
-        <pc:grpChg chg="mod">
-          <ac:chgData name="Lorenzo Ariemma" userId="359e4d9b-18ad-408c-9e1b-373fb95ff396" providerId="ADAL" clId="{0B7C2297-B20D-6F4D-A9F0-DB2ECE2A8EC1}" dt="2023-10-24T14:26:08.322" v="2" actId="1076"/>
-          <ac:grpSpMkLst>
-            <pc:docMk/>
-            <pc:sldMk cId="0" sldId="343"/>
-            <ac:grpSpMk id="7" creationId="{E2192E27-A15A-8289-3E9F-C508A3497446}"/>
-          </ac:grpSpMkLst>
-        </pc:grpChg>
-        <pc:grpChg chg="mod">
-          <ac:chgData name="Lorenzo Ariemma" userId="359e4d9b-18ad-408c-9e1b-373fb95ff396" providerId="ADAL" clId="{0B7C2297-B20D-6F4D-A9F0-DB2ECE2A8EC1}" dt="2023-10-24T14:26:08.322" v="2" actId="1076"/>
-          <ac:grpSpMkLst>
-            <pc:docMk/>
-            <pc:sldMk cId="0" sldId="343"/>
-            <ac:grpSpMk id="8" creationId="{8A902EAE-03C5-60C7-210C-97AE3C49DEFC}"/>
-          </ac:grpSpMkLst>
-        </pc:grpChg>
-        <pc:grpChg chg="mod">
-          <ac:chgData name="Lorenzo Ariemma" userId="359e4d9b-18ad-408c-9e1b-373fb95ff396" providerId="ADAL" clId="{0B7C2297-B20D-6F4D-A9F0-DB2ECE2A8EC1}" dt="2023-10-24T14:26:08.322" v="2" actId="1076"/>
-          <ac:grpSpMkLst>
-            <pc:docMk/>
-            <pc:sldMk cId="0" sldId="343"/>
-            <ac:grpSpMk id="9" creationId="{00437AD2-5C35-D3DF-A753-AC6EBF3ECE53}"/>
-          </ac:grpSpMkLst>
-        </pc:grpChg>
-        <pc:grpChg chg="add mod">
-          <ac:chgData name="Lorenzo Ariemma" userId="359e4d9b-18ad-408c-9e1b-373fb95ff396" providerId="ADAL" clId="{0B7C2297-B20D-6F4D-A9F0-DB2ECE2A8EC1}" dt="2023-10-24T14:27:00.631" v="12" actId="1076"/>
-          <ac:grpSpMkLst>
-            <pc:docMk/>
-            <pc:sldMk cId="0" sldId="343"/>
-            <ac:grpSpMk id="45" creationId="{6803AF9F-D68A-D2A4-3B7C-AFEBA585019C}"/>
-          </ac:grpSpMkLst>
-        </pc:grpChg>
-        <pc:grpChg chg="mod">
-          <ac:chgData name="Lorenzo Ariemma" userId="359e4d9b-18ad-408c-9e1b-373fb95ff396" providerId="ADAL" clId="{0B7C2297-B20D-6F4D-A9F0-DB2ECE2A8EC1}" dt="2023-10-24T14:27:00.631" v="12" actId="1076"/>
-          <ac:grpSpMkLst>
-            <pc:docMk/>
-            <pc:sldMk cId="0" sldId="343"/>
-            <ac:grpSpMk id="46" creationId="{DDA05D8B-072C-9C75-F3BB-9C3D503BDECB}"/>
-          </ac:grpSpMkLst>
-        </pc:grpChg>
-        <pc:grpChg chg="mod">
-          <ac:chgData name="Lorenzo Ariemma" userId="359e4d9b-18ad-408c-9e1b-373fb95ff396" providerId="ADAL" clId="{0B7C2297-B20D-6F4D-A9F0-DB2ECE2A8EC1}" dt="2023-10-24T14:27:00.631" v="12" actId="1076"/>
-          <ac:grpSpMkLst>
-            <pc:docMk/>
-            <pc:sldMk cId="0" sldId="343"/>
-            <ac:grpSpMk id="47" creationId="{9A174D83-1BE1-682A-21A1-A99029A869B0}"/>
-          </ac:grpSpMkLst>
-        </pc:grpChg>
-        <pc:grpChg chg="mod">
-          <ac:chgData name="Lorenzo Ariemma" userId="359e4d9b-18ad-408c-9e1b-373fb95ff396" providerId="ADAL" clId="{0B7C2297-B20D-6F4D-A9F0-DB2ECE2A8EC1}" dt="2023-10-24T14:27:00.631" v="12" actId="1076"/>
-          <ac:grpSpMkLst>
-            <pc:docMk/>
-            <pc:sldMk cId="0" sldId="343"/>
-            <ac:grpSpMk id="48" creationId="{F74FDA7E-8AEA-063F-F321-5F200084C08B}"/>
-          </ac:grpSpMkLst>
-        </pc:grpChg>
-        <pc:grpChg chg="add mod">
-          <ac:chgData name="Lorenzo Ariemma" userId="359e4d9b-18ad-408c-9e1b-373fb95ff396" providerId="ADAL" clId="{0B7C2297-B20D-6F4D-A9F0-DB2ECE2A8EC1}" dt="2023-10-24T14:27:08.147" v="16" actId="1076"/>
-          <ac:grpSpMkLst>
-            <pc:docMk/>
-            <pc:sldMk cId="0" sldId="343"/>
-            <ac:grpSpMk id="18464" creationId="{9E84C4EA-13ED-1574-C389-05CCFDECF0FD}"/>
-          </ac:grpSpMkLst>
-        </pc:grpChg>
-        <pc:grpChg chg="mod">
-          <ac:chgData name="Lorenzo Ariemma" userId="359e4d9b-18ad-408c-9e1b-373fb95ff396" providerId="ADAL" clId="{0B7C2297-B20D-6F4D-A9F0-DB2ECE2A8EC1}" dt="2023-10-24T14:27:08.147" v="16" actId="1076"/>
-          <ac:grpSpMkLst>
-            <pc:docMk/>
-            <pc:sldMk cId="0" sldId="343"/>
-            <ac:grpSpMk id="18465" creationId="{C55250DD-5209-5EE3-2B75-3A6969F1B748}"/>
-          </ac:grpSpMkLst>
-        </pc:grpChg>
-        <pc:grpChg chg="mod">
-          <ac:chgData name="Lorenzo Ariemma" userId="359e4d9b-18ad-408c-9e1b-373fb95ff396" providerId="ADAL" clId="{0B7C2297-B20D-6F4D-A9F0-DB2ECE2A8EC1}" dt="2023-10-24T14:27:08.147" v="16" actId="1076"/>
-          <ac:grpSpMkLst>
-            <pc:docMk/>
-            <pc:sldMk cId="0" sldId="343"/>
-            <ac:grpSpMk id="18466" creationId="{BD97EB7C-B338-D7D4-F0FD-88BC0C47DE30}"/>
-          </ac:grpSpMkLst>
-        </pc:grpChg>
-        <pc:grpChg chg="mod">
-          <ac:chgData name="Lorenzo Ariemma" userId="359e4d9b-18ad-408c-9e1b-373fb95ff396" providerId="ADAL" clId="{0B7C2297-B20D-6F4D-A9F0-DB2ECE2A8EC1}" dt="2023-10-24T14:27:08.147" v="16" actId="1076"/>
-          <ac:grpSpMkLst>
-            <pc:docMk/>
-            <pc:sldMk cId="0" sldId="343"/>
-            <ac:grpSpMk id="18467" creationId="{E9AAEF73-733D-853B-DA17-B7A91540CFEF}"/>
-          </ac:grpSpMkLst>
-        </pc:grpChg>
-        <pc:grpChg chg="add mod">
-          <ac:chgData name="Lorenzo Ariemma" userId="359e4d9b-18ad-408c-9e1b-373fb95ff396" providerId="ADAL" clId="{0B7C2297-B20D-6F4D-A9F0-DB2ECE2A8EC1}" dt="2023-10-24T14:27:18.783" v="20" actId="1076"/>
-          <ac:grpSpMkLst>
-            <pc:docMk/>
-            <pc:sldMk cId="0" sldId="343"/>
-            <ac:grpSpMk id="18498" creationId="{6CC953A7-8D1B-491B-0522-82DCF258F41F}"/>
-          </ac:grpSpMkLst>
-        </pc:grpChg>
-        <pc:grpChg chg="mod">
-          <ac:chgData name="Lorenzo Ariemma" userId="359e4d9b-18ad-408c-9e1b-373fb95ff396" providerId="ADAL" clId="{0B7C2297-B20D-6F4D-A9F0-DB2ECE2A8EC1}" dt="2023-10-24T14:27:18.783" v="20" actId="1076"/>
-          <ac:grpSpMkLst>
-            <pc:docMk/>
-            <pc:sldMk cId="0" sldId="343"/>
-            <ac:grpSpMk id="18499" creationId="{EAA94E72-348C-0F20-06D2-F5A2E948F5E4}"/>
-          </ac:grpSpMkLst>
-        </pc:grpChg>
-        <pc:grpChg chg="mod">
-          <ac:chgData name="Lorenzo Ariemma" userId="359e4d9b-18ad-408c-9e1b-373fb95ff396" providerId="ADAL" clId="{0B7C2297-B20D-6F4D-A9F0-DB2ECE2A8EC1}" dt="2023-10-24T14:27:18.783" v="20" actId="1076"/>
-          <ac:grpSpMkLst>
-            <pc:docMk/>
-            <pc:sldMk cId="0" sldId="343"/>
-            <ac:grpSpMk id="18500" creationId="{08D7A2AD-81E8-7DB6-74F9-57080E374FB8}"/>
-          </ac:grpSpMkLst>
-        </pc:grpChg>
-        <pc:grpChg chg="mod">
-          <ac:chgData name="Lorenzo Ariemma" userId="359e4d9b-18ad-408c-9e1b-373fb95ff396" providerId="ADAL" clId="{0B7C2297-B20D-6F4D-A9F0-DB2ECE2A8EC1}" dt="2023-10-24T14:27:18.783" v="20" actId="1076"/>
-          <ac:grpSpMkLst>
-            <pc:docMk/>
-            <pc:sldMk cId="0" sldId="343"/>
-            <ac:grpSpMk id="18501" creationId="{36713C61-11BA-C694-CB45-D2FC5EB3FE12}"/>
-          </ac:grpSpMkLst>
-        </pc:grpChg>
-        <pc:cxnChg chg="mod">
-          <ac:chgData name="Lorenzo Ariemma" userId="359e4d9b-18ad-408c-9e1b-373fb95ff396" providerId="ADAL" clId="{0B7C2297-B20D-6F4D-A9F0-DB2ECE2A8EC1}" dt="2023-10-24T14:26:22.402" v="4" actId="1582"/>
-          <ac:cxnSpMkLst>
-            <pc:docMk/>
-            <pc:sldMk cId="0" sldId="343"/>
-            <ac:cxnSpMk id="6" creationId="{37B7C272-BE21-B244-1353-1BEA6A23624C}"/>
-          </ac:cxnSpMkLst>
-        </pc:cxnChg>
-        <pc:cxnChg chg="mod">
-          <ac:chgData name="Lorenzo Ariemma" userId="359e4d9b-18ad-408c-9e1b-373fb95ff396" providerId="ADAL" clId="{0B7C2297-B20D-6F4D-A9F0-DB2ECE2A8EC1}" dt="2023-10-24T14:29:31.263" v="60" actId="14100"/>
-          <ac:cxnSpMkLst>
-            <pc:docMk/>
-            <pc:sldMk cId="0" sldId="343"/>
-            <ac:cxnSpMk id="10" creationId="{4B64AC71-BF4B-CAD0-59BE-B90141E71E14}"/>
-          </ac:cxnSpMkLst>
-        </pc:cxnChg>
-        <pc:cxnChg chg="mod">
-          <ac:chgData name="Lorenzo Ariemma" userId="359e4d9b-18ad-408c-9e1b-373fb95ff396" providerId="ADAL" clId="{0B7C2297-B20D-6F4D-A9F0-DB2ECE2A8EC1}" dt="2023-10-24T14:26:41.790" v="6" actId="108"/>
-          <ac:cxnSpMkLst>
-            <pc:docMk/>
-            <pc:sldMk cId="0" sldId="343"/>
-            <ac:cxnSpMk id="17" creationId="{D2DC7747-9EEB-9EBE-58E9-15C953C624F5}"/>
-          </ac:cxnSpMkLst>
-        </pc:cxnChg>
-        <pc:cxnChg chg="mod">
-          <ac:chgData name="Lorenzo Ariemma" userId="359e4d9b-18ad-408c-9e1b-373fb95ff396" providerId="ADAL" clId="{0B7C2297-B20D-6F4D-A9F0-DB2ECE2A8EC1}" dt="2023-10-24T14:31:02.737" v="85" actId="14100"/>
-          <ac:cxnSpMkLst>
-            <pc:docMk/>
-            <pc:sldMk cId="0" sldId="343"/>
-            <ac:cxnSpMk id="19" creationId="{B4532BC6-DCAA-3BB1-70E5-66028C50E983}"/>
-          </ac:cxnSpMkLst>
-        </pc:cxnChg>
-      </pc:sldChg>
-    </pc:docChg>
-  </pc:docChgLst>
-  <pc:docChgLst>
-    <pc:chgData name="Giuseppe Di Battista" userId="58bebec1-7401-494e-9e51-e1347bbf0818" providerId="ADAL" clId="{F021DC0F-27AB-490C-91D6-E957E59ABC28}"/>
-    <pc:docChg chg="undo custSel modSld">
-      <pc:chgData name="Giuseppe Di Battista" userId="58bebec1-7401-494e-9e51-e1347bbf0818" providerId="ADAL" clId="{F021DC0F-27AB-490C-91D6-E957E59ABC28}" dt="2023-10-24T14:23:37.353" v="426" actId="20577"/>
-      <pc:docMkLst>
-        <pc:docMk/>
-      </pc:docMkLst>
-      <pc:sldChg chg="addSp delSp modSp mod">
-        <pc:chgData name="Giuseppe Di Battista" userId="58bebec1-7401-494e-9e51-e1347bbf0818" providerId="ADAL" clId="{F021DC0F-27AB-490C-91D6-E957E59ABC28}" dt="2023-10-24T14:11:25.370" v="280" actId="20577"/>
-        <pc:sldMkLst>
-          <pc:docMk/>
-          <pc:sldMk cId="0" sldId="343"/>
-        </pc:sldMkLst>
-        <pc:spChg chg="mod">
-          <ac:chgData name="Giuseppe Di Battista" userId="58bebec1-7401-494e-9e51-e1347bbf0818" providerId="ADAL" clId="{F021DC0F-27AB-490C-91D6-E957E59ABC28}" dt="2023-10-24T14:10:46.223" v="278" actId="1076"/>
-          <ac:spMkLst>
-            <pc:docMk/>
-            <pc:sldMk cId="0" sldId="343"/>
-            <ac:spMk id="3" creationId="{05310AC1-A515-8D8B-5709-5779442649EB}"/>
-          </ac:spMkLst>
-        </pc:spChg>
-        <pc:spChg chg="mod">
-          <ac:chgData name="Giuseppe Di Battista" userId="58bebec1-7401-494e-9e51-e1347bbf0818" providerId="ADAL" clId="{F021DC0F-27AB-490C-91D6-E957E59ABC28}" dt="2023-10-24T14:10:46.223" v="278" actId="1076"/>
-          <ac:spMkLst>
-            <pc:docMk/>
-            <pc:sldMk cId="0" sldId="343"/>
-            <ac:spMk id="4" creationId="{76B27C86-3588-CA39-98A5-D79551CBC601}"/>
-          </ac:spMkLst>
-        </pc:spChg>
-        <pc:spChg chg="mod">
-          <ac:chgData name="Giuseppe Di Battista" userId="58bebec1-7401-494e-9e51-e1347bbf0818" providerId="ADAL" clId="{F021DC0F-27AB-490C-91D6-E957E59ABC28}" dt="2023-10-24T14:11:25.370" v="280" actId="20577"/>
-          <ac:spMkLst>
-            <pc:docMk/>
-            <pc:sldMk cId="0" sldId="343"/>
-            <ac:spMk id="18435" creationId="{485C2A12-C75D-B576-DC60-BEADE5A36484}"/>
-          </ac:spMkLst>
-        </pc:spChg>
-        <pc:grpChg chg="add mod">
-          <ac:chgData name="Giuseppe Di Battista" userId="58bebec1-7401-494e-9e51-e1347bbf0818" providerId="ADAL" clId="{F021DC0F-27AB-490C-91D6-E957E59ABC28}" dt="2023-10-24T14:10:46.223" v="278" actId="1076"/>
-          <ac:grpSpMkLst>
-            <pc:docMk/>
-            <pc:sldMk cId="0" sldId="343"/>
-            <ac:grpSpMk id="2" creationId="{B09E9484-6833-C559-69CF-9CE298EF5097}"/>
-          </ac:grpSpMkLst>
-        </pc:grpChg>
-        <pc:grpChg chg="del">
-          <ac:chgData name="Giuseppe Di Battista" userId="58bebec1-7401-494e-9e51-e1347bbf0818" providerId="ADAL" clId="{F021DC0F-27AB-490C-91D6-E957E59ABC28}" dt="2023-10-24T14:10:29.786" v="274" actId="478"/>
-          <ac:grpSpMkLst>
-            <pc:docMk/>
-            <pc:sldMk cId="0" sldId="343"/>
-            <ac:grpSpMk id="18437" creationId="{11EC0EB0-C7CC-1773-75EE-137ECD297EA0}"/>
-          </ac:grpSpMkLst>
-        </pc:grpChg>
-      </pc:sldChg>
-      <pc:sldChg chg="modSp mod">
-        <pc:chgData name="Giuseppe Di Battista" userId="58bebec1-7401-494e-9e51-e1347bbf0818" providerId="ADAL" clId="{F021DC0F-27AB-490C-91D6-E957E59ABC28}" dt="2023-10-24T14:11:58.415" v="285" actId="20577"/>
-        <pc:sldMkLst>
-          <pc:docMk/>
-          <pc:sldMk cId="0" sldId="401"/>
-        </pc:sldMkLst>
-        <pc:spChg chg="mod">
-          <ac:chgData name="Giuseppe Di Battista" userId="58bebec1-7401-494e-9e51-e1347bbf0818" providerId="ADAL" clId="{F021DC0F-27AB-490C-91D6-E957E59ABC28}" dt="2023-10-24T14:11:58.415" v="285" actId="20577"/>
-          <ac:spMkLst>
-            <pc:docMk/>
-            <pc:sldMk cId="0" sldId="401"/>
-            <ac:spMk id="28674" creationId="{00EAF188-2D61-D072-503C-2933EA9C41CD}"/>
-          </ac:spMkLst>
-        </pc:spChg>
-      </pc:sldChg>
-      <pc:sldChg chg="modSp mod">
-        <pc:chgData name="Giuseppe Di Battista" userId="58bebec1-7401-494e-9e51-e1347bbf0818" providerId="ADAL" clId="{F021DC0F-27AB-490C-91D6-E957E59ABC28}" dt="2023-10-24T12:41:23.116" v="216" actId="20577"/>
-        <pc:sldMkLst>
-          <pc:docMk/>
-          <pc:sldMk cId="1835873956" sldId="403"/>
-        </pc:sldMkLst>
-        <pc:spChg chg="mod">
-          <ac:chgData name="Giuseppe Di Battista" userId="58bebec1-7401-494e-9e51-e1347bbf0818" providerId="ADAL" clId="{F021DC0F-27AB-490C-91D6-E957E59ABC28}" dt="2023-10-24T12:39:16.346" v="45" actId="20577"/>
-          <ac:spMkLst>
-            <pc:docMk/>
-            <pc:sldMk cId="1835873956" sldId="403"/>
-            <ac:spMk id="2" creationId="{BE8268DA-B241-08C9-76D3-34A54DCA33E1}"/>
-          </ac:spMkLst>
-        </pc:spChg>
-        <pc:spChg chg="mod">
-          <ac:chgData name="Giuseppe Di Battista" userId="58bebec1-7401-494e-9e51-e1347bbf0818" providerId="ADAL" clId="{F021DC0F-27AB-490C-91D6-E957E59ABC28}" dt="2023-10-24T12:40:59.909" v="193" actId="20577"/>
-          <ac:spMkLst>
-            <pc:docMk/>
-            <pc:sldMk cId="1835873956" sldId="403"/>
-            <ac:spMk id="3" creationId="{F16B4CB5-D150-C7E5-3B6A-A3082062888B}"/>
-          </ac:spMkLst>
-        </pc:spChg>
-        <pc:spChg chg="mod">
-          <ac:chgData name="Giuseppe Di Battista" userId="58bebec1-7401-494e-9e51-e1347bbf0818" providerId="ADAL" clId="{F021DC0F-27AB-490C-91D6-E957E59ABC28}" dt="2023-10-24T12:41:23.116" v="216" actId="20577"/>
-          <ac:spMkLst>
-            <pc:docMk/>
-            <pc:sldMk cId="1835873956" sldId="403"/>
-            <ac:spMk id="13" creationId="{4AF0C551-7459-9595-7276-6234A79F6052}"/>
-          </ac:spMkLst>
-        </pc:spChg>
-        <pc:spChg chg="mod">
-          <ac:chgData name="Giuseppe Di Battista" userId="58bebec1-7401-494e-9e51-e1347bbf0818" providerId="ADAL" clId="{F021DC0F-27AB-490C-91D6-E957E59ABC28}" dt="2023-10-24T12:41:13.350" v="208" actId="20577"/>
-          <ac:spMkLst>
-            <pc:docMk/>
-            <pc:sldMk cId="1835873956" sldId="403"/>
-            <ac:spMk id="14" creationId="{3FBCE0BA-BA5F-727C-5EDD-9C221E4A019C}"/>
-          </ac:spMkLst>
-        </pc:spChg>
-      </pc:sldChg>
-      <pc:sldChg chg="modSp mod">
-        <pc:chgData name="Giuseppe Di Battista" userId="58bebec1-7401-494e-9e51-e1347bbf0818" providerId="ADAL" clId="{F021DC0F-27AB-490C-91D6-E957E59ABC28}" dt="2023-10-24T14:15:46.126" v="326" actId="20577"/>
-        <pc:sldMkLst>
-          <pc:docMk/>
-          <pc:sldMk cId="3037940725" sldId="405"/>
-        </pc:sldMkLst>
-        <pc:spChg chg="mod">
-          <ac:chgData name="Giuseppe Di Battista" userId="58bebec1-7401-494e-9e51-e1347bbf0818" providerId="ADAL" clId="{F021DC0F-27AB-490C-91D6-E957E59ABC28}" dt="2023-10-24T14:15:46.126" v="326" actId="20577"/>
-          <ac:spMkLst>
-            <pc:docMk/>
-            <pc:sldMk cId="3037940725" sldId="405"/>
-            <ac:spMk id="3" creationId="{F24FB8D8-2A59-598A-909D-68604B4D081D}"/>
-          </ac:spMkLst>
-        </pc:spChg>
-        <pc:spChg chg="mod">
-          <ac:chgData name="Giuseppe Di Battista" userId="58bebec1-7401-494e-9e51-e1347bbf0818" providerId="ADAL" clId="{F021DC0F-27AB-490C-91D6-E957E59ABC28}" dt="2023-10-24T12:43:23.925" v="236" actId="20577"/>
-          <ac:spMkLst>
-            <pc:docMk/>
-            <pc:sldMk cId="3037940725" sldId="405"/>
-            <ac:spMk id="14" creationId="{CB1098A1-3F05-0784-FD13-FC917CC59E3D}"/>
-          </ac:spMkLst>
-        </pc:spChg>
-      </pc:sldChg>
-      <pc:sldChg chg="modSp mod">
-        <pc:chgData name="Giuseppe Di Battista" userId="58bebec1-7401-494e-9e51-e1347bbf0818" providerId="ADAL" clId="{F021DC0F-27AB-490C-91D6-E957E59ABC28}" dt="2023-10-24T12:44:03.046" v="261" actId="20577"/>
-        <pc:sldMkLst>
-          <pc:docMk/>
-          <pc:sldMk cId="2574839862" sldId="406"/>
-        </pc:sldMkLst>
-        <pc:spChg chg="mod">
-          <ac:chgData name="Giuseppe Di Battista" userId="58bebec1-7401-494e-9e51-e1347bbf0818" providerId="ADAL" clId="{F021DC0F-27AB-490C-91D6-E957E59ABC28}" dt="2023-10-24T12:44:03.046" v="261" actId="20577"/>
-          <ac:spMkLst>
-            <pc:docMk/>
-            <pc:sldMk cId="2574839862" sldId="406"/>
-            <ac:spMk id="3" creationId="{3F796143-2726-81AD-57B8-1E79D55ED4B9}"/>
-          </ac:spMkLst>
-        </pc:spChg>
-      </pc:sldChg>
-      <pc:sldChg chg="modSp mod">
-        <pc:chgData name="Giuseppe Di Battista" userId="58bebec1-7401-494e-9e51-e1347bbf0818" providerId="ADAL" clId="{F021DC0F-27AB-490C-91D6-E957E59ABC28}" dt="2023-10-24T12:41:50.199" v="217" actId="6549"/>
-        <pc:sldMkLst>
-          <pc:docMk/>
-          <pc:sldMk cId="3762332242" sldId="409"/>
-        </pc:sldMkLst>
-        <pc:spChg chg="mod">
-          <ac:chgData name="Giuseppe Di Battista" userId="58bebec1-7401-494e-9e51-e1347bbf0818" providerId="ADAL" clId="{F021DC0F-27AB-490C-91D6-E957E59ABC28}" dt="2023-10-24T12:41:50.199" v="217" actId="6549"/>
-          <ac:spMkLst>
-            <pc:docMk/>
-            <pc:sldMk cId="3762332242" sldId="409"/>
-            <ac:spMk id="3" creationId="{E5C55DFE-CF19-5B4A-BC7D-E9354C54B78E}"/>
-          </ac:spMkLst>
-        </pc:spChg>
-      </pc:sldChg>
-      <pc:sldChg chg="modSp mod">
-        <pc:chgData name="Giuseppe Di Battista" userId="58bebec1-7401-494e-9e51-e1347bbf0818" providerId="ADAL" clId="{F021DC0F-27AB-490C-91D6-E957E59ABC28}" dt="2023-10-24T14:17:57.352" v="337" actId="20577"/>
-        <pc:sldMkLst>
-          <pc:docMk/>
-          <pc:sldMk cId="824798956" sldId="410"/>
-        </pc:sldMkLst>
-        <pc:spChg chg="mod">
-          <ac:chgData name="Giuseppe Di Battista" userId="58bebec1-7401-494e-9e51-e1347bbf0818" providerId="ADAL" clId="{F021DC0F-27AB-490C-91D6-E957E59ABC28}" dt="2023-10-24T14:17:57.352" v="337" actId="20577"/>
-          <ac:spMkLst>
-            <pc:docMk/>
-            <pc:sldMk cId="824798956" sldId="410"/>
-            <ac:spMk id="7" creationId="{D039040C-9689-D7D8-2D49-DFF9F38298C5}"/>
-          </ac:spMkLst>
-        </pc:spChg>
-      </pc:sldChg>
-      <pc:sldChg chg="modSp mod">
-        <pc:chgData name="Giuseppe Di Battista" userId="58bebec1-7401-494e-9e51-e1347bbf0818" providerId="ADAL" clId="{F021DC0F-27AB-490C-91D6-E957E59ABC28}" dt="2023-10-24T14:18:14.408" v="340" actId="20577"/>
-        <pc:sldMkLst>
-          <pc:docMk/>
-          <pc:sldMk cId="84654182" sldId="411"/>
-        </pc:sldMkLst>
-        <pc:spChg chg="mod">
-          <ac:chgData name="Giuseppe Di Battista" userId="58bebec1-7401-494e-9e51-e1347bbf0818" providerId="ADAL" clId="{F021DC0F-27AB-490C-91D6-E957E59ABC28}" dt="2023-10-24T14:18:14.408" v="340" actId="20577"/>
-          <ac:spMkLst>
-            <pc:docMk/>
-            <pc:sldMk cId="84654182" sldId="411"/>
-            <ac:spMk id="3" creationId="{FD7E0111-2B52-FD71-47FF-0DDF0D9FC0B2}"/>
-          </ac:spMkLst>
-        </pc:spChg>
-      </pc:sldChg>
-      <pc:sldChg chg="modSp mod">
-        <pc:chgData name="Giuseppe Di Battista" userId="58bebec1-7401-494e-9e51-e1347bbf0818" providerId="ADAL" clId="{F021DC0F-27AB-490C-91D6-E957E59ABC28}" dt="2023-10-24T12:45:49.994" v="273" actId="6549"/>
-        <pc:sldMkLst>
-          <pc:docMk/>
-          <pc:sldMk cId="2838881838" sldId="412"/>
-        </pc:sldMkLst>
-        <pc:spChg chg="mod">
-          <ac:chgData name="Giuseppe Di Battista" userId="58bebec1-7401-494e-9e51-e1347bbf0818" providerId="ADAL" clId="{F021DC0F-27AB-490C-91D6-E957E59ABC28}" dt="2023-10-24T12:45:49.994" v="273" actId="6549"/>
-          <ac:spMkLst>
-            <pc:docMk/>
-            <pc:sldMk cId="2838881838" sldId="412"/>
-            <ac:spMk id="3" creationId="{C41706F8-39E6-C287-EC19-5CE8F1783141}"/>
-          </ac:spMkLst>
-        </pc:spChg>
-      </pc:sldChg>
-      <pc:sldChg chg="modSp mod">
-        <pc:chgData name="Giuseppe Di Battista" userId="58bebec1-7401-494e-9e51-e1347bbf0818" providerId="ADAL" clId="{F021DC0F-27AB-490C-91D6-E957E59ABC28}" dt="2023-10-24T14:21:44.473" v="343" actId="20577"/>
-        <pc:sldMkLst>
-          <pc:docMk/>
-          <pc:sldMk cId="3029760074" sldId="414"/>
-        </pc:sldMkLst>
-        <pc:spChg chg="mod">
-          <ac:chgData name="Giuseppe Di Battista" userId="58bebec1-7401-494e-9e51-e1347bbf0818" providerId="ADAL" clId="{F021DC0F-27AB-490C-91D6-E957E59ABC28}" dt="2023-10-24T14:21:44.473" v="343" actId="20577"/>
-          <ac:spMkLst>
-            <pc:docMk/>
-            <pc:sldMk cId="3029760074" sldId="414"/>
-            <ac:spMk id="3" creationId="{6BBB0914-9367-2194-EE45-AF3107EE0F48}"/>
-          </ac:spMkLst>
-        </pc:spChg>
-      </pc:sldChg>
-      <pc:sldChg chg="modSp mod">
-        <pc:chgData name="Giuseppe Di Battista" userId="58bebec1-7401-494e-9e51-e1347bbf0818" providerId="ADAL" clId="{F021DC0F-27AB-490C-91D6-E957E59ABC28}" dt="2023-10-24T14:23:37.353" v="426" actId="20577"/>
-        <pc:sldMkLst>
-          <pc:docMk/>
-          <pc:sldMk cId="2434955685" sldId="416"/>
-        </pc:sldMkLst>
-        <pc:spChg chg="mod">
-          <ac:chgData name="Giuseppe Di Battista" userId="58bebec1-7401-494e-9e51-e1347bbf0818" providerId="ADAL" clId="{F021DC0F-27AB-490C-91D6-E957E59ABC28}" dt="2023-10-24T14:23:37.353" v="426" actId="20577"/>
-          <ac:spMkLst>
-            <pc:docMk/>
-            <pc:sldMk cId="2434955685" sldId="416"/>
-            <ac:spMk id="3" creationId="{9827920B-EE7C-AB6E-D5ED-5B913E35C36C}"/>
-          </ac:spMkLst>
-        </pc:spChg>
-      </pc:sldChg>
-    </pc:docChg>
-  </pc:docChgLst>
   <pc:docChgLst>
     <pc:chgData name="Lorenzo Ariemma" userId="359e4d9b-18ad-408c-9e1b-373fb95ff396" providerId="ADAL" clId="{D868C4EE-85F1-457A-A52F-8E53045901B2}"/>
     <pc:docChg chg="undo redo custSel addSld delSld modSld modMainMaster modNotesMaster">
@@ -4240,6 +2721,1524 @@
           </pc:grpChg>
         </pc:sldLayoutChg>
       </pc:sldMasterChg>
+    </pc:docChg>
+  </pc:docChgLst>
+  <pc:docChgLst>
+    <pc:chgData name="Lorenzo Ariemma" userId="359e4d9b-18ad-408c-9e1b-373fb95ff396" providerId="ADAL" clId="{0B7C2297-B20D-6F4D-A9F0-DB2ECE2A8EC1}"/>
+    <pc:docChg chg="undo custSel modSld">
+      <pc:chgData name="Lorenzo Ariemma" userId="359e4d9b-18ad-408c-9e1b-373fb95ff396" providerId="ADAL" clId="{0B7C2297-B20D-6F4D-A9F0-DB2ECE2A8EC1}" dt="2023-10-24T14:31:14.413" v="88" actId="1076"/>
+      <pc:docMkLst>
+        <pc:docMk/>
+      </pc:docMkLst>
+      <pc:sldChg chg="addSp delSp modSp mod">
+        <pc:chgData name="Lorenzo Ariemma" userId="359e4d9b-18ad-408c-9e1b-373fb95ff396" providerId="ADAL" clId="{0B7C2297-B20D-6F4D-A9F0-DB2ECE2A8EC1}" dt="2023-10-24T14:31:14.413" v="88" actId="1076"/>
+        <pc:sldMkLst>
+          <pc:docMk/>
+          <pc:sldMk cId="0" sldId="343"/>
+        </pc:sldMkLst>
+        <pc:spChg chg="mod">
+          <ac:chgData name="Lorenzo Ariemma" userId="359e4d9b-18ad-408c-9e1b-373fb95ff396" providerId="ADAL" clId="{0B7C2297-B20D-6F4D-A9F0-DB2ECE2A8EC1}" dt="2023-10-24T14:26:08.322" v="2" actId="1076"/>
+          <ac:spMkLst>
+            <pc:docMk/>
+            <pc:sldMk cId="0" sldId="343"/>
+            <ac:spMk id="11" creationId="{BCC83BAD-8A10-A85A-B17E-62BE79BD3784}"/>
+          </ac:spMkLst>
+        </pc:spChg>
+        <pc:spChg chg="mod">
+          <ac:chgData name="Lorenzo Ariemma" userId="359e4d9b-18ad-408c-9e1b-373fb95ff396" providerId="ADAL" clId="{0B7C2297-B20D-6F4D-A9F0-DB2ECE2A8EC1}" dt="2023-10-24T14:26:08.322" v="2" actId="1076"/>
+          <ac:spMkLst>
+            <pc:docMk/>
+            <pc:sldMk cId="0" sldId="343"/>
+            <ac:spMk id="12" creationId="{1BAC95F1-C25A-9A1F-4439-6ED0CBE9D818}"/>
+          </ac:spMkLst>
+        </pc:spChg>
+        <pc:spChg chg="mod">
+          <ac:chgData name="Lorenzo Ariemma" userId="359e4d9b-18ad-408c-9e1b-373fb95ff396" providerId="ADAL" clId="{0B7C2297-B20D-6F4D-A9F0-DB2ECE2A8EC1}" dt="2023-10-24T14:26:08.322" v="2" actId="1076"/>
+          <ac:spMkLst>
+            <pc:docMk/>
+            <pc:sldMk cId="0" sldId="343"/>
+            <ac:spMk id="13" creationId="{C9F7D454-E233-CD12-7E95-C5AFB17C3DDF}"/>
+          </ac:spMkLst>
+        </pc:spChg>
+        <pc:spChg chg="mod">
+          <ac:chgData name="Lorenzo Ariemma" userId="359e4d9b-18ad-408c-9e1b-373fb95ff396" providerId="ADAL" clId="{0B7C2297-B20D-6F4D-A9F0-DB2ECE2A8EC1}" dt="2023-10-24T14:26:08.322" v="2" actId="1076"/>
+          <ac:spMkLst>
+            <pc:docMk/>
+            <pc:sldMk cId="0" sldId="343"/>
+            <ac:spMk id="14" creationId="{C07218CE-3507-2730-AF81-7381B46D6E75}"/>
+          </ac:spMkLst>
+        </pc:spChg>
+        <pc:spChg chg="mod">
+          <ac:chgData name="Lorenzo Ariemma" userId="359e4d9b-18ad-408c-9e1b-373fb95ff396" providerId="ADAL" clId="{0B7C2297-B20D-6F4D-A9F0-DB2ECE2A8EC1}" dt="2023-10-24T14:26:08.322" v="2" actId="1076"/>
+          <ac:spMkLst>
+            <pc:docMk/>
+            <pc:sldMk cId="0" sldId="343"/>
+            <ac:spMk id="15" creationId="{E890CA98-8171-E74B-9A66-F9CA8346FA20}"/>
+          </ac:spMkLst>
+        </pc:spChg>
+        <pc:spChg chg="mod">
+          <ac:chgData name="Lorenzo Ariemma" userId="359e4d9b-18ad-408c-9e1b-373fb95ff396" providerId="ADAL" clId="{0B7C2297-B20D-6F4D-A9F0-DB2ECE2A8EC1}" dt="2023-10-24T14:26:08.322" v="2" actId="1076"/>
+          <ac:spMkLst>
+            <pc:docMk/>
+            <pc:sldMk cId="0" sldId="343"/>
+            <ac:spMk id="16" creationId="{C212B480-91CF-C67F-A7EC-877DB8E980AA}"/>
+          </ac:spMkLst>
+        </pc:spChg>
+        <pc:spChg chg="mod">
+          <ac:chgData name="Lorenzo Ariemma" userId="359e4d9b-18ad-408c-9e1b-373fb95ff396" providerId="ADAL" clId="{0B7C2297-B20D-6F4D-A9F0-DB2ECE2A8EC1}" dt="2023-10-24T14:26:08.322" v="2" actId="1076"/>
+          <ac:spMkLst>
+            <pc:docMk/>
+            <pc:sldMk cId="0" sldId="343"/>
+            <ac:spMk id="18" creationId="{5D23D520-32AF-02B7-C820-28122CE8FC84}"/>
+          </ac:spMkLst>
+        </pc:spChg>
+        <pc:spChg chg="mod">
+          <ac:chgData name="Lorenzo Ariemma" userId="359e4d9b-18ad-408c-9e1b-373fb95ff396" providerId="ADAL" clId="{0B7C2297-B20D-6F4D-A9F0-DB2ECE2A8EC1}" dt="2023-10-24T14:26:08.322" v="2" actId="1076"/>
+          <ac:spMkLst>
+            <pc:docMk/>
+            <pc:sldMk cId="0" sldId="343"/>
+            <ac:spMk id="22" creationId="{AAFA6359-BB45-8FC7-723C-EB2F1E4C0D6D}"/>
+          </ac:spMkLst>
+        </pc:spChg>
+        <pc:spChg chg="mod">
+          <ac:chgData name="Lorenzo Ariemma" userId="359e4d9b-18ad-408c-9e1b-373fb95ff396" providerId="ADAL" clId="{0B7C2297-B20D-6F4D-A9F0-DB2ECE2A8EC1}" dt="2023-10-24T14:26:08.322" v="2" actId="1076"/>
+          <ac:spMkLst>
+            <pc:docMk/>
+            <pc:sldMk cId="0" sldId="343"/>
+            <ac:spMk id="23" creationId="{CEADAFFE-9FBD-C3A6-67D0-459E1FA0F1AE}"/>
+          </ac:spMkLst>
+        </pc:spChg>
+        <pc:spChg chg="mod">
+          <ac:chgData name="Lorenzo Ariemma" userId="359e4d9b-18ad-408c-9e1b-373fb95ff396" providerId="ADAL" clId="{0B7C2297-B20D-6F4D-A9F0-DB2ECE2A8EC1}" dt="2023-10-24T14:26:08.322" v="2" actId="1076"/>
+          <ac:spMkLst>
+            <pc:docMk/>
+            <pc:sldMk cId="0" sldId="343"/>
+            <ac:spMk id="24" creationId="{32EE085C-0253-3193-465D-3857015E844F}"/>
+          </ac:spMkLst>
+        </pc:spChg>
+        <pc:spChg chg="mod">
+          <ac:chgData name="Lorenzo Ariemma" userId="359e4d9b-18ad-408c-9e1b-373fb95ff396" providerId="ADAL" clId="{0B7C2297-B20D-6F4D-A9F0-DB2ECE2A8EC1}" dt="2023-10-24T14:26:08.322" v="2" actId="1076"/>
+          <ac:spMkLst>
+            <pc:docMk/>
+            <pc:sldMk cId="0" sldId="343"/>
+            <ac:spMk id="25" creationId="{EA477EDC-89A2-65E2-613D-6444CADE9D44}"/>
+          </ac:spMkLst>
+        </pc:spChg>
+        <pc:spChg chg="mod">
+          <ac:chgData name="Lorenzo Ariemma" userId="359e4d9b-18ad-408c-9e1b-373fb95ff396" providerId="ADAL" clId="{0B7C2297-B20D-6F4D-A9F0-DB2ECE2A8EC1}" dt="2023-10-24T14:26:08.322" v="2" actId="1076"/>
+          <ac:spMkLst>
+            <pc:docMk/>
+            <pc:sldMk cId="0" sldId="343"/>
+            <ac:spMk id="26" creationId="{E6A39013-E5FA-984E-6F13-3F6A518D87B0}"/>
+          </ac:spMkLst>
+        </pc:spChg>
+        <pc:spChg chg="mod">
+          <ac:chgData name="Lorenzo Ariemma" userId="359e4d9b-18ad-408c-9e1b-373fb95ff396" providerId="ADAL" clId="{0B7C2297-B20D-6F4D-A9F0-DB2ECE2A8EC1}" dt="2023-10-24T14:26:08.322" v="2" actId="1076"/>
+          <ac:spMkLst>
+            <pc:docMk/>
+            <pc:sldMk cId="0" sldId="343"/>
+            <ac:spMk id="27" creationId="{71029043-6912-0E93-1A2B-E90719FF375B}"/>
+          </ac:spMkLst>
+        </pc:spChg>
+        <pc:spChg chg="mod">
+          <ac:chgData name="Lorenzo Ariemma" userId="359e4d9b-18ad-408c-9e1b-373fb95ff396" providerId="ADAL" clId="{0B7C2297-B20D-6F4D-A9F0-DB2ECE2A8EC1}" dt="2023-10-24T14:26:08.322" v="2" actId="1076"/>
+          <ac:spMkLst>
+            <pc:docMk/>
+            <pc:sldMk cId="0" sldId="343"/>
+            <ac:spMk id="28" creationId="{892500DD-35CB-6486-3A49-67A1A0BC5733}"/>
+          </ac:spMkLst>
+        </pc:spChg>
+        <pc:spChg chg="mod">
+          <ac:chgData name="Lorenzo Ariemma" userId="359e4d9b-18ad-408c-9e1b-373fb95ff396" providerId="ADAL" clId="{0B7C2297-B20D-6F4D-A9F0-DB2ECE2A8EC1}" dt="2023-10-24T14:26:08.322" v="2" actId="1076"/>
+          <ac:spMkLst>
+            <pc:docMk/>
+            <pc:sldMk cId="0" sldId="343"/>
+            <ac:spMk id="29" creationId="{87E13D18-5C49-81ED-DD30-4C8329062A2F}"/>
+          </ac:spMkLst>
+        </pc:spChg>
+        <pc:spChg chg="mod">
+          <ac:chgData name="Lorenzo Ariemma" userId="359e4d9b-18ad-408c-9e1b-373fb95ff396" providerId="ADAL" clId="{0B7C2297-B20D-6F4D-A9F0-DB2ECE2A8EC1}" dt="2023-10-24T14:26:08.322" v="2" actId="1076"/>
+          <ac:spMkLst>
+            <pc:docMk/>
+            <pc:sldMk cId="0" sldId="343"/>
+            <ac:spMk id="30" creationId="{CF856A5D-86B8-C035-8BC5-D5EA63DE0696}"/>
+          </ac:spMkLst>
+        </pc:spChg>
+        <pc:spChg chg="mod">
+          <ac:chgData name="Lorenzo Ariemma" userId="359e4d9b-18ad-408c-9e1b-373fb95ff396" providerId="ADAL" clId="{0B7C2297-B20D-6F4D-A9F0-DB2ECE2A8EC1}" dt="2023-10-24T14:26:08.322" v="2" actId="1076"/>
+          <ac:spMkLst>
+            <pc:docMk/>
+            <pc:sldMk cId="0" sldId="343"/>
+            <ac:spMk id="31" creationId="{AC68A8E8-840B-25C2-5B5A-BAC1BAA3E89D}"/>
+          </ac:spMkLst>
+        </pc:spChg>
+        <pc:spChg chg="mod">
+          <ac:chgData name="Lorenzo Ariemma" userId="359e4d9b-18ad-408c-9e1b-373fb95ff396" providerId="ADAL" clId="{0B7C2297-B20D-6F4D-A9F0-DB2ECE2A8EC1}" dt="2023-10-24T14:26:08.322" v="2" actId="1076"/>
+          <ac:spMkLst>
+            <pc:docMk/>
+            <pc:sldMk cId="0" sldId="343"/>
+            <ac:spMk id="32" creationId="{0708AC1A-B73B-0313-831D-A1F9BDBCD3F6}"/>
+          </ac:spMkLst>
+        </pc:spChg>
+        <pc:spChg chg="mod">
+          <ac:chgData name="Lorenzo Ariemma" userId="359e4d9b-18ad-408c-9e1b-373fb95ff396" providerId="ADAL" clId="{0B7C2297-B20D-6F4D-A9F0-DB2ECE2A8EC1}" dt="2023-10-24T14:26:08.322" v="2" actId="1076"/>
+          <ac:spMkLst>
+            <pc:docMk/>
+            <pc:sldMk cId="0" sldId="343"/>
+            <ac:spMk id="33" creationId="{C34D93ED-2460-F135-7863-673AB0BAD169}"/>
+          </ac:spMkLst>
+        </pc:spChg>
+        <pc:spChg chg="mod">
+          <ac:chgData name="Lorenzo Ariemma" userId="359e4d9b-18ad-408c-9e1b-373fb95ff396" providerId="ADAL" clId="{0B7C2297-B20D-6F4D-A9F0-DB2ECE2A8EC1}" dt="2023-10-24T14:26:08.322" v="2" actId="1076"/>
+          <ac:spMkLst>
+            <pc:docMk/>
+            <pc:sldMk cId="0" sldId="343"/>
+            <ac:spMk id="34" creationId="{5C35BE07-72BE-5901-2A2F-11444590A6AC}"/>
+          </ac:spMkLst>
+        </pc:spChg>
+        <pc:spChg chg="mod">
+          <ac:chgData name="Lorenzo Ariemma" userId="359e4d9b-18ad-408c-9e1b-373fb95ff396" providerId="ADAL" clId="{0B7C2297-B20D-6F4D-A9F0-DB2ECE2A8EC1}" dt="2023-10-24T14:26:08.322" v="2" actId="1076"/>
+          <ac:spMkLst>
+            <pc:docMk/>
+            <pc:sldMk cId="0" sldId="343"/>
+            <ac:spMk id="35" creationId="{BCF2590A-B4D5-5453-B003-4AEE1399BC4D}"/>
+          </ac:spMkLst>
+        </pc:spChg>
+        <pc:spChg chg="mod">
+          <ac:chgData name="Lorenzo Ariemma" userId="359e4d9b-18ad-408c-9e1b-373fb95ff396" providerId="ADAL" clId="{0B7C2297-B20D-6F4D-A9F0-DB2ECE2A8EC1}" dt="2023-10-24T14:26:08.322" v="2" actId="1076"/>
+          <ac:spMkLst>
+            <pc:docMk/>
+            <pc:sldMk cId="0" sldId="343"/>
+            <ac:spMk id="36" creationId="{04EC8394-4409-350A-57C9-160B708F4EC8}"/>
+          </ac:spMkLst>
+        </pc:spChg>
+        <pc:spChg chg="mod">
+          <ac:chgData name="Lorenzo Ariemma" userId="359e4d9b-18ad-408c-9e1b-373fb95ff396" providerId="ADAL" clId="{0B7C2297-B20D-6F4D-A9F0-DB2ECE2A8EC1}" dt="2023-10-24T14:26:08.322" v="2" actId="1076"/>
+          <ac:spMkLst>
+            <pc:docMk/>
+            <pc:sldMk cId="0" sldId="343"/>
+            <ac:spMk id="37" creationId="{8AB9D897-EC9C-A0EE-995D-A878759AA655}"/>
+          </ac:spMkLst>
+        </pc:spChg>
+        <pc:spChg chg="mod">
+          <ac:chgData name="Lorenzo Ariemma" userId="359e4d9b-18ad-408c-9e1b-373fb95ff396" providerId="ADAL" clId="{0B7C2297-B20D-6F4D-A9F0-DB2ECE2A8EC1}" dt="2023-10-24T14:26:08.322" v="2" actId="1076"/>
+          <ac:spMkLst>
+            <pc:docMk/>
+            <pc:sldMk cId="0" sldId="343"/>
+            <ac:spMk id="38" creationId="{259A3971-112D-D457-B182-7F2448DE8782}"/>
+          </ac:spMkLst>
+        </pc:spChg>
+        <pc:spChg chg="mod">
+          <ac:chgData name="Lorenzo Ariemma" userId="359e4d9b-18ad-408c-9e1b-373fb95ff396" providerId="ADAL" clId="{0B7C2297-B20D-6F4D-A9F0-DB2ECE2A8EC1}" dt="2023-10-24T14:26:08.322" v="2" actId="1076"/>
+          <ac:spMkLst>
+            <pc:docMk/>
+            <pc:sldMk cId="0" sldId="343"/>
+            <ac:spMk id="39" creationId="{9E774FBF-B370-36A2-CBA2-1613928361BC}"/>
+          </ac:spMkLst>
+        </pc:spChg>
+        <pc:spChg chg="mod">
+          <ac:chgData name="Lorenzo Ariemma" userId="359e4d9b-18ad-408c-9e1b-373fb95ff396" providerId="ADAL" clId="{0B7C2297-B20D-6F4D-A9F0-DB2ECE2A8EC1}" dt="2023-10-24T14:26:08.322" v="2" actId="1076"/>
+          <ac:spMkLst>
+            <pc:docMk/>
+            <pc:sldMk cId="0" sldId="343"/>
+            <ac:spMk id="40" creationId="{171B96DF-2410-46A5-7FA1-F1E79AEB304F}"/>
+          </ac:spMkLst>
+        </pc:spChg>
+        <pc:spChg chg="mod">
+          <ac:chgData name="Lorenzo Ariemma" userId="359e4d9b-18ad-408c-9e1b-373fb95ff396" providerId="ADAL" clId="{0B7C2297-B20D-6F4D-A9F0-DB2ECE2A8EC1}" dt="2023-10-24T14:26:08.322" v="2" actId="1076"/>
+          <ac:spMkLst>
+            <pc:docMk/>
+            <pc:sldMk cId="0" sldId="343"/>
+            <ac:spMk id="41" creationId="{3AB8CE9B-9E68-95D2-6D80-2E1B67ADD6EF}"/>
+          </ac:spMkLst>
+        </pc:spChg>
+        <pc:spChg chg="mod">
+          <ac:chgData name="Lorenzo Ariemma" userId="359e4d9b-18ad-408c-9e1b-373fb95ff396" providerId="ADAL" clId="{0B7C2297-B20D-6F4D-A9F0-DB2ECE2A8EC1}" dt="2023-10-24T14:26:08.322" v="2" actId="1076"/>
+          <ac:spMkLst>
+            <pc:docMk/>
+            <pc:sldMk cId="0" sldId="343"/>
+            <ac:spMk id="42" creationId="{AABB4750-6853-3E7A-5F9D-D1D7D49508A3}"/>
+          </ac:spMkLst>
+        </pc:spChg>
+        <pc:spChg chg="mod">
+          <ac:chgData name="Lorenzo Ariemma" userId="359e4d9b-18ad-408c-9e1b-373fb95ff396" providerId="ADAL" clId="{0B7C2297-B20D-6F4D-A9F0-DB2ECE2A8EC1}" dt="2023-10-24T14:26:08.322" v="2" actId="1076"/>
+          <ac:spMkLst>
+            <pc:docMk/>
+            <pc:sldMk cId="0" sldId="343"/>
+            <ac:spMk id="43" creationId="{5BE5CDF2-5DF2-77B5-2925-E9D33ECDC7DD}"/>
+          </ac:spMkLst>
+        </pc:spChg>
+        <pc:spChg chg="mod">
+          <ac:chgData name="Lorenzo Ariemma" userId="359e4d9b-18ad-408c-9e1b-373fb95ff396" providerId="ADAL" clId="{0B7C2297-B20D-6F4D-A9F0-DB2ECE2A8EC1}" dt="2023-10-24T14:26:08.322" v="2" actId="1076"/>
+          <ac:spMkLst>
+            <pc:docMk/>
+            <pc:sldMk cId="0" sldId="343"/>
+            <ac:spMk id="44" creationId="{C16DF709-5CC1-761A-08A4-5FA226B61BA2}"/>
+          </ac:spMkLst>
+        </pc:spChg>
+        <pc:spChg chg="mod">
+          <ac:chgData name="Lorenzo Ariemma" userId="359e4d9b-18ad-408c-9e1b-373fb95ff396" providerId="ADAL" clId="{0B7C2297-B20D-6F4D-A9F0-DB2ECE2A8EC1}" dt="2023-10-24T14:27:00.631" v="12" actId="1076"/>
+          <ac:spMkLst>
+            <pc:docMk/>
+            <pc:sldMk cId="0" sldId="343"/>
+            <ac:spMk id="49" creationId="{919013FE-F3F7-1327-1EE2-3D84B68131E2}"/>
+          </ac:spMkLst>
+        </pc:spChg>
+        <pc:spChg chg="mod">
+          <ac:chgData name="Lorenzo Ariemma" userId="359e4d9b-18ad-408c-9e1b-373fb95ff396" providerId="ADAL" clId="{0B7C2297-B20D-6F4D-A9F0-DB2ECE2A8EC1}" dt="2023-10-24T14:27:00.631" v="12" actId="1076"/>
+          <ac:spMkLst>
+            <pc:docMk/>
+            <pc:sldMk cId="0" sldId="343"/>
+            <ac:spMk id="50" creationId="{E8008287-47F4-4B81-C68D-8D7D4CDF887A}"/>
+          </ac:spMkLst>
+        </pc:spChg>
+        <pc:spChg chg="mod">
+          <ac:chgData name="Lorenzo Ariemma" userId="359e4d9b-18ad-408c-9e1b-373fb95ff396" providerId="ADAL" clId="{0B7C2297-B20D-6F4D-A9F0-DB2ECE2A8EC1}" dt="2023-10-24T14:27:00.631" v="12" actId="1076"/>
+          <ac:spMkLst>
+            <pc:docMk/>
+            <pc:sldMk cId="0" sldId="343"/>
+            <ac:spMk id="51" creationId="{F854939E-25EE-7CEE-CC42-B5AF4EC7CEC4}"/>
+          </ac:spMkLst>
+        </pc:spChg>
+        <pc:spChg chg="mod">
+          <ac:chgData name="Lorenzo Ariemma" userId="359e4d9b-18ad-408c-9e1b-373fb95ff396" providerId="ADAL" clId="{0B7C2297-B20D-6F4D-A9F0-DB2ECE2A8EC1}" dt="2023-10-24T14:27:00.631" v="12" actId="1076"/>
+          <ac:spMkLst>
+            <pc:docMk/>
+            <pc:sldMk cId="0" sldId="343"/>
+            <ac:spMk id="52" creationId="{145F511E-ADE4-AEF6-E2A0-420AA02EC899}"/>
+          </ac:spMkLst>
+        </pc:spChg>
+        <pc:spChg chg="mod">
+          <ac:chgData name="Lorenzo Ariemma" userId="359e4d9b-18ad-408c-9e1b-373fb95ff396" providerId="ADAL" clId="{0B7C2297-B20D-6F4D-A9F0-DB2ECE2A8EC1}" dt="2023-10-24T14:27:00.631" v="12" actId="1076"/>
+          <ac:spMkLst>
+            <pc:docMk/>
+            <pc:sldMk cId="0" sldId="343"/>
+            <ac:spMk id="53" creationId="{7851D22F-2271-9C8B-187D-C00A96845154}"/>
+          </ac:spMkLst>
+        </pc:spChg>
+        <pc:spChg chg="mod">
+          <ac:chgData name="Lorenzo Ariemma" userId="359e4d9b-18ad-408c-9e1b-373fb95ff396" providerId="ADAL" clId="{0B7C2297-B20D-6F4D-A9F0-DB2ECE2A8EC1}" dt="2023-10-24T14:27:00.631" v="12" actId="1076"/>
+          <ac:spMkLst>
+            <pc:docMk/>
+            <pc:sldMk cId="0" sldId="343"/>
+            <ac:spMk id="54" creationId="{A7E61087-8377-9D09-E992-C20F59301B4E}"/>
+          </ac:spMkLst>
+        </pc:spChg>
+        <pc:spChg chg="mod">
+          <ac:chgData name="Lorenzo Ariemma" userId="359e4d9b-18ad-408c-9e1b-373fb95ff396" providerId="ADAL" clId="{0B7C2297-B20D-6F4D-A9F0-DB2ECE2A8EC1}" dt="2023-10-24T14:27:00.631" v="12" actId="1076"/>
+          <ac:spMkLst>
+            <pc:docMk/>
+            <pc:sldMk cId="0" sldId="343"/>
+            <ac:spMk id="55" creationId="{FFC15782-CA99-1AFB-601F-A6365191C658}"/>
+          </ac:spMkLst>
+        </pc:spChg>
+        <pc:spChg chg="mod">
+          <ac:chgData name="Lorenzo Ariemma" userId="359e4d9b-18ad-408c-9e1b-373fb95ff396" providerId="ADAL" clId="{0B7C2297-B20D-6F4D-A9F0-DB2ECE2A8EC1}" dt="2023-10-24T14:27:00.631" v="12" actId="1076"/>
+          <ac:spMkLst>
+            <pc:docMk/>
+            <pc:sldMk cId="0" sldId="343"/>
+            <ac:spMk id="56" creationId="{D6936A77-69D7-A977-26B4-61FD4F0A9EB9}"/>
+          </ac:spMkLst>
+        </pc:spChg>
+        <pc:spChg chg="mod">
+          <ac:chgData name="Lorenzo Ariemma" userId="359e4d9b-18ad-408c-9e1b-373fb95ff396" providerId="ADAL" clId="{0B7C2297-B20D-6F4D-A9F0-DB2ECE2A8EC1}" dt="2023-10-24T14:27:00.631" v="12" actId="1076"/>
+          <ac:spMkLst>
+            <pc:docMk/>
+            <pc:sldMk cId="0" sldId="343"/>
+            <ac:spMk id="57" creationId="{1383E119-EABE-8D8B-633E-E1FCBFA3A0EF}"/>
+          </ac:spMkLst>
+        </pc:spChg>
+        <pc:spChg chg="mod">
+          <ac:chgData name="Lorenzo Ariemma" userId="359e4d9b-18ad-408c-9e1b-373fb95ff396" providerId="ADAL" clId="{0B7C2297-B20D-6F4D-A9F0-DB2ECE2A8EC1}" dt="2023-10-24T14:27:02.581" v="14" actId="20577"/>
+          <ac:spMkLst>
+            <pc:docMk/>
+            <pc:sldMk cId="0" sldId="343"/>
+            <ac:spMk id="58" creationId="{AED0299C-28A9-2392-0745-91E5EA2E9911}"/>
+          </ac:spMkLst>
+        </pc:spChg>
+        <pc:spChg chg="mod">
+          <ac:chgData name="Lorenzo Ariemma" userId="359e4d9b-18ad-408c-9e1b-373fb95ff396" providerId="ADAL" clId="{0B7C2297-B20D-6F4D-A9F0-DB2ECE2A8EC1}" dt="2023-10-24T14:27:00.631" v="12" actId="1076"/>
+          <ac:spMkLst>
+            <pc:docMk/>
+            <pc:sldMk cId="0" sldId="343"/>
+            <ac:spMk id="59" creationId="{78F54580-264C-1627-DD58-7F476540C7E5}"/>
+          </ac:spMkLst>
+        </pc:spChg>
+        <pc:spChg chg="mod">
+          <ac:chgData name="Lorenzo Ariemma" userId="359e4d9b-18ad-408c-9e1b-373fb95ff396" providerId="ADAL" clId="{0B7C2297-B20D-6F4D-A9F0-DB2ECE2A8EC1}" dt="2023-10-24T14:27:00.631" v="12" actId="1076"/>
+          <ac:spMkLst>
+            <pc:docMk/>
+            <pc:sldMk cId="0" sldId="343"/>
+            <ac:spMk id="60" creationId="{F3A634A1-E25D-0D98-0DA9-99962D8C89B8}"/>
+          </ac:spMkLst>
+        </pc:spChg>
+        <pc:spChg chg="mod">
+          <ac:chgData name="Lorenzo Ariemma" userId="359e4d9b-18ad-408c-9e1b-373fb95ff396" providerId="ADAL" clId="{0B7C2297-B20D-6F4D-A9F0-DB2ECE2A8EC1}" dt="2023-10-24T14:27:00.631" v="12" actId="1076"/>
+          <ac:spMkLst>
+            <pc:docMk/>
+            <pc:sldMk cId="0" sldId="343"/>
+            <ac:spMk id="61" creationId="{FA1357F1-0B60-AA16-26D8-88A5EC08E3D3}"/>
+          </ac:spMkLst>
+        </pc:spChg>
+        <pc:spChg chg="mod">
+          <ac:chgData name="Lorenzo Ariemma" userId="359e4d9b-18ad-408c-9e1b-373fb95ff396" providerId="ADAL" clId="{0B7C2297-B20D-6F4D-A9F0-DB2ECE2A8EC1}" dt="2023-10-24T14:27:00.631" v="12" actId="1076"/>
+          <ac:spMkLst>
+            <pc:docMk/>
+            <pc:sldMk cId="0" sldId="343"/>
+            <ac:spMk id="62" creationId="{D4295772-ED0E-9CAF-A938-A260CF128E78}"/>
+          </ac:spMkLst>
+        </pc:spChg>
+        <pc:spChg chg="mod">
+          <ac:chgData name="Lorenzo Ariemma" userId="359e4d9b-18ad-408c-9e1b-373fb95ff396" providerId="ADAL" clId="{0B7C2297-B20D-6F4D-A9F0-DB2ECE2A8EC1}" dt="2023-10-24T14:27:00.631" v="12" actId="1076"/>
+          <ac:spMkLst>
+            <pc:docMk/>
+            <pc:sldMk cId="0" sldId="343"/>
+            <ac:spMk id="63" creationId="{69A7F710-7680-B39B-738C-ED8FE61C77C4}"/>
+          </ac:spMkLst>
+        </pc:spChg>
+        <pc:spChg chg="mod">
+          <ac:chgData name="Lorenzo Ariemma" userId="359e4d9b-18ad-408c-9e1b-373fb95ff396" providerId="ADAL" clId="{0B7C2297-B20D-6F4D-A9F0-DB2ECE2A8EC1}" dt="2023-10-24T14:27:00.631" v="12" actId="1076"/>
+          <ac:spMkLst>
+            <pc:docMk/>
+            <pc:sldMk cId="0" sldId="343"/>
+            <ac:spMk id="18432" creationId="{247829AD-087E-6E10-FAD0-D2448450A755}"/>
+          </ac:spMkLst>
+        </pc:spChg>
+        <pc:spChg chg="mod">
+          <ac:chgData name="Lorenzo Ariemma" userId="359e4d9b-18ad-408c-9e1b-373fb95ff396" providerId="ADAL" clId="{0B7C2297-B20D-6F4D-A9F0-DB2ECE2A8EC1}" dt="2023-10-24T14:27:00.631" v="12" actId="1076"/>
+          <ac:spMkLst>
+            <pc:docMk/>
+            <pc:sldMk cId="0" sldId="343"/>
+            <ac:spMk id="18433" creationId="{7EA99623-C37B-DB5F-5C58-4D4D442EF23E}"/>
+          </ac:spMkLst>
+        </pc:spChg>
+        <pc:spChg chg="mod">
+          <ac:chgData name="Lorenzo Ariemma" userId="359e4d9b-18ad-408c-9e1b-373fb95ff396" providerId="ADAL" clId="{0B7C2297-B20D-6F4D-A9F0-DB2ECE2A8EC1}" dt="2023-10-24T14:27:00.631" v="12" actId="1076"/>
+          <ac:spMkLst>
+            <pc:docMk/>
+            <pc:sldMk cId="0" sldId="343"/>
+            <ac:spMk id="18434" creationId="{A15D6652-7C48-2309-13C0-D8A9F8A29ABA}"/>
+          </ac:spMkLst>
+        </pc:spChg>
+        <pc:spChg chg="del">
+          <ac:chgData name="Lorenzo Ariemma" userId="359e4d9b-18ad-408c-9e1b-373fb95ff396" providerId="ADAL" clId="{0B7C2297-B20D-6F4D-A9F0-DB2ECE2A8EC1}" dt="2023-10-24T14:26:51.519" v="10" actId="478"/>
+          <ac:spMkLst>
+            <pc:docMk/>
+            <pc:sldMk cId="0" sldId="343"/>
+            <ac:spMk id="18436" creationId="{0CDC7AED-200C-A4F8-6A5D-5E4FF59D46EB}"/>
+          </ac:spMkLst>
+        </pc:spChg>
+        <pc:spChg chg="mod">
+          <ac:chgData name="Lorenzo Ariemma" userId="359e4d9b-18ad-408c-9e1b-373fb95ff396" providerId="ADAL" clId="{0B7C2297-B20D-6F4D-A9F0-DB2ECE2A8EC1}" dt="2023-10-24T14:27:00.631" v="12" actId="1076"/>
+          <ac:spMkLst>
+            <pc:docMk/>
+            <pc:sldMk cId="0" sldId="343"/>
+            <ac:spMk id="18437" creationId="{39723272-50BE-E3AA-052B-BDADB94EE424}"/>
+          </ac:spMkLst>
+        </pc:spChg>
+        <pc:spChg chg="mod">
+          <ac:chgData name="Lorenzo Ariemma" userId="359e4d9b-18ad-408c-9e1b-373fb95ff396" providerId="ADAL" clId="{0B7C2297-B20D-6F4D-A9F0-DB2ECE2A8EC1}" dt="2023-10-24T14:27:00.631" v="12" actId="1076"/>
+          <ac:spMkLst>
+            <pc:docMk/>
+            <pc:sldMk cId="0" sldId="343"/>
+            <ac:spMk id="18438" creationId="{2673A54F-8FFE-ED0F-61DF-761D520F63A3}"/>
+          </ac:spMkLst>
+        </pc:spChg>
+        <pc:spChg chg="del">
+          <ac:chgData name="Lorenzo Ariemma" userId="359e4d9b-18ad-408c-9e1b-373fb95ff396" providerId="ADAL" clId="{0B7C2297-B20D-6F4D-A9F0-DB2ECE2A8EC1}" dt="2023-10-24T14:26:06.016" v="1" actId="478"/>
+          <ac:spMkLst>
+            <pc:docMk/>
+            <pc:sldMk cId="0" sldId="343"/>
+            <ac:spMk id="18440" creationId="{48A2809E-8A89-DB9A-8662-752BB6DBDE43}"/>
+          </ac:spMkLst>
+        </pc:spChg>
+        <pc:spChg chg="del">
+          <ac:chgData name="Lorenzo Ariemma" userId="359e4d9b-18ad-408c-9e1b-373fb95ff396" providerId="ADAL" clId="{0B7C2297-B20D-6F4D-A9F0-DB2ECE2A8EC1}" dt="2023-10-24T14:26:49.625" v="8" actId="478"/>
+          <ac:spMkLst>
+            <pc:docMk/>
+            <pc:sldMk cId="0" sldId="343"/>
+            <ac:spMk id="18441" creationId="{15A71BFB-6D4F-B268-674D-9CBB05F3342C}"/>
+          </ac:spMkLst>
+        </pc:spChg>
+        <pc:spChg chg="del">
+          <ac:chgData name="Lorenzo Ariemma" userId="359e4d9b-18ad-408c-9e1b-373fb95ff396" providerId="ADAL" clId="{0B7C2297-B20D-6F4D-A9F0-DB2ECE2A8EC1}" dt="2023-10-24T14:26:50.739" v="9" actId="478"/>
+          <ac:spMkLst>
+            <pc:docMk/>
+            <pc:sldMk cId="0" sldId="343"/>
+            <ac:spMk id="18442" creationId="{366AE003-B052-5EDF-33C8-F830EB328D50}"/>
+          </ac:spMkLst>
+        </pc:spChg>
+        <pc:spChg chg="mod">
+          <ac:chgData name="Lorenzo Ariemma" userId="359e4d9b-18ad-408c-9e1b-373fb95ff396" providerId="ADAL" clId="{0B7C2297-B20D-6F4D-A9F0-DB2ECE2A8EC1}" dt="2023-10-24T14:27:00.631" v="12" actId="1076"/>
+          <ac:spMkLst>
+            <pc:docMk/>
+            <pc:sldMk cId="0" sldId="343"/>
+            <ac:spMk id="18443" creationId="{2C42F7F0-1956-FE6D-1388-0AF4B9A1C387}"/>
+          </ac:spMkLst>
+        </pc:spChg>
+        <pc:spChg chg="mod">
+          <ac:chgData name="Lorenzo Ariemma" userId="359e4d9b-18ad-408c-9e1b-373fb95ff396" providerId="ADAL" clId="{0B7C2297-B20D-6F4D-A9F0-DB2ECE2A8EC1}" dt="2023-10-24T14:27:00.631" v="12" actId="1076"/>
+          <ac:spMkLst>
+            <pc:docMk/>
+            <pc:sldMk cId="0" sldId="343"/>
+            <ac:spMk id="18444" creationId="{21395434-FFC4-060B-763A-DE909539F216}"/>
+          </ac:spMkLst>
+        </pc:spChg>
+        <pc:spChg chg="mod">
+          <ac:chgData name="Lorenzo Ariemma" userId="359e4d9b-18ad-408c-9e1b-373fb95ff396" providerId="ADAL" clId="{0B7C2297-B20D-6F4D-A9F0-DB2ECE2A8EC1}" dt="2023-10-24T14:29:43.626" v="64" actId="1076"/>
+          <ac:spMkLst>
+            <pc:docMk/>
+            <pc:sldMk cId="0" sldId="343"/>
+            <ac:spMk id="18445" creationId="{80274F87-6D63-E397-4F22-E1E9148B24FD}"/>
+          </ac:spMkLst>
+        </pc:spChg>
+        <pc:spChg chg="mod">
+          <ac:chgData name="Lorenzo Ariemma" userId="359e4d9b-18ad-408c-9e1b-373fb95ff396" providerId="ADAL" clId="{0B7C2297-B20D-6F4D-A9F0-DB2ECE2A8EC1}" dt="2023-10-24T14:27:00.631" v="12" actId="1076"/>
+          <ac:spMkLst>
+            <pc:docMk/>
+            <pc:sldMk cId="0" sldId="343"/>
+            <ac:spMk id="18447" creationId="{7E113765-0B6A-BCD4-72BA-D4D1AAE8A9F1}"/>
+          </ac:spMkLst>
+        </pc:spChg>
+        <pc:spChg chg="mod">
+          <ac:chgData name="Lorenzo Ariemma" userId="359e4d9b-18ad-408c-9e1b-373fb95ff396" providerId="ADAL" clId="{0B7C2297-B20D-6F4D-A9F0-DB2ECE2A8EC1}" dt="2023-10-24T14:30:43.874" v="80" actId="1076"/>
+          <ac:spMkLst>
+            <pc:docMk/>
+            <pc:sldMk cId="0" sldId="343"/>
+            <ac:spMk id="18448" creationId="{B54196C1-113C-45B1-D72F-25B3F162CD20}"/>
+          </ac:spMkLst>
+        </pc:spChg>
+        <pc:spChg chg="mod">
+          <ac:chgData name="Lorenzo Ariemma" userId="359e4d9b-18ad-408c-9e1b-373fb95ff396" providerId="ADAL" clId="{0B7C2297-B20D-6F4D-A9F0-DB2ECE2A8EC1}" dt="2023-10-24T14:30:00.344" v="71" actId="207"/>
+          <ac:spMkLst>
+            <pc:docMk/>
+            <pc:sldMk cId="0" sldId="343"/>
+            <ac:spMk id="18453" creationId="{FDA573EE-B52F-BA87-BD38-A8EDF6324F96}"/>
+          </ac:spMkLst>
+        </pc:spChg>
+        <pc:spChg chg="mod">
+          <ac:chgData name="Lorenzo Ariemma" userId="359e4d9b-18ad-408c-9e1b-373fb95ff396" providerId="ADAL" clId="{0B7C2297-B20D-6F4D-A9F0-DB2ECE2A8EC1}" dt="2023-10-24T14:30:10.241" v="72" actId="108"/>
+          <ac:spMkLst>
+            <pc:docMk/>
+            <pc:sldMk cId="0" sldId="343"/>
+            <ac:spMk id="18454" creationId="{424D80E9-723C-6C9D-0597-FD9510B8F9BF}"/>
+          </ac:spMkLst>
+        </pc:spChg>
+        <pc:spChg chg="mod">
+          <ac:chgData name="Lorenzo Ariemma" userId="359e4d9b-18ad-408c-9e1b-373fb95ff396" providerId="ADAL" clId="{0B7C2297-B20D-6F4D-A9F0-DB2ECE2A8EC1}" dt="2023-10-24T14:31:05.350" v="86" actId="1076"/>
+          <ac:spMkLst>
+            <pc:docMk/>
+            <pc:sldMk cId="0" sldId="343"/>
+            <ac:spMk id="18455" creationId="{7B47AB31-3A4C-CE68-7CF4-FFAD66823414}"/>
+          </ac:spMkLst>
+        </pc:spChg>
+        <pc:spChg chg="mod">
+          <ac:chgData name="Lorenzo Ariemma" userId="359e4d9b-18ad-408c-9e1b-373fb95ff396" providerId="ADAL" clId="{0B7C2297-B20D-6F4D-A9F0-DB2ECE2A8EC1}" dt="2023-10-24T14:30:13.323" v="73" actId="108"/>
+          <ac:spMkLst>
+            <pc:docMk/>
+            <pc:sldMk cId="0" sldId="343"/>
+            <ac:spMk id="18456" creationId="{6DD11943-D604-8E33-638B-16D80FE374E5}"/>
+          </ac:spMkLst>
+        </pc:spChg>
+        <pc:spChg chg="mod">
+          <ac:chgData name="Lorenzo Ariemma" userId="359e4d9b-18ad-408c-9e1b-373fb95ff396" providerId="ADAL" clId="{0B7C2297-B20D-6F4D-A9F0-DB2ECE2A8EC1}" dt="2023-10-24T14:27:00.631" v="12" actId="1076"/>
+          <ac:spMkLst>
+            <pc:docMk/>
+            <pc:sldMk cId="0" sldId="343"/>
+            <ac:spMk id="18457" creationId="{82880C0B-24FD-8A27-41B9-FC0BD610C741}"/>
+          </ac:spMkLst>
+        </pc:spChg>
+        <pc:spChg chg="mod">
+          <ac:chgData name="Lorenzo Ariemma" userId="359e4d9b-18ad-408c-9e1b-373fb95ff396" providerId="ADAL" clId="{0B7C2297-B20D-6F4D-A9F0-DB2ECE2A8EC1}" dt="2023-10-24T14:27:00.631" v="12" actId="1076"/>
+          <ac:spMkLst>
+            <pc:docMk/>
+            <pc:sldMk cId="0" sldId="343"/>
+            <ac:spMk id="18458" creationId="{6CD8FE4A-3CBE-0162-9F32-2541995A4277}"/>
+          </ac:spMkLst>
+        </pc:spChg>
+        <pc:spChg chg="mod">
+          <ac:chgData name="Lorenzo Ariemma" userId="359e4d9b-18ad-408c-9e1b-373fb95ff396" providerId="ADAL" clId="{0B7C2297-B20D-6F4D-A9F0-DB2ECE2A8EC1}" dt="2023-10-24T14:27:00.631" v="12" actId="1076"/>
+          <ac:spMkLst>
+            <pc:docMk/>
+            <pc:sldMk cId="0" sldId="343"/>
+            <ac:spMk id="18459" creationId="{7BF00EC5-C9F9-FFAD-32A7-94AC539517EB}"/>
+          </ac:spMkLst>
+        </pc:spChg>
+        <pc:spChg chg="mod">
+          <ac:chgData name="Lorenzo Ariemma" userId="359e4d9b-18ad-408c-9e1b-373fb95ff396" providerId="ADAL" clId="{0B7C2297-B20D-6F4D-A9F0-DB2ECE2A8EC1}" dt="2023-10-24T14:27:00.631" v="12" actId="1076"/>
+          <ac:spMkLst>
+            <pc:docMk/>
+            <pc:sldMk cId="0" sldId="343"/>
+            <ac:spMk id="18460" creationId="{81FC3F43-12F1-2976-BF18-74245A3BE53D}"/>
+          </ac:spMkLst>
+        </pc:spChg>
+        <pc:spChg chg="mod">
+          <ac:chgData name="Lorenzo Ariemma" userId="359e4d9b-18ad-408c-9e1b-373fb95ff396" providerId="ADAL" clId="{0B7C2297-B20D-6F4D-A9F0-DB2ECE2A8EC1}" dt="2023-10-24T14:27:00.631" v="12" actId="1076"/>
+          <ac:spMkLst>
+            <pc:docMk/>
+            <pc:sldMk cId="0" sldId="343"/>
+            <ac:spMk id="18461" creationId="{A391E5D8-9325-236E-D614-727BF4422DD3}"/>
+          </ac:spMkLst>
+        </pc:spChg>
+        <pc:spChg chg="mod">
+          <ac:chgData name="Lorenzo Ariemma" userId="359e4d9b-18ad-408c-9e1b-373fb95ff396" providerId="ADAL" clId="{0B7C2297-B20D-6F4D-A9F0-DB2ECE2A8EC1}" dt="2023-10-24T14:27:00.631" v="12" actId="1076"/>
+          <ac:spMkLst>
+            <pc:docMk/>
+            <pc:sldMk cId="0" sldId="343"/>
+            <ac:spMk id="18462" creationId="{E44EBE85-84F6-8688-2FF3-0E39914A5996}"/>
+          </ac:spMkLst>
+        </pc:spChg>
+        <pc:spChg chg="mod">
+          <ac:chgData name="Lorenzo Ariemma" userId="359e4d9b-18ad-408c-9e1b-373fb95ff396" providerId="ADAL" clId="{0B7C2297-B20D-6F4D-A9F0-DB2ECE2A8EC1}" dt="2023-10-24T14:27:00.631" v="12" actId="1076"/>
+          <ac:spMkLst>
+            <pc:docMk/>
+            <pc:sldMk cId="0" sldId="343"/>
+            <ac:spMk id="18463" creationId="{D45B8C93-617E-1356-CE82-A167A7395545}"/>
+          </ac:spMkLst>
+        </pc:spChg>
+        <pc:spChg chg="mod">
+          <ac:chgData name="Lorenzo Ariemma" userId="359e4d9b-18ad-408c-9e1b-373fb95ff396" providerId="ADAL" clId="{0B7C2297-B20D-6F4D-A9F0-DB2ECE2A8EC1}" dt="2023-10-24T14:27:08.147" v="16" actId="1076"/>
+          <ac:spMkLst>
+            <pc:docMk/>
+            <pc:sldMk cId="0" sldId="343"/>
+            <ac:spMk id="18468" creationId="{764D1D2B-10C5-ECC9-F536-684A98B708C5}"/>
+          </ac:spMkLst>
+        </pc:spChg>
+        <pc:spChg chg="mod">
+          <ac:chgData name="Lorenzo Ariemma" userId="359e4d9b-18ad-408c-9e1b-373fb95ff396" providerId="ADAL" clId="{0B7C2297-B20D-6F4D-A9F0-DB2ECE2A8EC1}" dt="2023-10-24T14:27:08.147" v="16" actId="1076"/>
+          <ac:spMkLst>
+            <pc:docMk/>
+            <pc:sldMk cId="0" sldId="343"/>
+            <ac:spMk id="18469" creationId="{D6EC9397-E8EC-1CFF-0B2E-E56FBBA50D7A}"/>
+          </ac:spMkLst>
+        </pc:spChg>
+        <pc:spChg chg="mod">
+          <ac:chgData name="Lorenzo Ariemma" userId="359e4d9b-18ad-408c-9e1b-373fb95ff396" providerId="ADAL" clId="{0B7C2297-B20D-6F4D-A9F0-DB2ECE2A8EC1}" dt="2023-10-24T14:27:08.147" v="16" actId="1076"/>
+          <ac:spMkLst>
+            <pc:docMk/>
+            <pc:sldMk cId="0" sldId="343"/>
+            <ac:spMk id="18470" creationId="{B44E6B43-B382-FA32-C34C-2DC33004A0BD}"/>
+          </ac:spMkLst>
+        </pc:spChg>
+        <pc:spChg chg="mod">
+          <ac:chgData name="Lorenzo Ariemma" userId="359e4d9b-18ad-408c-9e1b-373fb95ff396" providerId="ADAL" clId="{0B7C2297-B20D-6F4D-A9F0-DB2ECE2A8EC1}" dt="2023-10-24T14:27:08.147" v="16" actId="1076"/>
+          <ac:spMkLst>
+            <pc:docMk/>
+            <pc:sldMk cId="0" sldId="343"/>
+            <ac:spMk id="18471" creationId="{8FE85299-3352-D6A2-17C0-ADC13BB05914}"/>
+          </ac:spMkLst>
+        </pc:spChg>
+        <pc:spChg chg="mod">
+          <ac:chgData name="Lorenzo Ariemma" userId="359e4d9b-18ad-408c-9e1b-373fb95ff396" providerId="ADAL" clId="{0B7C2297-B20D-6F4D-A9F0-DB2ECE2A8EC1}" dt="2023-10-24T14:27:08.147" v="16" actId="1076"/>
+          <ac:spMkLst>
+            <pc:docMk/>
+            <pc:sldMk cId="0" sldId="343"/>
+            <ac:spMk id="18472" creationId="{417E759B-28BA-CBE0-60F1-26722860724A}"/>
+          </ac:spMkLst>
+        </pc:spChg>
+        <pc:spChg chg="mod">
+          <ac:chgData name="Lorenzo Ariemma" userId="359e4d9b-18ad-408c-9e1b-373fb95ff396" providerId="ADAL" clId="{0B7C2297-B20D-6F4D-A9F0-DB2ECE2A8EC1}" dt="2023-10-24T14:27:08.147" v="16" actId="1076"/>
+          <ac:spMkLst>
+            <pc:docMk/>
+            <pc:sldMk cId="0" sldId="343"/>
+            <ac:spMk id="18473" creationId="{73C9B477-3A91-4B4D-7460-635D1B1E3DDD}"/>
+          </ac:spMkLst>
+        </pc:spChg>
+        <pc:spChg chg="mod">
+          <ac:chgData name="Lorenzo Ariemma" userId="359e4d9b-18ad-408c-9e1b-373fb95ff396" providerId="ADAL" clId="{0B7C2297-B20D-6F4D-A9F0-DB2ECE2A8EC1}" dt="2023-10-24T14:27:08.147" v="16" actId="1076"/>
+          <ac:spMkLst>
+            <pc:docMk/>
+            <pc:sldMk cId="0" sldId="343"/>
+            <ac:spMk id="18474" creationId="{966D439E-E702-A92E-745A-14293565BFC1}"/>
+          </ac:spMkLst>
+        </pc:spChg>
+        <pc:spChg chg="mod">
+          <ac:chgData name="Lorenzo Ariemma" userId="359e4d9b-18ad-408c-9e1b-373fb95ff396" providerId="ADAL" clId="{0B7C2297-B20D-6F4D-A9F0-DB2ECE2A8EC1}" dt="2023-10-24T14:27:08.147" v="16" actId="1076"/>
+          <ac:spMkLst>
+            <pc:docMk/>
+            <pc:sldMk cId="0" sldId="343"/>
+            <ac:spMk id="18475" creationId="{7FF25088-941D-3288-E191-F705C04B4F45}"/>
+          </ac:spMkLst>
+        </pc:spChg>
+        <pc:spChg chg="mod">
+          <ac:chgData name="Lorenzo Ariemma" userId="359e4d9b-18ad-408c-9e1b-373fb95ff396" providerId="ADAL" clId="{0B7C2297-B20D-6F4D-A9F0-DB2ECE2A8EC1}" dt="2023-10-24T14:27:08.147" v="16" actId="1076"/>
+          <ac:spMkLst>
+            <pc:docMk/>
+            <pc:sldMk cId="0" sldId="343"/>
+            <ac:spMk id="18476" creationId="{6052EE69-BB92-95A4-5017-E0EC1BF89C3B}"/>
+          </ac:spMkLst>
+        </pc:spChg>
+        <pc:spChg chg="mod">
+          <ac:chgData name="Lorenzo Ariemma" userId="359e4d9b-18ad-408c-9e1b-373fb95ff396" providerId="ADAL" clId="{0B7C2297-B20D-6F4D-A9F0-DB2ECE2A8EC1}" dt="2023-10-24T14:27:20.947" v="22" actId="20577"/>
+          <ac:spMkLst>
+            <pc:docMk/>
+            <pc:sldMk cId="0" sldId="343"/>
+            <ac:spMk id="18477" creationId="{AFB5BA25-B709-BE04-30C7-534D5E37A0B8}"/>
+          </ac:spMkLst>
+        </pc:spChg>
+        <pc:spChg chg="mod">
+          <ac:chgData name="Lorenzo Ariemma" userId="359e4d9b-18ad-408c-9e1b-373fb95ff396" providerId="ADAL" clId="{0B7C2297-B20D-6F4D-A9F0-DB2ECE2A8EC1}" dt="2023-10-24T14:27:08.147" v="16" actId="1076"/>
+          <ac:spMkLst>
+            <pc:docMk/>
+            <pc:sldMk cId="0" sldId="343"/>
+            <ac:spMk id="18478" creationId="{6985F185-E3AE-8D23-9F09-37B5995EA2DD}"/>
+          </ac:spMkLst>
+        </pc:spChg>
+        <pc:spChg chg="mod">
+          <ac:chgData name="Lorenzo Ariemma" userId="359e4d9b-18ad-408c-9e1b-373fb95ff396" providerId="ADAL" clId="{0B7C2297-B20D-6F4D-A9F0-DB2ECE2A8EC1}" dt="2023-10-24T14:27:08.147" v="16" actId="1076"/>
+          <ac:spMkLst>
+            <pc:docMk/>
+            <pc:sldMk cId="0" sldId="343"/>
+            <ac:spMk id="18479" creationId="{A7E094AA-9EDE-4F7F-5B1E-E1B5A5D9C328}"/>
+          </ac:spMkLst>
+        </pc:spChg>
+        <pc:spChg chg="mod">
+          <ac:chgData name="Lorenzo Ariemma" userId="359e4d9b-18ad-408c-9e1b-373fb95ff396" providerId="ADAL" clId="{0B7C2297-B20D-6F4D-A9F0-DB2ECE2A8EC1}" dt="2023-10-24T14:27:08.147" v="16" actId="1076"/>
+          <ac:spMkLst>
+            <pc:docMk/>
+            <pc:sldMk cId="0" sldId="343"/>
+            <ac:spMk id="18480" creationId="{59097B13-290E-D3C1-0CAD-1AC6C46E4C49}"/>
+          </ac:spMkLst>
+        </pc:spChg>
+        <pc:spChg chg="mod">
+          <ac:chgData name="Lorenzo Ariemma" userId="359e4d9b-18ad-408c-9e1b-373fb95ff396" providerId="ADAL" clId="{0B7C2297-B20D-6F4D-A9F0-DB2ECE2A8EC1}" dt="2023-10-24T14:27:08.147" v="16" actId="1076"/>
+          <ac:spMkLst>
+            <pc:docMk/>
+            <pc:sldMk cId="0" sldId="343"/>
+            <ac:spMk id="18481" creationId="{312230B8-1EED-DB10-410F-CED5B123FEED}"/>
+          </ac:spMkLst>
+        </pc:spChg>
+        <pc:spChg chg="mod">
+          <ac:chgData name="Lorenzo Ariemma" userId="359e4d9b-18ad-408c-9e1b-373fb95ff396" providerId="ADAL" clId="{0B7C2297-B20D-6F4D-A9F0-DB2ECE2A8EC1}" dt="2023-10-24T14:27:08.147" v="16" actId="1076"/>
+          <ac:spMkLst>
+            <pc:docMk/>
+            <pc:sldMk cId="0" sldId="343"/>
+            <ac:spMk id="18482" creationId="{4B9C27AA-B8DE-D642-D8DF-1E04A0CBF607}"/>
+          </ac:spMkLst>
+        </pc:spChg>
+        <pc:spChg chg="mod">
+          <ac:chgData name="Lorenzo Ariemma" userId="359e4d9b-18ad-408c-9e1b-373fb95ff396" providerId="ADAL" clId="{0B7C2297-B20D-6F4D-A9F0-DB2ECE2A8EC1}" dt="2023-10-24T14:27:08.147" v="16" actId="1076"/>
+          <ac:spMkLst>
+            <pc:docMk/>
+            <pc:sldMk cId="0" sldId="343"/>
+            <ac:spMk id="18483" creationId="{33D6412D-6E41-AC07-622D-22C7D2165E4D}"/>
+          </ac:spMkLst>
+        </pc:spChg>
+        <pc:spChg chg="mod">
+          <ac:chgData name="Lorenzo Ariemma" userId="359e4d9b-18ad-408c-9e1b-373fb95ff396" providerId="ADAL" clId="{0B7C2297-B20D-6F4D-A9F0-DB2ECE2A8EC1}" dt="2023-10-24T14:27:08.147" v="16" actId="1076"/>
+          <ac:spMkLst>
+            <pc:docMk/>
+            <pc:sldMk cId="0" sldId="343"/>
+            <ac:spMk id="18484" creationId="{5DAFC858-6A77-1649-8ECB-6EDB2035632C}"/>
+          </ac:spMkLst>
+        </pc:spChg>
+        <pc:spChg chg="mod">
+          <ac:chgData name="Lorenzo Ariemma" userId="359e4d9b-18ad-408c-9e1b-373fb95ff396" providerId="ADAL" clId="{0B7C2297-B20D-6F4D-A9F0-DB2ECE2A8EC1}" dt="2023-10-24T14:27:08.147" v="16" actId="1076"/>
+          <ac:spMkLst>
+            <pc:docMk/>
+            <pc:sldMk cId="0" sldId="343"/>
+            <ac:spMk id="18485" creationId="{85DD605D-F364-E8F8-5BF8-2E882CBC20E9}"/>
+          </ac:spMkLst>
+        </pc:spChg>
+        <pc:spChg chg="mod">
+          <ac:chgData name="Lorenzo Ariemma" userId="359e4d9b-18ad-408c-9e1b-373fb95ff396" providerId="ADAL" clId="{0B7C2297-B20D-6F4D-A9F0-DB2ECE2A8EC1}" dt="2023-10-24T14:27:08.147" v="16" actId="1076"/>
+          <ac:spMkLst>
+            <pc:docMk/>
+            <pc:sldMk cId="0" sldId="343"/>
+            <ac:spMk id="18486" creationId="{D62EEF2C-E737-6125-D298-84062A8CEBD2}"/>
+          </ac:spMkLst>
+        </pc:spChg>
+        <pc:spChg chg="mod">
+          <ac:chgData name="Lorenzo Ariemma" userId="359e4d9b-18ad-408c-9e1b-373fb95ff396" providerId="ADAL" clId="{0B7C2297-B20D-6F4D-A9F0-DB2ECE2A8EC1}" dt="2023-10-24T14:27:08.147" v="16" actId="1076"/>
+          <ac:spMkLst>
+            <pc:docMk/>
+            <pc:sldMk cId="0" sldId="343"/>
+            <ac:spMk id="18487" creationId="{C75A3888-795A-59B2-AE6F-2E80FBF4E220}"/>
+          </ac:spMkLst>
+        </pc:spChg>
+        <pc:spChg chg="mod">
+          <ac:chgData name="Lorenzo Ariemma" userId="359e4d9b-18ad-408c-9e1b-373fb95ff396" providerId="ADAL" clId="{0B7C2297-B20D-6F4D-A9F0-DB2ECE2A8EC1}" dt="2023-10-24T14:27:08.147" v="16" actId="1076"/>
+          <ac:spMkLst>
+            <pc:docMk/>
+            <pc:sldMk cId="0" sldId="343"/>
+            <ac:spMk id="18488" creationId="{F423B356-5E2D-5FF4-2207-8ABCB1CCAB01}"/>
+          </ac:spMkLst>
+        </pc:spChg>
+        <pc:spChg chg="mod">
+          <ac:chgData name="Lorenzo Ariemma" userId="359e4d9b-18ad-408c-9e1b-373fb95ff396" providerId="ADAL" clId="{0B7C2297-B20D-6F4D-A9F0-DB2ECE2A8EC1}" dt="2023-10-24T14:27:08.147" v="16" actId="1076"/>
+          <ac:spMkLst>
+            <pc:docMk/>
+            <pc:sldMk cId="0" sldId="343"/>
+            <ac:spMk id="18489" creationId="{94F19BBC-4D51-5C81-1BB6-8DAFB3DDC872}"/>
+          </ac:spMkLst>
+        </pc:spChg>
+        <pc:spChg chg="mod">
+          <ac:chgData name="Lorenzo Ariemma" userId="359e4d9b-18ad-408c-9e1b-373fb95ff396" providerId="ADAL" clId="{0B7C2297-B20D-6F4D-A9F0-DB2ECE2A8EC1}" dt="2023-10-24T14:27:08.147" v="16" actId="1076"/>
+          <ac:spMkLst>
+            <pc:docMk/>
+            <pc:sldMk cId="0" sldId="343"/>
+            <ac:spMk id="18490" creationId="{D3A339F7-BB98-AE54-DC24-91DB29873515}"/>
+          </ac:spMkLst>
+        </pc:spChg>
+        <pc:spChg chg="mod">
+          <ac:chgData name="Lorenzo Ariemma" userId="359e4d9b-18ad-408c-9e1b-373fb95ff396" providerId="ADAL" clId="{0B7C2297-B20D-6F4D-A9F0-DB2ECE2A8EC1}" dt="2023-10-24T14:27:08.147" v="16" actId="1076"/>
+          <ac:spMkLst>
+            <pc:docMk/>
+            <pc:sldMk cId="0" sldId="343"/>
+            <ac:spMk id="18491" creationId="{64E50BC4-AEAE-08F6-B014-DD92B50893D4}"/>
+          </ac:spMkLst>
+        </pc:spChg>
+        <pc:spChg chg="mod">
+          <ac:chgData name="Lorenzo Ariemma" userId="359e4d9b-18ad-408c-9e1b-373fb95ff396" providerId="ADAL" clId="{0B7C2297-B20D-6F4D-A9F0-DB2ECE2A8EC1}" dt="2023-10-24T14:27:08.147" v="16" actId="1076"/>
+          <ac:spMkLst>
+            <pc:docMk/>
+            <pc:sldMk cId="0" sldId="343"/>
+            <ac:spMk id="18492" creationId="{C0697239-CBCF-B349-1FBF-A2EA093B7590}"/>
+          </ac:spMkLst>
+        </pc:spChg>
+        <pc:spChg chg="mod">
+          <ac:chgData name="Lorenzo Ariemma" userId="359e4d9b-18ad-408c-9e1b-373fb95ff396" providerId="ADAL" clId="{0B7C2297-B20D-6F4D-A9F0-DB2ECE2A8EC1}" dt="2023-10-24T14:27:08.147" v="16" actId="1076"/>
+          <ac:spMkLst>
+            <pc:docMk/>
+            <pc:sldMk cId="0" sldId="343"/>
+            <ac:spMk id="18493" creationId="{8D569734-07A7-B7BF-669A-23C5DEF2E1FE}"/>
+          </ac:spMkLst>
+        </pc:spChg>
+        <pc:spChg chg="mod">
+          <ac:chgData name="Lorenzo Ariemma" userId="359e4d9b-18ad-408c-9e1b-373fb95ff396" providerId="ADAL" clId="{0B7C2297-B20D-6F4D-A9F0-DB2ECE2A8EC1}" dt="2023-10-24T14:27:08.147" v="16" actId="1076"/>
+          <ac:spMkLst>
+            <pc:docMk/>
+            <pc:sldMk cId="0" sldId="343"/>
+            <ac:spMk id="18494" creationId="{96C4C2EF-F60F-4C34-842F-FB964B991585}"/>
+          </ac:spMkLst>
+        </pc:spChg>
+        <pc:spChg chg="mod">
+          <ac:chgData name="Lorenzo Ariemma" userId="359e4d9b-18ad-408c-9e1b-373fb95ff396" providerId="ADAL" clId="{0B7C2297-B20D-6F4D-A9F0-DB2ECE2A8EC1}" dt="2023-10-24T14:27:08.147" v="16" actId="1076"/>
+          <ac:spMkLst>
+            <pc:docMk/>
+            <pc:sldMk cId="0" sldId="343"/>
+            <ac:spMk id="18495" creationId="{F5B3E2C6-6267-67BF-B4DB-18C7527AE688}"/>
+          </ac:spMkLst>
+        </pc:spChg>
+        <pc:spChg chg="mod">
+          <ac:chgData name="Lorenzo Ariemma" userId="359e4d9b-18ad-408c-9e1b-373fb95ff396" providerId="ADAL" clId="{0B7C2297-B20D-6F4D-A9F0-DB2ECE2A8EC1}" dt="2023-10-24T14:27:08.147" v="16" actId="1076"/>
+          <ac:spMkLst>
+            <pc:docMk/>
+            <pc:sldMk cId="0" sldId="343"/>
+            <ac:spMk id="18496" creationId="{F1F10794-7F0A-55A6-9B45-6DA16F9CD576}"/>
+          </ac:spMkLst>
+        </pc:spChg>
+        <pc:spChg chg="mod">
+          <ac:chgData name="Lorenzo Ariemma" userId="359e4d9b-18ad-408c-9e1b-373fb95ff396" providerId="ADAL" clId="{0B7C2297-B20D-6F4D-A9F0-DB2ECE2A8EC1}" dt="2023-10-24T14:27:08.147" v="16" actId="1076"/>
+          <ac:spMkLst>
+            <pc:docMk/>
+            <pc:sldMk cId="0" sldId="343"/>
+            <ac:spMk id="18497" creationId="{E9E4419F-DC00-54EB-55C8-4F18E5349B3D}"/>
+          </ac:spMkLst>
+        </pc:spChg>
+        <pc:spChg chg="mod">
+          <ac:chgData name="Lorenzo Ariemma" userId="359e4d9b-18ad-408c-9e1b-373fb95ff396" providerId="ADAL" clId="{0B7C2297-B20D-6F4D-A9F0-DB2ECE2A8EC1}" dt="2023-10-24T14:27:18.783" v="20" actId="1076"/>
+          <ac:spMkLst>
+            <pc:docMk/>
+            <pc:sldMk cId="0" sldId="343"/>
+            <ac:spMk id="18502" creationId="{AC31546A-CC7C-95FE-2D34-4E16A072B489}"/>
+          </ac:spMkLst>
+        </pc:spChg>
+        <pc:spChg chg="mod">
+          <ac:chgData name="Lorenzo Ariemma" userId="359e4d9b-18ad-408c-9e1b-373fb95ff396" providerId="ADAL" clId="{0B7C2297-B20D-6F4D-A9F0-DB2ECE2A8EC1}" dt="2023-10-24T14:27:18.783" v="20" actId="1076"/>
+          <ac:spMkLst>
+            <pc:docMk/>
+            <pc:sldMk cId="0" sldId="343"/>
+            <ac:spMk id="18503" creationId="{0E65884B-C254-FD61-64BF-5924FEABB9F2}"/>
+          </ac:spMkLst>
+        </pc:spChg>
+        <pc:spChg chg="mod">
+          <ac:chgData name="Lorenzo Ariemma" userId="359e4d9b-18ad-408c-9e1b-373fb95ff396" providerId="ADAL" clId="{0B7C2297-B20D-6F4D-A9F0-DB2ECE2A8EC1}" dt="2023-10-24T14:27:18.783" v="20" actId="1076"/>
+          <ac:spMkLst>
+            <pc:docMk/>
+            <pc:sldMk cId="0" sldId="343"/>
+            <ac:spMk id="18504" creationId="{7161385C-6F4C-25EA-140F-FF9D3CD876A7}"/>
+          </ac:spMkLst>
+        </pc:spChg>
+        <pc:spChg chg="mod">
+          <ac:chgData name="Lorenzo Ariemma" userId="359e4d9b-18ad-408c-9e1b-373fb95ff396" providerId="ADAL" clId="{0B7C2297-B20D-6F4D-A9F0-DB2ECE2A8EC1}" dt="2023-10-24T14:27:18.783" v="20" actId="1076"/>
+          <ac:spMkLst>
+            <pc:docMk/>
+            <pc:sldMk cId="0" sldId="343"/>
+            <ac:spMk id="18505" creationId="{058055B5-E00D-7C15-496E-76F846CF6D56}"/>
+          </ac:spMkLst>
+        </pc:spChg>
+        <pc:spChg chg="mod">
+          <ac:chgData name="Lorenzo Ariemma" userId="359e4d9b-18ad-408c-9e1b-373fb95ff396" providerId="ADAL" clId="{0B7C2297-B20D-6F4D-A9F0-DB2ECE2A8EC1}" dt="2023-10-24T14:27:18.783" v="20" actId="1076"/>
+          <ac:spMkLst>
+            <pc:docMk/>
+            <pc:sldMk cId="0" sldId="343"/>
+            <ac:spMk id="18506" creationId="{84EEBAD4-F712-A8AF-70F5-3A53860752A5}"/>
+          </ac:spMkLst>
+        </pc:spChg>
+        <pc:spChg chg="mod">
+          <ac:chgData name="Lorenzo Ariemma" userId="359e4d9b-18ad-408c-9e1b-373fb95ff396" providerId="ADAL" clId="{0B7C2297-B20D-6F4D-A9F0-DB2ECE2A8EC1}" dt="2023-10-24T14:27:18.783" v="20" actId="1076"/>
+          <ac:spMkLst>
+            <pc:docMk/>
+            <pc:sldMk cId="0" sldId="343"/>
+            <ac:spMk id="18507" creationId="{C28AC303-E68A-10C9-A245-69DCF49D245D}"/>
+          </ac:spMkLst>
+        </pc:spChg>
+        <pc:spChg chg="mod">
+          <ac:chgData name="Lorenzo Ariemma" userId="359e4d9b-18ad-408c-9e1b-373fb95ff396" providerId="ADAL" clId="{0B7C2297-B20D-6F4D-A9F0-DB2ECE2A8EC1}" dt="2023-10-24T14:27:18.783" v="20" actId="1076"/>
+          <ac:spMkLst>
+            <pc:docMk/>
+            <pc:sldMk cId="0" sldId="343"/>
+            <ac:spMk id="18508" creationId="{90B5C70D-11BE-EB83-BCA2-0878A68CB1F1}"/>
+          </ac:spMkLst>
+        </pc:spChg>
+        <pc:spChg chg="mod">
+          <ac:chgData name="Lorenzo Ariemma" userId="359e4d9b-18ad-408c-9e1b-373fb95ff396" providerId="ADAL" clId="{0B7C2297-B20D-6F4D-A9F0-DB2ECE2A8EC1}" dt="2023-10-24T14:27:18.783" v="20" actId="1076"/>
+          <ac:spMkLst>
+            <pc:docMk/>
+            <pc:sldMk cId="0" sldId="343"/>
+            <ac:spMk id="18509" creationId="{D360157B-F6AB-D00B-A25F-4C290E81FB1E}"/>
+          </ac:spMkLst>
+        </pc:spChg>
+        <pc:spChg chg="mod">
+          <ac:chgData name="Lorenzo Ariemma" userId="359e4d9b-18ad-408c-9e1b-373fb95ff396" providerId="ADAL" clId="{0B7C2297-B20D-6F4D-A9F0-DB2ECE2A8EC1}" dt="2023-10-24T14:27:18.783" v="20" actId="1076"/>
+          <ac:spMkLst>
+            <pc:docMk/>
+            <pc:sldMk cId="0" sldId="343"/>
+            <ac:spMk id="18510" creationId="{382FDFE1-6F79-E1E9-354F-FCFD2EF14D6F}"/>
+          </ac:spMkLst>
+        </pc:spChg>
+        <pc:spChg chg="mod">
+          <ac:chgData name="Lorenzo Ariemma" userId="359e4d9b-18ad-408c-9e1b-373fb95ff396" providerId="ADAL" clId="{0B7C2297-B20D-6F4D-A9F0-DB2ECE2A8EC1}" dt="2023-10-24T14:27:18.783" v="20" actId="1076"/>
+          <ac:spMkLst>
+            <pc:docMk/>
+            <pc:sldMk cId="0" sldId="343"/>
+            <ac:spMk id="18511" creationId="{16E7CF4E-F367-AC62-9B1F-2AFCCEA603EC}"/>
+          </ac:spMkLst>
+        </pc:spChg>
+        <pc:spChg chg="mod">
+          <ac:chgData name="Lorenzo Ariemma" userId="359e4d9b-18ad-408c-9e1b-373fb95ff396" providerId="ADAL" clId="{0B7C2297-B20D-6F4D-A9F0-DB2ECE2A8EC1}" dt="2023-10-24T14:27:18.783" v="20" actId="1076"/>
+          <ac:spMkLst>
+            <pc:docMk/>
+            <pc:sldMk cId="0" sldId="343"/>
+            <ac:spMk id="18512" creationId="{42940899-17F6-66C3-C704-BB19BC789316}"/>
+          </ac:spMkLst>
+        </pc:spChg>
+        <pc:spChg chg="mod">
+          <ac:chgData name="Lorenzo Ariemma" userId="359e4d9b-18ad-408c-9e1b-373fb95ff396" providerId="ADAL" clId="{0B7C2297-B20D-6F4D-A9F0-DB2ECE2A8EC1}" dt="2023-10-24T14:27:18.783" v="20" actId="1076"/>
+          <ac:spMkLst>
+            <pc:docMk/>
+            <pc:sldMk cId="0" sldId="343"/>
+            <ac:spMk id="18513" creationId="{822187FE-6A56-3405-8403-2D067801B4D5}"/>
+          </ac:spMkLst>
+        </pc:spChg>
+        <pc:spChg chg="mod">
+          <ac:chgData name="Lorenzo Ariemma" userId="359e4d9b-18ad-408c-9e1b-373fb95ff396" providerId="ADAL" clId="{0B7C2297-B20D-6F4D-A9F0-DB2ECE2A8EC1}" dt="2023-10-24T14:27:18.783" v="20" actId="1076"/>
+          <ac:spMkLst>
+            <pc:docMk/>
+            <pc:sldMk cId="0" sldId="343"/>
+            <ac:spMk id="18514" creationId="{685AC9DE-1DF5-27A5-E1A5-63C131527E83}"/>
+          </ac:spMkLst>
+        </pc:spChg>
+        <pc:spChg chg="mod">
+          <ac:chgData name="Lorenzo Ariemma" userId="359e4d9b-18ad-408c-9e1b-373fb95ff396" providerId="ADAL" clId="{0B7C2297-B20D-6F4D-A9F0-DB2ECE2A8EC1}" dt="2023-10-24T14:27:18.783" v="20" actId="1076"/>
+          <ac:spMkLst>
+            <pc:docMk/>
+            <pc:sldMk cId="0" sldId="343"/>
+            <ac:spMk id="18515" creationId="{8D3F68E8-8D72-E6C8-E4B2-A3EAE9C8091A}"/>
+          </ac:spMkLst>
+        </pc:spChg>
+        <pc:spChg chg="mod">
+          <ac:chgData name="Lorenzo Ariemma" userId="359e4d9b-18ad-408c-9e1b-373fb95ff396" providerId="ADAL" clId="{0B7C2297-B20D-6F4D-A9F0-DB2ECE2A8EC1}" dt="2023-10-24T14:27:18.783" v="20" actId="1076"/>
+          <ac:spMkLst>
+            <pc:docMk/>
+            <pc:sldMk cId="0" sldId="343"/>
+            <ac:spMk id="18516" creationId="{9B0D03AF-1602-ADEC-6474-0A9C97ACAB37}"/>
+          </ac:spMkLst>
+        </pc:spChg>
+        <pc:spChg chg="mod">
+          <ac:chgData name="Lorenzo Ariemma" userId="359e4d9b-18ad-408c-9e1b-373fb95ff396" providerId="ADAL" clId="{0B7C2297-B20D-6F4D-A9F0-DB2ECE2A8EC1}" dt="2023-10-24T14:27:18.783" v="20" actId="1076"/>
+          <ac:spMkLst>
+            <pc:docMk/>
+            <pc:sldMk cId="0" sldId="343"/>
+            <ac:spMk id="18517" creationId="{2C47DF5B-8E2F-D701-2E51-A92F135F5437}"/>
+          </ac:spMkLst>
+        </pc:spChg>
+        <pc:spChg chg="mod">
+          <ac:chgData name="Lorenzo Ariemma" userId="359e4d9b-18ad-408c-9e1b-373fb95ff396" providerId="ADAL" clId="{0B7C2297-B20D-6F4D-A9F0-DB2ECE2A8EC1}" dt="2023-10-24T14:27:18.783" v="20" actId="1076"/>
+          <ac:spMkLst>
+            <pc:docMk/>
+            <pc:sldMk cId="0" sldId="343"/>
+            <ac:spMk id="18518" creationId="{F8CE0F23-6527-5779-98FE-55601F006BF0}"/>
+          </ac:spMkLst>
+        </pc:spChg>
+        <pc:spChg chg="mod">
+          <ac:chgData name="Lorenzo Ariemma" userId="359e4d9b-18ad-408c-9e1b-373fb95ff396" providerId="ADAL" clId="{0B7C2297-B20D-6F4D-A9F0-DB2ECE2A8EC1}" dt="2023-10-24T14:27:18.783" v="20" actId="1076"/>
+          <ac:spMkLst>
+            <pc:docMk/>
+            <pc:sldMk cId="0" sldId="343"/>
+            <ac:spMk id="18519" creationId="{8E4AE8CC-E4EB-E2C4-BEA5-54201C39F199}"/>
+          </ac:spMkLst>
+        </pc:spChg>
+        <pc:spChg chg="mod">
+          <ac:chgData name="Lorenzo Ariemma" userId="359e4d9b-18ad-408c-9e1b-373fb95ff396" providerId="ADAL" clId="{0B7C2297-B20D-6F4D-A9F0-DB2ECE2A8EC1}" dt="2023-10-24T14:27:18.783" v="20" actId="1076"/>
+          <ac:spMkLst>
+            <pc:docMk/>
+            <pc:sldMk cId="0" sldId="343"/>
+            <ac:spMk id="18520" creationId="{8D86FCF2-7EC5-35A6-4A4E-43D61EC0ADB3}"/>
+          </ac:spMkLst>
+        </pc:spChg>
+        <pc:spChg chg="mod">
+          <ac:chgData name="Lorenzo Ariemma" userId="359e4d9b-18ad-408c-9e1b-373fb95ff396" providerId="ADAL" clId="{0B7C2297-B20D-6F4D-A9F0-DB2ECE2A8EC1}" dt="2023-10-24T14:27:18.783" v="20" actId="1076"/>
+          <ac:spMkLst>
+            <pc:docMk/>
+            <pc:sldMk cId="0" sldId="343"/>
+            <ac:spMk id="18521" creationId="{B8EDB986-68BC-9654-8167-B34A6541A3EB}"/>
+          </ac:spMkLst>
+        </pc:spChg>
+        <pc:spChg chg="mod">
+          <ac:chgData name="Lorenzo Ariemma" userId="359e4d9b-18ad-408c-9e1b-373fb95ff396" providerId="ADAL" clId="{0B7C2297-B20D-6F4D-A9F0-DB2ECE2A8EC1}" dt="2023-10-24T14:27:18.783" v="20" actId="1076"/>
+          <ac:spMkLst>
+            <pc:docMk/>
+            <pc:sldMk cId="0" sldId="343"/>
+            <ac:spMk id="18522" creationId="{0831A83C-F358-3590-C543-D6E299CAA857}"/>
+          </ac:spMkLst>
+        </pc:spChg>
+        <pc:spChg chg="mod">
+          <ac:chgData name="Lorenzo Ariemma" userId="359e4d9b-18ad-408c-9e1b-373fb95ff396" providerId="ADAL" clId="{0B7C2297-B20D-6F4D-A9F0-DB2ECE2A8EC1}" dt="2023-10-24T14:27:18.783" v="20" actId="1076"/>
+          <ac:spMkLst>
+            <pc:docMk/>
+            <pc:sldMk cId="0" sldId="343"/>
+            <ac:spMk id="18523" creationId="{5B38B956-A97A-9D5B-F2E7-4C64FB118AC3}"/>
+          </ac:spMkLst>
+        </pc:spChg>
+        <pc:spChg chg="mod">
+          <ac:chgData name="Lorenzo Ariemma" userId="359e4d9b-18ad-408c-9e1b-373fb95ff396" providerId="ADAL" clId="{0B7C2297-B20D-6F4D-A9F0-DB2ECE2A8EC1}" dt="2023-10-24T14:27:18.783" v="20" actId="1076"/>
+          <ac:spMkLst>
+            <pc:docMk/>
+            <pc:sldMk cId="0" sldId="343"/>
+            <ac:spMk id="18524" creationId="{1ADF2D30-ED29-0BA3-5E0F-9A39525C1A0D}"/>
+          </ac:spMkLst>
+        </pc:spChg>
+        <pc:spChg chg="mod">
+          <ac:chgData name="Lorenzo Ariemma" userId="359e4d9b-18ad-408c-9e1b-373fb95ff396" providerId="ADAL" clId="{0B7C2297-B20D-6F4D-A9F0-DB2ECE2A8EC1}" dt="2023-10-24T14:27:18.783" v="20" actId="1076"/>
+          <ac:spMkLst>
+            <pc:docMk/>
+            <pc:sldMk cId="0" sldId="343"/>
+            <ac:spMk id="18525" creationId="{7E0FE7B6-3F46-04BF-E2B0-1895A7E0343B}"/>
+          </ac:spMkLst>
+        </pc:spChg>
+        <pc:spChg chg="mod">
+          <ac:chgData name="Lorenzo Ariemma" userId="359e4d9b-18ad-408c-9e1b-373fb95ff396" providerId="ADAL" clId="{0B7C2297-B20D-6F4D-A9F0-DB2ECE2A8EC1}" dt="2023-10-24T14:27:18.783" v="20" actId="1076"/>
+          <ac:spMkLst>
+            <pc:docMk/>
+            <pc:sldMk cId="0" sldId="343"/>
+            <ac:spMk id="18526" creationId="{C0368DA9-C869-0DF7-9754-9235F7E8B49C}"/>
+          </ac:spMkLst>
+        </pc:spChg>
+        <pc:spChg chg="mod">
+          <ac:chgData name="Lorenzo Ariemma" userId="359e4d9b-18ad-408c-9e1b-373fb95ff396" providerId="ADAL" clId="{0B7C2297-B20D-6F4D-A9F0-DB2ECE2A8EC1}" dt="2023-10-24T14:27:18.783" v="20" actId="1076"/>
+          <ac:spMkLst>
+            <pc:docMk/>
+            <pc:sldMk cId="0" sldId="343"/>
+            <ac:spMk id="18527" creationId="{5E21C459-EA17-67A0-6DB8-B779167EEDB3}"/>
+          </ac:spMkLst>
+        </pc:spChg>
+        <pc:spChg chg="mod">
+          <ac:chgData name="Lorenzo Ariemma" userId="359e4d9b-18ad-408c-9e1b-373fb95ff396" providerId="ADAL" clId="{0B7C2297-B20D-6F4D-A9F0-DB2ECE2A8EC1}" dt="2023-10-24T14:27:18.783" v="20" actId="1076"/>
+          <ac:spMkLst>
+            <pc:docMk/>
+            <pc:sldMk cId="0" sldId="343"/>
+            <ac:spMk id="18528" creationId="{8E7BD266-6487-5E3B-317F-804246825DD3}"/>
+          </ac:spMkLst>
+        </pc:spChg>
+        <pc:spChg chg="mod">
+          <ac:chgData name="Lorenzo Ariemma" userId="359e4d9b-18ad-408c-9e1b-373fb95ff396" providerId="ADAL" clId="{0B7C2297-B20D-6F4D-A9F0-DB2ECE2A8EC1}" dt="2023-10-24T14:27:18.783" v="20" actId="1076"/>
+          <ac:spMkLst>
+            <pc:docMk/>
+            <pc:sldMk cId="0" sldId="343"/>
+            <ac:spMk id="18529" creationId="{0C0C4648-2EFA-FFF8-F282-6010384A754F}"/>
+          </ac:spMkLst>
+        </pc:spChg>
+        <pc:spChg chg="mod">
+          <ac:chgData name="Lorenzo Ariemma" userId="359e4d9b-18ad-408c-9e1b-373fb95ff396" providerId="ADAL" clId="{0B7C2297-B20D-6F4D-A9F0-DB2ECE2A8EC1}" dt="2023-10-24T14:27:18.783" v="20" actId="1076"/>
+          <ac:spMkLst>
+            <pc:docMk/>
+            <pc:sldMk cId="0" sldId="343"/>
+            <ac:spMk id="18530" creationId="{2B2F3C74-C1C1-4029-3A02-FD6D8B786B6D}"/>
+          </ac:spMkLst>
+        </pc:spChg>
+        <pc:spChg chg="mod">
+          <ac:chgData name="Lorenzo Ariemma" userId="359e4d9b-18ad-408c-9e1b-373fb95ff396" providerId="ADAL" clId="{0B7C2297-B20D-6F4D-A9F0-DB2ECE2A8EC1}" dt="2023-10-24T14:27:18.783" v="20" actId="1076"/>
+          <ac:spMkLst>
+            <pc:docMk/>
+            <pc:sldMk cId="0" sldId="343"/>
+            <ac:spMk id="18531" creationId="{872F243B-0FB3-5973-DB2E-1A015378E16B}"/>
+          </ac:spMkLst>
+        </pc:spChg>
+        <pc:spChg chg="add mod">
+          <ac:chgData name="Lorenzo Ariemma" userId="359e4d9b-18ad-408c-9e1b-373fb95ff396" providerId="ADAL" clId="{0B7C2297-B20D-6F4D-A9F0-DB2ECE2A8EC1}" dt="2023-10-24T14:27:37.044" v="24" actId="1076"/>
+          <ac:spMkLst>
+            <pc:docMk/>
+            <pc:sldMk cId="0" sldId="343"/>
+            <ac:spMk id="18532" creationId="{36985AB5-A595-5A59-E872-B9D2AFEA5FDE}"/>
+          </ac:spMkLst>
+        </pc:spChg>
+        <pc:spChg chg="add mod">
+          <ac:chgData name="Lorenzo Ariemma" userId="359e4d9b-18ad-408c-9e1b-373fb95ff396" providerId="ADAL" clId="{0B7C2297-B20D-6F4D-A9F0-DB2ECE2A8EC1}" dt="2023-10-24T14:27:48.169" v="28" actId="20577"/>
+          <ac:spMkLst>
+            <pc:docMk/>
+            <pc:sldMk cId="0" sldId="343"/>
+            <ac:spMk id="18533" creationId="{40069469-FF15-FBF1-1F0B-A0CEC7064617}"/>
+          </ac:spMkLst>
+        </pc:spChg>
+        <pc:spChg chg="add mod">
+          <ac:chgData name="Lorenzo Ariemma" userId="359e4d9b-18ad-408c-9e1b-373fb95ff396" providerId="ADAL" clId="{0B7C2297-B20D-6F4D-A9F0-DB2ECE2A8EC1}" dt="2023-10-24T14:31:14.413" v="88" actId="1076"/>
+          <ac:spMkLst>
+            <pc:docMk/>
+            <pc:sldMk cId="0" sldId="343"/>
+            <ac:spMk id="18534" creationId="{D268B4A2-A867-9F9C-561B-2F8610005139}"/>
+          </ac:spMkLst>
+        </pc:spChg>
+        <pc:spChg chg="add mod">
+          <ac:chgData name="Lorenzo Ariemma" userId="359e4d9b-18ad-408c-9e1b-373fb95ff396" providerId="ADAL" clId="{0B7C2297-B20D-6F4D-A9F0-DB2ECE2A8EC1}" dt="2023-10-24T14:28:08.001" v="36" actId="20577"/>
+          <ac:spMkLst>
+            <pc:docMk/>
+            <pc:sldMk cId="0" sldId="343"/>
+            <ac:spMk id="18535" creationId="{8D437A41-F08B-5BB6-F71D-3001EC7EDAD2}"/>
+          </ac:spMkLst>
+        </pc:spChg>
+        <pc:spChg chg="add mod">
+          <ac:chgData name="Lorenzo Ariemma" userId="359e4d9b-18ad-408c-9e1b-373fb95ff396" providerId="ADAL" clId="{0B7C2297-B20D-6F4D-A9F0-DB2ECE2A8EC1}" dt="2023-10-24T14:29:19.545" v="57" actId="20577"/>
+          <ac:spMkLst>
+            <pc:docMk/>
+            <pc:sldMk cId="0" sldId="343"/>
+            <ac:spMk id="18536" creationId="{5FE0BA7A-0592-632F-5161-F429A7EA3754}"/>
+          </ac:spMkLst>
+        </pc:spChg>
+        <pc:spChg chg="add mod">
+          <ac:chgData name="Lorenzo Ariemma" userId="359e4d9b-18ad-408c-9e1b-373fb95ff396" providerId="ADAL" clId="{0B7C2297-B20D-6F4D-A9F0-DB2ECE2A8EC1}" dt="2023-10-24T14:31:10.018" v="87" actId="1076"/>
+          <ac:spMkLst>
+            <pc:docMk/>
+            <pc:sldMk cId="0" sldId="343"/>
+            <ac:spMk id="18539" creationId="{B9B292B3-9AF4-7774-3432-1D6FD6C260F7}"/>
+          </ac:spMkLst>
+        </pc:spChg>
+        <pc:spChg chg="add mod">
+          <ac:chgData name="Lorenzo Ariemma" userId="359e4d9b-18ad-408c-9e1b-373fb95ff396" providerId="ADAL" clId="{0B7C2297-B20D-6F4D-A9F0-DB2ECE2A8EC1}" dt="2023-10-24T14:29:37.002" v="63" actId="20577"/>
+          <ac:spMkLst>
+            <pc:docMk/>
+            <pc:sldMk cId="0" sldId="343"/>
+            <ac:spMk id="18540" creationId="{48A6EE93-43DB-714B-8222-BE317D6BBCF7}"/>
+          </ac:spMkLst>
+        </pc:spChg>
+        <pc:spChg chg="add mod">
+          <ac:chgData name="Lorenzo Ariemma" userId="359e4d9b-18ad-408c-9e1b-373fb95ff396" providerId="ADAL" clId="{0B7C2297-B20D-6F4D-A9F0-DB2ECE2A8EC1}" dt="2023-10-24T14:29:53.229" v="70" actId="20577"/>
+          <ac:spMkLst>
+            <pc:docMk/>
+            <pc:sldMk cId="0" sldId="343"/>
+            <ac:spMk id="18542" creationId="{AAB377B2-A980-D0D1-2160-D1B576F1F080}"/>
+          </ac:spMkLst>
+        </pc:spChg>
+        <pc:grpChg chg="add mod">
+          <ac:chgData name="Lorenzo Ariemma" userId="359e4d9b-18ad-408c-9e1b-373fb95ff396" providerId="ADAL" clId="{0B7C2297-B20D-6F4D-A9F0-DB2ECE2A8EC1}" dt="2023-10-24T14:26:08.322" v="2" actId="1076"/>
+          <ac:grpSpMkLst>
+            <pc:docMk/>
+            <pc:sldMk cId="0" sldId="343"/>
+            <ac:grpSpMk id="5" creationId="{22D4F49C-868B-B274-132F-C819E3E346EF}"/>
+          </ac:grpSpMkLst>
+        </pc:grpChg>
+        <pc:grpChg chg="mod">
+          <ac:chgData name="Lorenzo Ariemma" userId="359e4d9b-18ad-408c-9e1b-373fb95ff396" providerId="ADAL" clId="{0B7C2297-B20D-6F4D-A9F0-DB2ECE2A8EC1}" dt="2023-10-24T14:26:08.322" v="2" actId="1076"/>
+          <ac:grpSpMkLst>
+            <pc:docMk/>
+            <pc:sldMk cId="0" sldId="343"/>
+            <ac:grpSpMk id="7" creationId="{E2192E27-A15A-8289-3E9F-C508A3497446}"/>
+          </ac:grpSpMkLst>
+        </pc:grpChg>
+        <pc:grpChg chg="mod">
+          <ac:chgData name="Lorenzo Ariemma" userId="359e4d9b-18ad-408c-9e1b-373fb95ff396" providerId="ADAL" clId="{0B7C2297-B20D-6F4D-A9F0-DB2ECE2A8EC1}" dt="2023-10-24T14:26:08.322" v="2" actId="1076"/>
+          <ac:grpSpMkLst>
+            <pc:docMk/>
+            <pc:sldMk cId="0" sldId="343"/>
+            <ac:grpSpMk id="8" creationId="{8A902EAE-03C5-60C7-210C-97AE3C49DEFC}"/>
+          </ac:grpSpMkLst>
+        </pc:grpChg>
+        <pc:grpChg chg="mod">
+          <ac:chgData name="Lorenzo Ariemma" userId="359e4d9b-18ad-408c-9e1b-373fb95ff396" providerId="ADAL" clId="{0B7C2297-B20D-6F4D-A9F0-DB2ECE2A8EC1}" dt="2023-10-24T14:26:08.322" v="2" actId="1076"/>
+          <ac:grpSpMkLst>
+            <pc:docMk/>
+            <pc:sldMk cId="0" sldId="343"/>
+            <ac:grpSpMk id="9" creationId="{00437AD2-5C35-D3DF-A753-AC6EBF3ECE53}"/>
+          </ac:grpSpMkLst>
+        </pc:grpChg>
+        <pc:grpChg chg="add mod">
+          <ac:chgData name="Lorenzo Ariemma" userId="359e4d9b-18ad-408c-9e1b-373fb95ff396" providerId="ADAL" clId="{0B7C2297-B20D-6F4D-A9F0-DB2ECE2A8EC1}" dt="2023-10-24T14:27:00.631" v="12" actId="1076"/>
+          <ac:grpSpMkLst>
+            <pc:docMk/>
+            <pc:sldMk cId="0" sldId="343"/>
+            <ac:grpSpMk id="45" creationId="{6803AF9F-D68A-D2A4-3B7C-AFEBA585019C}"/>
+          </ac:grpSpMkLst>
+        </pc:grpChg>
+        <pc:grpChg chg="mod">
+          <ac:chgData name="Lorenzo Ariemma" userId="359e4d9b-18ad-408c-9e1b-373fb95ff396" providerId="ADAL" clId="{0B7C2297-B20D-6F4D-A9F0-DB2ECE2A8EC1}" dt="2023-10-24T14:27:00.631" v="12" actId="1076"/>
+          <ac:grpSpMkLst>
+            <pc:docMk/>
+            <pc:sldMk cId="0" sldId="343"/>
+            <ac:grpSpMk id="46" creationId="{DDA05D8B-072C-9C75-F3BB-9C3D503BDECB}"/>
+          </ac:grpSpMkLst>
+        </pc:grpChg>
+        <pc:grpChg chg="mod">
+          <ac:chgData name="Lorenzo Ariemma" userId="359e4d9b-18ad-408c-9e1b-373fb95ff396" providerId="ADAL" clId="{0B7C2297-B20D-6F4D-A9F0-DB2ECE2A8EC1}" dt="2023-10-24T14:27:00.631" v="12" actId="1076"/>
+          <ac:grpSpMkLst>
+            <pc:docMk/>
+            <pc:sldMk cId="0" sldId="343"/>
+            <ac:grpSpMk id="47" creationId="{9A174D83-1BE1-682A-21A1-A99029A869B0}"/>
+          </ac:grpSpMkLst>
+        </pc:grpChg>
+        <pc:grpChg chg="mod">
+          <ac:chgData name="Lorenzo Ariemma" userId="359e4d9b-18ad-408c-9e1b-373fb95ff396" providerId="ADAL" clId="{0B7C2297-B20D-6F4D-A9F0-DB2ECE2A8EC1}" dt="2023-10-24T14:27:00.631" v="12" actId="1076"/>
+          <ac:grpSpMkLst>
+            <pc:docMk/>
+            <pc:sldMk cId="0" sldId="343"/>
+            <ac:grpSpMk id="48" creationId="{F74FDA7E-8AEA-063F-F321-5F200084C08B}"/>
+          </ac:grpSpMkLst>
+        </pc:grpChg>
+        <pc:grpChg chg="add mod">
+          <ac:chgData name="Lorenzo Ariemma" userId="359e4d9b-18ad-408c-9e1b-373fb95ff396" providerId="ADAL" clId="{0B7C2297-B20D-6F4D-A9F0-DB2ECE2A8EC1}" dt="2023-10-24T14:27:08.147" v="16" actId="1076"/>
+          <ac:grpSpMkLst>
+            <pc:docMk/>
+            <pc:sldMk cId="0" sldId="343"/>
+            <ac:grpSpMk id="18464" creationId="{9E84C4EA-13ED-1574-C389-05CCFDECF0FD}"/>
+          </ac:grpSpMkLst>
+        </pc:grpChg>
+        <pc:grpChg chg="mod">
+          <ac:chgData name="Lorenzo Ariemma" userId="359e4d9b-18ad-408c-9e1b-373fb95ff396" providerId="ADAL" clId="{0B7C2297-B20D-6F4D-A9F0-DB2ECE2A8EC1}" dt="2023-10-24T14:27:08.147" v="16" actId="1076"/>
+          <ac:grpSpMkLst>
+            <pc:docMk/>
+            <pc:sldMk cId="0" sldId="343"/>
+            <ac:grpSpMk id="18465" creationId="{C55250DD-5209-5EE3-2B75-3A6969F1B748}"/>
+          </ac:grpSpMkLst>
+        </pc:grpChg>
+        <pc:grpChg chg="mod">
+          <ac:chgData name="Lorenzo Ariemma" userId="359e4d9b-18ad-408c-9e1b-373fb95ff396" providerId="ADAL" clId="{0B7C2297-B20D-6F4D-A9F0-DB2ECE2A8EC1}" dt="2023-10-24T14:27:08.147" v="16" actId="1076"/>
+          <ac:grpSpMkLst>
+            <pc:docMk/>
+            <pc:sldMk cId="0" sldId="343"/>
+            <ac:grpSpMk id="18466" creationId="{BD97EB7C-B338-D7D4-F0FD-88BC0C47DE30}"/>
+          </ac:grpSpMkLst>
+        </pc:grpChg>
+        <pc:grpChg chg="mod">
+          <ac:chgData name="Lorenzo Ariemma" userId="359e4d9b-18ad-408c-9e1b-373fb95ff396" providerId="ADAL" clId="{0B7C2297-B20D-6F4D-A9F0-DB2ECE2A8EC1}" dt="2023-10-24T14:27:08.147" v="16" actId="1076"/>
+          <ac:grpSpMkLst>
+            <pc:docMk/>
+            <pc:sldMk cId="0" sldId="343"/>
+            <ac:grpSpMk id="18467" creationId="{E9AAEF73-733D-853B-DA17-B7A91540CFEF}"/>
+          </ac:grpSpMkLst>
+        </pc:grpChg>
+        <pc:grpChg chg="add mod">
+          <ac:chgData name="Lorenzo Ariemma" userId="359e4d9b-18ad-408c-9e1b-373fb95ff396" providerId="ADAL" clId="{0B7C2297-B20D-6F4D-A9F0-DB2ECE2A8EC1}" dt="2023-10-24T14:27:18.783" v="20" actId="1076"/>
+          <ac:grpSpMkLst>
+            <pc:docMk/>
+            <pc:sldMk cId="0" sldId="343"/>
+            <ac:grpSpMk id="18498" creationId="{6CC953A7-8D1B-491B-0522-82DCF258F41F}"/>
+          </ac:grpSpMkLst>
+        </pc:grpChg>
+        <pc:grpChg chg="mod">
+          <ac:chgData name="Lorenzo Ariemma" userId="359e4d9b-18ad-408c-9e1b-373fb95ff396" providerId="ADAL" clId="{0B7C2297-B20D-6F4D-A9F0-DB2ECE2A8EC1}" dt="2023-10-24T14:27:18.783" v="20" actId="1076"/>
+          <ac:grpSpMkLst>
+            <pc:docMk/>
+            <pc:sldMk cId="0" sldId="343"/>
+            <ac:grpSpMk id="18499" creationId="{EAA94E72-348C-0F20-06D2-F5A2E948F5E4}"/>
+          </ac:grpSpMkLst>
+        </pc:grpChg>
+        <pc:grpChg chg="mod">
+          <ac:chgData name="Lorenzo Ariemma" userId="359e4d9b-18ad-408c-9e1b-373fb95ff396" providerId="ADAL" clId="{0B7C2297-B20D-6F4D-A9F0-DB2ECE2A8EC1}" dt="2023-10-24T14:27:18.783" v="20" actId="1076"/>
+          <ac:grpSpMkLst>
+            <pc:docMk/>
+            <pc:sldMk cId="0" sldId="343"/>
+            <ac:grpSpMk id="18500" creationId="{08D7A2AD-81E8-7DB6-74F9-57080E374FB8}"/>
+          </ac:grpSpMkLst>
+        </pc:grpChg>
+        <pc:grpChg chg="mod">
+          <ac:chgData name="Lorenzo Ariemma" userId="359e4d9b-18ad-408c-9e1b-373fb95ff396" providerId="ADAL" clId="{0B7C2297-B20D-6F4D-A9F0-DB2ECE2A8EC1}" dt="2023-10-24T14:27:18.783" v="20" actId="1076"/>
+          <ac:grpSpMkLst>
+            <pc:docMk/>
+            <pc:sldMk cId="0" sldId="343"/>
+            <ac:grpSpMk id="18501" creationId="{36713C61-11BA-C694-CB45-D2FC5EB3FE12}"/>
+          </ac:grpSpMkLst>
+        </pc:grpChg>
+        <pc:cxnChg chg="mod">
+          <ac:chgData name="Lorenzo Ariemma" userId="359e4d9b-18ad-408c-9e1b-373fb95ff396" providerId="ADAL" clId="{0B7C2297-B20D-6F4D-A9F0-DB2ECE2A8EC1}" dt="2023-10-24T14:26:22.402" v="4" actId="1582"/>
+          <ac:cxnSpMkLst>
+            <pc:docMk/>
+            <pc:sldMk cId="0" sldId="343"/>
+            <ac:cxnSpMk id="6" creationId="{37B7C272-BE21-B244-1353-1BEA6A23624C}"/>
+          </ac:cxnSpMkLst>
+        </pc:cxnChg>
+        <pc:cxnChg chg="mod">
+          <ac:chgData name="Lorenzo Ariemma" userId="359e4d9b-18ad-408c-9e1b-373fb95ff396" providerId="ADAL" clId="{0B7C2297-B20D-6F4D-A9F0-DB2ECE2A8EC1}" dt="2023-10-24T14:29:31.263" v="60" actId="14100"/>
+          <ac:cxnSpMkLst>
+            <pc:docMk/>
+            <pc:sldMk cId="0" sldId="343"/>
+            <ac:cxnSpMk id="10" creationId="{4B64AC71-BF4B-CAD0-59BE-B90141E71E14}"/>
+          </ac:cxnSpMkLst>
+        </pc:cxnChg>
+        <pc:cxnChg chg="mod">
+          <ac:chgData name="Lorenzo Ariemma" userId="359e4d9b-18ad-408c-9e1b-373fb95ff396" providerId="ADAL" clId="{0B7C2297-B20D-6F4D-A9F0-DB2ECE2A8EC1}" dt="2023-10-24T14:26:41.790" v="6" actId="108"/>
+          <ac:cxnSpMkLst>
+            <pc:docMk/>
+            <pc:sldMk cId="0" sldId="343"/>
+            <ac:cxnSpMk id="17" creationId="{D2DC7747-9EEB-9EBE-58E9-15C953C624F5}"/>
+          </ac:cxnSpMkLst>
+        </pc:cxnChg>
+        <pc:cxnChg chg="mod">
+          <ac:chgData name="Lorenzo Ariemma" userId="359e4d9b-18ad-408c-9e1b-373fb95ff396" providerId="ADAL" clId="{0B7C2297-B20D-6F4D-A9F0-DB2ECE2A8EC1}" dt="2023-10-24T14:31:02.737" v="85" actId="14100"/>
+          <ac:cxnSpMkLst>
+            <pc:docMk/>
+            <pc:sldMk cId="0" sldId="343"/>
+            <ac:cxnSpMk id="19" creationId="{B4532BC6-DCAA-3BB1-70E5-66028C50E983}"/>
+          </ac:cxnSpMkLst>
+        </pc:cxnChg>
+      </pc:sldChg>
+    </pc:docChg>
+  </pc:docChgLst>
+  <pc:docChgLst>
+    <pc:chgData name="Giuseppe Di Battista" userId="58bebec1-7401-494e-9e51-e1347bbf0818" providerId="ADAL" clId="{F021DC0F-27AB-490C-91D6-E957E59ABC28}"/>
+    <pc:docChg chg="undo custSel modSld">
+      <pc:chgData name="Giuseppe Di Battista" userId="58bebec1-7401-494e-9e51-e1347bbf0818" providerId="ADAL" clId="{F021DC0F-27AB-490C-91D6-E957E59ABC28}" dt="2023-10-24T14:23:37.353" v="426" actId="20577"/>
+      <pc:docMkLst>
+        <pc:docMk/>
+      </pc:docMkLst>
+      <pc:sldChg chg="addSp delSp modSp mod">
+        <pc:chgData name="Giuseppe Di Battista" userId="58bebec1-7401-494e-9e51-e1347bbf0818" providerId="ADAL" clId="{F021DC0F-27AB-490C-91D6-E957E59ABC28}" dt="2023-10-24T14:11:25.370" v="280" actId="20577"/>
+        <pc:sldMkLst>
+          <pc:docMk/>
+          <pc:sldMk cId="0" sldId="343"/>
+        </pc:sldMkLst>
+        <pc:spChg chg="mod">
+          <ac:chgData name="Giuseppe Di Battista" userId="58bebec1-7401-494e-9e51-e1347bbf0818" providerId="ADAL" clId="{F021DC0F-27AB-490C-91D6-E957E59ABC28}" dt="2023-10-24T14:10:46.223" v="278" actId="1076"/>
+          <ac:spMkLst>
+            <pc:docMk/>
+            <pc:sldMk cId="0" sldId="343"/>
+            <ac:spMk id="3" creationId="{05310AC1-A515-8D8B-5709-5779442649EB}"/>
+          </ac:spMkLst>
+        </pc:spChg>
+        <pc:spChg chg="mod">
+          <ac:chgData name="Giuseppe Di Battista" userId="58bebec1-7401-494e-9e51-e1347bbf0818" providerId="ADAL" clId="{F021DC0F-27AB-490C-91D6-E957E59ABC28}" dt="2023-10-24T14:10:46.223" v="278" actId="1076"/>
+          <ac:spMkLst>
+            <pc:docMk/>
+            <pc:sldMk cId="0" sldId="343"/>
+            <ac:spMk id="4" creationId="{76B27C86-3588-CA39-98A5-D79551CBC601}"/>
+          </ac:spMkLst>
+        </pc:spChg>
+        <pc:spChg chg="mod">
+          <ac:chgData name="Giuseppe Di Battista" userId="58bebec1-7401-494e-9e51-e1347bbf0818" providerId="ADAL" clId="{F021DC0F-27AB-490C-91D6-E957E59ABC28}" dt="2023-10-24T14:11:25.370" v="280" actId="20577"/>
+          <ac:spMkLst>
+            <pc:docMk/>
+            <pc:sldMk cId="0" sldId="343"/>
+            <ac:spMk id="18435" creationId="{485C2A12-C75D-B576-DC60-BEADE5A36484}"/>
+          </ac:spMkLst>
+        </pc:spChg>
+        <pc:grpChg chg="add mod">
+          <ac:chgData name="Giuseppe Di Battista" userId="58bebec1-7401-494e-9e51-e1347bbf0818" providerId="ADAL" clId="{F021DC0F-27AB-490C-91D6-E957E59ABC28}" dt="2023-10-24T14:10:46.223" v="278" actId="1076"/>
+          <ac:grpSpMkLst>
+            <pc:docMk/>
+            <pc:sldMk cId="0" sldId="343"/>
+            <ac:grpSpMk id="2" creationId="{B09E9484-6833-C559-69CF-9CE298EF5097}"/>
+          </ac:grpSpMkLst>
+        </pc:grpChg>
+        <pc:grpChg chg="del">
+          <ac:chgData name="Giuseppe Di Battista" userId="58bebec1-7401-494e-9e51-e1347bbf0818" providerId="ADAL" clId="{F021DC0F-27AB-490C-91D6-E957E59ABC28}" dt="2023-10-24T14:10:29.786" v="274" actId="478"/>
+          <ac:grpSpMkLst>
+            <pc:docMk/>
+            <pc:sldMk cId="0" sldId="343"/>
+            <ac:grpSpMk id="18437" creationId="{11EC0EB0-C7CC-1773-75EE-137ECD297EA0}"/>
+          </ac:grpSpMkLst>
+        </pc:grpChg>
+      </pc:sldChg>
+      <pc:sldChg chg="modSp mod">
+        <pc:chgData name="Giuseppe Di Battista" userId="58bebec1-7401-494e-9e51-e1347bbf0818" providerId="ADAL" clId="{F021DC0F-27AB-490C-91D6-E957E59ABC28}" dt="2023-10-24T14:11:58.415" v="285" actId="20577"/>
+        <pc:sldMkLst>
+          <pc:docMk/>
+          <pc:sldMk cId="0" sldId="401"/>
+        </pc:sldMkLst>
+        <pc:spChg chg="mod">
+          <ac:chgData name="Giuseppe Di Battista" userId="58bebec1-7401-494e-9e51-e1347bbf0818" providerId="ADAL" clId="{F021DC0F-27AB-490C-91D6-E957E59ABC28}" dt="2023-10-24T14:11:58.415" v="285" actId="20577"/>
+          <ac:spMkLst>
+            <pc:docMk/>
+            <pc:sldMk cId="0" sldId="401"/>
+            <ac:spMk id="28674" creationId="{00EAF188-2D61-D072-503C-2933EA9C41CD}"/>
+          </ac:spMkLst>
+        </pc:spChg>
+      </pc:sldChg>
+      <pc:sldChg chg="modSp mod">
+        <pc:chgData name="Giuseppe Di Battista" userId="58bebec1-7401-494e-9e51-e1347bbf0818" providerId="ADAL" clId="{F021DC0F-27AB-490C-91D6-E957E59ABC28}" dt="2023-10-24T12:41:23.116" v="216" actId="20577"/>
+        <pc:sldMkLst>
+          <pc:docMk/>
+          <pc:sldMk cId="1835873956" sldId="403"/>
+        </pc:sldMkLst>
+        <pc:spChg chg="mod">
+          <ac:chgData name="Giuseppe Di Battista" userId="58bebec1-7401-494e-9e51-e1347bbf0818" providerId="ADAL" clId="{F021DC0F-27AB-490C-91D6-E957E59ABC28}" dt="2023-10-24T12:39:16.346" v="45" actId="20577"/>
+          <ac:spMkLst>
+            <pc:docMk/>
+            <pc:sldMk cId="1835873956" sldId="403"/>
+            <ac:spMk id="2" creationId="{BE8268DA-B241-08C9-76D3-34A54DCA33E1}"/>
+          </ac:spMkLst>
+        </pc:spChg>
+        <pc:spChg chg="mod">
+          <ac:chgData name="Giuseppe Di Battista" userId="58bebec1-7401-494e-9e51-e1347bbf0818" providerId="ADAL" clId="{F021DC0F-27AB-490C-91D6-E957E59ABC28}" dt="2023-10-24T12:40:59.909" v="193" actId="20577"/>
+          <ac:spMkLst>
+            <pc:docMk/>
+            <pc:sldMk cId="1835873956" sldId="403"/>
+            <ac:spMk id="3" creationId="{F16B4CB5-D150-C7E5-3B6A-A3082062888B}"/>
+          </ac:spMkLst>
+        </pc:spChg>
+        <pc:spChg chg="mod">
+          <ac:chgData name="Giuseppe Di Battista" userId="58bebec1-7401-494e-9e51-e1347bbf0818" providerId="ADAL" clId="{F021DC0F-27AB-490C-91D6-E957E59ABC28}" dt="2023-10-24T12:41:23.116" v="216" actId="20577"/>
+          <ac:spMkLst>
+            <pc:docMk/>
+            <pc:sldMk cId="1835873956" sldId="403"/>
+            <ac:spMk id="13" creationId="{4AF0C551-7459-9595-7276-6234A79F6052}"/>
+          </ac:spMkLst>
+        </pc:spChg>
+        <pc:spChg chg="mod">
+          <ac:chgData name="Giuseppe Di Battista" userId="58bebec1-7401-494e-9e51-e1347bbf0818" providerId="ADAL" clId="{F021DC0F-27AB-490C-91D6-E957E59ABC28}" dt="2023-10-24T12:41:13.350" v="208" actId="20577"/>
+          <ac:spMkLst>
+            <pc:docMk/>
+            <pc:sldMk cId="1835873956" sldId="403"/>
+            <ac:spMk id="14" creationId="{3FBCE0BA-BA5F-727C-5EDD-9C221E4A019C}"/>
+          </ac:spMkLst>
+        </pc:spChg>
+      </pc:sldChg>
+      <pc:sldChg chg="modSp mod">
+        <pc:chgData name="Giuseppe Di Battista" userId="58bebec1-7401-494e-9e51-e1347bbf0818" providerId="ADAL" clId="{F021DC0F-27AB-490C-91D6-E957E59ABC28}" dt="2023-10-24T14:15:46.126" v="326" actId="20577"/>
+        <pc:sldMkLst>
+          <pc:docMk/>
+          <pc:sldMk cId="3037940725" sldId="405"/>
+        </pc:sldMkLst>
+        <pc:spChg chg="mod">
+          <ac:chgData name="Giuseppe Di Battista" userId="58bebec1-7401-494e-9e51-e1347bbf0818" providerId="ADAL" clId="{F021DC0F-27AB-490C-91D6-E957E59ABC28}" dt="2023-10-24T14:15:46.126" v="326" actId="20577"/>
+          <ac:spMkLst>
+            <pc:docMk/>
+            <pc:sldMk cId="3037940725" sldId="405"/>
+            <ac:spMk id="3" creationId="{F24FB8D8-2A59-598A-909D-68604B4D081D}"/>
+          </ac:spMkLst>
+        </pc:spChg>
+        <pc:spChg chg="mod">
+          <ac:chgData name="Giuseppe Di Battista" userId="58bebec1-7401-494e-9e51-e1347bbf0818" providerId="ADAL" clId="{F021DC0F-27AB-490C-91D6-E957E59ABC28}" dt="2023-10-24T12:43:23.925" v="236" actId="20577"/>
+          <ac:spMkLst>
+            <pc:docMk/>
+            <pc:sldMk cId="3037940725" sldId="405"/>
+            <ac:spMk id="14" creationId="{CB1098A1-3F05-0784-FD13-FC917CC59E3D}"/>
+          </ac:spMkLst>
+        </pc:spChg>
+      </pc:sldChg>
+      <pc:sldChg chg="modSp mod">
+        <pc:chgData name="Giuseppe Di Battista" userId="58bebec1-7401-494e-9e51-e1347bbf0818" providerId="ADAL" clId="{F021DC0F-27AB-490C-91D6-E957E59ABC28}" dt="2023-10-24T12:44:03.046" v="261" actId="20577"/>
+        <pc:sldMkLst>
+          <pc:docMk/>
+          <pc:sldMk cId="2574839862" sldId="406"/>
+        </pc:sldMkLst>
+        <pc:spChg chg="mod">
+          <ac:chgData name="Giuseppe Di Battista" userId="58bebec1-7401-494e-9e51-e1347bbf0818" providerId="ADAL" clId="{F021DC0F-27AB-490C-91D6-E957E59ABC28}" dt="2023-10-24T12:44:03.046" v="261" actId="20577"/>
+          <ac:spMkLst>
+            <pc:docMk/>
+            <pc:sldMk cId="2574839862" sldId="406"/>
+            <ac:spMk id="3" creationId="{3F796143-2726-81AD-57B8-1E79D55ED4B9}"/>
+          </ac:spMkLst>
+        </pc:spChg>
+      </pc:sldChg>
+      <pc:sldChg chg="modSp mod">
+        <pc:chgData name="Giuseppe Di Battista" userId="58bebec1-7401-494e-9e51-e1347bbf0818" providerId="ADAL" clId="{F021DC0F-27AB-490C-91D6-E957E59ABC28}" dt="2023-10-24T12:41:50.199" v="217" actId="6549"/>
+        <pc:sldMkLst>
+          <pc:docMk/>
+          <pc:sldMk cId="3762332242" sldId="409"/>
+        </pc:sldMkLst>
+        <pc:spChg chg="mod">
+          <ac:chgData name="Giuseppe Di Battista" userId="58bebec1-7401-494e-9e51-e1347bbf0818" providerId="ADAL" clId="{F021DC0F-27AB-490C-91D6-E957E59ABC28}" dt="2023-10-24T12:41:50.199" v="217" actId="6549"/>
+          <ac:spMkLst>
+            <pc:docMk/>
+            <pc:sldMk cId="3762332242" sldId="409"/>
+            <ac:spMk id="3" creationId="{E5C55DFE-CF19-5B4A-BC7D-E9354C54B78E}"/>
+          </ac:spMkLst>
+        </pc:spChg>
+      </pc:sldChg>
+      <pc:sldChg chg="modSp mod">
+        <pc:chgData name="Giuseppe Di Battista" userId="58bebec1-7401-494e-9e51-e1347bbf0818" providerId="ADAL" clId="{F021DC0F-27AB-490C-91D6-E957E59ABC28}" dt="2023-10-24T14:17:57.352" v="337" actId="20577"/>
+        <pc:sldMkLst>
+          <pc:docMk/>
+          <pc:sldMk cId="824798956" sldId="410"/>
+        </pc:sldMkLst>
+        <pc:spChg chg="mod">
+          <ac:chgData name="Giuseppe Di Battista" userId="58bebec1-7401-494e-9e51-e1347bbf0818" providerId="ADAL" clId="{F021DC0F-27AB-490C-91D6-E957E59ABC28}" dt="2023-10-24T14:17:57.352" v="337" actId="20577"/>
+          <ac:spMkLst>
+            <pc:docMk/>
+            <pc:sldMk cId="824798956" sldId="410"/>
+            <ac:spMk id="7" creationId="{D039040C-9689-D7D8-2D49-DFF9F38298C5}"/>
+          </ac:spMkLst>
+        </pc:spChg>
+      </pc:sldChg>
+      <pc:sldChg chg="modSp mod">
+        <pc:chgData name="Giuseppe Di Battista" userId="58bebec1-7401-494e-9e51-e1347bbf0818" providerId="ADAL" clId="{F021DC0F-27AB-490C-91D6-E957E59ABC28}" dt="2023-10-24T14:18:14.408" v="340" actId="20577"/>
+        <pc:sldMkLst>
+          <pc:docMk/>
+          <pc:sldMk cId="84654182" sldId="411"/>
+        </pc:sldMkLst>
+        <pc:spChg chg="mod">
+          <ac:chgData name="Giuseppe Di Battista" userId="58bebec1-7401-494e-9e51-e1347bbf0818" providerId="ADAL" clId="{F021DC0F-27AB-490C-91D6-E957E59ABC28}" dt="2023-10-24T14:18:14.408" v="340" actId="20577"/>
+          <ac:spMkLst>
+            <pc:docMk/>
+            <pc:sldMk cId="84654182" sldId="411"/>
+            <ac:spMk id="3" creationId="{FD7E0111-2B52-FD71-47FF-0DDF0D9FC0B2}"/>
+          </ac:spMkLst>
+        </pc:spChg>
+      </pc:sldChg>
+      <pc:sldChg chg="modSp mod">
+        <pc:chgData name="Giuseppe Di Battista" userId="58bebec1-7401-494e-9e51-e1347bbf0818" providerId="ADAL" clId="{F021DC0F-27AB-490C-91D6-E957E59ABC28}" dt="2023-10-24T12:45:49.994" v="273" actId="6549"/>
+        <pc:sldMkLst>
+          <pc:docMk/>
+          <pc:sldMk cId="2838881838" sldId="412"/>
+        </pc:sldMkLst>
+        <pc:spChg chg="mod">
+          <ac:chgData name="Giuseppe Di Battista" userId="58bebec1-7401-494e-9e51-e1347bbf0818" providerId="ADAL" clId="{F021DC0F-27AB-490C-91D6-E957E59ABC28}" dt="2023-10-24T12:45:49.994" v="273" actId="6549"/>
+          <ac:spMkLst>
+            <pc:docMk/>
+            <pc:sldMk cId="2838881838" sldId="412"/>
+            <ac:spMk id="3" creationId="{C41706F8-39E6-C287-EC19-5CE8F1783141}"/>
+          </ac:spMkLst>
+        </pc:spChg>
+      </pc:sldChg>
+      <pc:sldChg chg="modSp mod">
+        <pc:chgData name="Giuseppe Di Battista" userId="58bebec1-7401-494e-9e51-e1347bbf0818" providerId="ADAL" clId="{F021DC0F-27AB-490C-91D6-E957E59ABC28}" dt="2023-10-24T14:21:44.473" v="343" actId="20577"/>
+        <pc:sldMkLst>
+          <pc:docMk/>
+          <pc:sldMk cId="3029760074" sldId="414"/>
+        </pc:sldMkLst>
+        <pc:spChg chg="mod">
+          <ac:chgData name="Giuseppe Di Battista" userId="58bebec1-7401-494e-9e51-e1347bbf0818" providerId="ADAL" clId="{F021DC0F-27AB-490C-91D6-E957E59ABC28}" dt="2023-10-24T14:21:44.473" v="343" actId="20577"/>
+          <ac:spMkLst>
+            <pc:docMk/>
+            <pc:sldMk cId="3029760074" sldId="414"/>
+            <ac:spMk id="3" creationId="{6BBB0914-9367-2194-EE45-AF3107EE0F48}"/>
+          </ac:spMkLst>
+        </pc:spChg>
+      </pc:sldChg>
+      <pc:sldChg chg="modSp mod">
+        <pc:chgData name="Giuseppe Di Battista" userId="58bebec1-7401-494e-9e51-e1347bbf0818" providerId="ADAL" clId="{F021DC0F-27AB-490C-91D6-E957E59ABC28}" dt="2023-10-24T14:23:37.353" v="426" actId="20577"/>
+        <pc:sldMkLst>
+          <pc:docMk/>
+          <pc:sldMk cId="2434955685" sldId="416"/>
+        </pc:sldMkLst>
+        <pc:spChg chg="mod">
+          <ac:chgData name="Giuseppe Di Battista" userId="58bebec1-7401-494e-9e51-e1347bbf0818" providerId="ADAL" clId="{F021DC0F-27AB-490C-91D6-E957E59ABC28}" dt="2023-10-24T14:23:37.353" v="426" actId="20577"/>
+          <ac:spMkLst>
+            <pc:docMk/>
+            <pc:sldMk cId="2434955685" sldId="416"/>
+            <ac:spMk id="3" creationId="{9827920B-EE7C-AB6E-D5ED-5B913E35C36C}"/>
+          </ac:spMkLst>
+        </pc:spChg>
+      </pc:sldChg>
     </pc:docChg>
   </pc:docChgLst>
 </pc:chgInfo>
@@ -10784,1198 +10783,6 @@
           <p:cNvPr id="2" name="Title 1">
             <a:extLst>
               <a:ext uri="{FF2B5EF4-FFF2-40B4-BE49-F238E27FC236}">
-                <a16:creationId xmlns:a16="http://schemas.microsoft.com/office/drawing/2014/main" id="{40D362BF-6D5D-EE5A-7FA6-56FD32E78779}"/>
-              </a:ext>
-            </a:extLst>
-          </p:cNvPr>
-          <p:cNvSpPr>
-            <a:spLocks noGrp="1"/>
-          </p:cNvSpPr>
-          <p:nvPr>
-            <p:ph type="title"/>
-          </p:nvPr>
-        </p:nvSpPr>
-        <p:spPr/>
-        <p:txBody>
-          <a:bodyPr/>
-          <a:lstStyle/>
-          <a:p>
-            <a:r>
-              <a:rPr lang="en-GB" dirty="0"/>
-              <a:t>bringing up the bridge</a:t>
-            </a:r>
-          </a:p>
-        </p:txBody>
-      </p:sp>
-      <p:sp>
-        <p:nvSpPr>
-          <p:cNvPr id="3" name="Content Placeholder 2">
-            <a:extLst>
-              <a:ext uri="{FF2B5EF4-FFF2-40B4-BE49-F238E27FC236}">
-                <a16:creationId xmlns:a16="http://schemas.microsoft.com/office/drawing/2014/main" id="{F24FB8D8-2A59-598A-909D-68604B4D081D}"/>
-              </a:ext>
-            </a:extLst>
-          </p:cNvPr>
-          <p:cNvSpPr>
-            <a:spLocks noGrp="1"/>
-          </p:cNvSpPr>
-          <p:nvPr>
-            <p:ph idx="1"/>
-          </p:nvPr>
-        </p:nvSpPr>
-        <p:spPr/>
-        <p:txBody>
-          <a:bodyPr/>
-          <a:lstStyle/>
-          <a:p>
-            <a:r>
-              <a:rPr lang="en-GB" dirty="0"/>
-              <a:t>the bridge is born with its state DOWN</a:t>
-            </a:r>
-          </a:p>
-          <a:p>
-            <a:pPr lvl="1"/>
-            <a:r>
-              <a:rPr lang="en-GB" dirty="0"/>
-              <a:t>this means that it is switched off</a:t>
-            </a:r>
-          </a:p>
-          <a:p>
-            <a:r>
-              <a:rPr lang="en-GB" dirty="0"/>
-              <a:t>the following command allows to switch up/down a bridge (or even a network interface)</a:t>
-            </a:r>
-          </a:p>
-          <a:p>
-            <a:pPr lvl="1"/>
-            <a:r>
-              <a:rPr lang="en-GB" dirty="0"/>
-              <a:t>it can be also used for </a:t>
-            </a:r>
-            <a:r>
-              <a:rPr lang="en-GB" dirty="0" err="1"/>
-              <a:t>ethX</a:t>
-            </a:r>
-            <a:r>
-              <a:rPr lang="en-GB" dirty="0"/>
-              <a:t> interfaces</a:t>
-            </a:r>
-          </a:p>
-        </p:txBody>
-      </p:sp>
-      <p:sp>
-        <p:nvSpPr>
-          <p:cNvPr id="4" name="Date Placeholder 3">
-            <a:extLst>
-              <a:ext uri="{FF2B5EF4-FFF2-40B4-BE49-F238E27FC236}">
-                <a16:creationId xmlns:a16="http://schemas.microsoft.com/office/drawing/2014/main" id="{F86D4BAA-BB6B-A349-F88A-F5FA1C0AC6D3}"/>
-              </a:ext>
-            </a:extLst>
-          </p:cNvPr>
-          <p:cNvSpPr>
-            <a:spLocks noGrp="1"/>
-          </p:cNvSpPr>
-          <p:nvPr>
-            <p:ph type="dt" sz="half" idx="10"/>
-          </p:nvPr>
-        </p:nvSpPr>
-        <p:spPr/>
-        <p:txBody>
-          <a:bodyPr/>
-          <a:lstStyle/>
-          <a:p>
-            <a:pPr>
-              <a:defRPr/>
-            </a:pPr>
-            <a:r>
-              <a:rPr lang="it-IT" altLang="it-IT"/>
-              <a:t>last update: Oct 2023</a:t>
-            </a:r>
-          </a:p>
-        </p:txBody>
-      </p:sp>
-      <p:sp>
-        <p:nvSpPr>
-          <p:cNvPr id="5" name="Footer Placeholder 4">
-            <a:extLst>
-              <a:ext uri="{FF2B5EF4-FFF2-40B4-BE49-F238E27FC236}">
-                <a16:creationId xmlns:a16="http://schemas.microsoft.com/office/drawing/2014/main" id="{4BFC0266-2513-4A7C-FB38-92743284EAEE}"/>
-              </a:ext>
-            </a:extLst>
-          </p:cNvPr>
-          <p:cNvSpPr>
-            <a:spLocks noGrp="1"/>
-          </p:cNvSpPr>
-          <p:nvPr>
-            <p:ph type="ftr" sz="quarter" idx="11"/>
-          </p:nvPr>
-        </p:nvSpPr>
-        <p:spPr/>
-        <p:txBody>
-          <a:bodyPr/>
-          <a:lstStyle/>
-          <a:p>
-            <a:pPr>
-              <a:defRPr/>
-            </a:pPr>
-            <a:r>
-              <a:rPr lang="it-IT" altLang="it-IT"/>
-              <a:t>kathara – [ lab: one bridge ]</a:t>
-            </a:r>
-          </a:p>
-        </p:txBody>
-      </p:sp>
-      <p:grpSp>
-        <p:nvGrpSpPr>
-          <p:cNvPr id="6" name="Group 5">
-            <a:extLst>
-              <a:ext uri="{FF2B5EF4-FFF2-40B4-BE49-F238E27FC236}">
-                <a16:creationId xmlns:a16="http://schemas.microsoft.com/office/drawing/2014/main" id="{FB184BA9-0198-4E1B-4790-3128B54DE01D}"/>
-              </a:ext>
-            </a:extLst>
-          </p:cNvPr>
-          <p:cNvGrpSpPr/>
-          <p:nvPr/>
-        </p:nvGrpSpPr>
-        <p:grpSpPr>
-          <a:xfrm>
-            <a:off x="1661669" y="4216399"/>
-            <a:ext cx="8868661" cy="1123946"/>
-            <a:chOff x="2711621" y="2305054"/>
-            <a:chExt cx="8868661" cy="1123946"/>
-          </a:xfrm>
-        </p:grpSpPr>
-        <p:sp>
-          <p:nvSpPr>
-            <p:cNvPr id="7" name="Rectangle 6">
-              <a:extLst>
-                <a:ext uri="{FF2B5EF4-FFF2-40B4-BE49-F238E27FC236}">
-                  <a16:creationId xmlns:a16="http://schemas.microsoft.com/office/drawing/2014/main" id="{DFDE12E3-2AFA-AFB1-28E6-C2F6DB82BCF9}"/>
-                </a:ext>
-              </a:extLst>
-            </p:cNvPr>
-            <p:cNvSpPr/>
-            <p:nvPr/>
-          </p:nvSpPr>
-          <p:spPr>
-            <a:xfrm>
-              <a:off x="2711624" y="2632079"/>
-              <a:ext cx="8868658" cy="796921"/>
-            </a:xfrm>
-            <a:prstGeom prst="rect">
-              <a:avLst/>
-            </a:prstGeom>
-            <a:solidFill>
-              <a:sysClr val="windowText" lastClr="000000"/>
-            </a:solidFill>
-            <a:ln w="57150" cap="flat" cmpd="sng" algn="ctr">
-              <a:solidFill>
-                <a:srgbClr val="4472C4"/>
-              </a:solidFill>
-              <a:prstDash val="solid"/>
-              <a:miter lim="800000"/>
-            </a:ln>
-            <a:effectLst>
-              <a:outerShdw blurRad="50800" dist="38100" dir="2700000" algn="tl" rotWithShape="0">
-                <a:prstClr val="black">
-                  <a:alpha val="40000"/>
-                </a:prstClr>
-              </a:outerShdw>
-            </a:effectLst>
-          </p:spPr>
-          <p:txBody>
-            <a:bodyPr rtlCol="0" anchor="t"/>
-            <a:lstStyle/>
-            <a:p>
-              <a:pPr marL="0" marR="0" lvl="0" indent="0" defTabSz="914400" eaLnBrk="1" fontAlgn="auto" latinLnBrk="0" hangingPunct="1">
-                <a:lnSpc>
-                  <a:spcPct val="100000"/>
-                </a:lnSpc>
-                <a:spcBef>
-                  <a:spcPts val="0"/>
-                </a:spcBef>
-                <a:spcAft>
-                  <a:spcPts val="0"/>
-                </a:spcAft>
-                <a:buClrTx/>
-                <a:buSzTx/>
-                <a:buFontTx/>
-                <a:buNone/>
-                <a:tabLst/>
-                <a:defRPr/>
-              </a:pPr>
-              <a:r>
-                <a:rPr kumimoji="0" lang="it-IT" sz="1800" b="0" i="0" u="none" strike="noStrike" kern="0" cap="none" spc="0" normalizeH="0" baseline="0" noProof="0" dirty="0">
-                  <a:ln>
-                    <a:noFill/>
-                  </a:ln>
-                  <a:solidFill>
-                    <a:prstClr val="white">
-                      <a:lumMod val="65000"/>
-                    </a:prstClr>
-                  </a:solidFill>
-                  <a:effectLst/>
-                  <a:uLnTx/>
-                  <a:uFillTx/>
-                  <a:latin typeface="Lucida Console" panose="020B0609040504020204" pitchFamily="49" charset="0"/>
-                </a:rPr>
-                <a:t>root@</a:t>
-              </a:r>
-              <a:r>
-                <a:rPr lang="it-IT" kern="0" dirty="0">
-                  <a:solidFill>
-                    <a:prstClr val="white">
-                      <a:lumMod val="65000"/>
-                    </a:prstClr>
-                  </a:solidFill>
-                  <a:latin typeface="Lucida Console" panose="020B0609040504020204" pitchFamily="49" charset="0"/>
-                </a:rPr>
-                <a:t>b</a:t>
-              </a:r>
-              <a:r>
-                <a:rPr kumimoji="0" lang="it-IT" sz="1800" b="0" i="0" u="none" strike="noStrike" kern="0" cap="none" spc="0" normalizeH="0" baseline="0" noProof="0" dirty="0">
-                  <a:ln>
-                    <a:noFill/>
-                  </a:ln>
-                  <a:solidFill>
-                    <a:prstClr val="white">
-                      <a:lumMod val="65000"/>
-                    </a:prstClr>
-                  </a:solidFill>
-                  <a:effectLst/>
-                  <a:uLnTx/>
-                  <a:uFillTx/>
-                  <a:latin typeface="Lucida Console" panose="020B0609040504020204" pitchFamily="49" charset="0"/>
-                </a:rPr>
-                <a:t>1:~$ </a:t>
-              </a:r>
-              <a:r>
-                <a:rPr lang="en-US" b="1" kern="0" dirty="0" err="1">
-                  <a:solidFill>
-                    <a:prstClr val="white"/>
-                  </a:solidFill>
-                  <a:latin typeface="Lucida Console" panose="020B0609040504020204" pitchFamily="49" charset="0"/>
-                </a:rPr>
-                <a:t>ip</a:t>
-              </a:r>
-              <a:r>
-                <a:rPr lang="en-US" b="1" kern="0" dirty="0">
-                  <a:solidFill>
-                    <a:prstClr val="white"/>
-                  </a:solidFill>
-                  <a:latin typeface="Lucida Console" panose="020B0609040504020204" pitchFamily="49" charset="0"/>
-                </a:rPr>
-                <a:t> link set up dev </a:t>
-              </a:r>
-              <a:r>
-                <a:rPr lang="en-US" b="1" kern="0" dirty="0" err="1">
-                  <a:solidFill>
-                    <a:prstClr val="white"/>
-                  </a:solidFill>
-                  <a:latin typeface="Lucida Console" panose="020B0609040504020204" pitchFamily="49" charset="0"/>
-                </a:rPr>
-                <a:t>mainbridge</a:t>
-              </a:r>
-              <a:endParaRPr lang="it-IT" b="1" kern="0" dirty="0">
-                <a:solidFill>
-                  <a:prstClr val="white"/>
-                </a:solidFill>
-                <a:latin typeface="Lucida Console" panose="020B0609040504020204" pitchFamily="49" charset="0"/>
-              </a:endParaRPr>
-            </a:p>
-          </p:txBody>
-        </p:sp>
-        <p:sp>
-          <p:nvSpPr>
-            <p:cNvPr id="8" name="Rectangle 7">
-              <a:extLst>
-                <a:ext uri="{FF2B5EF4-FFF2-40B4-BE49-F238E27FC236}">
-                  <a16:creationId xmlns:a16="http://schemas.microsoft.com/office/drawing/2014/main" id="{6255A550-303C-BCE2-3FED-B049965CB00C}"/>
-                </a:ext>
-              </a:extLst>
-            </p:cNvPr>
-            <p:cNvSpPr/>
-            <p:nvPr/>
-          </p:nvSpPr>
-          <p:spPr>
-            <a:xfrm>
-              <a:off x="2711621" y="2305054"/>
-              <a:ext cx="8868658" cy="286249"/>
-            </a:xfrm>
-            <a:prstGeom prst="rect">
-              <a:avLst/>
-            </a:prstGeom>
-            <a:solidFill>
-              <a:srgbClr val="4472C4"/>
-            </a:solidFill>
-            <a:ln w="57150" cap="flat" cmpd="sng" algn="ctr">
-              <a:solidFill>
-                <a:srgbClr val="4472C4"/>
-              </a:solidFill>
-              <a:prstDash val="solid"/>
-              <a:miter lim="800000"/>
-            </a:ln>
-            <a:effectLst>
-              <a:outerShdw blurRad="50800" dist="25400" algn="l" rotWithShape="0">
-                <a:prstClr val="black">
-                  <a:alpha val="32000"/>
-                </a:prstClr>
-              </a:outerShdw>
-            </a:effectLst>
-          </p:spPr>
-          <p:txBody>
-            <a:bodyPr rtlCol="0" anchor="ctr"/>
-            <a:lstStyle/>
-            <a:p>
-              <a:pPr marL="0" marR="0" lvl="0" indent="0" algn="ctr" defTabSz="914400" eaLnBrk="1" fontAlgn="auto" latinLnBrk="0" hangingPunct="1">
-                <a:lnSpc>
-                  <a:spcPct val="100000"/>
-                </a:lnSpc>
-                <a:spcBef>
-                  <a:spcPts val="0"/>
-                </a:spcBef>
-                <a:spcAft>
-                  <a:spcPts val="0"/>
-                </a:spcAft>
-                <a:buClrTx/>
-                <a:buSzTx/>
-                <a:buFontTx/>
-                <a:buNone/>
-                <a:tabLst/>
-                <a:defRPr/>
-              </a:pPr>
-              <a:endParaRPr kumimoji="0" lang="it-IT" sz="1800" b="0" i="0" u="none" strike="noStrike" kern="0" cap="none" spc="0" normalizeH="0" baseline="0" noProof="0">
-                <a:ln>
-                  <a:noFill/>
-                </a:ln>
-                <a:solidFill>
-                  <a:prstClr val="white"/>
-                </a:solidFill>
-                <a:effectLst/>
-                <a:uLnTx/>
-                <a:uFillTx/>
-                <a:latin typeface="Calibri" panose="020F0502020204030204"/>
-                <a:ea typeface="+mn-ea"/>
-                <a:cs typeface="+mn-cs"/>
-              </a:endParaRPr>
-            </a:p>
-          </p:txBody>
-        </p:sp>
-        <p:grpSp>
-          <p:nvGrpSpPr>
-            <p:cNvPr id="9" name="Group 8">
-              <a:extLst>
-                <a:ext uri="{FF2B5EF4-FFF2-40B4-BE49-F238E27FC236}">
-                  <a16:creationId xmlns:a16="http://schemas.microsoft.com/office/drawing/2014/main" id="{4577026C-5981-8B12-9438-3F56FED8C0EA}"/>
-                </a:ext>
-              </a:extLst>
-            </p:cNvPr>
-            <p:cNvGrpSpPr/>
-            <p:nvPr/>
-          </p:nvGrpSpPr>
-          <p:grpSpPr>
-            <a:xfrm>
-              <a:off x="10920536" y="2386396"/>
-              <a:ext cx="581348" cy="126235"/>
-              <a:chOff x="8092857" y="2035375"/>
-              <a:chExt cx="581348" cy="126235"/>
-            </a:xfrm>
-          </p:grpSpPr>
-          <p:sp>
-            <p:nvSpPr>
-              <p:cNvPr id="10" name="Rectangle 9">
-                <a:extLst>
-                  <a:ext uri="{FF2B5EF4-FFF2-40B4-BE49-F238E27FC236}">
-                    <a16:creationId xmlns:a16="http://schemas.microsoft.com/office/drawing/2014/main" id="{14E120D0-CFC2-D5DC-C323-3302DA8705A3}"/>
-                  </a:ext>
-                </a:extLst>
-              </p:cNvPr>
-              <p:cNvSpPr>
-                <a:spLocks noChangeAspect="1"/>
-              </p:cNvSpPr>
-              <p:nvPr/>
-            </p:nvSpPr>
-            <p:spPr>
-              <a:xfrm>
-                <a:off x="8548205" y="2035610"/>
-                <a:ext cx="126000" cy="126000"/>
-              </a:xfrm>
-              <a:prstGeom prst="rect">
-                <a:avLst/>
-              </a:prstGeom>
-              <a:solidFill>
-                <a:srgbClr val="FF0000">
-                  <a:alpha val="50196"/>
-                </a:srgbClr>
-              </a:solidFill>
-              <a:ln w="12700" cap="flat" cmpd="sng" algn="ctr">
-                <a:solidFill>
-                  <a:srgbClr val="4472C4">
-                    <a:shade val="50000"/>
-                  </a:srgbClr>
-                </a:solidFill>
-                <a:prstDash val="solid"/>
-                <a:miter lim="800000"/>
-              </a:ln>
-              <a:effectLst/>
-            </p:spPr>
-            <p:txBody>
-              <a:bodyPr rtlCol="0" anchor="ctr"/>
-              <a:lstStyle/>
-              <a:p>
-                <a:pPr marL="0" marR="0" lvl="0" indent="0" algn="ctr" defTabSz="914400" eaLnBrk="1" fontAlgn="auto" latinLnBrk="0" hangingPunct="1">
-                  <a:lnSpc>
-                    <a:spcPct val="100000"/>
-                  </a:lnSpc>
-                  <a:spcBef>
-                    <a:spcPts val="0"/>
-                  </a:spcBef>
-                  <a:spcAft>
-                    <a:spcPts val="0"/>
-                  </a:spcAft>
-                  <a:buClrTx/>
-                  <a:buSzTx/>
-                  <a:buFontTx/>
-                  <a:buNone/>
-                  <a:tabLst/>
-                  <a:defRPr/>
-                </a:pPr>
-                <a:endParaRPr kumimoji="0" lang="it-IT" sz="1800" b="0" i="0" u="none" strike="noStrike" kern="0" cap="none" spc="0" normalizeH="0" baseline="0" noProof="0">
-                  <a:ln>
-                    <a:noFill/>
-                  </a:ln>
-                  <a:solidFill>
-                    <a:prstClr val="white"/>
-                  </a:solidFill>
-                  <a:effectLst/>
-                  <a:uLnTx/>
-                  <a:uFillTx/>
-                  <a:latin typeface="Calibri" panose="020F0502020204030204"/>
-                  <a:ea typeface="+mn-ea"/>
-                  <a:cs typeface="+mn-cs"/>
-                </a:endParaRPr>
-              </a:p>
-            </p:txBody>
-          </p:sp>
-          <p:sp>
-            <p:nvSpPr>
-              <p:cNvPr id="11" name="Rectangle 10">
-                <a:extLst>
-                  <a:ext uri="{FF2B5EF4-FFF2-40B4-BE49-F238E27FC236}">
-                    <a16:creationId xmlns:a16="http://schemas.microsoft.com/office/drawing/2014/main" id="{F09EDC29-7B76-204C-8925-A9BEAF50FEE6}"/>
-                  </a:ext>
-                </a:extLst>
-              </p:cNvPr>
-              <p:cNvSpPr>
-                <a:spLocks noChangeAspect="1"/>
-              </p:cNvSpPr>
-              <p:nvPr/>
-            </p:nvSpPr>
-            <p:spPr>
-              <a:xfrm>
-                <a:off x="8092857" y="2035375"/>
-                <a:ext cx="126235" cy="126235"/>
-              </a:xfrm>
-              <a:prstGeom prst="rect">
-                <a:avLst/>
-              </a:prstGeom>
-              <a:solidFill>
-                <a:srgbClr val="4472C4">
-                  <a:lumMod val="60000"/>
-                  <a:lumOff val="40000"/>
-                </a:srgbClr>
-              </a:solidFill>
-              <a:ln w="12700" cap="flat" cmpd="sng" algn="ctr">
-                <a:solidFill>
-                  <a:srgbClr val="4472C4">
-                    <a:shade val="50000"/>
-                  </a:srgbClr>
-                </a:solidFill>
-                <a:prstDash val="solid"/>
-                <a:miter lim="800000"/>
-              </a:ln>
-              <a:effectLst/>
-            </p:spPr>
-            <p:txBody>
-              <a:bodyPr rtlCol="0" anchor="ctr"/>
-              <a:lstStyle/>
-              <a:p>
-                <a:pPr marL="0" marR="0" lvl="0" indent="0" algn="r" defTabSz="914400" eaLnBrk="1" fontAlgn="auto" latinLnBrk="0" hangingPunct="1">
-                  <a:lnSpc>
-                    <a:spcPct val="100000"/>
-                  </a:lnSpc>
-                  <a:spcBef>
-                    <a:spcPts val="0"/>
-                  </a:spcBef>
-                  <a:spcAft>
-                    <a:spcPts val="0"/>
-                  </a:spcAft>
-                  <a:buClrTx/>
-                  <a:buSzTx/>
-                  <a:buFontTx/>
-                  <a:buNone/>
-                  <a:tabLst/>
-                  <a:defRPr/>
-                </a:pPr>
-                <a:endParaRPr kumimoji="0" lang="it-IT" sz="1800" b="0" i="0" u="none" strike="noStrike" kern="0" cap="none" spc="0" normalizeH="0" baseline="0" noProof="0" dirty="0">
-                  <a:ln>
-                    <a:noFill/>
-                  </a:ln>
-                  <a:solidFill>
-                    <a:prstClr val="white"/>
-                  </a:solidFill>
-                  <a:effectLst/>
-                  <a:uLnTx/>
-                  <a:uFillTx/>
-                  <a:latin typeface="Calibri" panose="020F0502020204030204"/>
-                  <a:ea typeface="+mn-ea"/>
-                  <a:cs typeface="+mn-cs"/>
-                </a:endParaRPr>
-              </a:p>
-            </p:txBody>
-          </p:sp>
-          <p:sp>
-            <p:nvSpPr>
-              <p:cNvPr id="12" name="Rectangle 11">
-                <a:extLst>
-                  <a:ext uri="{FF2B5EF4-FFF2-40B4-BE49-F238E27FC236}">
-                    <a16:creationId xmlns:a16="http://schemas.microsoft.com/office/drawing/2014/main" id="{94FD3FD3-1180-7829-70E0-0386601B78E6}"/>
-                  </a:ext>
-                </a:extLst>
-              </p:cNvPr>
-              <p:cNvSpPr>
-                <a:spLocks noChangeAspect="1"/>
-              </p:cNvSpPr>
-              <p:nvPr/>
-            </p:nvSpPr>
-            <p:spPr>
-              <a:xfrm>
-                <a:off x="8320531" y="2035375"/>
-                <a:ext cx="126235" cy="126235"/>
-              </a:xfrm>
-              <a:prstGeom prst="rect">
-                <a:avLst/>
-              </a:prstGeom>
-              <a:solidFill>
-                <a:srgbClr val="4472C4">
-                  <a:lumMod val="60000"/>
-                  <a:lumOff val="40000"/>
-                </a:srgbClr>
-              </a:solidFill>
-              <a:ln w="12700" cap="flat" cmpd="sng" algn="ctr">
-                <a:solidFill>
-                  <a:srgbClr val="4472C4">
-                    <a:shade val="50000"/>
-                  </a:srgbClr>
-                </a:solidFill>
-                <a:prstDash val="solid"/>
-                <a:miter lim="800000"/>
-              </a:ln>
-              <a:effectLst/>
-            </p:spPr>
-            <p:txBody>
-              <a:bodyPr rtlCol="0" anchor="ctr"/>
-              <a:lstStyle/>
-              <a:p>
-                <a:pPr marL="0" marR="0" lvl="0" indent="0" algn="r" defTabSz="914400" eaLnBrk="1" fontAlgn="auto" latinLnBrk="0" hangingPunct="1">
-                  <a:lnSpc>
-                    <a:spcPct val="100000"/>
-                  </a:lnSpc>
-                  <a:spcBef>
-                    <a:spcPts val="0"/>
-                  </a:spcBef>
-                  <a:spcAft>
-                    <a:spcPts val="0"/>
-                  </a:spcAft>
-                  <a:buClrTx/>
-                  <a:buSzTx/>
-                  <a:buFontTx/>
-                  <a:buNone/>
-                  <a:tabLst/>
-                  <a:defRPr/>
-                </a:pPr>
-                <a:endParaRPr kumimoji="0" lang="it-IT" sz="1800" b="0" i="0" u="none" strike="noStrike" kern="0" cap="none" spc="0" normalizeH="0" baseline="0" noProof="0" dirty="0">
-                  <a:ln>
-                    <a:noFill/>
-                  </a:ln>
-                  <a:solidFill>
-                    <a:prstClr val="white"/>
-                  </a:solidFill>
-                  <a:effectLst/>
-                  <a:uLnTx/>
-                  <a:uFillTx/>
-                  <a:latin typeface="Calibri" panose="020F0502020204030204"/>
-                  <a:ea typeface="+mn-ea"/>
-                  <a:cs typeface="+mn-cs"/>
-                </a:endParaRPr>
-              </a:p>
-            </p:txBody>
-          </p:sp>
-        </p:grpSp>
-      </p:grpSp>
-      <p:sp>
-        <p:nvSpPr>
-          <p:cNvPr id="13" name="AutoShape 34">
-            <a:extLst>
-              <a:ext uri="{FF2B5EF4-FFF2-40B4-BE49-F238E27FC236}">
-                <a16:creationId xmlns:a16="http://schemas.microsoft.com/office/drawing/2014/main" id="{510441A9-1012-79C6-1F1C-6F97DABDC817}"/>
-              </a:ext>
-            </a:extLst>
-          </p:cNvPr>
-          <p:cNvSpPr>
-            <a:spLocks noChangeArrowheads="1"/>
-          </p:cNvSpPr>
-          <p:nvPr/>
-        </p:nvSpPr>
-        <p:spPr bwMode="auto">
-          <a:xfrm>
-            <a:off x="2351584" y="5570363"/>
-            <a:ext cx="2906160" cy="796921"/>
-          </a:xfrm>
-          <a:prstGeom prst="wedgeRoundRectCallout">
-            <a:avLst>
-              <a:gd name="adj1" fmla="val 42189"/>
-              <a:gd name="adj2" fmla="val -142610"/>
-              <a:gd name="adj3" fmla="val 16667"/>
-            </a:avLst>
-          </a:prstGeom>
-          <a:solidFill>
-            <a:schemeClr val="accent2"/>
-          </a:solidFill>
-          <a:ln w="9525">
-            <a:solidFill>
-              <a:schemeClr val="tx1"/>
-            </a:solidFill>
-            <a:miter lim="800000"/>
-            <a:headEnd/>
-            <a:tailEnd/>
-          </a:ln>
-          <a:effectLst/>
-        </p:spPr>
-        <p:txBody>
-          <a:bodyPr anchor="ctr"/>
-          <a:lstStyle>
-            <a:lvl1pPr>
-              <a:spcBef>
-                <a:spcPct val="20000"/>
-              </a:spcBef>
-              <a:buClr>
-                <a:schemeClr val="tx2"/>
-              </a:buClr>
-              <a:buSzPct val="70000"/>
-              <a:buFont typeface="Wingdings" panose="05000000000000000000" pitchFamily="2" charset="2"/>
-              <a:buChar char="n"/>
-              <a:defRPr sz="3200">
-                <a:solidFill>
-                  <a:schemeClr val="tx1"/>
-                </a:solidFill>
-                <a:latin typeface="Tahoma" panose="020B0604030504040204" pitchFamily="34" charset="0"/>
-              </a:defRPr>
-            </a:lvl1pPr>
-            <a:lvl2pPr marL="742950" indent="-285750">
-              <a:spcBef>
-                <a:spcPct val="20000"/>
-              </a:spcBef>
-              <a:buClr>
-                <a:schemeClr val="accent1"/>
-              </a:buClr>
-              <a:buSzPct val="70000"/>
-              <a:buFont typeface="Wingdings" panose="05000000000000000000" pitchFamily="2" charset="2"/>
-              <a:buChar char="n"/>
-              <a:defRPr sz="2800">
-                <a:solidFill>
-                  <a:schemeClr val="tx1"/>
-                </a:solidFill>
-                <a:latin typeface="Tahoma" panose="020B0604030504040204" pitchFamily="34" charset="0"/>
-              </a:defRPr>
-            </a:lvl2pPr>
-            <a:lvl3pPr marL="1143000" indent="-228600">
-              <a:spcBef>
-                <a:spcPct val="20000"/>
-              </a:spcBef>
-              <a:buClr>
-                <a:srgbClr val="66CC00"/>
-              </a:buClr>
-              <a:buSzPct val="70000"/>
-              <a:buFont typeface="Wingdings" panose="05000000000000000000" pitchFamily="2" charset="2"/>
-              <a:buChar char="n"/>
-              <a:defRPr sz="2400">
-                <a:solidFill>
-                  <a:schemeClr val="tx1"/>
-                </a:solidFill>
-                <a:latin typeface="Tahoma" panose="020B0604030504040204" pitchFamily="34" charset="0"/>
-              </a:defRPr>
-            </a:lvl3pPr>
-            <a:lvl4pPr marL="1600200" indent="-228600">
-              <a:spcBef>
-                <a:spcPct val="20000"/>
-              </a:spcBef>
-              <a:buSzPct val="70000"/>
-              <a:buFont typeface="Wingdings" panose="05000000000000000000" pitchFamily="2" charset="2"/>
-              <a:buChar char="l"/>
-              <a:defRPr sz="2000">
-                <a:solidFill>
-                  <a:schemeClr val="tx1"/>
-                </a:solidFill>
-                <a:latin typeface="Tahoma" panose="020B0604030504040204" pitchFamily="34" charset="0"/>
-              </a:defRPr>
-            </a:lvl4pPr>
-            <a:lvl5pPr marL="2057400" indent="-228600">
-              <a:spcBef>
-                <a:spcPct val="20000"/>
-              </a:spcBef>
-              <a:buFont typeface="Arial" panose="020B0604020202020204" pitchFamily="34" charset="0"/>
-              <a:buChar char="–"/>
-              <a:defRPr sz="2000">
-                <a:solidFill>
-                  <a:schemeClr val="tx1"/>
-                </a:solidFill>
-                <a:latin typeface="Tahoma" panose="020B0604030504040204" pitchFamily="34" charset="0"/>
-              </a:defRPr>
-            </a:lvl5pPr>
-            <a:lvl6pPr marL="2514600" indent="-228600" eaLnBrk="0" fontAlgn="base" hangingPunct="0">
-              <a:spcBef>
-                <a:spcPct val="20000"/>
-              </a:spcBef>
-              <a:spcAft>
-                <a:spcPct val="0"/>
-              </a:spcAft>
-              <a:buFont typeface="Arial" panose="020B0604020202020204" pitchFamily="34" charset="0"/>
-              <a:buChar char="–"/>
-              <a:defRPr sz="2000">
-                <a:solidFill>
-                  <a:schemeClr val="tx1"/>
-                </a:solidFill>
-                <a:latin typeface="Tahoma" panose="020B0604030504040204" pitchFamily="34" charset="0"/>
-              </a:defRPr>
-            </a:lvl6pPr>
-            <a:lvl7pPr marL="2971800" indent="-228600" eaLnBrk="0" fontAlgn="base" hangingPunct="0">
-              <a:spcBef>
-                <a:spcPct val="20000"/>
-              </a:spcBef>
-              <a:spcAft>
-                <a:spcPct val="0"/>
-              </a:spcAft>
-              <a:buFont typeface="Arial" panose="020B0604020202020204" pitchFamily="34" charset="0"/>
-              <a:buChar char="–"/>
-              <a:defRPr sz="2000">
-                <a:solidFill>
-                  <a:schemeClr val="tx1"/>
-                </a:solidFill>
-                <a:latin typeface="Tahoma" panose="020B0604030504040204" pitchFamily="34" charset="0"/>
-              </a:defRPr>
-            </a:lvl7pPr>
-            <a:lvl8pPr marL="3429000" indent="-228600" eaLnBrk="0" fontAlgn="base" hangingPunct="0">
-              <a:spcBef>
-                <a:spcPct val="20000"/>
-              </a:spcBef>
-              <a:spcAft>
-                <a:spcPct val="0"/>
-              </a:spcAft>
-              <a:buFont typeface="Arial" panose="020B0604020202020204" pitchFamily="34" charset="0"/>
-              <a:buChar char="–"/>
-              <a:defRPr sz="2000">
-                <a:solidFill>
-                  <a:schemeClr val="tx1"/>
-                </a:solidFill>
-                <a:latin typeface="Tahoma" panose="020B0604030504040204" pitchFamily="34" charset="0"/>
-              </a:defRPr>
-            </a:lvl8pPr>
-            <a:lvl9pPr marL="3886200" indent="-228600" eaLnBrk="0" fontAlgn="base" hangingPunct="0">
-              <a:spcBef>
-                <a:spcPct val="20000"/>
-              </a:spcBef>
-              <a:spcAft>
-                <a:spcPct val="0"/>
-              </a:spcAft>
-              <a:buFont typeface="Arial" panose="020B0604020202020204" pitchFamily="34" charset="0"/>
-              <a:buChar char="–"/>
-              <a:defRPr sz="2000">
-                <a:solidFill>
-                  <a:schemeClr val="tx1"/>
-                </a:solidFill>
-                <a:latin typeface="Tahoma" panose="020B0604030504040204" pitchFamily="34" charset="0"/>
-              </a:defRPr>
-            </a:lvl9pPr>
-          </a:lstStyle>
-          <a:p>
-            <a:pPr algn="ctr">
-              <a:spcBef>
-                <a:spcPct val="0"/>
-              </a:spcBef>
-              <a:buClrTx/>
-              <a:buSzTx/>
-              <a:buFontTx/>
-              <a:buNone/>
-            </a:pPr>
-            <a:r>
-              <a:rPr lang="en-US" altLang="it-IT" sz="2400" dirty="0"/>
-              <a:t>the desired state</a:t>
-            </a:r>
-          </a:p>
-        </p:txBody>
-      </p:sp>
-      <p:sp>
-        <p:nvSpPr>
-          <p:cNvPr id="14" name="AutoShape 34">
-            <a:extLst>
-              <a:ext uri="{FF2B5EF4-FFF2-40B4-BE49-F238E27FC236}">
-                <a16:creationId xmlns:a16="http://schemas.microsoft.com/office/drawing/2014/main" id="{CB1098A1-3F05-0784-FD13-FC917CC59E3D}"/>
-              </a:ext>
-            </a:extLst>
-          </p:cNvPr>
-          <p:cNvSpPr>
-            <a:spLocks noChangeArrowheads="1"/>
-          </p:cNvSpPr>
-          <p:nvPr/>
-        </p:nvSpPr>
-        <p:spPr bwMode="auto">
-          <a:xfrm>
-            <a:off x="7659441" y="5213701"/>
-            <a:ext cx="2906160" cy="1180216"/>
-          </a:xfrm>
-          <a:prstGeom prst="wedgeRoundRectCallout">
-            <a:avLst>
-              <a:gd name="adj1" fmla="val -61935"/>
-              <a:gd name="adj2" fmla="val -80541"/>
-              <a:gd name="adj3" fmla="val 16667"/>
-            </a:avLst>
-          </a:prstGeom>
-          <a:solidFill>
-            <a:schemeClr val="accent2"/>
-          </a:solidFill>
-          <a:ln w="9525">
-            <a:solidFill>
-              <a:schemeClr val="tx1"/>
-            </a:solidFill>
-            <a:miter lim="800000"/>
-            <a:headEnd/>
-            <a:tailEnd/>
-          </a:ln>
-          <a:effectLst/>
-        </p:spPr>
-        <p:txBody>
-          <a:bodyPr anchor="ctr"/>
-          <a:lstStyle>
-            <a:lvl1pPr>
-              <a:spcBef>
-                <a:spcPct val="20000"/>
-              </a:spcBef>
-              <a:buClr>
-                <a:schemeClr val="tx2"/>
-              </a:buClr>
-              <a:buSzPct val="70000"/>
-              <a:buFont typeface="Wingdings" panose="05000000000000000000" pitchFamily="2" charset="2"/>
-              <a:buChar char="n"/>
-              <a:defRPr sz="3200">
-                <a:solidFill>
-                  <a:schemeClr val="tx1"/>
-                </a:solidFill>
-                <a:latin typeface="Tahoma" panose="020B0604030504040204" pitchFamily="34" charset="0"/>
-              </a:defRPr>
-            </a:lvl1pPr>
-            <a:lvl2pPr marL="742950" indent="-285750">
-              <a:spcBef>
-                <a:spcPct val="20000"/>
-              </a:spcBef>
-              <a:buClr>
-                <a:schemeClr val="accent1"/>
-              </a:buClr>
-              <a:buSzPct val="70000"/>
-              <a:buFont typeface="Wingdings" panose="05000000000000000000" pitchFamily="2" charset="2"/>
-              <a:buChar char="n"/>
-              <a:defRPr sz="2800">
-                <a:solidFill>
-                  <a:schemeClr val="tx1"/>
-                </a:solidFill>
-                <a:latin typeface="Tahoma" panose="020B0604030504040204" pitchFamily="34" charset="0"/>
-              </a:defRPr>
-            </a:lvl2pPr>
-            <a:lvl3pPr marL="1143000" indent="-228600">
-              <a:spcBef>
-                <a:spcPct val="20000"/>
-              </a:spcBef>
-              <a:buClr>
-                <a:srgbClr val="66CC00"/>
-              </a:buClr>
-              <a:buSzPct val="70000"/>
-              <a:buFont typeface="Wingdings" panose="05000000000000000000" pitchFamily="2" charset="2"/>
-              <a:buChar char="n"/>
-              <a:defRPr sz="2400">
-                <a:solidFill>
-                  <a:schemeClr val="tx1"/>
-                </a:solidFill>
-                <a:latin typeface="Tahoma" panose="020B0604030504040204" pitchFamily="34" charset="0"/>
-              </a:defRPr>
-            </a:lvl3pPr>
-            <a:lvl4pPr marL="1600200" indent="-228600">
-              <a:spcBef>
-                <a:spcPct val="20000"/>
-              </a:spcBef>
-              <a:buSzPct val="70000"/>
-              <a:buFont typeface="Wingdings" panose="05000000000000000000" pitchFamily="2" charset="2"/>
-              <a:buChar char="l"/>
-              <a:defRPr sz="2000">
-                <a:solidFill>
-                  <a:schemeClr val="tx1"/>
-                </a:solidFill>
-                <a:latin typeface="Tahoma" panose="020B0604030504040204" pitchFamily="34" charset="0"/>
-              </a:defRPr>
-            </a:lvl4pPr>
-            <a:lvl5pPr marL="2057400" indent="-228600">
-              <a:spcBef>
-                <a:spcPct val="20000"/>
-              </a:spcBef>
-              <a:buFont typeface="Arial" panose="020B0604020202020204" pitchFamily="34" charset="0"/>
-              <a:buChar char="–"/>
-              <a:defRPr sz="2000">
-                <a:solidFill>
-                  <a:schemeClr val="tx1"/>
-                </a:solidFill>
-                <a:latin typeface="Tahoma" panose="020B0604030504040204" pitchFamily="34" charset="0"/>
-              </a:defRPr>
-            </a:lvl5pPr>
-            <a:lvl6pPr marL="2514600" indent="-228600" eaLnBrk="0" fontAlgn="base" hangingPunct="0">
-              <a:spcBef>
-                <a:spcPct val="20000"/>
-              </a:spcBef>
-              <a:spcAft>
-                <a:spcPct val="0"/>
-              </a:spcAft>
-              <a:buFont typeface="Arial" panose="020B0604020202020204" pitchFamily="34" charset="0"/>
-              <a:buChar char="–"/>
-              <a:defRPr sz="2000">
-                <a:solidFill>
-                  <a:schemeClr val="tx1"/>
-                </a:solidFill>
-                <a:latin typeface="Tahoma" panose="020B0604030504040204" pitchFamily="34" charset="0"/>
-              </a:defRPr>
-            </a:lvl6pPr>
-            <a:lvl7pPr marL="2971800" indent="-228600" eaLnBrk="0" fontAlgn="base" hangingPunct="0">
-              <a:spcBef>
-                <a:spcPct val="20000"/>
-              </a:spcBef>
-              <a:spcAft>
-                <a:spcPct val="0"/>
-              </a:spcAft>
-              <a:buFont typeface="Arial" panose="020B0604020202020204" pitchFamily="34" charset="0"/>
-              <a:buChar char="–"/>
-              <a:defRPr sz="2000">
-                <a:solidFill>
-                  <a:schemeClr val="tx1"/>
-                </a:solidFill>
-                <a:latin typeface="Tahoma" panose="020B0604030504040204" pitchFamily="34" charset="0"/>
-              </a:defRPr>
-            </a:lvl7pPr>
-            <a:lvl8pPr marL="3429000" indent="-228600" eaLnBrk="0" fontAlgn="base" hangingPunct="0">
-              <a:spcBef>
-                <a:spcPct val="20000"/>
-              </a:spcBef>
-              <a:spcAft>
-                <a:spcPct val="0"/>
-              </a:spcAft>
-              <a:buFont typeface="Arial" panose="020B0604020202020204" pitchFamily="34" charset="0"/>
-              <a:buChar char="–"/>
-              <a:defRPr sz="2000">
-                <a:solidFill>
-                  <a:schemeClr val="tx1"/>
-                </a:solidFill>
-                <a:latin typeface="Tahoma" panose="020B0604030504040204" pitchFamily="34" charset="0"/>
-              </a:defRPr>
-            </a:lvl8pPr>
-            <a:lvl9pPr marL="3886200" indent="-228600" eaLnBrk="0" fontAlgn="base" hangingPunct="0">
-              <a:spcBef>
-                <a:spcPct val="20000"/>
-              </a:spcBef>
-              <a:spcAft>
-                <a:spcPct val="0"/>
-              </a:spcAft>
-              <a:buFont typeface="Arial" panose="020B0604020202020204" pitchFamily="34" charset="0"/>
-              <a:buChar char="–"/>
-              <a:defRPr sz="2000">
-                <a:solidFill>
-                  <a:schemeClr val="tx1"/>
-                </a:solidFill>
-                <a:latin typeface="Tahoma" panose="020B0604030504040204" pitchFamily="34" charset="0"/>
-              </a:defRPr>
-            </a:lvl9pPr>
-          </a:lstStyle>
-          <a:p>
-            <a:pPr algn="ctr">
-              <a:spcBef>
-                <a:spcPct val="0"/>
-              </a:spcBef>
-              <a:buClrTx/>
-              <a:buSzTx/>
-              <a:buFontTx/>
-              <a:buNone/>
-            </a:pPr>
-            <a:r>
-              <a:rPr lang="en-US" altLang="it-IT" sz="2400" dirty="0"/>
-              <a:t>the name of the bridge to be brought on</a:t>
-            </a:r>
-          </a:p>
-        </p:txBody>
-      </p:sp>
-    </p:spTree>
-    <p:extLst>
-      <p:ext uri="{BB962C8B-B14F-4D97-AF65-F5344CB8AC3E}">
-        <p14:creationId xmlns:p14="http://schemas.microsoft.com/office/powerpoint/2010/main" val="3037940725"/>
-      </p:ext>
-    </p:extLst>
-  </p:cSld>
-  <p:clrMapOvr>
-    <a:masterClrMapping/>
-  </p:clrMapOvr>
-  <p:timing>
-    <p:tnLst>
-      <p:par>
-        <p:cTn id="1" dur="indefinite" restart="never" nodeType="tmRoot">
-          <p:childTnLst>
-            <p:seq concurrent="1" nextAc="seek">
-              <p:cTn id="2" dur="indefinite" nodeType="mainSeq">
-                <p:childTnLst>
-                  <p:par>
-                    <p:cTn id="3" fill="hold">
-                      <p:stCondLst>
-                        <p:cond delay="indefinite"/>
-                      </p:stCondLst>
-                      <p:childTnLst>
-                        <p:par>
-                          <p:cTn id="4" fill="hold">
-                            <p:stCondLst>
-                              <p:cond delay="0"/>
-                            </p:stCondLst>
-                            <p:childTnLst>
-                              <p:par>
-                                <p:cTn id="5" presetID="1" presetClass="entr" presetSubtype="0" fill="hold" grpId="0" nodeType="clickEffect">
-                                  <p:stCondLst>
-                                    <p:cond delay="0"/>
-                                  </p:stCondLst>
-                                  <p:childTnLst>
-                                    <p:set>
-                                      <p:cBhvr>
-                                        <p:cTn id="6" dur="1" fill="hold">
-                                          <p:stCondLst>
-                                            <p:cond delay="0"/>
-                                          </p:stCondLst>
-                                        </p:cTn>
-                                        <p:tgtEl>
-                                          <p:spTgt spid="13"/>
-                                        </p:tgtEl>
-                                        <p:attrNameLst>
-                                          <p:attrName>style.visibility</p:attrName>
-                                        </p:attrNameLst>
-                                      </p:cBhvr>
-                                      <p:to>
-                                        <p:strVal val="visible"/>
-                                      </p:to>
-                                    </p:set>
-                                  </p:childTnLst>
-                                </p:cTn>
-                              </p:par>
-                            </p:childTnLst>
-                          </p:cTn>
-                        </p:par>
-                      </p:childTnLst>
-                    </p:cTn>
-                  </p:par>
-                  <p:par>
-                    <p:cTn id="7" fill="hold">
-                      <p:stCondLst>
-                        <p:cond delay="indefinite"/>
-                      </p:stCondLst>
-                      <p:childTnLst>
-                        <p:par>
-                          <p:cTn id="8" fill="hold">
-                            <p:stCondLst>
-                              <p:cond delay="0"/>
-                            </p:stCondLst>
-                            <p:childTnLst>
-                              <p:par>
-                                <p:cTn id="9" presetID="1" presetClass="entr" presetSubtype="0" fill="hold" grpId="0" nodeType="clickEffect">
-                                  <p:stCondLst>
-                                    <p:cond delay="0"/>
-                                  </p:stCondLst>
-                                  <p:childTnLst>
-                                    <p:set>
-                                      <p:cBhvr>
-                                        <p:cTn id="10" dur="1" fill="hold">
-                                          <p:stCondLst>
-                                            <p:cond delay="0"/>
-                                          </p:stCondLst>
-                                        </p:cTn>
-                                        <p:tgtEl>
-                                          <p:spTgt spid="14"/>
-                                        </p:tgtEl>
-                                        <p:attrNameLst>
-                                          <p:attrName>style.visibility</p:attrName>
-                                        </p:attrNameLst>
-                                      </p:cBhvr>
-                                      <p:to>
-                                        <p:strVal val="visible"/>
-                                      </p:to>
-                                    </p:set>
-                                  </p:childTnLst>
-                                </p:cTn>
-                              </p:par>
-                            </p:childTnLst>
-                          </p:cTn>
-                        </p:par>
-                      </p:childTnLst>
-                    </p:cTn>
-                  </p:par>
-                </p:childTnLst>
-              </p:cTn>
-              <p:prevCondLst>
-                <p:cond evt="onPrev" delay="0">
-                  <p:tgtEl>
-                    <p:sldTgt/>
-                  </p:tgtEl>
-                </p:cond>
-              </p:prevCondLst>
-              <p:nextCondLst>
-                <p:cond evt="onNext" delay="0">
-                  <p:tgtEl>
-                    <p:sldTgt/>
-                  </p:tgtEl>
-                </p:cond>
-              </p:nextCondLst>
-            </p:seq>
-          </p:childTnLst>
-        </p:cTn>
-      </p:par>
-    </p:tnLst>
-    <p:bldLst>
-      <p:bldP spid="13" grpId="0" animBg="1"/>
-      <p:bldP spid="14" grpId="0" animBg="1"/>
-    </p:bldLst>
-  </p:timing>
-</p:sld>
-</file>
-
-<file path=ppt/slides/slide11.xml><?xml version="1.0" encoding="utf-8"?>
-<p:sld xmlns:a="http://schemas.openxmlformats.org/drawingml/2006/main" xmlns:r="http://schemas.openxmlformats.org/officeDocument/2006/relationships" xmlns:p="http://schemas.openxmlformats.org/presentationml/2006/main">
-  <p:cSld>
-    <p:spTree>
-      <p:nvGrpSpPr>
-        <p:cNvPr id="1" name=""/>
-        <p:cNvGrpSpPr/>
-        <p:nvPr/>
-      </p:nvGrpSpPr>
-      <p:grpSpPr>
-        <a:xfrm>
-          <a:off x="0" y="0"/>
-          <a:ext cx="0" cy="0"/>
-          <a:chOff x="0" y="0"/>
-          <a:chExt cx="0" cy="0"/>
-        </a:xfrm>
-      </p:grpSpPr>
-      <p:sp>
-        <p:nvSpPr>
-          <p:cNvPr id="2" name="Title 1">
-            <a:extLst>
-              <a:ext uri="{FF2B5EF4-FFF2-40B4-BE49-F238E27FC236}">
                 <a16:creationId xmlns:a16="http://schemas.microsoft.com/office/drawing/2014/main" id="{79B7931C-7B38-FB7B-A947-97ECD8B16E04}"/>
               </a:ext>
             </a:extLst>
@@ -13405,7 +12212,7 @@
 </p:sld>
 </file>
 
-<file path=ppt/slides/slide12.xml><?xml version="1.0" encoding="utf-8"?>
+<file path=ppt/slides/slide11.xml><?xml version="1.0" encoding="utf-8"?>
 <p:sld xmlns:a="http://schemas.openxmlformats.org/drawingml/2006/main" xmlns:r="http://schemas.openxmlformats.org/officeDocument/2006/relationships" xmlns:p="http://schemas.openxmlformats.org/presentationml/2006/main">
   <p:cSld>
     <p:spTree>
@@ -13529,9 +12336,9 @@
         <p:grpSpPr bwMode="auto">
           <a:xfrm>
             <a:off x="3190027" y="1484784"/>
-            <a:ext cx="5811945" cy="4752978"/>
+            <a:ext cx="5811945" cy="3671890"/>
             <a:chOff x="126" y="2432"/>
-            <a:chExt cx="6955" cy="2994"/>
+            <a:chExt cx="6955" cy="2313"/>
           </a:xfrm>
         </p:grpSpPr>
         <p:sp>
@@ -13551,7 +12358,7 @@
           <p:spPr bwMode="auto">
             <a:xfrm>
               <a:off x="126" y="2614"/>
-              <a:ext cx="6955" cy="2812"/>
+              <a:ext cx="6955" cy="2131"/>
             </a:xfrm>
             <a:prstGeom prst="foldedCorner">
               <a:avLst>
@@ -13717,82 +12524,6 @@
                 </a:defRPr>
               </a:lvl9pPr>
             </a:lstStyle>
-            <a:p>
-              <a:pPr>
-                <a:buNone/>
-              </a:pPr>
-              <a:r>
-                <a:rPr lang="en-US" altLang="it-IT" sz="1600" b="1" dirty="0" err="1">
-                  <a:latin typeface="Courier New" panose="02070309020205020404" pitchFamily="49" charset="0"/>
-                </a:rPr>
-                <a:t>ip</a:t>
-              </a:r>
-              <a:r>
-                <a:rPr lang="en-US" altLang="it-IT" sz="1600" b="1" dirty="0">
-                  <a:latin typeface="Courier New" panose="02070309020205020404" pitchFamily="49" charset="0"/>
-                </a:rPr>
-                <a:t> link set dev eth0 address 00:00:00:00:00:b1</a:t>
-              </a:r>
-            </a:p>
-            <a:p>
-              <a:pPr>
-                <a:buNone/>
-              </a:pPr>
-              <a:r>
-                <a:rPr lang="en-US" altLang="it-IT" sz="1600" b="1" dirty="0" err="1">
-                  <a:latin typeface="Courier New" panose="02070309020205020404" pitchFamily="49" charset="0"/>
-                </a:rPr>
-                <a:t>ip</a:t>
-              </a:r>
-              <a:r>
-                <a:rPr lang="en-US" altLang="it-IT" sz="1600" b="1" dirty="0">
-                  <a:latin typeface="Courier New" panose="02070309020205020404" pitchFamily="49" charset="0"/>
-                </a:rPr>
-                <a:t> link set dev eth1 address 00:00:00:00:00:b2</a:t>
-              </a:r>
-            </a:p>
-            <a:p>
-              <a:pPr>
-                <a:buNone/>
-              </a:pPr>
-              <a:r>
-                <a:rPr lang="en-US" altLang="it-IT" sz="1600" b="1" dirty="0" err="1">
-                  <a:latin typeface="Courier New" panose="02070309020205020404" pitchFamily="49" charset="0"/>
-                </a:rPr>
-                <a:t>ip</a:t>
-              </a:r>
-              <a:r>
-                <a:rPr lang="en-US" altLang="it-IT" sz="1600" b="1" dirty="0">
-                  <a:latin typeface="Courier New" panose="02070309020205020404" pitchFamily="49" charset="0"/>
-                </a:rPr>
-                <a:t> link set dev eth2 address 00:00:00:00:00:b3</a:t>
-              </a:r>
-            </a:p>
-            <a:p>
-              <a:pPr>
-                <a:buNone/>
-              </a:pPr>
-              <a:r>
-                <a:rPr lang="en-US" altLang="it-IT" sz="1600" b="1" dirty="0" err="1">
-                  <a:latin typeface="Courier New" panose="02070309020205020404" pitchFamily="49" charset="0"/>
-                </a:rPr>
-                <a:t>ip</a:t>
-              </a:r>
-              <a:r>
-                <a:rPr lang="en-US" altLang="it-IT" sz="1600" b="1" dirty="0">
-                  <a:latin typeface="Courier New" panose="02070309020205020404" pitchFamily="49" charset="0"/>
-                </a:rPr>
-                <a:t> link set dev eth3 address 00:00:00:00:00:b4</a:t>
-              </a:r>
-            </a:p>
-            <a:p>
-              <a:pPr>
-                <a:buNone/>
-              </a:pPr>
-              <a:endParaRPr lang="en-US" altLang="it-IT" sz="1600" b="1" dirty="0">
-                <a:latin typeface="Courier New" panose="02070309020205020404" pitchFamily="49" charset="0"/>
-              </a:endParaRPr>
-            </a:p>
             <a:p>
               <a:pPr>
                 <a:buNone/>
@@ -14246,7 +12977,7 @@
 </p:sld>
 </file>
 
-<file path=ppt/slides/slide13.xml><?xml version="1.0" encoding="utf-8"?>
+<file path=ppt/slides/slide12.xml><?xml version="1.0" encoding="utf-8"?>
 <p:sld xmlns:a="http://schemas.openxmlformats.org/drawingml/2006/main" xmlns:r="http://schemas.openxmlformats.org/officeDocument/2006/relationships" xmlns:p="http://schemas.openxmlformats.org/presentationml/2006/main">
   <p:cSld>
     <p:spTree>
@@ -14391,7 +13122,7 @@
 </p:sld>
 </file>
 
-<file path=ppt/slides/slide14.xml><?xml version="1.0" encoding="utf-8"?>
+<file path=ppt/slides/slide13.xml><?xml version="1.0" encoding="utf-8"?>
 <p:sld xmlns:a="http://schemas.openxmlformats.org/drawingml/2006/main" xmlns:r="http://schemas.openxmlformats.org/officeDocument/2006/relationships" xmlns:p="http://schemas.openxmlformats.org/presentationml/2006/main">
   <p:cSld>
     <p:spTree>
@@ -15331,7 +14062,7 @@
 </p:sld>
 </file>
 
-<file path=ppt/slides/slide15.xml><?xml version="1.0" encoding="utf-8"?>
+<file path=ppt/slides/slide14.xml><?xml version="1.0" encoding="utf-8"?>
 <p:sld xmlns:a="http://schemas.openxmlformats.org/drawingml/2006/main" xmlns:r="http://schemas.openxmlformats.org/officeDocument/2006/relationships" xmlns:p="http://schemas.openxmlformats.org/presentationml/2006/main">
   <p:cSld>
     <p:spTree>
@@ -15492,7 +14223,7 @@
 </p:sld>
 </file>
 
-<file path=ppt/slides/slide16.xml><?xml version="1.0" encoding="utf-8"?>
+<file path=ppt/slides/slide15.xml><?xml version="1.0" encoding="utf-8"?>
 <p:sld xmlns:a="http://schemas.openxmlformats.org/drawingml/2006/main" xmlns:r="http://schemas.openxmlformats.org/officeDocument/2006/relationships" xmlns:p="http://schemas.openxmlformats.org/presentationml/2006/main">
   <p:cSld>
     <p:spTree>
@@ -15713,7 +14444,7 @@
 </p:sld>
 </file>
 
-<file path=ppt/slides/slide17.xml><?xml version="1.0" encoding="utf-8"?>
+<file path=ppt/slides/slide16.xml><?xml version="1.0" encoding="utf-8"?>
 <p:sld xmlns:a="http://schemas.openxmlformats.org/drawingml/2006/main" xmlns:r="http://schemas.openxmlformats.org/officeDocument/2006/relationships" xmlns:p="http://schemas.openxmlformats.org/presentationml/2006/main">
   <p:cSld>
     <p:spTree>
@@ -16466,7 +15197,7 @@
 </p:sld>
 </file>
 
-<file path=ppt/slides/slide18.xml><?xml version="1.0" encoding="utf-8"?>
+<file path=ppt/slides/slide17.xml><?xml version="1.0" encoding="utf-8"?>
 <p:sld xmlns:a="http://schemas.openxmlformats.org/drawingml/2006/main" xmlns:r="http://schemas.openxmlformats.org/officeDocument/2006/relationships" xmlns:p="http://schemas.openxmlformats.org/presentationml/2006/main">
   <p:cSld>
     <p:spTree>
@@ -17962,7 +16693,7 @@
 </p:sld>
 </file>
 
-<file path=ppt/slides/slide19.xml><?xml version="1.0" encoding="utf-8"?>
+<file path=ppt/slides/slide18.xml><?xml version="1.0" encoding="utf-8"?>
 <p:sld xmlns:a="http://schemas.openxmlformats.org/drawingml/2006/main" xmlns:r="http://schemas.openxmlformats.org/officeDocument/2006/relationships" xmlns:p="http://schemas.openxmlformats.org/presentationml/2006/main">
   <p:cSld>
     <p:spTree>
@@ -18108,6 +16839,178 @@
     <p:extLst>
       <p:ext uri="{BB962C8B-B14F-4D97-AF65-F5344CB8AC3E}">
         <p14:creationId xmlns:p14="http://schemas.microsoft.com/office/powerpoint/2010/main" val="3029760074"/>
+      </p:ext>
+    </p:extLst>
+  </p:cSld>
+  <p:clrMapOvr>
+    <a:masterClrMapping/>
+  </p:clrMapOvr>
+</p:sld>
+</file>
+
+<file path=ppt/slides/slide19.xml><?xml version="1.0" encoding="utf-8"?>
+<p:sld xmlns:a="http://schemas.openxmlformats.org/drawingml/2006/main" xmlns:r="http://schemas.openxmlformats.org/officeDocument/2006/relationships" xmlns:p="http://schemas.openxmlformats.org/presentationml/2006/main">
+  <p:cSld>
+    <p:spTree>
+      <p:nvGrpSpPr>
+        <p:cNvPr id="1" name=""/>
+        <p:cNvGrpSpPr/>
+        <p:nvPr/>
+      </p:nvGrpSpPr>
+      <p:grpSpPr>
+        <a:xfrm>
+          <a:off x="0" y="0"/>
+          <a:ext cx="0" cy="0"/>
+          <a:chOff x="0" y="0"/>
+          <a:chExt cx="0" cy="0"/>
+        </a:xfrm>
+      </p:grpSpPr>
+      <p:sp>
+        <p:nvSpPr>
+          <p:cNvPr id="2" name="Title 1">
+            <a:extLst>
+              <a:ext uri="{FF2B5EF4-FFF2-40B4-BE49-F238E27FC236}">
+                <a16:creationId xmlns:a16="http://schemas.microsoft.com/office/drawing/2014/main" id="{B1E63665-A27E-CAEB-B4CB-180EA0E823D8}"/>
+              </a:ext>
+            </a:extLst>
+          </p:cNvPr>
+          <p:cNvSpPr>
+            <a:spLocks noGrp="1"/>
+          </p:cNvSpPr>
+          <p:nvPr>
+            <p:ph type="title"/>
+          </p:nvPr>
+        </p:nvSpPr>
+        <p:spPr/>
+        <p:txBody>
+          <a:bodyPr/>
+          <a:lstStyle/>
+          <a:p>
+            <a:r>
+              <a:rPr lang="en-GB" dirty="0"/>
+              <a:t>exercises</a:t>
+            </a:r>
+          </a:p>
+        </p:txBody>
+      </p:sp>
+      <p:sp>
+        <p:nvSpPr>
+          <p:cNvPr id="3" name="Content Placeholder 2">
+            <a:extLst>
+              <a:ext uri="{FF2B5EF4-FFF2-40B4-BE49-F238E27FC236}">
+                <a16:creationId xmlns:a16="http://schemas.microsoft.com/office/drawing/2014/main" id="{9827920B-EE7C-AB6E-D5ED-5B913E35C36C}"/>
+              </a:ext>
+            </a:extLst>
+          </p:cNvPr>
+          <p:cNvSpPr>
+            <a:spLocks noGrp="1"/>
+          </p:cNvSpPr>
+          <p:nvPr>
+            <p:ph idx="1"/>
+          </p:nvPr>
+        </p:nvSpPr>
+        <p:spPr/>
+        <p:txBody>
+          <a:bodyPr/>
+          <a:lstStyle/>
+          <a:p>
+            <a:r>
+              <a:rPr lang="en-GB" dirty="0"/>
+              <a:t>why, after the above experiment, in the FDB there is no entry for pc2?</a:t>
+            </a:r>
+          </a:p>
+          <a:p>
+            <a:r>
+              <a:rPr lang="en-GB" dirty="0"/>
+              <a:t>try to sniff from pc3 while sending the packet from pc1 to pc2, what happens?</a:t>
+            </a:r>
+          </a:p>
+          <a:p>
+            <a:r>
+              <a:rPr lang="en-GB" dirty="0"/>
+              <a:t>send a "reply" packet from pc2, how the FDB changes?</a:t>
+            </a:r>
+          </a:p>
+          <a:p>
+            <a:r>
+              <a:rPr lang="en-GB" dirty="0"/>
+              <a:t>try again to sniff from pc3 while sending the packet from pc1 to pc2, is the result the same?</a:t>
+            </a:r>
+          </a:p>
+          <a:p>
+            <a:r>
+              <a:rPr lang="en-GB" dirty="0"/>
+              <a:t>try to send packets with the wrong source address</a:t>
+            </a:r>
+          </a:p>
+        </p:txBody>
+      </p:sp>
+      <p:sp>
+        <p:nvSpPr>
+          <p:cNvPr id="4" name="Date Placeholder 3">
+            <a:extLst>
+              <a:ext uri="{FF2B5EF4-FFF2-40B4-BE49-F238E27FC236}">
+                <a16:creationId xmlns:a16="http://schemas.microsoft.com/office/drawing/2014/main" id="{CB4640CE-A87D-0E25-B5C0-10A8BC0C972C}"/>
+              </a:ext>
+            </a:extLst>
+          </p:cNvPr>
+          <p:cNvSpPr>
+            <a:spLocks noGrp="1"/>
+          </p:cNvSpPr>
+          <p:nvPr>
+            <p:ph type="dt" sz="half" idx="10"/>
+          </p:nvPr>
+        </p:nvSpPr>
+        <p:spPr/>
+        <p:txBody>
+          <a:bodyPr/>
+          <a:lstStyle/>
+          <a:p>
+            <a:pPr>
+              <a:defRPr/>
+            </a:pPr>
+            <a:r>
+              <a:rPr lang="it-IT" altLang="it-IT"/>
+              <a:t>last update: Oct 2023</a:t>
+            </a:r>
+          </a:p>
+        </p:txBody>
+      </p:sp>
+      <p:sp>
+        <p:nvSpPr>
+          <p:cNvPr id="5" name="Footer Placeholder 4">
+            <a:extLst>
+              <a:ext uri="{FF2B5EF4-FFF2-40B4-BE49-F238E27FC236}">
+                <a16:creationId xmlns:a16="http://schemas.microsoft.com/office/drawing/2014/main" id="{CF9C69A4-3B91-176B-4CEA-C2F9CB8C22E2}"/>
+              </a:ext>
+            </a:extLst>
+          </p:cNvPr>
+          <p:cNvSpPr>
+            <a:spLocks noGrp="1"/>
+          </p:cNvSpPr>
+          <p:nvPr>
+            <p:ph type="ftr" sz="quarter" idx="11"/>
+          </p:nvPr>
+        </p:nvSpPr>
+        <p:spPr/>
+        <p:txBody>
+          <a:bodyPr/>
+          <a:lstStyle/>
+          <a:p>
+            <a:pPr>
+              <a:defRPr/>
+            </a:pPr>
+            <a:r>
+              <a:rPr lang="it-IT" altLang="it-IT"/>
+              <a:t>kathara – [ lab: one bridge ]</a:t>
+            </a:r>
+          </a:p>
+        </p:txBody>
+      </p:sp>
+    </p:spTree>
+    <p:extLst>
+      <p:ext uri="{BB962C8B-B14F-4D97-AF65-F5344CB8AC3E}">
+        <p14:creationId xmlns:p14="http://schemas.microsoft.com/office/powerpoint/2010/main" val="2434955685"/>
       </p:ext>
     </p:extLst>
   </p:cSld>
@@ -18325,178 +17228,6 @@
         </p:txBody>
       </p:sp>
     </p:spTree>
-  </p:cSld>
-  <p:clrMapOvr>
-    <a:masterClrMapping/>
-  </p:clrMapOvr>
-</p:sld>
-</file>
-
-<file path=ppt/slides/slide20.xml><?xml version="1.0" encoding="utf-8"?>
-<p:sld xmlns:a="http://schemas.openxmlformats.org/drawingml/2006/main" xmlns:r="http://schemas.openxmlformats.org/officeDocument/2006/relationships" xmlns:p="http://schemas.openxmlformats.org/presentationml/2006/main">
-  <p:cSld>
-    <p:spTree>
-      <p:nvGrpSpPr>
-        <p:cNvPr id="1" name=""/>
-        <p:cNvGrpSpPr/>
-        <p:nvPr/>
-      </p:nvGrpSpPr>
-      <p:grpSpPr>
-        <a:xfrm>
-          <a:off x="0" y="0"/>
-          <a:ext cx="0" cy="0"/>
-          <a:chOff x="0" y="0"/>
-          <a:chExt cx="0" cy="0"/>
-        </a:xfrm>
-      </p:grpSpPr>
-      <p:sp>
-        <p:nvSpPr>
-          <p:cNvPr id="2" name="Title 1">
-            <a:extLst>
-              <a:ext uri="{FF2B5EF4-FFF2-40B4-BE49-F238E27FC236}">
-                <a16:creationId xmlns:a16="http://schemas.microsoft.com/office/drawing/2014/main" id="{B1E63665-A27E-CAEB-B4CB-180EA0E823D8}"/>
-              </a:ext>
-            </a:extLst>
-          </p:cNvPr>
-          <p:cNvSpPr>
-            <a:spLocks noGrp="1"/>
-          </p:cNvSpPr>
-          <p:nvPr>
-            <p:ph type="title"/>
-          </p:nvPr>
-        </p:nvSpPr>
-        <p:spPr/>
-        <p:txBody>
-          <a:bodyPr/>
-          <a:lstStyle/>
-          <a:p>
-            <a:r>
-              <a:rPr lang="en-GB" dirty="0"/>
-              <a:t>exercises</a:t>
-            </a:r>
-          </a:p>
-        </p:txBody>
-      </p:sp>
-      <p:sp>
-        <p:nvSpPr>
-          <p:cNvPr id="3" name="Content Placeholder 2">
-            <a:extLst>
-              <a:ext uri="{FF2B5EF4-FFF2-40B4-BE49-F238E27FC236}">
-                <a16:creationId xmlns:a16="http://schemas.microsoft.com/office/drawing/2014/main" id="{9827920B-EE7C-AB6E-D5ED-5B913E35C36C}"/>
-              </a:ext>
-            </a:extLst>
-          </p:cNvPr>
-          <p:cNvSpPr>
-            <a:spLocks noGrp="1"/>
-          </p:cNvSpPr>
-          <p:nvPr>
-            <p:ph idx="1"/>
-          </p:nvPr>
-        </p:nvSpPr>
-        <p:spPr/>
-        <p:txBody>
-          <a:bodyPr/>
-          <a:lstStyle/>
-          <a:p>
-            <a:r>
-              <a:rPr lang="en-GB" dirty="0"/>
-              <a:t>why, after the above experiment, in the FDB there is no entry for pc2?</a:t>
-            </a:r>
-          </a:p>
-          <a:p>
-            <a:r>
-              <a:rPr lang="en-GB" dirty="0"/>
-              <a:t>try to sniff from pc3 while sending the packet from pc1 to pc2, what happens?</a:t>
-            </a:r>
-          </a:p>
-          <a:p>
-            <a:r>
-              <a:rPr lang="en-GB" dirty="0"/>
-              <a:t>send a "reply" packet from pc2, how the FDB changes?</a:t>
-            </a:r>
-          </a:p>
-          <a:p>
-            <a:r>
-              <a:rPr lang="en-GB" dirty="0"/>
-              <a:t>try again to sniff from pc3 while sending the packet from pc1 to pc2, is the result the same?</a:t>
-            </a:r>
-          </a:p>
-          <a:p>
-            <a:r>
-              <a:rPr lang="en-GB" dirty="0"/>
-              <a:t>try to send packets with the wrong source address</a:t>
-            </a:r>
-          </a:p>
-        </p:txBody>
-      </p:sp>
-      <p:sp>
-        <p:nvSpPr>
-          <p:cNvPr id="4" name="Date Placeholder 3">
-            <a:extLst>
-              <a:ext uri="{FF2B5EF4-FFF2-40B4-BE49-F238E27FC236}">
-                <a16:creationId xmlns:a16="http://schemas.microsoft.com/office/drawing/2014/main" id="{CB4640CE-A87D-0E25-B5C0-10A8BC0C972C}"/>
-              </a:ext>
-            </a:extLst>
-          </p:cNvPr>
-          <p:cNvSpPr>
-            <a:spLocks noGrp="1"/>
-          </p:cNvSpPr>
-          <p:nvPr>
-            <p:ph type="dt" sz="half" idx="10"/>
-          </p:nvPr>
-        </p:nvSpPr>
-        <p:spPr/>
-        <p:txBody>
-          <a:bodyPr/>
-          <a:lstStyle/>
-          <a:p>
-            <a:pPr>
-              <a:defRPr/>
-            </a:pPr>
-            <a:r>
-              <a:rPr lang="it-IT" altLang="it-IT"/>
-              <a:t>last update: Oct 2023</a:t>
-            </a:r>
-          </a:p>
-        </p:txBody>
-      </p:sp>
-      <p:sp>
-        <p:nvSpPr>
-          <p:cNvPr id="5" name="Footer Placeholder 4">
-            <a:extLst>
-              <a:ext uri="{FF2B5EF4-FFF2-40B4-BE49-F238E27FC236}">
-                <a16:creationId xmlns:a16="http://schemas.microsoft.com/office/drawing/2014/main" id="{CF9C69A4-3B91-176B-4CEA-C2F9CB8C22E2}"/>
-              </a:ext>
-            </a:extLst>
-          </p:cNvPr>
-          <p:cNvSpPr>
-            <a:spLocks noGrp="1"/>
-          </p:cNvSpPr>
-          <p:nvPr>
-            <p:ph type="ftr" sz="quarter" idx="11"/>
-          </p:nvPr>
-        </p:nvSpPr>
-        <p:spPr/>
-        <p:txBody>
-          <a:bodyPr/>
-          <a:lstStyle/>
-          <a:p>
-            <a:pPr>
-              <a:defRPr/>
-            </a:pPr>
-            <a:r>
-              <a:rPr lang="it-IT" altLang="it-IT"/>
-              <a:t>kathara – [ lab: one bridge ]</a:t>
-            </a:r>
-          </a:p>
-        </p:txBody>
-      </p:sp>
-    </p:spTree>
-    <p:extLst>
-      <p:ext uri="{BB962C8B-B14F-4D97-AF65-F5344CB8AC3E}">
-        <p14:creationId xmlns:p14="http://schemas.microsoft.com/office/powerpoint/2010/main" val="2434955685"/>
-      </p:ext>
-    </p:extLst>
   </p:cSld>
   <p:clrMapOvr>
     <a:masterClrMapping/>
@@ -31093,7 +29824,19 @@
                 <a:rPr lang="pt-BR" altLang="it-IT" sz="1600" b="1" dirty="0">
                   <a:latin typeface="Courier New" panose="02070309020205020404" pitchFamily="49" charset="0"/>
                 </a:rPr>
-                <a:t>pc1[0]="A"</a:t>
+                <a:t>pc1[0]="A/</a:t>
+              </a:r>
+              <a:r>
+                <a:rPr lang="en-US" altLang="it-IT" sz="1600" b="1" dirty="0">
+                  <a:latin typeface="Courier New" panose="02070309020205020404" pitchFamily="49" charset="0"/>
+                </a:rPr>
+                <a:t>00:00:00:00:00:01</a:t>
+              </a:r>
+              <a:r>
+                <a:rPr lang="pt-BR" altLang="it-IT" sz="1600" b="1" dirty="0">
+                  <a:latin typeface="Courier New" panose="02070309020205020404" pitchFamily="49" charset="0"/>
+                </a:rPr>
+                <a:t>"</a:t>
               </a:r>
             </a:p>
             <a:p>
@@ -31158,7 +29901,7 @@
                 <a:rPr lang="pt-BR" altLang="it-IT" sz="1600" b="1" dirty="0">
                   <a:latin typeface="Courier New" panose="02070309020205020404" pitchFamily="49" charset="0"/>
                 </a:rPr>
-                <a:t>pc2[0]="B"</a:t>
+                <a:t>pc2[0]="B/00:00:00:00:00:02"</a:t>
               </a:r>
             </a:p>
             <a:p>
@@ -31223,7 +29966,19 @@
                 <a:rPr lang="pt-BR" altLang="it-IT" sz="1600" b="1" dirty="0">
                   <a:latin typeface="Courier New" panose="02070309020205020404" pitchFamily="49" charset="0"/>
                 </a:rPr>
-                <a:t>pc3[0]="C"</a:t>
+                <a:t>pc3[0]="C/</a:t>
+              </a:r>
+              <a:r>
+                <a:rPr lang="en-US" altLang="it-IT" sz="1600" b="1" dirty="0">
+                  <a:latin typeface="Courier New" panose="02070309020205020404" pitchFamily="49" charset="0"/>
+                </a:rPr>
+                <a:t>00:00:00:00:00:03</a:t>
+              </a:r>
+              <a:r>
+                <a:rPr lang="pt-BR" altLang="it-IT" sz="1600" b="1" dirty="0">
+                  <a:latin typeface="Courier New" panose="02070309020205020404" pitchFamily="49" charset="0"/>
+                </a:rPr>
+                <a:t>"</a:t>
               </a:r>
             </a:p>
             <a:p>
@@ -31288,7 +30043,19 @@
                 <a:rPr lang="pt-BR" altLang="it-IT" sz="1600" b="1" dirty="0">
                   <a:latin typeface="Courier New" panose="02070309020205020404" pitchFamily="49" charset="0"/>
                 </a:rPr>
-                <a:t>pc4[0]="D"</a:t>
+                <a:t>pc4[0]="D/</a:t>
+              </a:r>
+              <a:r>
+                <a:rPr lang="en-US" altLang="it-IT" sz="1600" b="1" dirty="0">
+                  <a:latin typeface="Courier New" panose="02070309020205020404" pitchFamily="49" charset="0"/>
+                </a:rPr>
+                <a:t>00:00:00:00:00:04</a:t>
+              </a:r>
+              <a:r>
+                <a:rPr lang="pt-BR" altLang="it-IT" sz="1600" b="1" dirty="0">
+                  <a:latin typeface="Courier New" panose="02070309020205020404" pitchFamily="49" charset="0"/>
+                </a:rPr>
+                <a:t>"</a:t>
               </a:r>
             </a:p>
             <a:p>
@@ -31770,7 +30537,7 @@
                 <a:rPr lang="pt-BR" altLang="it-IT" sz="1600" b="1" dirty="0">
                   <a:latin typeface="Courier New" panose="02070309020205020404" pitchFamily="49" charset="0"/>
                 </a:rPr>
-                <a:t>b1[0]="A"</a:t>
+                <a:t>b1[0]="A/00:00:00:00:00:b1"</a:t>
               </a:r>
             </a:p>
             <a:p>
@@ -31787,7 +30554,7 @@
                 <a:rPr lang="pt-BR" altLang="it-IT" sz="1600" b="1" dirty="0">
                   <a:latin typeface="Courier New" panose="02070309020205020404" pitchFamily="49" charset="0"/>
                 </a:rPr>
-                <a:t>b1[1]="B"</a:t>
+                <a:t>b1[1]="B/00:00:00:00:00:b2"</a:t>
               </a:r>
             </a:p>
             <a:p>
@@ -31804,7 +30571,7 @@
                 <a:rPr lang="pt-BR" altLang="it-IT" sz="1600" b="1" dirty="0">
                   <a:latin typeface="Courier New" panose="02070309020205020404" pitchFamily="49" charset="0"/>
                 </a:rPr>
-                <a:t>b1[2]="C"</a:t>
+                <a:t>b1[2]="C/00:00:00:00:00:b3"</a:t>
               </a:r>
             </a:p>
             <a:p>
@@ -31821,7 +30588,7 @@
                 <a:rPr lang="pt-BR" altLang="it-IT" sz="1600" b="1" dirty="0">
                   <a:latin typeface="Courier New" panose="02070309020205020404" pitchFamily="49" charset="0"/>
                 </a:rPr>
-                <a:t>b1[3]="D"</a:t>
+                <a:t>b1[3]="D/00:00:00:00:00:b4"</a:t>
               </a:r>
             </a:p>
             <a:p>
@@ -32110,1878 +30877,6 @@
       </p:grpSpPr>
       <p:sp>
         <p:nvSpPr>
-          <p:cNvPr id="2" name="Title 1">
-            <a:extLst>
-              <a:ext uri="{FF2B5EF4-FFF2-40B4-BE49-F238E27FC236}">
-                <a16:creationId xmlns:a16="http://schemas.microsoft.com/office/drawing/2014/main" id="{CD751565-AB96-1D42-3F2F-FA4BF25C1A5E}"/>
-              </a:ext>
-            </a:extLst>
-          </p:cNvPr>
-          <p:cNvSpPr>
-            <a:spLocks noGrp="1"/>
-          </p:cNvSpPr>
-          <p:nvPr>
-            <p:ph type="title"/>
-          </p:nvPr>
-        </p:nvSpPr>
-        <p:spPr/>
-        <p:txBody>
-          <a:bodyPr/>
-          <a:lstStyle/>
-          <a:p>
-            <a:r>
-              <a:rPr lang="en-GB" noProof="0" dirty="0"/>
-              <a:t>the .startup files</a:t>
-            </a:r>
-          </a:p>
-        </p:txBody>
-      </p:sp>
-      <p:sp>
-        <p:nvSpPr>
-          <p:cNvPr id="4" name="Date Placeholder 3">
-            <a:extLst>
-              <a:ext uri="{FF2B5EF4-FFF2-40B4-BE49-F238E27FC236}">
-                <a16:creationId xmlns:a16="http://schemas.microsoft.com/office/drawing/2014/main" id="{0C0F5094-EF3F-30B3-1ADD-927561C3EAB2}"/>
-              </a:ext>
-            </a:extLst>
-          </p:cNvPr>
-          <p:cNvSpPr>
-            <a:spLocks noGrp="1"/>
-          </p:cNvSpPr>
-          <p:nvPr>
-            <p:ph type="dt" sz="half" idx="10"/>
-          </p:nvPr>
-        </p:nvSpPr>
-        <p:spPr/>
-        <p:txBody>
-          <a:bodyPr/>
-          <a:lstStyle/>
-          <a:p>
-            <a:pPr>
-              <a:defRPr/>
-            </a:pPr>
-            <a:r>
-              <a:rPr lang="it-IT" altLang="it-IT"/>
-              <a:t>last update: Oct 2023</a:t>
-            </a:r>
-          </a:p>
-        </p:txBody>
-      </p:sp>
-      <p:sp>
-        <p:nvSpPr>
-          <p:cNvPr id="5" name="Footer Placeholder 4">
-            <a:extLst>
-              <a:ext uri="{FF2B5EF4-FFF2-40B4-BE49-F238E27FC236}">
-                <a16:creationId xmlns:a16="http://schemas.microsoft.com/office/drawing/2014/main" id="{6DFEC308-08EC-2CD2-DE6F-958CEC59DE59}"/>
-              </a:ext>
-            </a:extLst>
-          </p:cNvPr>
-          <p:cNvSpPr>
-            <a:spLocks noGrp="1"/>
-          </p:cNvSpPr>
-          <p:nvPr>
-            <p:ph type="ftr" sz="quarter" idx="11"/>
-          </p:nvPr>
-        </p:nvSpPr>
-        <p:spPr/>
-        <p:txBody>
-          <a:bodyPr/>
-          <a:lstStyle/>
-          <a:p>
-            <a:pPr>
-              <a:defRPr/>
-            </a:pPr>
-            <a:r>
-              <a:rPr lang="it-IT" altLang="it-IT"/>
-              <a:t>kathara – [ lab: one bridge ]</a:t>
-            </a:r>
-          </a:p>
-        </p:txBody>
-      </p:sp>
-      <p:grpSp>
-        <p:nvGrpSpPr>
-          <p:cNvPr id="6" name="Group 15">
-            <a:extLst>
-              <a:ext uri="{FF2B5EF4-FFF2-40B4-BE49-F238E27FC236}">
-                <a16:creationId xmlns:a16="http://schemas.microsoft.com/office/drawing/2014/main" id="{69709324-52BC-9574-EE47-D570B01C200D}"/>
-              </a:ext>
-            </a:extLst>
-          </p:cNvPr>
-          <p:cNvGrpSpPr>
-            <a:grpSpLocks/>
-          </p:cNvGrpSpPr>
-          <p:nvPr/>
-        </p:nvGrpSpPr>
-        <p:grpSpPr bwMode="auto">
-          <a:xfrm>
-            <a:off x="479376" y="1700808"/>
-            <a:ext cx="5811945" cy="938213"/>
-            <a:chOff x="126" y="2432"/>
-            <a:chExt cx="6955" cy="591"/>
-          </a:xfrm>
-        </p:grpSpPr>
-        <p:sp>
-          <p:nvSpPr>
-            <p:cNvPr id="7" name="AutoShape 5">
-              <a:extLst>
-                <a:ext uri="{FF2B5EF4-FFF2-40B4-BE49-F238E27FC236}">
-                  <a16:creationId xmlns:a16="http://schemas.microsoft.com/office/drawing/2014/main" id="{E8D195E8-897C-DB26-FD02-564D2047CEA4}"/>
-                </a:ext>
-              </a:extLst>
-            </p:cNvPr>
-            <p:cNvSpPr>
-              <a:spLocks noChangeArrowheads="1"/>
-            </p:cNvSpPr>
-            <p:nvPr/>
-          </p:nvSpPr>
-          <p:spPr bwMode="auto">
-            <a:xfrm>
-              <a:off x="126" y="2614"/>
-              <a:ext cx="6955" cy="409"/>
-            </a:xfrm>
-            <a:prstGeom prst="foldedCorner">
-              <a:avLst>
-                <a:gd name="adj" fmla="val 8278"/>
-              </a:avLst>
-            </a:prstGeom>
-            <a:solidFill>
-              <a:schemeClr val="bg1"/>
-            </a:solidFill>
-            <a:ln w="19050">
-              <a:solidFill>
-                <a:schemeClr val="tx1"/>
-              </a:solidFill>
-              <a:round/>
-              <a:headEnd/>
-              <a:tailEnd/>
-            </a:ln>
-            <a:effectLst/>
-          </p:spPr>
-          <p:txBody>
-            <a:bodyPr wrap="none"/>
-            <a:lstStyle>
-              <a:lvl1pPr>
-                <a:spcBef>
-                  <a:spcPct val="20000"/>
-                </a:spcBef>
-                <a:buClr>
-                  <a:schemeClr val="tx2"/>
-                </a:buClr>
-                <a:buSzPct val="70000"/>
-                <a:buFont typeface="Wingdings" panose="05000000000000000000" pitchFamily="2" charset="2"/>
-                <a:buChar char="n"/>
-                <a:defRPr sz="3200">
-                  <a:solidFill>
-                    <a:schemeClr val="tx1"/>
-                  </a:solidFill>
-                  <a:latin typeface="Tahoma" panose="020B0604030504040204" pitchFamily="34" charset="0"/>
-                </a:defRPr>
-              </a:lvl1pPr>
-              <a:lvl2pPr marL="742950" indent="-285750">
-                <a:spcBef>
-                  <a:spcPct val="20000"/>
-                </a:spcBef>
-                <a:buClr>
-                  <a:schemeClr val="accent1"/>
-                </a:buClr>
-                <a:buSzPct val="70000"/>
-                <a:buFont typeface="Wingdings" panose="05000000000000000000" pitchFamily="2" charset="2"/>
-                <a:buChar char="n"/>
-                <a:defRPr sz="2800">
-                  <a:solidFill>
-                    <a:schemeClr val="tx1"/>
-                  </a:solidFill>
-                  <a:latin typeface="Tahoma" panose="020B0604030504040204" pitchFamily="34" charset="0"/>
-                </a:defRPr>
-              </a:lvl2pPr>
-              <a:lvl3pPr marL="1143000" indent="-228600">
-                <a:spcBef>
-                  <a:spcPct val="20000"/>
-                </a:spcBef>
-                <a:buClr>
-                  <a:srgbClr val="66CC00"/>
-                </a:buClr>
-                <a:buSzPct val="70000"/>
-                <a:buFont typeface="Wingdings" panose="05000000000000000000" pitchFamily="2" charset="2"/>
-                <a:buChar char="n"/>
-                <a:defRPr sz="2400">
-                  <a:solidFill>
-                    <a:schemeClr val="tx1"/>
-                  </a:solidFill>
-                  <a:latin typeface="Tahoma" panose="020B0604030504040204" pitchFamily="34" charset="0"/>
-                </a:defRPr>
-              </a:lvl3pPr>
-              <a:lvl4pPr marL="1600200" indent="-228600">
-                <a:spcBef>
-                  <a:spcPct val="20000"/>
-                </a:spcBef>
-                <a:buSzPct val="70000"/>
-                <a:buFont typeface="Wingdings" panose="05000000000000000000" pitchFamily="2" charset="2"/>
-                <a:buChar char="l"/>
-                <a:defRPr sz="2000">
-                  <a:solidFill>
-                    <a:schemeClr val="tx1"/>
-                  </a:solidFill>
-                  <a:latin typeface="Tahoma" panose="020B0604030504040204" pitchFamily="34" charset="0"/>
-                </a:defRPr>
-              </a:lvl4pPr>
-              <a:lvl5pPr marL="2057400" indent="-228600">
-                <a:spcBef>
-                  <a:spcPct val="20000"/>
-                </a:spcBef>
-                <a:buFont typeface="Arial" panose="020B0604020202020204" pitchFamily="34" charset="0"/>
-                <a:buChar char="–"/>
-                <a:defRPr sz="2000">
-                  <a:solidFill>
-                    <a:schemeClr val="tx1"/>
-                  </a:solidFill>
-                  <a:latin typeface="Tahoma" panose="020B0604030504040204" pitchFamily="34" charset="0"/>
-                </a:defRPr>
-              </a:lvl5pPr>
-              <a:lvl6pPr marL="2514600" indent="-228600" eaLnBrk="0" fontAlgn="base" hangingPunct="0">
-                <a:spcBef>
-                  <a:spcPct val="20000"/>
-                </a:spcBef>
-                <a:spcAft>
-                  <a:spcPct val="0"/>
-                </a:spcAft>
-                <a:buFont typeface="Arial" panose="020B0604020202020204" pitchFamily="34" charset="0"/>
-                <a:buChar char="–"/>
-                <a:defRPr sz="2000">
-                  <a:solidFill>
-                    <a:schemeClr val="tx1"/>
-                  </a:solidFill>
-                  <a:latin typeface="Tahoma" panose="020B0604030504040204" pitchFamily="34" charset="0"/>
-                </a:defRPr>
-              </a:lvl6pPr>
-              <a:lvl7pPr marL="2971800" indent="-228600" eaLnBrk="0" fontAlgn="base" hangingPunct="0">
-                <a:spcBef>
-                  <a:spcPct val="20000"/>
-                </a:spcBef>
-                <a:spcAft>
-                  <a:spcPct val="0"/>
-                </a:spcAft>
-                <a:buFont typeface="Arial" panose="020B0604020202020204" pitchFamily="34" charset="0"/>
-                <a:buChar char="–"/>
-                <a:defRPr sz="2000">
-                  <a:solidFill>
-                    <a:schemeClr val="tx1"/>
-                  </a:solidFill>
-                  <a:latin typeface="Tahoma" panose="020B0604030504040204" pitchFamily="34" charset="0"/>
-                </a:defRPr>
-              </a:lvl7pPr>
-              <a:lvl8pPr marL="3429000" indent="-228600" eaLnBrk="0" fontAlgn="base" hangingPunct="0">
-                <a:spcBef>
-                  <a:spcPct val="20000"/>
-                </a:spcBef>
-                <a:spcAft>
-                  <a:spcPct val="0"/>
-                </a:spcAft>
-                <a:buFont typeface="Arial" panose="020B0604020202020204" pitchFamily="34" charset="0"/>
-                <a:buChar char="–"/>
-                <a:defRPr sz="2000">
-                  <a:solidFill>
-                    <a:schemeClr val="tx1"/>
-                  </a:solidFill>
-                  <a:latin typeface="Tahoma" panose="020B0604030504040204" pitchFamily="34" charset="0"/>
-                </a:defRPr>
-              </a:lvl8pPr>
-              <a:lvl9pPr marL="3886200" indent="-228600" eaLnBrk="0" fontAlgn="base" hangingPunct="0">
-                <a:spcBef>
-                  <a:spcPct val="20000"/>
-                </a:spcBef>
-                <a:spcAft>
-                  <a:spcPct val="0"/>
-                </a:spcAft>
-                <a:buFont typeface="Arial" panose="020B0604020202020204" pitchFamily="34" charset="0"/>
-                <a:buChar char="–"/>
-                <a:defRPr sz="2000">
-                  <a:solidFill>
-                    <a:schemeClr val="tx1"/>
-                  </a:solidFill>
-                  <a:latin typeface="Tahoma" panose="020B0604030504040204" pitchFamily="34" charset="0"/>
-                </a:defRPr>
-              </a:lvl9pPr>
-            </a:lstStyle>
-            <a:p>
-              <a:pPr>
-                <a:buNone/>
-              </a:pPr>
-              <a:r>
-                <a:rPr lang="en-US" altLang="it-IT" sz="1600" b="1" dirty="0" err="1">
-                  <a:latin typeface="Courier New" panose="02070309020205020404" pitchFamily="49" charset="0"/>
-                </a:rPr>
-                <a:t>ip</a:t>
-              </a:r>
-              <a:r>
-                <a:rPr lang="en-US" altLang="it-IT" sz="1600" b="1" dirty="0">
-                  <a:latin typeface="Courier New" panose="02070309020205020404" pitchFamily="49" charset="0"/>
-                </a:rPr>
-                <a:t> link set dev eth0 address 00:00:00:00:00:01</a:t>
-              </a:r>
-            </a:p>
-          </p:txBody>
-        </p:sp>
-        <p:sp>
-          <p:nvSpPr>
-            <p:cNvPr id="8" name="AutoShape 9">
-              <a:extLst>
-                <a:ext uri="{FF2B5EF4-FFF2-40B4-BE49-F238E27FC236}">
-                  <a16:creationId xmlns:a16="http://schemas.microsoft.com/office/drawing/2014/main" id="{39DC7BB3-9C11-88C0-DBA3-2AFFDCD0D457}"/>
-                </a:ext>
-              </a:extLst>
-            </p:cNvPr>
-            <p:cNvSpPr>
-              <a:spLocks noChangeArrowheads="1"/>
-            </p:cNvSpPr>
-            <p:nvPr/>
-          </p:nvSpPr>
-          <p:spPr bwMode="auto">
-            <a:xfrm>
-              <a:off x="171" y="2432"/>
-              <a:ext cx="2051" cy="227"/>
-            </a:xfrm>
-            <a:prstGeom prst="foldedCorner">
-              <a:avLst>
-                <a:gd name="adj" fmla="val 8278"/>
-              </a:avLst>
-            </a:prstGeom>
-            <a:solidFill>
-              <a:schemeClr val="accent2"/>
-            </a:solidFill>
-            <a:ln w="19050">
-              <a:solidFill>
-                <a:schemeClr val="tx1"/>
-              </a:solidFill>
-              <a:round/>
-              <a:headEnd/>
-              <a:tailEnd/>
-            </a:ln>
-            <a:effectLst/>
-            <a:extLst>
-              <a:ext uri="{AF507438-7753-43E0-B8FC-AC1667EBCBE1}">
-                <a14:hiddenEffects xmlns:a14="http://schemas.microsoft.com/office/drawing/2010/main">
-                  <a:effectLst>
-                    <a:outerShdw dist="107763" dir="2700000" algn="ctr" rotWithShape="0">
-                      <a:schemeClr val="bg2"/>
-                    </a:outerShdw>
-                  </a:effectLst>
-                </a14:hiddenEffects>
-              </a:ext>
-            </a:extLst>
-          </p:spPr>
-          <p:txBody>
-            <a:bodyPr wrap="none"/>
-            <a:lstStyle>
-              <a:lvl1pPr>
-                <a:spcBef>
-                  <a:spcPct val="20000"/>
-                </a:spcBef>
-                <a:buClr>
-                  <a:schemeClr val="tx2"/>
-                </a:buClr>
-                <a:buSzPct val="70000"/>
-                <a:buFont typeface="Wingdings" panose="05000000000000000000" pitchFamily="2" charset="2"/>
-                <a:buChar char="n"/>
-                <a:defRPr sz="3200">
-                  <a:solidFill>
-                    <a:schemeClr val="tx1"/>
-                  </a:solidFill>
-                  <a:latin typeface="Tahoma" panose="020B0604030504040204" pitchFamily="34" charset="0"/>
-                </a:defRPr>
-              </a:lvl1pPr>
-              <a:lvl2pPr marL="742950" indent="-285750">
-                <a:spcBef>
-                  <a:spcPct val="20000"/>
-                </a:spcBef>
-                <a:buClr>
-                  <a:schemeClr val="accent1"/>
-                </a:buClr>
-                <a:buSzPct val="70000"/>
-                <a:buFont typeface="Wingdings" panose="05000000000000000000" pitchFamily="2" charset="2"/>
-                <a:buChar char="n"/>
-                <a:defRPr sz="2800">
-                  <a:solidFill>
-                    <a:schemeClr val="tx1"/>
-                  </a:solidFill>
-                  <a:latin typeface="Tahoma" panose="020B0604030504040204" pitchFamily="34" charset="0"/>
-                </a:defRPr>
-              </a:lvl2pPr>
-              <a:lvl3pPr marL="1143000" indent="-228600">
-                <a:spcBef>
-                  <a:spcPct val="20000"/>
-                </a:spcBef>
-                <a:buClr>
-                  <a:srgbClr val="66CC00"/>
-                </a:buClr>
-                <a:buSzPct val="70000"/>
-                <a:buFont typeface="Wingdings" panose="05000000000000000000" pitchFamily="2" charset="2"/>
-                <a:buChar char="n"/>
-                <a:defRPr sz="2400">
-                  <a:solidFill>
-                    <a:schemeClr val="tx1"/>
-                  </a:solidFill>
-                  <a:latin typeface="Tahoma" panose="020B0604030504040204" pitchFamily="34" charset="0"/>
-                </a:defRPr>
-              </a:lvl3pPr>
-              <a:lvl4pPr marL="1600200" indent="-228600">
-                <a:spcBef>
-                  <a:spcPct val="20000"/>
-                </a:spcBef>
-                <a:buSzPct val="70000"/>
-                <a:buFont typeface="Wingdings" panose="05000000000000000000" pitchFamily="2" charset="2"/>
-                <a:buChar char="l"/>
-                <a:defRPr sz="2000">
-                  <a:solidFill>
-                    <a:schemeClr val="tx1"/>
-                  </a:solidFill>
-                  <a:latin typeface="Tahoma" panose="020B0604030504040204" pitchFamily="34" charset="0"/>
-                </a:defRPr>
-              </a:lvl4pPr>
-              <a:lvl5pPr marL="2057400" indent="-228600">
-                <a:spcBef>
-                  <a:spcPct val="20000"/>
-                </a:spcBef>
-                <a:buFont typeface="Arial" panose="020B0604020202020204" pitchFamily="34" charset="0"/>
-                <a:buChar char="–"/>
-                <a:defRPr sz="2000">
-                  <a:solidFill>
-                    <a:schemeClr val="tx1"/>
-                  </a:solidFill>
-                  <a:latin typeface="Tahoma" panose="020B0604030504040204" pitchFamily="34" charset="0"/>
-                </a:defRPr>
-              </a:lvl5pPr>
-              <a:lvl6pPr marL="2514600" indent="-228600" eaLnBrk="0" fontAlgn="base" hangingPunct="0">
-                <a:spcBef>
-                  <a:spcPct val="20000"/>
-                </a:spcBef>
-                <a:spcAft>
-                  <a:spcPct val="0"/>
-                </a:spcAft>
-                <a:buFont typeface="Arial" panose="020B0604020202020204" pitchFamily="34" charset="0"/>
-                <a:buChar char="–"/>
-                <a:defRPr sz="2000">
-                  <a:solidFill>
-                    <a:schemeClr val="tx1"/>
-                  </a:solidFill>
-                  <a:latin typeface="Tahoma" panose="020B0604030504040204" pitchFamily="34" charset="0"/>
-                </a:defRPr>
-              </a:lvl6pPr>
-              <a:lvl7pPr marL="2971800" indent="-228600" eaLnBrk="0" fontAlgn="base" hangingPunct="0">
-                <a:spcBef>
-                  <a:spcPct val="20000"/>
-                </a:spcBef>
-                <a:spcAft>
-                  <a:spcPct val="0"/>
-                </a:spcAft>
-                <a:buFont typeface="Arial" panose="020B0604020202020204" pitchFamily="34" charset="0"/>
-                <a:buChar char="–"/>
-                <a:defRPr sz="2000">
-                  <a:solidFill>
-                    <a:schemeClr val="tx1"/>
-                  </a:solidFill>
-                  <a:latin typeface="Tahoma" panose="020B0604030504040204" pitchFamily="34" charset="0"/>
-                </a:defRPr>
-              </a:lvl7pPr>
-              <a:lvl8pPr marL="3429000" indent="-228600" eaLnBrk="0" fontAlgn="base" hangingPunct="0">
-                <a:spcBef>
-                  <a:spcPct val="20000"/>
-                </a:spcBef>
-                <a:spcAft>
-                  <a:spcPct val="0"/>
-                </a:spcAft>
-                <a:buFont typeface="Arial" panose="020B0604020202020204" pitchFamily="34" charset="0"/>
-                <a:buChar char="–"/>
-                <a:defRPr sz="2000">
-                  <a:solidFill>
-                    <a:schemeClr val="tx1"/>
-                  </a:solidFill>
-                  <a:latin typeface="Tahoma" panose="020B0604030504040204" pitchFamily="34" charset="0"/>
-                </a:defRPr>
-              </a:lvl8pPr>
-              <a:lvl9pPr marL="3886200" indent="-228600" eaLnBrk="0" fontAlgn="base" hangingPunct="0">
-                <a:spcBef>
-                  <a:spcPct val="20000"/>
-                </a:spcBef>
-                <a:spcAft>
-                  <a:spcPct val="0"/>
-                </a:spcAft>
-                <a:buFont typeface="Arial" panose="020B0604020202020204" pitchFamily="34" charset="0"/>
-                <a:buChar char="–"/>
-                <a:defRPr sz="2000">
-                  <a:solidFill>
-                    <a:schemeClr val="tx1"/>
-                  </a:solidFill>
-                  <a:latin typeface="Tahoma" panose="020B0604030504040204" pitchFamily="34" charset="0"/>
-                </a:defRPr>
-              </a:lvl9pPr>
-            </a:lstStyle>
-            <a:p>
-              <a:pPr eaLnBrk="1" hangingPunct="1">
-                <a:spcBef>
-                  <a:spcPct val="0"/>
-                </a:spcBef>
-                <a:buClrTx/>
-                <a:buSzTx/>
-                <a:buFontTx/>
-                <a:buNone/>
-              </a:pPr>
-              <a:r>
-                <a:rPr lang="en-US" altLang="it-IT" sz="1600" b="1" dirty="0">
-                  <a:latin typeface="Courier New" panose="02070309020205020404" pitchFamily="49" charset="0"/>
-                </a:rPr>
-                <a:t>pc1.startup</a:t>
-              </a:r>
-            </a:p>
-          </p:txBody>
-        </p:sp>
-      </p:grpSp>
-      <p:grpSp>
-        <p:nvGrpSpPr>
-          <p:cNvPr id="9" name="Group 15">
-            <a:extLst>
-              <a:ext uri="{FF2B5EF4-FFF2-40B4-BE49-F238E27FC236}">
-                <a16:creationId xmlns:a16="http://schemas.microsoft.com/office/drawing/2014/main" id="{3F099510-BFE8-0071-DCCA-59B7725E9C68}"/>
-              </a:ext>
-            </a:extLst>
-          </p:cNvPr>
-          <p:cNvGrpSpPr>
-            <a:grpSpLocks/>
-          </p:cNvGrpSpPr>
-          <p:nvPr/>
-        </p:nvGrpSpPr>
-        <p:grpSpPr bwMode="auto">
-          <a:xfrm>
-            <a:off x="1373939" y="2835896"/>
-            <a:ext cx="5811945" cy="938213"/>
-            <a:chOff x="126" y="2432"/>
-            <a:chExt cx="6955" cy="591"/>
-          </a:xfrm>
-        </p:grpSpPr>
-        <p:sp>
-          <p:nvSpPr>
-            <p:cNvPr id="10" name="AutoShape 5">
-              <a:extLst>
-                <a:ext uri="{FF2B5EF4-FFF2-40B4-BE49-F238E27FC236}">
-                  <a16:creationId xmlns:a16="http://schemas.microsoft.com/office/drawing/2014/main" id="{8F170BD9-EA7D-5A9B-C4E8-E6DF54E724C4}"/>
-                </a:ext>
-              </a:extLst>
-            </p:cNvPr>
-            <p:cNvSpPr>
-              <a:spLocks noChangeArrowheads="1"/>
-            </p:cNvSpPr>
-            <p:nvPr/>
-          </p:nvSpPr>
-          <p:spPr bwMode="auto">
-            <a:xfrm>
-              <a:off x="126" y="2614"/>
-              <a:ext cx="6955" cy="409"/>
-            </a:xfrm>
-            <a:prstGeom prst="foldedCorner">
-              <a:avLst>
-                <a:gd name="adj" fmla="val 8278"/>
-              </a:avLst>
-            </a:prstGeom>
-            <a:solidFill>
-              <a:schemeClr val="bg1"/>
-            </a:solidFill>
-            <a:ln w="19050">
-              <a:solidFill>
-                <a:schemeClr val="tx1"/>
-              </a:solidFill>
-              <a:round/>
-              <a:headEnd/>
-              <a:tailEnd/>
-            </a:ln>
-            <a:effectLst/>
-          </p:spPr>
-          <p:txBody>
-            <a:bodyPr wrap="none"/>
-            <a:lstStyle>
-              <a:lvl1pPr>
-                <a:spcBef>
-                  <a:spcPct val="20000"/>
-                </a:spcBef>
-                <a:buClr>
-                  <a:schemeClr val="tx2"/>
-                </a:buClr>
-                <a:buSzPct val="70000"/>
-                <a:buFont typeface="Wingdings" panose="05000000000000000000" pitchFamily="2" charset="2"/>
-                <a:buChar char="n"/>
-                <a:defRPr sz="3200">
-                  <a:solidFill>
-                    <a:schemeClr val="tx1"/>
-                  </a:solidFill>
-                  <a:latin typeface="Tahoma" panose="020B0604030504040204" pitchFamily="34" charset="0"/>
-                </a:defRPr>
-              </a:lvl1pPr>
-              <a:lvl2pPr marL="742950" indent="-285750">
-                <a:spcBef>
-                  <a:spcPct val="20000"/>
-                </a:spcBef>
-                <a:buClr>
-                  <a:schemeClr val="accent1"/>
-                </a:buClr>
-                <a:buSzPct val="70000"/>
-                <a:buFont typeface="Wingdings" panose="05000000000000000000" pitchFamily="2" charset="2"/>
-                <a:buChar char="n"/>
-                <a:defRPr sz="2800">
-                  <a:solidFill>
-                    <a:schemeClr val="tx1"/>
-                  </a:solidFill>
-                  <a:latin typeface="Tahoma" panose="020B0604030504040204" pitchFamily="34" charset="0"/>
-                </a:defRPr>
-              </a:lvl2pPr>
-              <a:lvl3pPr marL="1143000" indent="-228600">
-                <a:spcBef>
-                  <a:spcPct val="20000"/>
-                </a:spcBef>
-                <a:buClr>
-                  <a:srgbClr val="66CC00"/>
-                </a:buClr>
-                <a:buSzPct val="70000"/>
-                <a:buFont typeface="Wingdings" panose="05000000000000000000" pitchFamily="2" charset="2"/>
-                <a:buChar char="n"/>
-                <a:defRPr sz="2400">
-                  <a:solidFill>
-                    <a:schemeClr val="tx1"/>
-                  </a:solidFill>
-                  <a:latin typeface="Tahoma" panose="020B0604030504040204" pitchFamily="34" charset="0"/>
-                </a:defRPr>
-              </a:lvl3pPr>
-              <a:lvl4pPr marL="1600200" indent="-228600">
-                <a:spcBef>
-                  <a:spcPct val="20000"/>
-                </a:spcBef>
-                <a:buSzPct val="70000"/>
-                <a:buFont typeface="Wingdings" panose="05000000000000000000" pitchFamily="2" charset="2"/>
-                <a:buChar char="l"/>
-                <a:defRPr sz="2000">
-                  <a:solidFill>
-                    <a:schemeClr val="tx1"/>
-                  </a:solidFill>
-                  <a:latin typeface="Tahoma" panose="020B0604030504040204" pitchFamily="34" charset="0"/>
-                </a:defRPr>
-              </a:lvl4pPr>
-              <a:lvl5pPr marL="2057400" indent="-228600">
-                <a:spcBef>
-                  <a:spcPct val="20000"/>
-                </a:spcBef>
-                <a:buFont typeface="Arial" panose="020B0604020202020204" pitchFamily="34" charset="0"/>
-                <a:buChar char="–"/>
-                <a:defRPr sz="2000">
-                  <a:solidFill>
-                    <a:schemeClr val="tx1"/>
-                  </a:solidFill>
-                  <a:latin typeface="Tahoma" panose="020B0604030504040204" pitchFamily="34" charset="0"/>
-                </a:defRPr>
-              </a:lvl5pPr>
-              <a:lvl6pPr marL="2514600" indent="-228600" eaLnBrk="0" fontAlgn="base" hangingPunct="0">
-                <a:spcBef>
-                  <a:spcPct val="20000"/>
-                </a:spcBef>
-                <a:spcAft>
-                  <a:spcPct val="0"/>
-                </a:spcAft>
-                <a:buFont typeface="Arial" panose="020B0604020202020204" pitchFamily="34" charset="0"/>
-                <a:buChar char="–"/>
-                <a:defRPr sz="2000">
-                  <a:solidFill>
-                    <a:schemeClr val="tx1"/>
-                  </a:solidFill>
-                  <a:latin typeface="Tahoma" panose="020B0604030504040204" pitchFamily="34" charset="0"/>
-                </a:defRPr>
-              </a:lvl6pPr>
-              <a:lvl7pPr marL="2971800" indent="-228600" eaLnBrk="0" fontAlgn="base" hangingPunct="0">
-                <a:spcBef>
-                  <a:spcPct val="20000"/>
-                </a:spcBef>
-                <a:spcAft>
-                  <a:spcPct val="0"/>
-                </a:spcAft>
-                <a:buFont typeface="Arial" panose="020B0604020202020204" pitchFamily="34" charset="0"/>
-                <a:buChar char="–"/>
-                <a:defRPr sz="2000">
-                  <a:solidFill>
-                    <a:schemeClr val="tx1"/>
-                  </a:solidFill>
-                  <a:latin typeface="Tahoma" panose="020B0604030504040204" pitchFamily="34" charset="0"/>
-                </a:defRPr>
-              </a:lvl7pPr>
-              <a:lvl8pPr marL="3429000" indent="-228600" eaLnBrk="0" fontAlgn="base" hangingPunct="0">
-                <a:spcBef>
-                  <a:spcPct val="20000"/>
-                </a:spcBef>
-                <a:spcAft>
-                  <a:spcPct val="0"/>
-                </a:spcAft>
-                <a:buFont typeface="Arial" panose="020B0604020202020204" pitchFamily="34" charset="0"/>
-                <a:buChar char="–"/>
-                <a:defRPr sz="2000">
-                  <a:solidFill>
-                    <a:schemeClr val="tx1"/>
-                  </a:solidFill>
-                  <a:latin typeface="Tahoma" panose="020B0604030504040204" pitchFamily="34" charset="0"/>
-                </a:defRPr>
-              </a:lvl8pPr>
-              <a:lvl9pPr marL="3886200" indent="-228600" eaLnBrk="0" fontAlgn="base" hangingPunct="0">
-                <a:spcBef>
-                  <a:spcPct val="20000"/>
-                </a:spcBef>
-                <a:spcAft>
-                  <a:spcPct val="0"/>
-                </a:spcAft>
-                <a:buFont typeface="Arial" panose="020B0604020202020204" pitchFamily="34" charset="0"/>
-                <a:buChar char="–"/>
-                <a:defRPr sz="2000">
-                  <a:solidFill>
-                    <a:schemeClr val="tx1"/>
-                  </a:solidFill>
-                  <a:latin typeface="Tahoma" panose="020B0604030504040204" pitchFamily="34" charset="0"/>
-                </a:defRPr>
-              </a:lvl9pPr>
-            </a:lstStyle>
-            <a:p>
-              <a:pPr>
-                <a:buNone/>
-              </a:pPr>
-              <a:r>
-                <a:rPr lang="en-US" altLang="it-IT" sz="1600" b="1" dirty="0" err="1">
-                  <a:latin typeface="Courier New" panose="02070309020205020404" pitchFamily="49" charset="0"/>
-                </a:rPr>
-                <a:t>ip</a:t>
-              </a:r>
-              <a:r>
-                <a:rPr lang="en-US" altLang="it-IT" sz="1600" b="1" dirty="0">
-                  <a:latin typeface="Courier New" panose="02070309020205020404" pitchFamily="49" charset="0"/>
-                </a:rPr>
-                <a:t> link set dev eth0 address 00:00:00:00:00:02</a:t>
-              </a:r>
-            </a:p>
-          </p:txBody>
-        </p:sp>
-        <p:sp>
-          <p:nvSpPr>
-            <p:cNvPr id="11" name="AutoShape 9">
-              <a:extLst>
-                <a:ext uri="{FF2B5EF4-FFF2-40B4-BE49-F238E27FC236}">
-                  <a16:creationId xmlns:a16="http://schemas.microsoft.com/office/drawing/2014/main" id="{5B7AFE2E-D2FD-BA10-2195-B9AF52513EA4}"/>
-                </a:ext>
-              </a:extLst>
-            </p:cNvPr>
-            <p:cNvSpPr>
-              <a:spLocks noChangeArrowheads="1"/>
-            </p:cNvSpPr>
-            <p:nvPr/>
-          </p:nvSpPr>
-          <p:spPr bwMode="auto">
-            <a:xfrm>
-              <a:off x="171" y="2432"/>
-              <a:ext cx="2051" cy="227"/>
-            </a:xfrm>
-            <a:prstGeom prst="foldedCorner">
-              <a:avLst>
-                <a:gd name="adj" fmla="val 8278"/>
-              </a:avLst>
-            </a:prstGeom>
-            <a:solidFill>
-              <a:schemeClr val="accent2"/>
-            </a:solidFill>
-            <a:ln w="19050">
-              <a:solidFill>
-                <a:schemeClr val="tx1"/>
-              </a:solidFill>
-              <a:round/>
-              <a:headEnd/>
-              <a:tailEnd/>
-            </a:ln>
-            <a:effectLst/>
-            <a:extLst>
-              <a:ext uri="{AF507438-7753-43E0-B8FC-AC1667EBCBE1}">
-                <a14:hiddenEffects xmlns:a14="http://schemas.microsoft.com/office/drawing/2010/main">
-                  <a:effectLst>
-                    <a:outerShdw dist="107763" dir="2700000" algn="ctr" rotWithShape="0">
-                      <a:schemeClr val="bg2"/>
-                    </a:outerShdw>
-                  </a:effectLst>
-                </a14:hiddenEffects>
-              </a:ext>
-            </a:extLst>
-          </p:spPr>
-          <p:txBody>
-            <a:bodyPr wrap="none"/>
-            <a:lstStyle>
-              <a:lvl1pPr>
-                <a:spcBef>
-                  <a:spcPct val="20000"/>
-                </a:spcBef>
-                <a:buClr>
-                  <a:schemeClr val="tx2"/>
-                </a:buClr>
-                <a:buSzPct val="70000"/>
-                <a:buFont typeface="Wingdings" panose="05000000000000000000" pitchFamily="2" charset="2"/>
-                <a:buChar char="n"/>
-                <a:defRPr sz="3200">
-                  <a:solidFill>
-                    <a:schemeClr val="tx1"/>
-                  </a:solidFill>
-                  <a:latin typeface="Tahoma" panose="020B0604030504040204" pitchFamily="34" charset="0"/>
-                </a:defRPr>
-              </a:lvl1pPr>
-              <a:lvl2pPr marL="742950" indent="-285750">
-                <a:spcBef>
-                  <a:spcPct val="20000"/>
-                </a:spcBef>
-                <a:buClr>
-                  <a:schemeClr val="accent1"/>
-                </a:buClr>
-                <a:buSzPct val="70000"/>
-                <a:buFont typeface="Wingdings" panose="05000000000000000000" pitchFamily="2" charset="2"/>
-                <a:buChar char="n"/>
-                <a:defRPr sz="2800">
-                  <a:solidFill>
-                    <a:schemeClr val="tx1"/>
-                  </a:solidFill>
-                  <a:latin typeface="Tahoma" panose="020B0604030504040204" pitchFamily="34" charset="0"/>
-                </a:defRPr>
-              </a:lvl2pPr>
-              <a:lvl3pPr marL="1143000" indent="-228600">
-                <a:spcBef>
-                  <a:spcPct val="20000"/>
-                </a:spcBef>
-                <a:buClr>
-                  <a:srgbClr val="66CC00"/>
-                </a:buClr>
-                <a:buSzPct val="70000"/>
-                <a:buFont typeface="Wingdings" panose="05000000000000000000" pitchFamily="2" charset="2"/>
-                <a:buChar char="n"/>
-                <a:defRPr sz="2400">
-                  <a:solidFill>
-                    <a:schemeClr val="tx1"/>
-                  </a:solidFill>
-                  <a:latin typeface="Tahoma" panose="020B0604030504040204" pitchFamily="34" charset="0"/>
-                </a:defRPr>
-              </a:lvl3pPr>
-              <a:lvl4pPr marL="1600200" indent="-228600">
-                <a:spcBef>
-                  <a:spcPct val="20000"/>
-                </a:spcBef>
-                <a:buSzPct val="70000"/>
-                <a:buFont typeface="Wingdings" panose="05000000000000000000" pitchFamily="2" charset="2"/>
-                <a:buChar char="l"/>
-                <a:defRPr sz="2000">
-                  <a:solidFill>
-                    <a:schemeClr val="tx1"/>
-                  </a:solidFill>
-                  <a:latin typeface="Tahoma" panose="020B0604030504040204" pitchFamily="34" charset="0"/>
-                </a:defRPr>
-              </a:lvl4pPr>
-              <a:lvl5pPr marL="2057400" indent="-228600">
-                <a:spcBef>
-                  <a:spcPct val="20000"/>
-                </a:spcBef>
-                <a:buFont typeface="Arial" panose="020B0604020202020204" pitchFamily="34" charset="0"/>
-                <a:buChar char="–"/>
-                <a:defRPr sz="2000">
-                  <a:solidFill>
-                    <a:schemeClr val="tx1"/>
-                  </a:solidFill>
-                  <a:latin typeface="Tahoma" panose="020B0604030504040204" pitchFamily="34" charset="0"/>
-                </a:defRPr>
-              </a:lvl5pPr>
-              <a:lvl6pPr marL="2514600" indent="-228600" eaLnBrk="0" fontAlgn="base" hangingPunct="0">
-                <a:spcBef>
-                  <a:spcPct val="20000"/>
-                </a:spcBef>
-                <a:spcAft>
-                  <a:spcPct val="0"/>
-                </a:spcAft>
-                <a:buFont typeface="Arial" panose="020B0604020202020204" pitchFamily="34" charset="0"/>
-                <a:buChar char="–"/>
-                <a:defRPr sz="2000">
-                  <a:solidFill>
-                    <a:schemeClr val="tx1"/>
-                  </a:solidFill>
-                  <a:latin typeface="Tahoma" panose="020B0604030504040204" pitchFamily="34" charset="0"/>
-                </a:defRPr>
-              </a:lvl6pPr>
-              <a:lvl7pPr marL="2971800" indent="-228600" eaLnBrk="0" fontAlgn="base" hangingPunct="0">
-                <a:spcBef>
-                  <a:spcPct val="20000"/>
-                </a:spcBef>
-                <a:spcAft>
-                  <a:spcPct val="0"/>
-                </a:spcAft>
-                <a:buFont typeface="Arial" panose="020B0604020202020204" pitchFamily="34" charset="0"/>
-                <a:buChar char="–"/>
-                <a:defRPr sz="2000">
-                  <a:solidFill>
-                    <a:schemeClr val="tx1"/>
-                  </a:solidFill>
-                  <a:latin typeface="Tahoma" panose="020B0604030504040204" pitchFamily="34" charset="0"/>
-                </a:defRPr>
-              </a:lvl7pPr>
-              <a:lvl8pPr marL="3429000" indent="-228600" eaLnBrk="0" fontAlgn="base" hangingPunct="0">
-                <a:spcBef>
-                  <a:spcPct val="20000"/>
-                </a:spcBef>
-                <a:spcAft>
-                  <a:spcPct val="0"/>
-                </a:spcAft>
-                <a:buFont typeface="Arial" panose="020B0604020202020204" pitchFamily="34" charset="0"/>
-                <a:buChar char="–"/>
-                <a:defRPr sz="2000">
-                  <a:solidFill>
-                    <a:schemeClr val="tx1"/>
-                  </a:solidFill>
-                  <a:latin typeface="Tahoma" panose="020B0604030504040204" pitchFamily="34" charset="0"/>
-                </a:defRPr>
-              </a:lvl8pPr>
-              <a:lvl9pPr marL="3886200" indent="-228600" eaLnBrk="0" fontAlgn="base" hangingPunct="0">
-                <a:spcBef>
-                  <a:spcPct val="20000"/>
-                </a:spcBef>
-                <a:spcAft>
-                  <a:spcPct val="0"/>
-                </a:spcAft>
-                <a:buFont typeface="Arial" panose="020B0604020202020204" pitchFamily="34" charset="0"/>
-                <a:buChar char="–"/>
-                <a:defRPr sz="2000">
-                  <a:solidFill>
-                    <a:schemeClr val="tx1"/>
-                  </a:solidFill>
-                  <a:latin typeface="Tahoma" panose="020B0604030504040204" pitchFamily="34" charset="0"/>
-                </a:defRPr>
-              </a:lvl9pPr>
-            </a:lstStyle>
-            <a:p>
-              <a:pPr eaLnBrk="1" hangingPunct="1">
-                <a:spcBef>
-                  <a:spcPct val="0"/>
-                </a:spcBef>
-                <a:buClrTx/>
-                <a:buSzTx/>
-                <a:buFontTx/>
-                <a:buNone/>
-              </a:pPr>
-              <a:r>
-                <a:rPr lang="en-US" altLang="it-IT" sz="1600" b="1" dirty="0">
-                  <a:latin typeface="Courier New" panose="02070309020205020404" pitchFamily="49" charset="0"/>
-                </a:rPr>
-                <a:t>pc2.startup</a:t>
-              </a:r>
-            </a:p>
-          </p:txBody>
-        </p:sp>
-      </p:grpSp>
-      <p:grpSp>
-        <p:nvGrpSpPr>
-          <p:cNvPr id="12" name="Group 15">
-            <a:extLst>
-              <a:ext uri="{FF2B5EF4-FFF2-40B4-BE49-F238E27FC236}">
-                <a16:creationId xmlns:a16="http://schemas.microsoft.com/office/drawing/2014/main" id="{2A78DF25-1A01-EAAB-AC71-68CE112EBC19}"/>
-              </a:ext>
-            </a:extLst>
-          </p:cNvPr>
-          <p:cNvGrpSpPr>
-            <a:grpSpLocks/>
-          </p:cNvGrpSpPr>
-          <p:nvPr/>
-        </p:nvGrpSpPr>
-        <p:grpSpPr bwMode="auto">
-          <a:xfrm>
-            <a:off x="2268502" y="3968960"/>
-            <a:ext cx="5811945" cy="938213"/>
-            <a:chOff x="126" y="2432"/>
-            <a:chExt cx="6955" cy="591"/>
-          </a:xfrm>
-        </p:grpSpPr>
-        <p:sp>
-          <p:nvSpPr>
-            <p:cNvPr id="13" name="AutoShape 5">
-              <a:extLst>
-                <a:ext uri="{FF2B5EF4-FFF2-40B4-BE49-F238E27FC236}">
-                  <a16:creationId xmlns:a16="http://schemas.microsoft.com/office/drawing/2014/main" id="{10773CA5-7D8F-CE5D-D574-C1DE38B11AD9}"/>
-                </a:ext>
-              </a:extLst>
-            </p:cNvPr>
-            <p:cNvSpPr>
-              <a:spLocks noChangeArrowheads="1"/>
-            </p:cNvSpPr>
-            <p:nvPr/>
-          </p:nvSpPr>
-          <p:spPr bwMode="auto">
-            <a:xfrm>
-              <a:off x="126" y="2614"/>
-              <a:ext cx="6955" cy="409"/>
-            </a:xfrm>
-            <a:prstGeom prst="foldedCorner">
-              <a:avLst>
-                <a:gd name="adj" fmla="val 8278"/>
-              </a:avLst>
-            </a:prstGeom>
-            <a:solidFill>
-              <a:schemeClr val="bg1"/>
-            </a:solidFill>
-            <a:ln w="19050">
-              <a:solidFill>
-                <a:schemeClr val="tx1"/>
-              </a:solidFill>
-              <a:round/>
-              <a:headEnd/>
-              <a:tailEnd/>
-            </a:ln>
-            <a:effectLst/>
-          </p:spPr>
-          <p:txBody>
-            <a:bodyPr wrap="none"/>
-            <a:lstStyle>
-              <a:lvl1pPr>
-                <a:spcBef>
-                  <a:spcPct val="20000"/>
-                </a:spcBef>
-                <a:buClr>
-                  <a:schemeClr val="tx2"/>
-                </a:buClr>
-                <a:buSzPct val="70000"/>
-                <a:buFont typeface="Wingdings" panose="05000000000000000000" pitchFamily="2" charset="2"/>
-                <a:buChar char="n"/>
-                <a:defRPr sz="3200">
-                  <a:solidFill>
-                    <a:schemeClr val="tx1"/>
-                  </a:solidFill>
-                  <a:latin typeface="Tahoma" panose="020B0604030504040204" pitchFamily="34" charset="0"/>
-                </a:defRPr>
-              </a:lvl1pPr>
-              <a:lvl2pPr marL="742950" indent="-285750">
-                <a:spcBef>
-                  <a:spcPct val="20000"/>
-                </a:spcBef>
-                <a:buClr>
-                  <a:schemeClr val="accent1"/>
-                </a:buClr>
-                <a:buSzPct val="70000"/>
-                <a:buFont typeface="Wingdings" panose="05000000000000000000" pitchFamily="2" charset="2"/>
-                <a:buChar char="n"/>
-                <a:defRPr sz="2800">
-                  <a:solidFill>
-                    <a:schemeClr val="tx1"/>
-                  </a:solidFill>
-                  <a:latin typeface="Tahoma" panose="020B0604030504040204" pitchFamily="34" charset="0"/>
-                </a:defRPr>
-              </a:lvl2pPr>
-              <a:lvl3pPr marL="1143000" indent="-228600">
-                <a:spcBef>
-                  <a:spcPct val="20000"/>
-                </a:spcBef>
-                <a:buClr>
-                  <a:srgbClr val="66CC00"/>
-                </a:buClr>
-                <a:buSzPct val="70000"/>
-                <a:buFont typeface="Wingdings" panose="05000000000000000000" pitchFamily="2" charset="2"/>
-                <a:buChar char="n"/>
-                <a:defRPr sz="2400">
-                  <a:solidFill>
-                    <a:schemeClr val="tx1"/>
-                  </a:solidFill>
-                  <a:latin typeface="Tahoma" panose="020B0604030504040204" pitchFamily="34" charset="0"/>
-                </a:defRPr>
-              </a:lvl3pPr>
-              <a:lvl4pPr marL="1600200" indent="-228600">
-                <a:spcBef>
-                  <a:spcPct val="20000"/>
-                </a:spcBef>
-                <a:buSzPct val="70000"/>
-                <a:buFont typeface="Wingdings" panose="05000000000000000000" pitchFamily="2" charset="2"/>
-                <a:buChar char="l"/>
-                <a:defRPr sz="2000">
-                  <a:solidFill>
-                    <a:schemeClr val="tx1"/>
-                  </a:solidFill>
-                  <a:latin typeface="Tahoma" panose="020B0604030504040204" pitchFamily="34" charset="0"/>
-                </a:defRPr>
-              </a:lvl4pPr>
-              <a:lvl5pPr marL="2057400" indent="-228600">
-                <a:spcBef>
-                  <a:spcPct val="20000"/>
-                </a:spcBef>
-                <a:buFont typeface="Arial" panose="020B0604020202020204" pitchFamily="34" charset="0"/>
-                <a:buChar char="–"/>
-                <a:defRPr sz="2000">
-                  <a:solidFill>
-                    <a:schemeClr val="tx1"/>
-                  </a:solidFill>
-                  <a:latin typeface="Tahoma" panose="020B0604030504040204" pitchFamily="34" charset="0"/>
-                </a:defRPr>
-              </a:lvl5pPr>
-              <a:lvl6pPr marL="2514600" indent="-228600" eaLnBrk="0" fontAlgn="base" hangingPunct="0">
-                <a:spcBef>
-                  <a:spcPct val="20000"/>
-                </a:spcBef>
-                <a:spcAft>
-                  <a:spcPct val="0"/>
-                </a:spcAft>
-                <a:buFont typeface="Arial" panose="020B0604020202020204" pitchFamily="34" charset="0"/>
-                <a:buChar char="–"/>
-                <a:defRPr sz="2000">
-                  <a:solidFill>
-                    <a:schemeClr val="tx1"/>
-                  </a:solidFill>
-                  <a:latin typeface="Tahoma" panose="020B0604030504040204" pitchFamily="34" charset="0"/>
-                </a:defRPr>
-              </a:lvl6pPr>
-              <a:lvl7pPr marL="2971800" indent="-228600" eaLnBrk="0" fontAlgn="base" hangingPunct="0">
-                <a:spcBef>
-                  <a:spcPct val="20000"/>
-                </a:spcBef>
-                <a:spcAft>
-                  <a:spcPct val="0"/>
-                </a:spcAft>
-                <a:buFont typeface="Arial" panose="020B0604020202020204" pitchFamily="34" charset="0"/>
-                <a:buChar char="–"/>
-                <a:defRPr sz="2000">
-                  <a:solidFill>
-                    <a:schemeClr val="tx1"/>
-                  </a:solidFill>
-                  <a:latin typeface="Tahoma" panose="020B0604030504040204" pitchFamily="34" charset="0"/>
-                </a:defRPr>
-              </a:lvl7pPr>
-              <a:lvl8pPr marL="3429000" indent="-228600" eaLnBrk="0" fontAlgn="base" hangingPunct="0">
-                <a:spcBef>
-                  <a:spcPct val="20000"/>
-                </a:spcBef>
-                <a:spcAft>
-                  <a:spcPct val="0"/>
-                </a:spcAft>
-                <a:buFont typeface="Arial" panose="020B0604020202020204" pitchFamily="34" charset="0"/>
-                <a:buChar char="–"/>
-                <a:defRPr sz="2000">
-                  <a:solidFill>
-                    <a:schemeClr val="tx1"/>
-                  </a:solidFill>
-                  <a:latin typeface="Tahoma" panose="020B0604030504040204" pitchFamily="34" charset="0"/>
-                </a:defRPr>
-              </a:lvl8pPr>
-              <a:lvl9pPr marL="3886200" indent="-228600" eaLnBrk="0" fontAlgn="base" hangingPunct="0">
-                <a:spcBef>
-                  <a:spcPct val="20000"/>
-                </a:spcBef>
-                <a:spcAft>
-                  <a:spcPct val="0"/>
-                </a:spcAft>
-                <a:buFont typeface="Arial" panose="020B0604020202020204" pitchFamily="34" charset="0"/>
-                <a:buChar char="–"/>
-                <a:defRPr sz="2000">
-                  <a:solidFill>
-                    <a:schemeClr val="tx1"/>
-                  </a:solidFill>
-                  <a:latin typeface="Tahoma" panose="020B0604030504040204" pitchFamily="34" charset="0"/>
-                </a:defRPr>
-              </a:lvl9pPr>
-            </a:lstStyle>
-            <a:p>
-              <a:pPr>
-                <a:buNone/>
-              </a:pPr>
-              <a:r>
-                <a:rPr lang="en-US" altLang="it-IT" sz="1600" b="1" dirty="0" err="1">
-                  <a:latin typeface="Courier New" panose="02070309020205020404" pitchFamily="49" charset="0"/>
-                </a:rPr>
-                <a:t>ip</a:t>
-              </a:r>
-              <a:r>
-                <a:rPr lang="en-US" altLang="it-IT" sz="1600" b="1" dirty="0">
-                  <a:latin typeface="Courier New" panose="02070309020205020404" pitchFamily="49" charset="0"/>
-                </a:rPr>
-                <a:t> link set dev eth0 address 00:00:00:00:00:03</a:t>
-              </a:r>
-            </a:p>
-          </p:txBody>
-        </p:sp>
-        <p:sp>
-          <p:nvSpPr>
-            <p:cNvPr id="14" name="AutoShape 9">
-              <a:extLst>
-                <a:ext uri="{FF2B5EF4-FFF2-40B4-BE49-F238E27FC236}">
-                  <a16:creationId xmlns:a16="http://schemas.microsoft.com/office/drawing/2014/main" id="{A5F3EEEF-4920-E796-4ED3-40D3BE96F4D8}"/>
-                </a:ext>
-              </a:extLst>
-            </p:cNvPr>
-            <p:cNvSpPr>
-              <a:spLocks noChangeArrowheads="1"/>
-            </p:cNvSpPr>
-            <p:nvPr/>
-          </p:nvSpPr>
-          <p:spPr bwMode="auto">
-            <a:xfrm>
-              <a:off x="171" y="2432"/>
-              <a:ext cx="2051" cy="227"/>
-            </a:xfrm>
-            <a:prstGeom prst="foldedCorner">
-              <a:avLst>
-                <a:gd name="adj" fmla="val 8278"/>
-              </a:avLst>
-            </a:prstGeom>
-            <a:solidFill>
-              <a:schemeClr val="accent2"/>
-            </a:solidFill>
-            <a:ln w="19050">
-              <a:solidFill>
-                <a:schemeClr val="tx1"/>
-              </a:solidFill>
-              <a:round/>
-              <a:headEnd/>
-              <a:tailEnd/>
-            </a:ln>
-            <a:effectLst/>
-            <a:extLst>
-              <a:ext uri="{AF507438-7753-43E0-B8FC-AC1667EBCBE1}">
-                <a14:hiddenEffects xmlns:a14="http://schemas.microsoft.com/office/drawing/2010/main">
-                  <a:effectLst>
-                    <a:outerShdw dist="107763" dir="2700000" algn="ctr" rotWithShape="0">
-                      <a:schemeClr val="bg2"/>
-                    </a:outerShdw>
-                  </a:effectLst>
-                </a14:hiddenEffects>
-              </a:ext>
-            </a:extLst>
-          </p:spPr>
-          <p:txBody>
-            <a:bodyPr wrap="none"/>
-            <a:lstStyle>
-              <a:lvl1pPr>
-                <a:spcBef>
-                  <a:spcPct val="20000"/>
-                </a:spcBef>
-                <a:buClr>
-                  <a:schemeClr val="tx2"/>
-                </a:buClr>
-                <a:buSzPct val="70000"/>
-                <a:buFont typeface="Wingdings" panose="05000000000000000000" pitchFamily="2" charset="2"/>
-                <a:buChar char="n"/>
-                <a:defRPr sz="3200">
-                  <a:solidFill>
-                    <a:schemeClr val="tx1"/>
-                  </a:solidFill>
-                  <a:latin typeface="Tahoma" panose="020B0604030504040204" pitchFamily="34" charset="0"/>
-                </a:defRPr>
-              </a:lvl1pPr>
-              <a:lvl2pPr marL="742950" indent="-285750">
-                <a:spcBef>
-                  <a:spcPct val="20000"/>
-                </a:spcBef>
-                <a:buClr>
-                  <a:schemeClr val="accent1"/>
-                </a:buClr>
-                <a:buSzPct val="70000"/>
-                <a:buFont typeface="Wingdings" panose="05000000000000000000" pitchFamily="2" charset="2"/>
-                <a:buChar char="n"/>
-                <a:defRPr sz="2800">
-                  <a:solidFill>
-                    <a:schemeClr val="tx1"/>
-                  </a:solidFill>
-                  <a:latin typeface="Tahoma" panose="020B0604030504040204" pitchFamily="34" charset="0"/>
-                </a:defRPr>
-              </a:lvl2pPr>
-              <a:lvl3pPr marL="1143000" indent="-228600">
-                <a:spcBef>
-                  <a:spcPct val="20000"/>
-                </a:spcBef>
-                <a:buClr>
-                  <a:srgbClr val="66CC00"/>
-                </a:buClr>
-                <a:buSzPct val="70000"/>
-                <a:buFont typeface="Wingdings" panose="05000000000000000000" pitchFamily="2" charset="2"/>
-                <a:buChar char="n"/>
-                <a:defRPr sz="2400">
-                  <a:solidFill>
-                    <a:schemeClr val="tx1"/>
-                  </a:solidFill>
-                  <a:latin typeface="Tahoma" panose="020B0604030504040204" pitchFamily="34" charset="0"/>
-                </a:defRPr>
-              </a:lvl3pPr>
-              <a:lvl4pPr marL="1600200" indent="-228600">
-                <a:spcBef>
-                  <a:spcPct val="20000"/>
-                </a:spcBef>
-                <a:buSzPct val="70000"/>
-                <a:buFont typeface="Wingdings" panose="05000000000000000000" pitchFamily="2" charset="2"/>
-                <a:buChar char="l"/>
-                <a:defRPr sz="2000">
-                  <a:solidFill>
-                    <a:schemeClr val="tx1"/>
-                  </a:solidFill>
-                  <a:latin typeface="Tahoma" panose="020B0604030504040204" pitchFamily="34" charset="0"/>
-                </a:defRPr>
-              </a:lvl4pPr>
-              <a:lvl5pPr marL="2057400" indent="-228600">
-                <a:spcBef>
-                  <a:spcPct val="20000"/>
-                </a:spcBef>
-                <a:buFont typeface="Arial" panose="020B0604020202020204" pitchFamily="34" charset="0"/>
-                <a:buChar char="–"/>
-                <a:defRPr sz="2000">
-                  <a:solidFill>
-                    <a:schemeClr val="tx1"/>
-                  </a:solidFill>
-                  <a:latin typeface="Tahoma" panose="020B0604030504040204" pitchFamily="34" charset="0"/>
-                </a:defRPr>
-              </a:lvl5pPr>
-              <a:lvl6pPr marL="2514600" indent="-228600" eaLnBrk="0" fontAlgn="base" hangingPunct="0">
-                <a:spcBef>
-                  <a:spcPct val="20000"/>
-                </a:spcBef>
-                <a:spcAft>
-                  <a:spcPct val="0"/>
-                </a:spcAft>
-                <a:buFont typeface="Arial" panose="020B0604020202020204" pitchFamily="34" charset="0"/>
-                <a:buChar char="–"/>
-                <a:defRPr sz="2000">
-                  <a:solidFill>
-                    <a:schemeClr val="tx1"/>
-                  </a:solidFill>
-                  <a:latin typeface="Tahoma" panose="020B0604030504040204" pitchFamily="34" charset="0"/>
-                </a:defRPr>
-              </a:lvl6pPr>
-              <a:lvl7pPr marL="2971800" indent="-228600" eaLnBrk="0" fontAlgn="base" hangingPunct="0">
-                <a:spcBef>
-                  <a:spcPct val="20000"/>
-                </a:spcBef>
-                <a:spcAft>
-                  <a:spcPct val="0"/>
-                </a:spcAft>
-                <a:buFont typeface="Arial" panose="020B0604020202020204" pitchFamily="34" charset="0"/>
-                <a:buChar char="–"/>
-                <a:defRPr sz="2000">
-                  <a:solidFill>
-                    <a:schemeClr val="tx1"/>
-                  </a:solidFill>
-                  <a:latin typeface="Tahoma" panose="020B0604030504040204" pitchFamily="34" charset="0"/>
-                </a:defRPr>
-              </a:lvl7pPr>
-              <a:lvl8pPr marL="3429000" indent="-228600" eaLnBrk="0" fontAlgn="base" hangingPunct="0">
-                <a:spcBef>
-                  <a:spcPct val="20000"/>
-                </a:spcBef>
-                <a:spcAft>
-                  <a:spcPct val="0"/>
-                </a:spcAft>
-                <a:buFont typeface="Arial" panose="020B0604020202020204" pitchFamily="34" charset="0"/>
-                <a:buChar char="–"/>
-                <a:defRPr sz="2000">
-                  <a:solidFill>
-                    <a:schemeClr val="tx1"/>
-                  </a:solidFill>
-                  <a:latin typeface="Tahoma" panose="020B0604030504040204" pitchFamily="34" charset="0"/>
-                </a:defRPr>
-              </a:lvl8pPr>
-              <a:lvl9pPr marL="3886200" indent="-228600" eaLnBrk="0" fontAlgn="base" hangingPunct="0">
-                <a:spcBef>
-                  <a:spcPct val="20000"/>
-                </a:spcBef>
-                <a:spcAft>
-                  <a:spcPct val="0"/>
-                </a:spcAft>
-                <a:buFont typeface="Arial" panose="020B0604020202020204" pitchFamily="34" charset="0"/>
-                <a:buChar char="–"/>
-                <a:defRPr sz="2000">
-                  <a:solidFill>
-                    <a:schemeClr val="tx1"/>
-                  </a:solidFill>
-                  <a:latin typeface="Tahoma" panose="020B0604030504040204" pitchFamily="34" charset="0"/>
-                </a:defRPr>
-              </a:lvl9pPr>
-            </a:lstStyle>
-            <a:p>
-              <a:pPr eaLnBrk="1" hangingPunct="1">
-                <a:spcBef>
-                  <a:spcPct val="0"/>
-                </a:spcBef>
-                <a:buClrTx/>
-                <a:buSzTx/>
-                <a:buFontTx/>
-                <a:buNone/>
-              </a:pPr>
-              <a:r>
-                <a:rPr lang="en-US" altLang="it-IT" sz="1600" b="1" dirty="0">
-                  <a:latin typeface="Courier New" panose="02070309020205020404" pitchFamily="49" charset="0"/>
-                </a:rPr>
-                <a:t>pc3.startup</a:t>
-              </a:r>
-            </a:p>
-          </p:txBody>
-        </p:sp>
-      </p:grpSp>
-      <p:grpSp>
-        <p:nvGrpSpPr>
-          <p:cNvPr id="15" name="Group 15">
-            <a:extLst>
-              <a:ext uri="{FF2B5EF4-FFF2-40B4-BE49-F238E27FC236}">
-                <a16:creationId xmlns:a16="http://schemas.microsoft.com/office/drawing/2014/main" id="{D4DB2401-0670-4F0D-A4FF-A2B4E73C7F07}"/>
-              </a:ext>
-            </a:extLst>
-          </p:cNvPr>
-          <p:cNvGrpSpPr>
-            <a:grpSpLocks/>
-          </p:cNvGrpSpPr>
-          <p:nvPr/>
-        </p:nvGrpSpPr>
-        <p:grpSpPr bwMode="auto">
-          <a:xfrm>
-            <a:off x="3163065" y="5196098"/>
-            <a:ext cx="5811945" cy="938213"/>
-            <a:chOff x="126" y="2432"/>
-            <a:chExt cx="6955" cy="591"/>
-          </a:xfrm>
-        </p:grpSpPr>
-        <p:sp>
-          <p:nvSpPr>
-            <p:cNvPr id="16" name="AutoShape 5">
-              <a:extLst>
-                <a:ext uri="{FF2B5EF4-FFF2-40B4-BE49-F238E27FC236}">
-                  <a16:creationId xmlns:a16="http://schemas.microsoft.com/office/drawing/2014/main" id="{39FEA817-43EE-DE5C-3DB8-97AEEB0B10B3}"/>
-                </a:ext>
-              </a:extLst>
-            </p:cNvPr>
-            <p:cNvSpPr>
-              <a:spLocks noChangeArrowheads="1"/>
-            </p:cNvSpPr>
-            <p:nvPr/>
-          </p:nvSpPr>
-          <p:spPr bwMode="auto">
-            <a:xfrm>
-              <a:off x="126" y="2614"/>
-              <a:ext cx="6955" cy="409"/>
-            </a:xfrm>
-            <a:prstGeom prst="foldedCorner">
-              <a:avLst>
-                <a:gd name="adj" fmla="val 8278"/>
-              </a:avLst>
-            </a:prstGeom>
-            <a:solidFill>
-              <a:schemeClr val="bg1"/>
-            </a:solidFill>
-            <a:ln w="19050">
-              <a:solidFill>
-                <a:schemeClr val="tx1"/>
-              </a:solidFill>
-              <a:round/>
-              <a:headEnd/>
-              <a:tailEnd/>
-            </a:ln>
-            <a:effectLst/>
-          </p:spPr>
-          <p:txBody>
-            <a:bodyPr wrap="none"/>
-            <a:lstStyle>
-              <a:lvl1pPr>
-                <a:spcBef>
-                  <a:spcPct val="20000"/>
-                </a:spcBef>
-                <a:buClr>
-                  <a:schemeClr val="tx2"/>
-                </a:buClr>
-                <a:buSzPct val="70000"/>
-                <a:buFont typeface="Wingdings" panose="05000000000000000000" pitchFamily="2" charset="2"/>
-                <a:buChar char="n"/>
-                <a:defRPr sz="3200">
-                  <a:solidFill>
-                    <a:schemeClr val="tx1"/>
-                  </a:solidFill>
-                  <a:latin typeface="Tahoma" panose="020B0604030504040204" pitchFamily="34" charset="0"/>
-                </a:defRPr>
-              </a:lvl1pPr>
-              <a:lvl2pPr marL="742950" indent="-285750">
-                <a:spcBef>
-                  <a:spcPct val="20000"/>
-                </a:spcBef>
-                <a:buClr>
-                  <a:schemeClr val="accent1"/>
-                </a:buClr>
-                <a:buSzPct val="70000"/>
-                <a:buFont typeface="Wingdings" panose="05000000000000000000" pitchFamily="2" charset="2"/>
-                <a:buChar char="n"/>
-                <a:defRPr sz="2800">
-                  <a:solidFill>
-                    <a:schemeClr val="tx1"/>
-                  </a:solidFill>
-                  <a:latin typeface="Tahoma" panose="020B0604030504040204" pitchFamily="34" charset="0"/>
-                </a:defRPr>
-              </a:lvl2pPr>
-              <a:lvl3pPr marL="1143000" indent="-228600">
-                <a:spcBef>
-                  <a:spcPct val="20000"/>
-                </a:spcBef>
-                <a:buClr>
-                  <a:srgbClr val="66CC00"/>
-                </a:buClr>
-                <a:buSzPct val="70000"/>
-                <a:buFont typeface="Wingdings" panose="05000000000000000000" pitchFamily="2" charset="2"/>
-                <a:buChar char="n"/>
-                <a:defRPr sz="2400">
-                  <a:solidFill>
-                    <a:schemeClr val="tx1"/>
-                  </a:solidFill>
-                  <a:latin typeface="Tahoma" panose="020B0604030504040204" pitchFamily="34" charset="0"/>
-                </a:defRPr>
-              </a:lvl3pPr>
-              <a:lvl4pPr marL="1600200" indent="-228600">
-                <a:spcBef>
-                  <a:spcPct val="20000"/>
-                </a:spcBef>
-                <a:buSzPct val="70000"/>
-                <a:buFont typeface="Wingdings" panose="05000000000000000000" pitchFamily="2" charset="2"/>
-                <a:buChar char="l"/>
-                <a:defRPr sz="2000">
-                  <a:solidFill>
-                    <a:schemeClr val="tx1"/>
-                  </a:solidFill>
-                  <a:latin typeface="Tahoma" panose="020B0604030504040204" pitchFamily="34" charset="0"/>
-                </a:defRPr>
-              </a:lvl4pPr>
-              <a:lvl5pPr marL="2057400" indent="-228600">
-                <a:spcBef>
-                  <a:spcPct val="20000"/>
-                </a:spcBef>
-                <a:buFont typeface="Arial" panose="020B0604020202020204" pitchFamily="34" charset="0"/>
-                <a:buChar char="–"/>
-                <a:defRPr sz="2000">
-                  <a:solidFill>
-                    <a:schemeClr val="tx1"/>
-                  </a:solidFill>
-                  <a:latin typeface="Tahoma" panose="020B0604030504040204" pitchFamily="34" charset="0"/>
-                </a:defRPr>
-              </a:lvl5pPr>
-              <a:lvl6pPr marL="2514600" indent="-228600" eaLnBrk="0" fontAlgn="base" hangingPunct="0">
-                <a:spcBef>
-                  <a:spcPct val="20000"/>
-                </a:spcBef>
-                <a:spcAft>
-                  <a:spcPct val="0"/>
-                </a:spcAft>
-                <a:buFont typeface="Arial" panose="020B0604020202020204" pitchFamily="34" charset="0"/>
-                <a:buChar char="–"/>
-                <a:defRPr sz="2000">
-                  <a:solidFill>
-                    <a:schemeClr val="tx1"/>
-                  </a:solidFill>
-                  <a:latin typeface="Tahoma" panose="020B0604030504040204" pitchFamily="34" charset="0"/>
-                </a:defRPr>
-              </a:lvl6pPr>
-              <a:lvl7pPr marL="2971800" indent="-228600" eaLnBrk="0" fontAlgn="base" hangingPunct="0">
-                <a:spcBef>
-                  <a:spcPct val="20000"/>
-                </a:spcBef>
-                <a:spcAft>
-                  <a:spcPct val="0"/>
-                </a:spcAft>
-                <a:buFont typeface="Arial" panose="020B0604020202020204" pitchFamily="34" charset="0"/>
-                <a:buChar char="–"/>
-                <a:defRPr sz="2000">
-                  <a:solidFill>
-                    <a:schemeClr val="tx1"/>
-                  </a:solidFill>
-                  <a:latin typeface="Tahoma" panose="020B0604030504040204" pitchFamily="34" charset="0"/>
-                </a:defRPr>
-              </a:lvl7pPr>
-              <a:lvl8pPr marL="3429000" indent="-228600" eaLnBrk="0" fontAlgn="base" hangingPunct="0">
-                <a:spcBef>
-                  <a:spcPct val="20000"/>
-                </a:spcBef>
-                <a:spcAft>
-                  <a:spcPct val="0"/>
-                </a:spcAft>
-                <a:buFont typeface="Arial" panose="020B0604020202020204" pitchFamily="34" charset="0"/>
-                <a:buChar char="–"/>
-                <a:defRPr sz="2000">
-                  <a:solidFill>
-                    <a:schemeClr val="tx1"/>
-                  </a:solidFill>
-                  <a:latin typeface="Tahoma" panose="020B0604030504040204" pitchFamily="34" charset="0"/>
-                </a:defRPr>
-              </a:lvl8pPr>
-              <a:lvl9pPr marL="3886200" indent="-228600" eaLnBrk="0" fontAlgn="base" hangingPunct="0">
-                <a:spcBef>
-                  <a:spcPct val="20000"/>
-                </a:spcBef>
-                <a:spcAft>
-                  <a:spcPct val="0"/>
-                </a:spcAft>
-                <a:buFont typeface="Arial" panose="020B0604020202020204" pitchFamily="34" charset="0"/>
-                <a:buChar char="–"/>
-                <a:defRPr sz="2000">
-                  <a:solidFill>
-                    <a:schemeClr val="tx1"/>
-                  </a:solidFill>
-                  <a:latin typeface="Tahoma" panose="020B0604030504040204" pitchFamily="34" charset="0"/>
-                </a:defRPr>
-              </a:lvl9pPr>
-            </a:lstStyle>
-            <a:p>
-              <a:pPr>
-                <a:buNone/>
-              </a:pPr>
-              <a:r>
-                <a:rPr lang="en-US" altLang="it-IT" sz="1600" b="1" dirty="0" err="1">
-                  <a:latin typeface="Courier New" panose="02070309020205020404" pitchFamily="49" charset="0"/>
-                </a:rPr>
-                <a:t>ip</a:t>
-              </a:r>
-              <a:r>
-                <a:rPr lang="en-US" altLang="it-IT" sz="1600" b="1" dirty="0">
-                  <a:latin typeface="Courier New" panose="02070309020205020404" pitchFamily="49" charset="0"/>
-                </a:rPr>
-                <a:t> link set dev eth0 address 00:00:00:00:00:04</a:t>
-              </a:r>
-            </a:p>
-          </p:txBody>
-        </p:sp>
-        <p:sp>
-          <p:nvSpPr>
-            <p:cNvPr id="17" name="AutoShape 9">
-              <a:extLst>
-                <a:ext uri="{FF2B5EF4-FFF2-40B4-BE49-F238E27FC236}">
-                  <a16:creationId xmlns:a16="http://schemas.microsoft.com/office/drawing/2014/main" id="{32EDAD7B-433A-7C47-C67B-625973B5E0B0}"/>
-                </a:ext>
-              </a:extLst>
-            </p:cNvPr>
-            <p:cNvSpPr>
-              <a:spLocks noChangeArrowheads="1"/>
-            </p:cNvSpPr>
-            <p:nvPr/>
-          </p:nvSpPr>
-          <p:spPr bwMode="auto">
-            <a:xfrm>
-              <a:off x="171" y="2432"/>
-              <a:ext cx="2051" cy="227"/>
-            </a:xfrm>
-            <a:prstGeom prst="foldedCorner">
-              <a:avLst>
-                <a:gd name="adj" fmla="val 8278"/>
-              </a:avLst>
-            </a:prstGeom>
-            <a:solidFill>
-              <a:schemeClr val="accent2"/>
-            </a:solidFill>
-            <a:ln w="19050">
-              <a:solidFill>
-                <a:schemeClr val="tx1"/>
-              </a:solidFill>
-              <a:round/>
-              <a:headEnd/>
-              <a:tailEnd/>
-            </a:ln>
-            <a:effectLst/>
-            <a:extLst>
-              <a:ext uri="{AF507438-7753-43E0-B8FC-AC1667EBCBE1}">
-                <a14:hiddenEffects xmlns:a14="http://schemas.microsoft.com/office/drawing/2010/main">
-                  <a:effectLst>
-                    <a:outerShdw dist="107763" dir="2700000" algn="ctr" rotWithShape="0">
-                      <a:schemeClr val="bg2"/>
-                    </a:outerShdw>
-                  </a:effectLst>
-                </a14:hiddenEffects>
-              </a:ext>
-            </a:extLst>
-          </p:spPr>
-          <p:txBody>
-            <a:bodyPr wrap="none"/>
-            <a:lstStyle>
-              <a:lvl1pPr>
-                <a:spcBef>
-                  <a:spcPct val="20000"/>
-                </a:spcBef>
-                <a:buClr>
-                  <a:schemeClr val="tx2"/>
-                </a:buClr>
-                <a:buSzPct val="70000"/>
-                <a:buFont typeface="Wingdings" panose="05000000000000000000" pitchFamily="2" charset="2"/>
-                <a:buChar char="n"/>
-                <a:defRPr sz="3200">
-                  <a:solidFill>
-                    <a:schemeClr val="tx1"/>
-                  </a:solidFill>
-                  <a:latin typeface="Tahoma" panose="020B0604030504040204" pitchFamily="34" charset="0"/>
-                </a:defRPr>
-              </a:lvl1pPr>
-              <a:lvl2pPr marL="742950" indent="-285750">
-                <a:spcBef>
-                  <a:spcPct val="20000"/>
-                </a:spcBef>
-                <a:buClr>
-                  <a:schemeClr val="accent1"/>
-                </a:buClr>
-                <a:buSzPct val="70000"/>
-                <a:buFont typeface="Wingdings" panose="05000000000000000000" pitchFamily="2" charset="2"/>
-                <a:buChar char="n"/>
-                <a:defRPr sz="2800">
-                  <a:solidFill>
-                    <a:schemeClr val="tx1"/>
-                  </a:solidFill>
-                  <a:latin typeface="Tahoma" panose="020B0604030504040204" pitchFamily="34" charset="0"/>
-                </a:defRPr>
-              </a:lvl2pPr>
-              <a:lvl3pPr marL="1143000" indent="-228600">
-                <a:spcBef>
-                  <a:spcPct val="20000"/>
-                </a:spcBef>
-                <a:buClr>
-                  <a:srgbClr val="66CC00"/>
-                </a:buClr>
-                <a:buSzPct val="70000"/>
-                <a:buFont typeface="Wingdings" panose="05000000000000000000" pitchFamily="2" charset="2"/>
-                <a:buChar char="n"/>
-                <a:defRPr sz="2400">
-                  <a:solidFill>
-                    <a:schemeClr val="tx1"/>
-                  </a:solidFill>
-                  <a:latin typeface="Tahoma" panose="020B0604030504040204" pitchFamily="34" charset="0"/>
-                </a:defRPr>
-              </a:lvl3pPr>
-              <a:lvl4pPr marL="1600200" indent="-228600">
-                <a:spcBef>
-                  <a:spcPct val="20000"/>
-                </a:spcBef>
-                <a:buSzPct val="70000"/>
-                <a:buFont typeface="Wingdings" panose="05000000000000000000" pitchFamily="2" charset="2"/>
-                <a:buChar char="l"/>
-                <a:defRPr sz="2000">
-                  <a:solidFill>
-                    <a:schemeClr val="tx1"/>
-                  </a:solidFill>
-                  <a:latin typeface="Tahoma" panose="020B0604030504040204" pitchFamily="34" charset="0"/>
-                </a:defRPr>
-              </a:lvl4pPr>
-              <a:lvl5pPr marL="2057400" indent="-228600">
-                <a:spcBef>
-                  <a:spcPct val="20000"/>
-                </a:spcBef>
-                <a:buFont typeface="Arial" panose="020B0604020202020204" pitchFamily="34" charset="0"/>
-                <a:buChar char="–"/>
-                <a:defRPr sz="2000">
-                  <a:solidFill>
-                    <a:schemeClr val="tx1"/>
-                  </a:solidFill>
-                  <a:latin typeface="Tahoma" panose="020B0604030504040204" pitchFamily="34" charset="0"/>
-                </a:defRPr>
-              </a:lvl5pPr>
-              <a:lvl6pPr marL="2514600" indent="-228600" eaLnBrk="0" fontAlgn="base" hangingPunct="0">
-                <a:spcBef>
-                  <a:spcPct val="20000"/>
-                </a:spcBef>
-                <a:spcAft>
-                  <a:spcPct val="0"/>
-                </a:spcAft>
-                <a:buFont typeface="Arial" panose="020B0604020202020204" pitchFamily="34" charset="0"/>
-                <a:buChar char="–"/>
-                <a:defRPr sz="2000">
-                  <a:solidFill>
-                    <a:schemeClr val="tx1"/>
-                  </a:solidFill>
-                  <a:latin typeface="Tahoma" panose="020B0604030504040204" pitchFamily="34" charset="0"/>
-                </a:defRPr>
-              </a:lvl6pPr>
-              <a:lvl7pPr marL="2971800" indent="-228600" eaLnBrk="0" fontAlgn="base" hangingPunct="0">
-                <a:spcBef>
-                  <a:spcPct val="20000"/>
-                </a:spcBef>
-                <a:spcAft>
-                  <a:spcPct val="0"/>
-                </a:spcAft>
-                <a:buFont typeface="Arial" panose="020B0604020202020204" pitchFamily="34" charset="0"/>
-                <a:buChar char="–"/>
-                <a:defRPr sz="2000">
-                  <a:solidFill>
-                    <a:schemeClr val="tx1"/>
-                  </a:solidFill>
-                  <a:latin typeface="Tahoma" panose="020B0604030504040204" pitchFamily="34" charset="0"/>
-                </a:defRPr>
-              </a:lvl7pPr>
-              <a:lvl8pPr marL="3429000" indent="-228600" eaLnBrk="0" fontAlgn="base" hangingPunct="0">
-                <a:spcBef>
-                  <a:spcPct val="20000"/>
-                </a:spcBef>
-                <a:spcAft>
-                  <a:spcPct val="0"/>
-                </a:spcAft>
-                <a:buFont typeface="Arial" panose="020B0604020202020204" pitchFamily="34" charset="0"/>
-                <a:buChar char="–"/>
-                <a:defRPr sz="2000">
-                  <a:solidFill>
-                    <a:schemeClr val="tx1"/>
-                  </a:solidFill>
-                  <a:latin typeface="Tahoma" panose="020B0604030504040204" pitchFamily="34" charset="0"/>
-                </a:defRPr>
-              </a:lvl8pPr>
-              <a:lvl9pPr marL="3886200" indent="-228600" eaLnBrk="0" fontAlgn="base" hangingPunct="0">
-                <a:spcBef>
-                  <a:spcPct val="20000"/>
-                </a:spcBef>
-                <a:spcAft>
-                  <a:spcPct val="0"/>
-                </a:spcAft>
-                <a:buFont typeface="Arial" panose="020B0604020202020204" pitchFamily="34" charset="0"/>
-                <a:buChar char="–"/>
-                <a:defRPr sz="2000">
-                  <a:solidFill>
-                    <a:schemeClr val="tx1"/>
-                  </a:solidFill>
-                  <a:latin typeface="Tahoma" panose="020B0604030504040204" pitchFamily="34" charset="0"/>
-                </a:defRPr>
-              </a:lvl9pPr>
-            </a:lstStyle>
-            <a:p>
-              <a:pPr eaLnBrk="1" hangingPunct="1">
-                <a:spcBef>
-                  <a:spcPct val="0"/>
-                </a:spcBef>
-                <a:buClrTx/>
-                <a:buSzTx/>
-                <a:buFontTx/>
-                <a:buNone/>
-              </a:pPr>
-              <a:r>
-                <a:rPr lang="en-US" altLang="it-IT" sz="1600" b="1" dirty="0">
-                  <a:latin typeface="Courier New" panose="02070309020205020404" pitchFamily="49" charset="0"/>
-                </a:rPr>
-                <a:t>pc4.startup</a:t>
-              </a:r>
-            </a:p>
-          </p:txBody>
-        </p:sp>
-      </p:grpSp>
-    </p:spTree>
-    <p:extLst>
-      <p:ext uri="{BB962C8B-B14F-4D97-AF65-F5344CB8AC3E}">
-        <p14:creationId xmlns:p14="http://schemas.microsoft.com/office/powerpoint/2010/main" val="3171283382"/>
-      </p:ext>
-    </p:extLst>
-  </p:cSld>
-  <p:clrMapOvr>
-    <a:masterClrMapping/>
-  </p:clrMapOvr>
-</p:sld>
-</file>
-
-<file path=ppt/slides/slide6.xml><?xml version="1.0" encoding="utf-8"?>
-<p:sld xmlns:a="http://schemas.openxmlformats.org/drawingml/2006/main" xmlns:r="http://schemas.openxmlformats.org/officeDocument/2006/relationships" xmlns:p="http://schemas.openxmlformats.org/presentationml/2006/main">
-  <p:cSld>
-    <p:spTree>
-      <p:nvGrpSpPr>
-        <p:cNvPr id="1" name=""/>
-        <p:cNvGrpSpPr/>
-        <p:nvPr/>
-      </p:nvGrpSpPr>
-      <p:grpSpPr>
-        <a:xfrm>
-          <a:off x="0" y="0"/>
-          <a:ext cx="0" cy="0"/>
-          <a:chOff x="0" y="0"/>
-          <a:chExt cx="0" cy="0"/>
-        </a:xfrm>
-      </p:grpSpPr>
-      <p:sp>
-        <p:nvSpPr>
           <p:cNvPr id="28673" name="Title 1">
             <a:extLst>
               <a:ext uri="{FF2B5EF4-FFF2-40B4-BE49-F238E27FC236}">
@@ -34160,7 +31055,7 @@
 </p:sld>
 </file>
 
-<file path=ppt/slides/slide7.xml><?xml version="1.0" encoding="utf-8"?>
+<file path=ppt/slides/slide6.xml><?xml version="1.0" encoding="utf-8"?>
 <p:sld xmlns:a="http://schemas.openxmlformats.org/drawingml/2006/main" xmlns:r="http://schemas.openxmlformats.org/officeDocument/2006/relationships" xmlns:p="http://schemas.openxmlformats.org/presentationml/2006/main">
   <p:cSld>
     <p:spTree>
@@ -35355,7 +32250,7 @@
 </p:sld>
 </file>
 
-<file path=ppt/slides/slide8.xml><?xml version="1.0" encoding="utf-8"?>
+<file path=ppt/slides/slide7.xml><?xml version="1.0" encoding="utf-8"?>
 <p:sld xmlns:a="http://schemas.openxmlformats.org/drawingml/2006/main" xmlns:r="http://schemas.openxmlformats.org/officeDocument/2006/relationships" xmlns:p="http://schemas.openxmlformats.org/presentationml/2006/main">
   <p:cSld>
     <p:spTree>
@@ -35527,7 +32422,7 @@
 </p:sld>
 </file>
 
-<file path=ppt/slides/slide9.xml><?xml version="1.0" encoding="utf-8"?>
+<file path=ppt/slides/slide8.xml><?xml version="1.0" encoding="utf-8"?>
 <p:sld xmlns:a="http://schemas.openxmlformats.org/drawingml/2006/main" xmlns:r="http://schemas.openxmlformats.org/officeDocument/2006/relationships" xmlns:p="http://schemas.openxmlformats.org/presentationml/2006/main">
   <p:cSld>
     <p:spTree>
@@ -36657,6 +33552,1198 @@
                                         </p:cTn>
                                         <p:tgtEl>
                                           <p:spTgt spid="13"/>
+                                        </p:tgtEl>
+                                        <p:attrNameLst>
+                                          <p:attrName>style.visibility</p:attrName>
+                                        </p:attrNameLst>
+                                      </p:cBhvr>
+                                      <p:to>
+                                        <p:strVal val="visible"/>
+                                      </p:to>
+                                    </p:set>
+                                  </p:childTnLst>
+                                </p:cTn>
+                              </p:par>
+                            </p:childTnLst>
+                          </p:cTn>
+                        </p:par>
+                      </p:childTnLst>
+                    </p:cTn>
+                  </p:par>
+                </p:childTnLst>
+              </p:cTn>
+              <p:prevCondLst>
+                <p:cond evt="onPrev" delay="0">
+                  <p:tgtEl>
+                    <p:sldTgt/>
+                  </p:tgtEl>
+                </p:cond>
+              </p:prevCondLst>
+              <p:nextCondLst>
+                <p:cond evt="onNext" delay="0">
+                  <p:tgtEl>
+                    <p:sldTgt/>
+                  </p:tgtEl>
+                </p:cond>
+              </p:nextCondLst>
+            </p:seq>
+          </p:childTnLst>
+        </p:cTn>
+      </p:par>
+    </p:tnLst>
+    <p:bldLst>
+      <p:bldP spid="13" grpId="0" animBg="1"/>
+      <p:bldP spid="14" grpId="0" animBg="1"/>
+    </p:bldLst>
+  </p:timing>
+</p:sld>
+</file>
+
+<file path=ppt/slides/slide9.xml><?xml version="1.0" encoding="utf-8"?>
+<p:sld xmlns:a="http://schemas.openxmlformats.org/drawingml/2006/main" xmlns:r="http://schemas.openxmlformats.org/officeDocument/2006/relationships" xmlns:p="http://schemas.openxmlformats.org/presentationml/2006/main">
+  <p:cSld>
+    <p:spTree>
+      <p:nvGrpSpPr>
+        <p:cNvPr id="1" name=""/>
+        <p:cNvGrpSpPr/>
+        <p:nvPr/>
+      </p:nvGrpSpPr>
+      <p:grpSpPr>
+        <a:xfrm>
+          <a:off x="0" y="0"/>
+          <a:ext cx="0" cy="0"/>
+          <a:chOff x="0" y="0"/>
+          <a:chExt cx="0" cy="0"/>
+        </a:xfrm>
+      </p:grpSpPr>
+      <p:sp>
+        <p:nvSpPr>
+          <p:cNvPr id="2" name="Title 1">
+            <a:extLst>
+              <a:ext uri="{FF2B5EF4-FFF2-40B4-BE49-F238E27FC236}">
+                <a16:creationId xmlns:a16="http://schemas.microsoft.com/office/drawing/2014/main" id="{40D362BF-6D5D-EE5A-7FA6-56FD32E78779}"/>
+              </a:ext>
+            </a:extLst>
+          </p:cNvPr>
+          <p:cNvSpPr>
+            <a:spLocks noGrp="1"/>
+          </p:cNvSpPr>
+          <p:nvPr>
+            <p:ph type="title"/>
+          </p:nvPr>
+        </p:nvSpPr>
+        <p:spPr/>
+        <p:txBody>
+          <a:bodyPr/>
+          <a:lstStyle/>
+          <a:p>
+            <a:r>
+              <a:rPr lang="en-GB" dirty="0"/>
+              <a:t>bringing up the bridge</a:t>
+            </a:r>
+          </a:p>
+        </p:txBody>
+      </p:sp>
+      <p:sp>
+        <p:nvSpPr>
+          <p:cNvPr id="3" name="Content Placeholder 2">
+            <a:extLst>
+              <a:ext uri="{FF2B5EF4-FFF2-40B4-BE49-F238E27FC236}">
+                <a16:creationId xmlns:a16="http://schemas.microsoft.com/office/drawing/2014/main" id="{F24FB8D8-2A59-598A-909D-68604B4D081D}"/>
+              </a:ext>
+            </a:extLst>
+          </p:cNvPr>
+          <p:cNvSpPr>
+            <a:spLocks noGrp="1"/>
+          </p:cNvSpPr>
+          <p:nvPr>
+            <p:ph idx="1"/>
+          </p:nvPr>
+        </p:nvSpPr>
+        <p:spPr/>
+        <p:txBody>
+          <a:bodyPr/>
+          <a:lstStyle/>
+          <a:p>
+            <a:r>
+              <a:rPr lang="en-GB" dirty="0"/>
+              <a:t>the bridge is born with its state DOWN</a:t>
+            </a:r>
+          </a:p>
+          <a:p>
+            <a:pPr lvl="1"/>
+            <a:r>
+              <a:rPr lang="en-GB" dirty="0"/>
+              <a:t>this means that it is switched off</a:t>
+            </a:r>
+          </a:p>
+          <a:p>
+            <a:r>
+              <a:rPr lang="en-GB" dirty="0"/>
+              <a:t>the following command allows to switch up/down a bridge (or even a network interface)</a:t>
+            </a:r>
+          </a:p>
+          <a:p>
+            <a:pPr lvl="1"/>
+            <a:r>
+              <a:rPr lang="en-GB" dirty="0"/>
+              <a:t>it can be also used for </a:t>
+            </a:r>
+            <a:r>
+              <a:rPr lang="en-GB" dirty="0" err="1"/>
+              <a:t>ethX</a:t>
+            </a:r>
+            <a:r>
+              <a:rPr lang="en-GB" dirty="0"/>
+              <a:t> interfaces</a:t>
+            </a:r>
+          </a:p>
+        </p:txBody>
+      </p:sp>
+      <p:sp>
+        <p:nvSpPr>
+          <p:cNvPr id="4" name="Date Placeholder 3">
+            <a:extLst>
+              <a:ext uri="{FF2B5EF4-FFF2-40B4-BE49-F238E27FC236}">
+                <a16:creationId xmlns:a16="http://schemas.microsoft.com/office/drawing/2014/main" id="{F86D4BAA-BB6B-A349-F88A-F5FA1C0AC6D3}"/>
+              </a:ext>
+            </a:extLst>
+          </p:cNvPr>
+          <p:cNvSpPr>
+            <a:spLocks noGrp="1"/>
+          </p:cNvSpPr>
+          <p:nvPr>
+            <p:ph type="dt" sz="half" idx="10"/>
+          </p:nvPr>
+        </p:nvSpPr>
+        <p:spPr/>
+        <p:txBody>
+          <a:bodyPr/>
+          <a:lstStyle/>
+          <a:p>
+            <a:pPr>
+              <a:defRPr/>
+            </a:pPr>
+            <a:r>
+              <a:rPr lang="it-IT" altLang="it-IT"/>
+              <a:t>last update: Oct 2023</a:t>
+            </a:r>
+          </a:p>
+        </p:txBody>
+      </p:sp>
+      <p:sp>
+        <p:nvSpPr>
+          <p:cNvPr id="5" name="Footer Placeholder 4">
+            <a:extLst>
+              <a:ext uri="{FF2B5EF4-FFF2-40B4-BE49-F238E27FC236}">
+                <a16:creationId xmlns:a16="http://schemas.microsoft.com/office/drawing/2014/main" id="{4BFC0266-2513-4A7C-FB38-92743284EAEE}"/>
+              </a:ext>
+            </a:extLst>
+          </p:cNvPr>
+          <p:cNvSpPr>
+            <a:spLocks noGrp="1"/>
+          </p:cNvSpPr>
+          <p:nvPr>
+            <p:ph type="ftr" sz="quarter" idx="11"/>
+          </p:nvPr>
+        </p:nvSpPr>
+        <p:spPr/>
+        <p:txBody>
+          <a:bodyPr/>
+          <a:lstStyle/>
+          <a:p>
+            <a:pPr>
+              <a:defRPr/>
+            </a:pPr>
+            <a:r>
+              <a:rPr lang="it-IT" altLang="it-IT"/>
+              <a:t>kathara – [ lab: one bridge ]</a:t>
+            </a:r>
+          </a:p>
+        </p:txBody>
+      </p:sp>
+      <p:grpSp>
+        <p:nvGrpSpPr>
+          <p:cNvPr id="6" name="Group 5">
+            <a:extLst>
+              <a:ext uri="{FF2B5EF4-FFF2-40B4-BE49-F238E27FC236}">
+                <a16:creationId xmlns:a16="http://schemas.microsoft.com/office/drawing/2014/main" id="{FB184BA9-0198-4E1B-4790-3128B54DE01D}"/>
+              </a:ext>
+            </a:extLst>
+          </p:cNvPr>
+          <p:cNvGrpSpPr/>
+          <p:nvPr/>
+        </p:nvGrpSpPr>
+        <p:grpSpPr>
+          <a:xfrm>
+            <a:off x="1661669" y="4216399"/>
+            <a:ext cx="8868661" cy="1123946"/>
+            <a:chOff x="2711621" y="2305054"/>
+            <a:chExt cx="8868661" cy="1123946"/>
+          </a:xfrm>
+        </p:grpSpPr>
+        <p:sp>
+          <p:nvSpPr>
+            <p:cNvPr id="7" name="Rectangle 6">
+              <a:extLst>
+                <a:ext uri="{FF2B5EF4-FFF2-40B4-BE49-F238E27FC236}">
+                  <a16:creationId xmlns:a16="http://schemas.microsoft.com/office/drawing/2014/main" id="{DFDE12E3-2AFA-AFB1-28E6-C2F6DB82BCF9}"/>
+                </a:ext>
+              </a:extLst>
+            </p:cNvPr>
+            <p:cNvSpPr/>
+            <p:nvPr/>
+          </p:nvSpPr>
+          <p:spPr>
+            <a:xfrm>
+              <a:off x="2711624" y="2632079"/>
+              <a:ext cx="8868658" cy="796921"/>
+            </a:xfrm>
+            <a:prstGeom prst="rect">
+              <a:avLst/>
+            </a:prstGeom>
+            <a:solidFill>
+              <a:sysClr val="windowText" lastClr="000000"/>
+            </a:solidFill>
+            <a:ln w="57150" cap="flat" cmpd="sng" algn="ctr">
+              <a:solidFill>
+                <a:srgbClr val="4472C4"/>
+              </a:solidFill>
+              <a:prstDash val="solid"/>
+              <a:miter lim="800000"/>
+            </a:ln>
+            <a:effectLst>
+              <a:outerShdw blurRad="50800" dist="38100" dir="2700000" algn="tl" rotWithShape="0">
+                <a:prstClr val="black">
+                  <a:alpha val="40000"/>
+                </a:prstClr>
+              </a:outerShdw>
+            </a:effectLst>
+          </p:spPr>
+          <p:txBody>
+            <a:bodyPr rtlCol="0" anchor="t"/>
+            <a:lstStyle/>
+            <a:p>
+              <a:pPr marL="0" marR="0" lvl="0" indent="0" defTabSz="914400" eaLnBrk="1" fontAlgn="auto" latinLnBrk="0" hangingPunct="1">
+                <a:lnSpc>
+                  <a:spcPct val="100000"/>
+                </a:lnSpc>
+                <a:spcBef>
+                  <a:spcPts val="0"/>
+                </a:spcBef>
+                <a:spcAft>
+                  <a:spcPts val="0"/>
+                </a:spcAft>
+                <a:buClrTx/>
+                <a:buSzTx/>
+                <a:buFontTx/>
+                <a:buNone/>
+                <a:tabLst/>
+                <a:defRPr/>
+              </a:pPr>
+              <a:r>
+                <a:rPr kumimoji="0" lang="it-IT" sz="1800" b="0" i="0" u="none" strike="noStrike" kern="0" cap="none" spc="0" normalizeH="0" baseline="0" noProof="0" dirty="0">
+                  <a:ln>
+                    <a:noFill/>
+                  </a:ln>
+                  <a:solidFill>
+                    <a:prstClr val="white">
+                      <a:lumMod val="65000"/>
+                    </a:prstClr>
+                  </a:solidFill>
+                  <a:effectLst/>
+                  <a:uLnTx/>
+                  <a:uFillTx/>
+                  <a:latin typeface="Lucida Console" panose="020B0609040504020204" pitchFamily="49" charset="0"/>
+                </a:rPr>
+                <a:t>root@</a:t>
+              </a:r>
+              <a:r>
+                <a:rPr lang="it-IT" kern="0" dirty="0">
+                  <a:solidFill>
+                    <a:prstClr val="white">
+                      <a:lumMod val="65000"/>
+                    </a:prstClr>
+                  </a:solidFill>
+                  <a:latin typeface="Lucida Console" panose="020B0609040504020204" pitchFamily="49" charset="0"/>
+                </a:rPr>
+                <a:t>b</a:t>
+              </a:r>
+              <a:r>
+                <a:rPr kumimoji="0" lang="it-IT" sz="1800" b="0" i="0" u="none" strike="noStrike" kern="0" cap="none" spc="0" normalizeH="0" baseline="0" noProof="0" dirty="0">
+                  <a:ln>
+                    <a:noFill/>
+                  </a:ln>
+                  <a:solidFill>
+                    <a:prstClr val="white">
+                      <a:lumMod val="65000"/>
+                    </a:prstClr>
+                  </a:solidFill>
+                  <a:effectLst/>
+                  <a:uLnTx/>
+                  <a:uFillTx/>
+                  <a:latin typeface="Lucida Console" panose="020B0609040504020204" pitchFamily="49" charset="0"/>
+                </a:rPr>
+                <a:t>1:~$ </a:t>
+              </a:r>
+              <a:r>
+                <a:rPr lang="en-US" b="1" kern="0" dirty="0" err="1">
+                  <a:solidFill>
+                    <a:prstClr val="white"/>
+                  </a:solidFill>
+                  <a:latin typeface="Lucida Console" panose="020B0609040504020204" pitchFamily="49" charset="0"/>
+                </a:rPr>
+                <a:t>ip</a:t>
+              </a:r>
+              <a:r>
+                <a:rPr lang="en-US" b="1" kern="0" dirty="0">
+                  <a:solidFill>
+                    <a:prstClr val="white"/>
+                  </a:solidFill>
+                  <a:latin typeface="Lucida Console" panose="020B0609040504020204" pitchFamily="49" charset="0"/>
+                </a:rPr>
+                <a:t> link set up dev </a:t>
+              </a:r>
+              <a:r>
+                <a:rPr lang="en-US" b="1" kern="0" dirty="0" err="1">
+                  <a:solidFill>
+                    <a:prstClr val="white"/>
+                  </a:solidFill>
+                  <a:latin typeface="Lucida Console" panose="020B0609040504020204" pitchFamily="49" charset="0"/>
+                </a:rPr>
+                <a:t>mainbridge</a:t>
+              </a:r>
+              <a:endParaRPr lang="it-IT" b="1" kern="0" dirty="0">
+                <a:solidFill>
+                  <a:prstClr val="white"/>
+                </a:solidFill>
+                <a:latin typeface="Lucida Console" panose="020B0609040504020204" pitchFamily="49" charset="0"/>
+              </a:endParaRPr>
+            </a:p>
+          </p:txBody>
+        </p:sp>
+        <p:sp>
+          <p:nvSpPr>
+            <p:cNvPr id="8" name="Rectangle 7">
+              <a:extLst>
+                <a:ext uri="{FF2B5EF4-FFF2-40B4-BE49-F238E27FC236}">
+                  <a16:creationId xmlns:a16="http://schemas.microsoft.com/office/drawing/2014/main" id="{6255A550-303C-BCE2-3FED-B049965CB00C}"/>
+                </a:ext>
+              </a:extLst>
+            </p:cNvPr>
+            <p:cNvSpPr/>
+            <p:nvPr/>
+          </p:nvSpPr>
+          <p:spPr>
+            <a:xfrm>
+              <a:off x="2711621" y="2305054"/>
+              <a:ext cx="8868658" cy="286249"/>
+            </a:xfrm>
+            <a:prstGeom prst="rect">
+              <a:avLst/>
+            </a:prstGeom>
+            <a:solidFill>
+              <a:srgbClr val="4472C4"/>
+            </a:solidFill>
+            <a:ln w="57150" cap="flat" cmpd="sng" algn="ctr">
+              <a:solidFill>
+                <a:srgbClr val="4472C4"/>
+              </a:solidFill>
+              <a:prstDash val="solid"/>
+              <a:miter lim="800000"/>
+            </a:ln>
+            <a:effectLst>
+              <a:outerShdw blurRad="50800" dist="25400" algn="l" rotWithShape="0">
+                <a:prstClr val="black">
+                  <a:alpha val="32000"/>
+                </a:prstClr>
+              </a:outerShdw>
+            </a:effectLst>
+          </p:spPr>
+          <p:txBody>
+            <a:bodyPr rtlCol="0" anchor="ctr"/>
+            <a:lstStyle/>
+            <a:p>
+              <a:pPr marL="0" marR="0" lvl="0" indent="0" algn="ctr" defTabSz="914400" eaLnBrk="1" fontAlgn="auto" latinLnBrk="0" hangingPunct="1">
+                <a:lnSpc>
+                  <a:spcPct val="100000"/>
+                </a:lnSpc>
+                <a:spcBef>
+                  <a:spcPts val="0"/>
+                </a:spcBef>
+                <a:spcAft>
+                  <a:spcPts val="0"/>
+                </a:spcAft>
+                <a:buClrTx/>
+                <a:buSzTx/>
+                <a:buFontTx/>
+                <a:buNone/>
+                <a:tabLst/>
+                <a:defRPr/>
+              </a:pPr>
+              <a:endParaRPr kumimoji="0" lang="it-IT" sz="1800" b="0" i="0" u="none" strike="noStrike" kern="0" cap="none" spc="0" normalizeH="0" baseline="0" noProof="0">
+                <a:ln>
+                  <a:noFill/>
+                </a:ln>
+                <a:solidFill>
+                  <a:prstClr val="white"/>
+                </a:solidFill>
+                <a:effectLst/>
+                <a:uLnTx/>
+                <a:uFillTx/>
+                <a:latin typeface="Calibri" panose="020F0502020204030204"/>
+                <a:ea typeface="+mn-ea"/>
+                <a:cs typeface="+mn-cs"/>
+              </a:endParaRPr>
+            </a:p>
+          </p:txBody>
+        </p:sp>
+        <p:grpSp>
+          <p:nvGrpSpPr>
+            <p:cNvPr id="9" name="Group 8">
+              <a:extLst>
+                <a:ext uri="{FF2B5EF4-FFF2-40B4-BE49-F238E27FC236}">
+                  <a16:creationId xmlns:a16="http://schemas.microsoft.com/office/drawing/2014/main" id="{4577026C-5981-8B12-9438-3F56FED8C0EA}"/>
+                </a:ext>
+              </a:extLst>
+            </p:cNvPr>
+            <p:cNvGrpSpPr/>
+            <p:nvPr/>
+          </p:nvGrpSpPr>
+          <p:grpSpPr>
+            <a:xfrm>
+              <a:off x="10920536" y="2386396"/>
+              <a:ext cx="581348" cy="126235"/>
+              <a:chOff x="8092857" y="2035375"/>
+              <a:chExt cx="581348" cy="126235"/>
+            </a:xfrm>
+          </p:grpSpPr>
+          <p:sp>
+            <p:nvSpPr>
+              <p:cNvPr id="10" name="Rectangle 9">
+                <a:extLst>
+                  <a:ext uri="{FF2B5EF4-FFF2-40B4-BE49-F238E27FC236}">
+                    <a16:creationId xmlns:a16="http://schemas.microsoft.com/office/drawing/2014/main" id="{14E120D0-CFC2-D5DC-C323-3302DA8705A3}"/>
+                  </a:ext>
+                </a:extLst>
+              </p:cNvPr>
+              <p:cNvSpPr>
+                <a:spLocks noChangeAspect="1"/>
+              </p:cNvSpPr>
+              <p:nvPr/>
+            </p:nvSpPr>
+            <p:spPr>
+              <a:xfrm>
+                <a:off x="8548205" y="2035610"/>
+                <a:ext cx="126000" cy="126000"/>
+              </a:xfrm>
+              <a:prstGeom prst="rect">
+                <a:avLst/>
+              </a:prstGeom>
+              <a:solidFill>
+                <a:srgbClr val="FF0000">
+                  <a:alpha val="50196"/>
+                </a:srgbClr>
+              </a:solidFill>
+              <a:ln w="12700" cap="flat" cmpd="sng" algn="ctr">
+                <a:solidFill>
+                  <a:srgbClr val="4472C4">
+                    <a:shade val="50000"/>
+                  </a:srgbClr>
+                </a:solidFill>
+                <a:prstDash val="solid"/>
+                <a:miter lim="800000"/>
+              </a:ln>
+              <a:effectLst/>
+            </p:spPr>
+            <p:txBody>
+              <a:bodyPr rtlCol="0" anchor="ctr"/>
+              <a:lstStyle/>
+              <a:p>
+                <a:pPr marL="0" marR="0" lvl="0" indent="0" algn="ctr" defTabSz="914400" eaLnBrk="1" fontAlgn="auto" latinLnBrk="0" hangingPunct="1">
+                  <a:lnSpc>
+                    <a:spcPct val="100000"/>
+                  </a:lnSpc>
+                  <a:spcBef>
+                    <a:spcPts val="0"/>
+                  </a:spcBef>
+                  <a:spcAft>
+                    <a:spcPts val="0"/>
+                  </a:spcAft>
+                  <a:buClrTx/>
+                  <a:buSzTx/>
+                  <a:buFontTx/>
+                  <a:buNone/>
+                  <a:tabLst/>
+                  <a:defRPr/>
+                </a:pPr>
+                <a:endParaRPr kumimoji="0" lang="it-IT" sz="1800" b="0" i="0" u="none" strike="noStrike" kern="0" cap="none" spc="0" normalizeH="0" baseline="0" noProof="0">
+                  <a:ln>
+                    <a:noFill/>
+                  </a:ln>
+                  <a:solidFill>
+                    <a:prstClr val="white"/>
+                  </a:solidFill>
+                  <a:effectLst/>
+                  <a:uLnTx/>
+                  <a:uFillTx/>
+                  <a:latin typeface="Calibri" panose="020F0502020204030204"/>
+                  <a:ea typeface="+mn-ea"/>
+                  <a:cs typeface="+mn-cs"/>
+                </a:endParaRPr>
+              </a:p>
+            </p:txBody>
+          </p:sp>
+          <p:sp>
+            <p:nvSpPr>
+              <p:cNvPr id="11" name="Rectangle 10">
+                <a:extLst>
+                  <a:ext uri="{FF2B5EF4-FFF2-40B4-BE49-F238E27FC236}">
+                    <a16:creationId xmlns:a16="http://schemas.microsoft.com/office/drawing/2014/main" id="{F09EDC29-7B76-204C-8925-A9BEAF50FEE6}"/>
+                  </a:ext>
+                </a:extLst>
+              </p:cNvPr>
+              <p:cNvSpPr>
+                <a:spLocks noChangeAspect="1"/>
+              </p:cNvSpPr>
+              <p:nvPr/>
+            </p:nvSpPr>
+            <p:spPr>
+              <a:xfrm>
+                <a:off x="8092857" y="2035375"/>
+                <a:ext cx="126235" cy="126235"/>
+              </a:xfrm>
+              <a:prstGeom prst="rect">
+                <a:avLst/>
+              </a:prstGeom>
+              <a:solidFill>
+                <a:srgbClr val="4472C4">
+                  <a:lumMod val="60000"/>
+                  <a:lumOff val="40000"/>
+                </a:srgbClr>
+              </a:solidFill>
+              <a:ln w="12700" cap="flat" cmpd="sng" algn="ctr">
+                <a:solidFill>
+                  <a:srgbClr val="4472C4">
+                    <a:shade val="50000"/>
+                  </a:srgbClr>
+                </a:solidFill>
+                <a:prstDash val="solid"/>
+                <a:miter lim="800000"/>
+              </a:ln>
+              <a:effectLst/>
+            </p:spPr>
+            <p:txBody>
+              <a:bodyPr rtlCol="0" anchor="ctr"/>
+              <a:lstStyle/>
+              <a:p>
+                <a:pPr marL="0" marR="0" lvl="0" indent="0" algn="r" defTabSz="914400" eaLnBrk="1" fontAlgn="auto" latinLnBrk="0" hangingPunct="1">
+                  <a:lnSpc>
+                    <a:spcPct val="100000"/>
+                  </a:lnSpc>
+                  <a:spcBef>
+                    <a:spcPts val="0"/>
+                  </a:spcBef>
+                  <a:spcAft>
+                    <a:spcPts val="0"/>
+                  </a:spcAft>
+                  <a:buClrTx/>
+                  <a:buSzTx/>
+                  <a:buFontTx/>
+                  <a:buNone/>
+                  <a:tabLst/>
+                  <a:defRPr/>
+                </a:pPr>
+                <a:endParaRPr kumimoji="0" lang="it-IT" sz="1800" b="0" i="0" u="none" strike="noStrike" kern="0" cap="none" spc="0" normalizeH="0" baseline="0" noProof="0" dirty="0">
+                  <a:ln>
+                    <a:noFill/>
+                  </a:ln>
+                  <a:solidFill>
+                    <a:prstClr val="white"/>
+                  </a:solidFill>
+                  <a:effectLst/>
+                  <a:uLnTx/>
+                  <a:uFillTx/>
+                  <a:latin typeface="Calibri" panose="020F0502020204030204"/>
+                  <a:ea typeface="+mn-ea"/>
+                  <a:cs typeface="+mn-cs"/>
+                </a:endParaRPr>
+              </a:p>
+            </p:txBody>
+          </p:sp>
+          <p:sp>
+            <p:nvSpPr>
+              <p:cNvPr id="12" name="Rectangle 11">
+                <a:extLst>
+                  <a:ext uri="{FF2B5EF4-FFF2-40B4-BE49-F238E27FC236}">
+                    <a16:creationId xmlns:a16="http://schemas.microsoft.com/office/drawing/2014/main" id="{94FD3FD3-1180-7829-70E0-0386601B78E6}"/>
+                  </a:ext>
+                </a:extLst>
+              </p:cNvPr>
+              <p:cNvSpPr>
+                <a:spLocks noChangeAspect="1"/>
+              </p:cNvSpPr>
+              <p:nvPr/>
+            </p:nvSpPr>
+            <p:spPr>
+              <a:xfrm>
+                <a:off x="8320531" y="2035375"/>
+                <a:ext cx="126235" cy="126235"/>
+              </a:xfrm>
+              <a:prstGeom prst="rect">
+                <a:avLst/>
+              </a:prstGeom>
+              <a:solidFill>
+                <a:srgbClr val="4472C4">
+                  <a:lumMod val="60000"/>
+                  <a:lumOff val="40000"/>
+                </a:srgbClr>
+              </a:solidFill>
+              <a:ln w="12700" cap="flat" cmpd="sng" algn="ctr">
+                <a:solidFill>
+                  <a:srgbClr val="4472C4">
+                    <a:shade val="50000"/>
+                  </a:srgbClr>
+                </a:solidFill>
+                <a:prstDash val="solid"/>
+                <a:miter lim="800000"/>
+              </a:ln>
+              <a:effectLst/>
+            </p:spPr>
+            <p:txBody>
+              <a:bodyPr rtlCol="0" anchor="ctr"/>
+              <a:lstStyle/>
+              <a:p>
+                <a:pPr marL="0" marR="0" lvl="0" indent="0" algn="r" defTabSz="914400" eaLnBrk="1" fontAlgn="auto" latinLnBrk="0" hangingPunct="1">
+                  <a:lnSpc>
+                    <a:spcPct val="100000"/>
+                  </a:lnSpc>
+                  <a:spcBef>
+                    <a:spcPts val="0"/>
+                  </a:spcBef>
+                  <a:spcAft>
+                    <a:spcPts val="0"/>
+                  </a:spcAft>
+                  <a:buClrTx/>
+                  <a:buSzTx/>
+                  <a:buFontTx/>
+                  <a:buNone/>
+                  <a:tabLst/>
+                  <a:defRPr/>
+                </a:pPr>
+                <a:endParaRPr kumimoji="0" lang="it-IT" sz="1800" b="0" i="0" u="none" strike="noStrike" kern="0" cap="none" spc="0" normalizeH="0" baseline="0" noProof="0" dirty="0">
+                  <a:ln>
+                    <a:noFill/>
+                  </a:ln>
+                  <a:solidFill>
+                    <a:prstClr val="white"/>
+                  </a:solidFill>
+                  <a:effectLst/>
+                  <a:uLnTx/>
+                  <a:uFillTx/>
+                  <a:latin typeface="Calibri" panose="020F0502020204030204"/>
+                  <a:ea typeface="+mn-ea"/>
+                  <a:cs typeface="+mn-cs"/>
+                </a:endParaRPr>
+              </a:p>
+            </p:txBody>
+          </p:sp>
+        </p:grpSp>
+      </p:grpSp>
+      <p:sp>
+        <p:nvSpPr>
+          <p:cNvPr id="13" name="AutoShape 34">
+            <a:extLst>
+              <a:ext uri="{FF2B5EF4-FFF2-40B4-BE49-F238E27FC236}">
+                <a16:creationId xmlns:a16="http://schemas.microsoft.com/office/drawing/2014/main" id="{510441A9-1012-79C6-1F1C-6F97DABDC817}"/>
+              </a:ext>
+            </a:extLst>
+          </p:cNvPr>
+          <p:cNvSpPr>
+            <a:spLocks noChangeArrowheads="1"/>
+          </p:cNvSpPr>
+          <p:nvPr/>
+        </p:nvSpPr>
+        <p:spPr bwMode="auto">
+          <a:xfrm>
+            <a:off x="2351584" y="5570363"/>
+            <a:ext cx="2906160" cy="796921"/>
+          </a:xfrm>
+          <a:prstGeom prst="wedgeRoundRectCallout">
+            <a:avLst>
+              <a:gd name="adj1" fmla="val 42189"/>
+              <a:gd name="adj2" fmla="val -142610"/>
+              <a:gd name="adj3" fmla="val 16667"/>
+            </a:avLst>
+          </a:prstGeom>
+          <a:solidFill>
+            <a:schemeClr val="accent2"/>
+          </a:solidFill>
+          <a:ln w="9525">
+            <a:solidFill>
+              <a:schemeClr val="tx1"/>
+            </a:solidFill>
+            <a:miter lim="800000"/>
+            <a:headEnd/>
+            <a:tailEnd/>
+          </a:ln>
+          <a:effectLst/>
+        </p:spPr>
+        <p:txBody>
+          <a:bodyPr anchor="ctr"/>
+          <a:lstStyle>
+            <a:lvl1pPr>
+              <a:spcBef>
+                <a:spcPct val="20000"/>
+              </a:spcBef>
+              <a:buClr>
+                <a:schemeClr val="tx2"/>
+              </a:buClr>
+              <a:buSzPct val="70000"/>
+              <a:buFont typeface="Wingdings" panose="05000000000000000000" pitchFamily="2" charset="2"/>
+              <a:buChar char="n"/>
+              <a:defRPr sz="3200">
+                <a:solidFill>
+                  <a:schemeClr val="tx1"/>
+                </a:solidFill>
+                <a:latin typeface="Tahoma" panose="020B0604030504040204" pitchFamily="34" charset="0"/>
+              </a:defRPr>
+            </a:lvl1pPr>
+            <a:lvl2pPr marL="742950" indent="-285750">
+              <a:spcBef>
+                <a:spcPct val="20000"/>
+              </a:spcBef>
+              <a:buClr>
+                <a:schemeClr val="accent1"/>
+              </a:buClr>
+              <a:buSzPct val="70000"/>
+              <a:buFont typeface="Wingdings" panose="05000000000000000000" pitchFamily="2" charset="2"/>
+              <a:buChar char="n"/>
+              <a:defRPr sz="2800">
+                <a:solidFill>
+                  <a:schemeClr val="tx1"/>
+                </a:solidFill>
+                <a:latin typeface="Tahoma" panose="020B0604030504040204" pitchFamily="34" charset="0"/>
+              </a:defRPr>
+            </a:lvl2pPr>
+            <a:lvl3pPr marL="1143000" indent="-228600">
+              <a:spcBef>
+                <a:spcPct val="20000"/>
+              </a:spcBef>
+              <a:buClr>
+                <a:srgbClr val="66CC00"/>
+              </a:buClr>
+              <a:buSzPct val="70000"/>
+              <a:buFont typeface="Wingdings" panose="05000000000000000000" pitchFamily="2" charset="2"/>
+              <a:buChar char="n"/>
+              <a:defRPr sz="2400">
+                <a:solidFill>
+                  <a:schemeClr val="tx1"/>
+                </a:solidFill>
+                <a:latin typeface="Tahoma" panose="020B0604030504040204" pitchFamily="34" charset="0"/>
+              </a:defRPr>
+            </a:lvl3pPr>
+            <a:lvl4pPr marL="1600200" indent="-228600">
+              <a:spcBef>
+                <a:spcPct val="20000"/>
+              </a:spcBef>
+              <a:buSzPct val="70000"/>
+              <a:buFont typeface="Wingdings" panose="05000000000000000000" pitchFamily="2" charset="2"/>
+              <a:buChar char="l"/>
+              <a:defRPr sz="2000">
+                <a:solidFill>
+                  <a:schemeClr val="tx1"/>
+                </a:solidFill>
+                <a:latin typeface="Tahoma" panose="020B0604030504040204" pitchFamily="34" charset="0"/>
+              </a:defRPr>
+            </a:lvl4pPr>
+            <a:lvl5pPr marL="2057400" indent="-228600">
+              <a:spcBef>
+                <a:spcPct val="20000"/>
+              </a:spcBef>
+              <a:buFont typeface="Arial" panose="020B0604020202020204" pitchFamily="34" charset="0"/>
+              <a:buChar char="–"/>
+              <a:defRPr sz="2000">
+                <a:solidFill>
+                  <a:schemeClr val="tx1"/>
+                </a:solidFill>
+                <a:latin typeface="Tahoma" panose="020B0604030504040204" pitchFamily="34" charset="0"/>
+              </a:defRPr>
+            </a:lvl5pPr>
+            <a:lvl6pPr marL="2514600" indent="-228600" eaLnBrk="0" fontAlgn="base" hangingPunct="0">
+              <a:spcBef>
+                <a:spcPct val="20000"/>
+              </a:spcBef>
+              <a:spcAft>
+                <a:spcPct val="0"/>
+              </a:spcAft>
+              <a:buFont typeface="Arial" panose="020B0604020202020204" pitchFamily="34" charset="0"/>
+              <a:buChar char="–"/>
+              <a:defRPr sz="2000">
+                <a:solidFill>
+                  <a:schemeClr val="tx1"/>
+                </a:solidFill>
+                <a:latin typeface="Tahoma" panose="020B0604030504040204" pitchFamily="34" charset="0"/>
+              </a:defRPr>
+            </a:lvl6pPr>
+            <a:lvl7pPr marL="2971800" indent="-228600" eaLnBrk="0" fontAlgn="base" hangingPunct="0">
+              <a:spcBef>
+                <a:spcPct val="20000"/>
+              </a:spcBef>
+              <a:spcAft>
+                <a:spcPct val="0"/>
+              </a:spcAft>
+              <a:buFont typeface="Arial" panose="020B0604020202020204" pitchFamily="34" charset="0"/>
+              <a:buChar char="–"/>
+              <a:defRPr sz="2000">
+                <a:solidFill>
+                  <a:schemeClr val="tx1"/>
+                </a:solidFill>
+                <a:latin typeface="Tahoma" panose="020B0604030504040204" pitchFamily="34" charset="0"/>
+              </a:defRPr>
+            </a:lvl7pPr>
+            <a:lvl8pPr marL="3429000" indent="-228600" eaLnBrk="0" fontAlgn="base" hangingPunct="0">
+              <a:spcBef>
+                <a:spcPct val="20000"/>
+              </a:spcBef>
+              <a:spcAft>
+                <a:spcPct val="0"/>
+              </a:spcAft>
+              <a:buFont typeface="Arial" panose="020B0604020202020204" pitchFamily="34" charset="0"/>
+              <a:buChar char="–"/>
+              <a:defRPr sz="2000">
+                <a:solidFill>
+                  <a:schemeClr val="tx1"/>
+                </a:solidFill>
+                <a:latin typeface="Tahoma" panose="020B0604030504040204" pitchFamily="34" charset="0"/>
+              </a:defRPr>
+            </a:lvl8pPr>
+            <a:lvl9pPr marL="3886200" indent="-228600" eaLnBrk="0" fontAlgn="base" hangingPunct="0">
+              <a:spcBef>
+                <a:spcPct val="20000"/>
+              </a:spcBef>
+              <a:spcAft>
+                <a:spcPct val="0"/>
+              </a:spcAft>
+              <a:buFont typeface="Arial" panose="020B0604020202020204" pitchFamily="34" charset="0"/>
+              <a:buChar char="–"/>
+              <a:defRPr sz="2000">
+                <a:solidFill>
+                  <a:schemeClr val="tx1"/>
+                </a:solidFill>
+                <a:latin typeface="Tahoma" panose="020B0604030504040204" pitchFamily="34" charset="0"/>
+              </a:defRPr>
+            </a:lvl9pPr>
+          </a:lstStyle>
+          <a:p>
+            <a:pPr algn="ctr">
+              <a:spcBef>
+                <a:spcPct val="0"/>
+              </a:spcBef>
+              <a:buClrTx/>
+              <a:buSzTx/>
+              <a:buFontTx/>
+              <a:buNone/>
+            </a:pPr>
+            <a:r>
+              <a:rPr lang="en-US" altLang="it-IT" sz="2400" dirty="0"/>
+              <a:t>the desired state</a:t>
+            </a:r>
+          </a:p>
+        </p:txBody>
+      </p:sp>
+      <p:sp>
+        <p:nvSpPr>
+          <p:cNvPr id="14" name="AutoShape 34">
+            <a:extLst>
+              <a:ext uri="{FF2B5EF4-FFF2-40B4-BE49-F238E27FC236}">
+                <a16:creationId xmlns:a16="http://schemas.microsoft.com/office/drawing/2014/main" id="{CB1098A1-3F05-0784-FD13-FC917CC59E3D}"/>
+              </a:ext>
+            </a:extLst>
+          </p:cNvPr>
+          <p:cNvSpPr>
+            <a:spLocks noChangeArrowheads="1"/>
+          </p:cNvSpPr>
+          <p:nvPr/>
+        </p:nvSpPr>
+        <p:spPr bwMode="auto">
+          <a:xfrm>
+            <a:off x="7659441" y="5213701"/>
+            <a:ext cx="2906160" cy="1180216"/>
+          </a:xfrm>
+          <a:prstGeom prst="wedgeRoundRectCallout">
+            <a:avLst>
+              <a:gd name="adj1" fmla="val -61935"/>
+              <a:gd name="adj2" fmla="val -80541"/>
+              <a:gd name="adj3" fmla="val 16667"/>
+            </a:avLst>
+          </a:prstGeom>
+          <a:solidFill>
+            <a:schemeClr val="accent2"/>
+          </a:solidFill>
+          <a:ln w="9525">
+            <a:solidFill>
+              <a:schemeClr val="tx1"/>
+            </a:solidFill>
+            <a:miter lim="800000"/>
+            <a:headEnd/>
+            <a:tailEnd/>
+          </a:ln>
+          <a:effectLst/>
+        </p:spPr>
+        <p:txBody>
+          <a:bodyPr anchor="ctr"/>
+          <a:lstStyle>
+            <a:lvl1pPr>
+              <a:spcBef>
+                <a:spcPct val="20000"/>
+              </a:spcBef>
+              <a:buClr>
+                <a:schemeClr val="tx2"/>
+              </a:buClr>
+              <a:buSzPct val="70000"/>
+              <a:buFont typeface="Wingdings" panose="05000000000000000000" pitchFamily="2" charset="2"/>
+              <a:buChar char="n"/>
+              <a:defRPr sz="3200">
+                <a:solidFill>
+                  <a:schemeClr val="tx1"/>
+                </a:solidFill>
+                <a:latin typeface="Tahoma" panose="020B0604030504040204" pitchFamily="34" charset="0"/>
+              </a:defRPr>
+            </a:lvl1pPr>
+            <a:lvl2pPr marL="742950" indent="-285750">
+              <a:spcBef>
+                <a:spcPct val="20000"/>
+              </a:spcBef>
+              <a:buClr>
+                <a:schemeClr val="accent1"/>
+              </a:buClr>
+              <a:buSzPct val="70000"/>
+              <a:buFont typeface="Wingdings" panose="05000000000000000000" pitchFamily="2" charset="2"/>
+              <a:buChar char="n"/>
+              <a:defRPr sz="2800">
+                <a:solidFill>
+                  <a:schemeClr val="tx1"/>
+                </a:solidFill>
+                <a:latin typeface="Tahoma" panose="020B0604030504040204" pitchFamily="34" charset="0"/>
+              </a:defRPr>
+            </a:lvl2pPr>
+            <a:lvl3pPr marL="1143000" indent="-228600">
+              <a:spcBef>
+                <a:spcPct val="20000"/>
+              </a:spcBef>
+              <a:buClr>
+                <a:srgbClr val="66CC00"/>
+              </a:buClr>
+              <a:buSzPct val="70000"/>
+              <a:buFont typeface="Wingdings" panose="05000000000000000000" pitchFamily="2" charset="2"/>
+              <a:buChar char="n"/>
+              <a:defRPr sz="2400">
+                <a:solidFill>
+                  <a:schemeClr val="tx1"/>
+                </a:solidFill>
+                <a:latin typeface="Tahoma" panose="020B0604030504040204" pitchFamily="34" charset="0"/>
+              </a:defRPr>
+            </a:lvl3pPr>
+            <a:lvl4pPr marL="1600200" indent="-228600">
+              <a:spcBef>
+                <a:spcPct val="20000"/>
+              </a:spcBef>
+              <a:buSzPct val="70000"/>
+              <a:buFont typeface="Wingdings" panose="05000000000000000000" pitchFamily="2" charset="2"/>
+              <a:buChar char="l"/>
+              <a:defRPr sz="2000">
+                <a:solidFill>
+                  <a:schemeClr val="tx1"/>
+                </a:solidFill>
+                <a:latin typeface="Tahoma" panose="020B0604030504040204" pitchFamily="34" charset="0"/>
+              </a:defRPr>
+            </a:lvl4pPr>
+            <a:lvl5pPr marL="2057400" indent="-228600">
+              <a:spcBef>
+                <a:spcPct val="20000"/>
+              </a:spcBef>
+              <a:buFont typeface="Arial" panose="020B0604020202020204" pitchFamily="34" charset="0"/>
+              <a:buChar char="–"/>
+              <a:defRPr sz="2000">
+                <a:solidFill>
+                  <a:schemeClr val="tx1"/>
+                </a:solidFill>
+                <a:latin typeface="Tahoma" panose="020B0604030504040204" pitchFamily="34" charset="0"/>
+              </a:defRPr>
+            </a:lvl5pPr>
+            <a:lvl6pPr marL="2514600" indent="-228600" eaLnBrk="0" fontAlgn="base" hangingPunct="0">
+              <a:spcBef>
+                <a:spcPct val="20000"/>
+              </a:spcBef>
+              <a:spcAft>
+                <a:spcPct val="0"/>
+              </a:spcAft>
+              <a:buFont typeface="Arial" panose="020B0604020202020204" pitchFamily="34" charset="0"/>
+              <a:buChar char="–"/>
+              <a:defRPr sz="2000">
+                <a:solidFill>
+                  <a:schemeClr val="tx1"/>
+                </a:solidFill>
+                <a:latin typeface="Tahoma" panose="020B0604030504040204" pitchFamily="34" charset="0"/>
+              </a:defRPr>
+            </a:lvl6pPr>
+            <a:lvl7pPr marL="2971800" indent="-228600" eaLnBrk="0" fontAlgn="base" hangingPunct="0">
+              <a:spcBef>
+                <a:spcPct val="20000"/>
+              </a:spcBef>
+              <a:spcAft>
+                <a:spcPct val="0"/>
+              </a:spcAft>
+              <a:buFont typeface="Arial" panose="020B0604020202020204" pitchFamily="34" charset="0"/>
+              <a:buChar char="–"/>
+              <a:defRPr sz="2000">
+                <a:solidFill>
+                  <a:schemeClr val="tx1"/>
+                </a:solidFill>
+                <a:latin typeface="Tahoma" panose="020B0604030504040204" pitchFamily="34" charset="0"/>
+              </a:defRPr>
+            </a:lvl7pPr>
+            <a:lvl8pPr marL="3429000" indent="-228600" eaLnBrk="0" fontAlgn="base" hangingPunct="0">
+              <a:spcBef>
+                <a:spcPct val="20000"/>
+              </a:spcBef>
+              <a:spcAft>
+                <a:spcPct val="0"/>
+              </a:spcAft>
+              <a:buFont typeface="Arial" panose="020B0604020202020204" pitchFamily="34" charset="0"/>
+              <a:buChar char="–"/>
+              <a:defRPr sz="2000">
+                <a:solidFill>
+                  <a:schemeClr val="tx1"/>
+                </a:solidFill>
+                <a:latin typeface="Tahoma" panose="020B0604030504040204" pitchFamily="34" charset="0"/>
+              </a:defRPr>
+            </a:lvl8pPr>
+            <a:lvl9pPr marL="3886200" indent="-228600" eaLnBrk="0" fontAlgn="base" hangingPunct="0">
+              <a:spcBef>
+                <a:spcPct val="20000"/>
+              </a:spcBef>
+              <a:spcAft>
+                <a:spcPct val="0"/>
+              </a:spcAft>
+              <a:buFont typeface="Arial" panose="020B0604020202020204" pitchFamily="34" charset="0"/>
+              <a:buChar char="–"/>
+              <a:defRPr sz="2000">
+                <a:solidFill>
+                  <a:schemeClr val="tx1"/>
+                </a:solidFill>
+                <a:latin typeface="Tahoma" panose="020B0604030504040204" pitchFamily="34" charset="0"/>
+              </a:defRPr>
+            </a:lvl9pPr>
+          </a:lstStyle>
+          <a:p>
+            <a:pPr algn="ctr">
+              <a:spcBef>
+                <a:spcPct val="0"/>
+              </a:spcBef>
+              <a:buClrTx/>
+              <a:buSzTx/>
+              <a:buFontTx/>
+              <a:buNone/>
+            </a:pPr>
+            <a:r>
+              <a:rPr lang="en-US" altLang="it-IT" sz="2400" dirty="0"/>
+              <a:t>the name of the bridge to be brought on</a:t>
+            </a:r>
+          </a:p>
+        </p:txBody>
+      </p:sp>
+    </p:spTree>
+    <p:extLst>
+      <p:ext uri="{BB962C8B-B14F-4D97-AF65-F5344CB8AC3E}">
+        <p14:creationId xmlns:p14="http://schemas.microsoft.com/office/powerpoint/2010/main" val="3037940725"/>
+      </p:ext>
+    </p:extLst>
+  </p:cSld>
+  <p:clrMapOvr>
+    <a:masterClrMapping/>
+  </p:clrMapOvr>
+  <p:timing>
+    <p:tnLst>
+      <p:par>
+        <p:cTn id="1" dur="indefinite" restart="never" nodeType="tmRoot">
+          <p:childTnLst>
+            <p:seq concurrent="1" nextAc="seek">
+              <p:cTn id="2" dur="indefinite" nodeType="mainSeq">
+                <p:childTnLst>
+                  <p:par>
+                    <p:cTn id="3" fill="hold">
+                      <p:stCondLst>
+                        <p:cond delay="indefinite"/>
+                      </p:stCondLst>
+                      <p:childTnLst>
+                        <p:par>
+                          <p:cTn id="4" fill="hold">
+                            <p:stCondLst>
+                              <p:cond delay="0"/>
+                            </p:stCondLst>
+                            <p:childTnLst>
+                              <p:par>
+                                <p:cTn id="5" presetID="1" presetClass="entr" presetSubtype="0" fill="hold" grpId="0" nodeType="clickEffect">
+                                  <p:stCondLst>
+                                    <p:cond delay="0"/>
+                                  </p:stCondLst>
+                                  <p:childTnLst>
+                                    <p:set>
+                                      <p:cBhvr>
+                                        <p:cTn id="6" dur="1" fill="hold">
+                                          <p:stCondLst>
+                                            <p:cond delay="0"/>
+                                          </p:stCondLst>
+                                        </p:cTn>
+                                        <p:tgtEl>
+                                          <p:spTgt spid="13"/>
+                                        </p:tgtEl>
+                                        <p:attrNameLst>
+                                          <p:attrName>style.visibility</p:attrName>
+                                        </p:attrNameLst>
+                                      </p:cBhvr>
+                                      <p:to>
+                                        <p:strVal val="visible"/>
+                                      </p:to>
+                                    </p:set>
+                                  </p:childTnLst>
+                                </p:cTn>
+                              </p:par>
+                            </p:childTnLst>
+                          </p:cTn>
+                        </p:par>
+                      </p:childTnLst>
+                    </p:cTn>
+                  </p:par>
+                  <p:par>
+                    <p:cTn id="7" fill="hold">
+                      <p:stCondLst>
+                        <p:cond delay="indefinite"/>
+                      </p:stCondLst>
+                      <p:childTnLst>
+                        <p:par>
+                          <p:cTn id="8" fill="hold">
+                            <p:stCondLst>
+                              <p:cond delay="0"/>
+                            </p:stCondLst>
+                            <p:childTnLst>
+                              <p:par>
+                                <p:cTn id="9" presetID="1" presetClass="entr" presetSubtype="0" fill="hold" grpId="0" nodeType="clickEffect">
+                                  <p:stCondLst>
+                                    <p:cond delay="0"/>
+                                  </p:stCondLst>
+                                  <p:childTnLst>
+                                    <p:set>
+                                      <p:cBhvr>
+                                        <p:cTn id="10" dur="1" fill="hold">
+                                          <p:stCondLst>
+                                            <p:cond delay="0"/>
+                                          </p:stCondLst>
+                                        </p:cTn>
+                                        <p:tgtEl>
+                                          <p:spTgt spid="14"/>
                                         </p:tgtEl>
                                         <p:attrNameLst>
                                           <p:attrName>style.visibility</p:attrName>

--- a/main-labs/switching/one-bridge/0110-kathara-lab_one-bridge.pptx
+++ b/main-labs/switching/one-bridge/0110-kathara-lab_one-bridge.pptx
@@ -8376,12 +8376,8 @@
           <a:p>
             <a:pPr eaLnBrk="1" hangingPunct="1"/>
             <a:r>
-              <a:rPr lang="en-GB" altLang="it-IT" noProof="0" dirty="0" err="1"/>
-              <a:t>kathara</a:t>
-            </a:r>
-            <a:r>
               <a:rPr lang="en-GB" altLang="it-IT" noProof="0" dirty="0"/>
-              <a:t> lab</a:t>
+              <a:t>Kathará lab</a:t>
             </a:r>
           </a:p>
         </p:txBody>
@@ -8430,7 +8426,7 @@
           <p:nvPr>
             <p:extLst>
               <p:ext uri="{D42A27DB-BD31-4B8C-83A1-F6EECF244321}">
-                <p14:modId xmlns:p14="http://schemas.microsoft.com/office/powerpoint/2010/main" val="1569212449"/>
+                <p14:modId xmlns:p14="http://schemas.microsoft.com/office/powerpoint/2010/main" val="2329817252"/>
               </p:ext>
             </p:extLst>
           </p:nvPr>
@@ -8846,7 +8842,7 @@
                           <a:effectLst/>
                           <a:latin typeface="Tahoma" panose="020B0604030504040204" pitchFamily="34" charset="0"/>
                         </a:rPr>
-                        <a:t>1.1</a:t>
+                        <a:t>2.0</a:t>
                       </a:r>
                     </a:p>
                   </a:txBody>
@@ -9289,7 +9285,7 @@
                           <a:effectLst/>
                           <a:latin typeface="Tahoma" panose="020B0604030504040204" pitchFamily="34" charset="0"/>
                         </a:rPr>
-                        <a:t>L. Ariemma, G. Di Battista</a:t>
+                        <a:t>L. Ariemma, T. Caiazzi, G. Di Battista</a:t>
                       </a:r>
                     </a:p>
                   </a:txBody>

--- a/main-labs/switching/one-bridge/0110-kathara-lab_one-bridge.pptx
+++ b/main-labs/switching/one-bridge/0110-kathara-lab_one-bridge.pptx
@@ -5518,9 +5518,10 @@
               <a:defRPr/>
             </a:pPr>
             <a:r>
-              <a:rPr lang="it-IT" altLang="it-IT"/>
-              <a:t>last update: Oct 2023</a:t>
+              <a:rPr lang="en-US" altLang="it-IT"/>
+              <a:t>last update: Sept  2024</a:t>
             </a:r>
+            <a:endParaRPr lang="it-IT" altLang="it-IT"/>
           </a:p>
         </p:txBody>
       </p:sp>
@@ -5707,9 +5708,10 @@
               <a:defRPr/>
             </a:pPr>
             <a:r>
-              <a:rPr lang="it-IT" altLang="it-IT"/>
-              <a:t>last update: Oct 2023</a:t>
+              <a:rPr lang="en-US" altLang="it-IT"/>
+              <a:t>last update: Sept  2024</a:t>
             </a:r>
+            <a:endParaRPr lang="it-IT" altLang="it-IT"/>
           </a:p>
         </p:txBody>
       </p:sp>
@@ -5842,9 +5844,10 @@
               <a:defRPr/>
             </a:pPr>
             <a:r>
-              <a:rPr lang="it-IT" altLang="it-IT"/>
-              <a:t>last update: Oct 2023</a:t>
+              <a:rPr lang="en-US" altLang="it-IT"/>
+              <a:t>last update: Sept  2024</a:t>
             </a:r>
+            <a:endParaRPr lang="it-IT" altLang="it-IT"/>
           </a:p>
         </p:txBody>
       </p:sp>
@@ -6067,9 +6070,10 @@
               <a:defRPr/>
             </a:pPr>
             <a:r>
-              <a:rPr lang="it-IT" altLang="it-IT"/>
-              <a:t>last update: Oct 2023</a:t>
+              <a:rPr lang="en-US" altLang="it-IT"/>
+              <a:t>last update: Sept  2024</a:t>
             </a:r>
+            <a:endParaRPr lang="it-IT" altLang="it-IT"/>
           </a:p>
         </p:txBody>
       </p:sp>
@@ -6280,9 +6284,10 @@
               <a:defRPr/>
             </a:pPr>
             <a:r>
-              <a:rPr lang="it-IT" altLang="it-IT"/>
-              <a:t>last update: Oct 2023</a:t>
+              <a:rPr lang="en-US" altLang="it-IT"/>
+              <a:t>last update: Sept  2024</a:t>
             </a:r>
+            <a:endParaRPr lang="it-IT" altLang="it-IT"/>
           </a:p>
         </p:txBody>
       </p:sp>
@@ -6577,9 +6582,10 @@
               <a:defRPr/>
             </a:pPr>
             <a:r>
-              <a:rPr lang="it-IT" altLang="it-IT"/>
-              <a:t>last update: Oct 2023</a:t>
+              <a:rPr lang="en-US" altLang="it-IT"/>
+              <a:t>last update: Sept  2024</a:t>
             </a:r>
+            <a:endParaRPr lang="it-IT" altLang="it-IT"/>
           </a:p>
         </p:txBody>
       </p:sp>
@@ -6704,9 +6710,10 @@
               <a:defRPr/>
             </a:pPr>
             <a:r>
-              <a:rPr lang="it-IT" altLang="it-IT"/>
-              <a:t>last update: Oct 2023</a:t>
+              <a:rPr lang="en-US" altLang="it-IT"/>
+              <a:t>last update: Sept  2024</a:t>
             </a:r>
+            <a:endParaRPr lang="it-IT" altLang="it-IT"/>
           </a:p>
         </p:txBody>
       </p:sp>
@@ -6808,9 +6815,10 @@
               <a:defRPr/>
             </a:pPr>
             <a:r>
-              <a:rPr lang="it-IT" altLang="it-IT"/>
-              <a:t>last update: Oct 2023</a:t>
+              <a:rPr lang="en-US" altLang="it-IT"/>
+              <a:t>last update: Sept  2024</a:t>
             </a:r>
+            <a:endParaRPr lang="it-IT" altLang="it-IT"/>
           </a:p>
         </p:txBody>
       </p:sp>
@@ -7094,9 +7102,10 @@
               <a:defRPr/>
             </a:pPr>
             <a:r>
-              <a:rPr lang="it-IT" altLang="it-IT"/>
-              <a:t>last update: Oct 2023</a:t>
+              <a:rPr lang="en-US" altLang="it-IT"/>
+              <a:t>last update: Sept  2024</a:t>
             </a:r>
+            <a:endParaRPr lang="it-IT" altLang="it-IT"/>
           </a:p>
         </p:txBody>
       </p:sp>
@@ -7361,9 +7370,10 @@
               <a:defRPr/>
             </a:pPr>
             <a:r>
-              <a:rPr lang="it-IT" altLang="it-IT"/>
-              <a:t>last update: Oct 2023</a:t>
+              <a:rPr lang="en-US" altLang="it-IT"/>
+              <a:t>last update: Sept  2024</a:t>
             </a:r>
+            <a:endParaRPr lang="it-IT" altLang="it-IT"/>
           </a:p>
         </p:txBody>
       </p:sp>
@@ -7649,9 +7659,10 @@
               <a:defRPr/>
             </a:pPr>
             <a:r>
-              <a:rPr lang="it-IT" altLang="it-IT"/>
-              <a:t>last update: Oct 2023</a:t>
+              <a:rPr lang="en-US" altLang="it-IT"/>
+              <a:t>last update: Sept  2024</a:t>
             </a:r>
+            <a:endParaRPr lang="it-IT" altLang="it-IT"/>
           </a:p>
         </p:txBody>
       </p:sp>
@@ -10867,9 +10878,10 @@
               <a:defRPr/>
             </a:pPr>
             <a:r>
-              <a:rPr lang="it-IT" altLang="it-IT"/>
-              <a:t>last update: Oct 2023</a:t>
+              <a:rPr lang="en-US" altLang="it-IT"/>
+              <a:t>last update: Sept  2024</a:t>
             </a:r>
+            <a:endParaRPr lang="it-IT" altLang="it-IT"/>
           </a:p>
         </p:txBody>
       </p:sp>
@@ -12278,9 +12290,10 @@
               <a:defRPr/>
             </a:pPr>
             <a:r>
-              <a:rPr lang="it-IT" altLang="it-IT"/>
-              <a:t>last update: Oct 2023</a:t>
+              <a:rPr lang="en-US" altLang="it-IT"/>
+              <a:t>last update: Sept  2024</a:t>
             </a:r>
+            <a:endParaRPr lang="it-IT" altLang="it-IT"/>
           </a:p>
         </p:txBody>
       </p:sp>
@@ -13043,9 +13056,10 @@
               <a:defRPr/>
             </a:pPr>
             <a:r>
-              <a:rPr lang="it-IT" altLang="it-IT"/>
-              <a:t>last update: Oct 2023</a:t>
+              <a:rPr lang="en-US" altLang="it-IT"/>
+              <a:t>last update: Sept  2024</a:t>
             </a:r>
+            <a:endParaRPr lang="it-IT" altLang="it-IT"/>
           </a:p>
         </p:txBody>
       </p:sp>
@@ -13226,9 +13240,10 @@
               <a:defRPr/>
             </a:pPr>
             <a:r>
-              <a:rPr lang="it-IT" altLang="it-IT"/>
-              <a:t>last update: Oct 2023</a:t>
+              <a:rPr lang="en-US" altLang="it-IT"/>
+              <a:t>last update: Sept  2024</a:t>
             </a:r>
+            <a:endParaRPr lang="it-IT" altLang="it-IT"/>
           </a:p>
         </p:txBody>
       </p:sp>
@@ -14169,9 +14184,10 @@
               <a:defRPr/>
             </a:pPr>
             <a:r>
-              <a:rPr lang="it-IT" altLang="it-IT"/>
-              <a:t>last update: Oct 2023</a:t>
+              <a:rPr lang="en-US" altLang="it-IT"/>
+              <a:t>last update: Sept  2024</a:t>
             </a:r>
+            <a:endParaRPr lang="it-IT" altLang="it-IT"/>
           </a:p>
         </p:txBody>
       </p:sp>
@@ -14390,9 +14406,10 @@
               <a:defRPr/>
             </a:pPr>
             <a:r>
-              <a:rPr lang="it-IT" altLang="it-IT"/>
-              <a:t>last update: Oct 2023</a:t>
+              <a:rPr lang="en-US" altLang="it-IT"/>
+              <a:t>last update: Sept  2024</a:t>
             </a:r>
+            <a:endParaRPr lang="it-IT" altLang="it-IT"/>
           </a:p>
         </p:txBody>
       </p:sp>
@@ -14553,9 +14570,10 @@
               <a:defRPr/>
             </a:pPr>
             <a:r>
-              <a:rPr lang="it-IT" altLang="it-IT"/>
-              <a:t>last update: Oct 2023</a:t>
+              <a:rPr lang="en-US" altLang="it-IT"/>
+              <a:t>last update: Sept  2024</a:t>
             </a:r>
+            <a:endParaRPr lang="it-IT" altLang="it-IT"/>
           </a:p>
         </p:txBody>
       </p:sp>
@@ -15301,9 +15319,10 @@
               <a:defRPr/>
             </a:pPr>
             <a:r>
-              <a:rPr lang="it-IT" altLang="it-IT"/>
-              <a:t>last update: Oct 2023</a:t>
+              <a:rPr lang="en-US" altLang="it-IT"/>
+              <a:t>last update: Sept  2024</a:t>
             </a:r>
+            <a:endParaRPr lang="it-IT" altLang="it-IT"/>
           </a:p>
         </p:txBody>
       </p:sp>
@@ -16794,9 +16813,10 @@
               <a:defRPr/>
             </a:pPr>
             <a:r>
-              <a:rPr lang="it-IT" altLang="it-IT"/>
-              <a:t>last update: Oct 2023</a:t>
+              <a:rPr lang="en-US" altLang="it-IT"/>
+              <a:t>last update: Sept  2024</a:t>
             </a:r>
+            <a:endParaRPr lang="it-IT" altLang="it-IT"/>
           </a:p>
         </p:txBody>
       </p:sp>
@@ -16966,9 +16986,10 @@
               <a:defRPr/>
             </a:pPr>
             <a:r>
-              <a:rPr lang="it-IT" altLang="it-IT"/>
-              <a:t>last update: Oct 2023</a:t>
+              <a:rPr lang="en-US" altLang="it-IT"/>
+              <a:t>last update: Sept  2024</a:t>
             </a:r>
+            <a:endParaRPr lang="it-IT" altLang="it-IT"/>
           </a:p>
         </p:txBody>
       </p:sp>
@@ -17186,9 +17207,10 @@
               <a:defRPr/>
             </a:pPr>
             <a:r>
-              <a:rPr lang="it-IT" altLang="it-IT"/>
-              <a:t>last update: Oct 2023</a:t>
+              <a:rPr lang="en-US" altLang="it-IT"/>
+              <a:t>last update: Sept  2024</a:t>
             </a:r>
+            <a:endParaRPr lang="it-IT" altLang="it-IT" dirty="0"/>
           </a:p>
         </p:txBody>
       </p:sp>
@@ -17302,9 +17324,10 @@
               <a:defRPr/>
             </a:pPr>
             <a:r>
-              <a:rPr lang="it-IT" altLang="it-IT"/>
-              <a:t>last update: Oct 2023</a:t>
+              <a:rPr lang="en-US" altLang="it-IT"/>
+              <a:t>last update: Sept  2024</a:t>
             </a:r>
+            <a:endParaRPr lang="it-IT" altLang="it-IT"/>
           </a:p>
         </p:txBody>
       </p:sp>
@@ -29560,9 +29583,10 @@
               <a:defRPr/>
             </a:pPr>
             <a:r>
-              <a:rPr lang="it-IT" altLang="it-IT"/>
-              <a:t>last update: Oct 2023</a:t>
+              <a:rPr lang="en-US" altLang="it-IT"/>
+              <a:t>last update: Sept  2024</a:t>
             </a:r>
+            <a:endParaRPr lang="it-IT" altLang="it-IT"/>
           </a:p>
         </p:txBody>
       </p:sp>
@@ -31006,9 +31030,10 @@
               <a:defRPr/>
             </a:pPr>
             <a:r>
-              <a:rPr lang="it-IT" altLang="it-IT"/>
-              <a:t>last update: Oct 2023</a:t>
+              <a:rPr lang="en-US" altLang="it-IT"/>
+              <a:t>last update: Sept  2024</a:t>
             </a:r>
+            <a:endParaRPr lang="it-IT" altLang="it-IT"/>
           </a:p>
         </p:txBody>
       </p:sp>
@@ -31161,17 +31186,10 @@
               <a:defRPr/>
             </a:pPr>
             <a:r>
-              <a:rPr lang="it-IT" altLang="it-IT" dirty="0"/>
-              <a:t>last update: </a:t>
+              <a:rPr lang="en-US" altLang="it-IT"/>
+              <a:t>last update: Sept  2024</a:t>
             </a:r>
-            <a:r>
-              <a:rPr lang="it-IT" altLang="it-IT" dirty="0" err="1"/>
-              <a:t>Oct</a:t>
-            </a:r>
-            <a:r>
-              <a:rPr lang="it-IT" altLang="it-IT" dirty="0"/>
-              <a:t> 2023</a:t>
-            </a:r>
+            <a:endParaRPr lang="it-IT" altLang="it-IT" dirty="0"/>
           </a:p>
         </p:txBody>
       </p:sp>
@@ -32368,9 +32386,10 @@
               <a:defRPr/>
             </a:pPr>
             <a:r>
-              <a:rPr lang="it-IT" altLang="it-IT"/>
-              <a:t>last update: Oct 2023</a:t>
+              <a:rPr lang="en-US" altLang="it-IT"/>
+              <a:t>last update: Sept  2024</a:t>
             </a:r>
+            <a:endParaRPr lang="it-IT" altLang="it-IT"/>
           </a:p>
         </p:txBody>
       </p:sp>
@@ -32529,9 +32548,10 @@
               <a:defRPr/>
             </a:pPr>
             <a:r>
-              <a:rPr lang="it-IT" altLang="it-IT"/>
-              <a:t>last update: Oct 2023</a:t>
+              <a:rPr lang="en-US" altLang="it-IT"/>
+              <a:t>last update: Sept  2024</a:t>
             </a:r>
+            <a:endParaRPr lang="it-IT" altLang="it-IT"/>
           </a:p>
         </p:txBody>
       </p:sp>
@@ -33721,9 +33741,10 @@
               <a:defRPr/>
             </a:pPr>
             <a:r>
-              <a:rPr lang="it-IT" altLang="it-IT"/>
-              <a:t>last update: Oct 2023</a:t>
+              <a:rPr lang="en-US" altLang="it-IT"/>
+              <a:t>last update: Sept  2024</a:t>
             </a:r>
+            <a:endParaRPr lang="it-IT" altLang="it-IT"/>
           </a:p>
         </p:txBody>
       </p:sp>
